--- a/Dokumente/Zwischenstand zum 2012-04-21_v2.pptx
+++ b/Dokumente/Zwischenstand zum 2012-04-21_v2.pptx
@@ -5,7 +5,7 @@
     <p:sldMasterId id="2147483744" r:id="rId1"/>
   </p:sldMasterIdLst>
   <p:notesMasterIdLst>
-    <p:notesMasterId r:id="rId29"/>
+    <p:notesMasterId r:id="rId26"/>
   </p:notesMasterIdLst>
   <p:sldIdLst>
     <p:sldId id="256" r:id="rId2"/>
@@ -22,19 +22,16 @@
     <p:sldId id="269" r:id="rId13"/>
     <p:sldId id="270" r:id="rId14"/>
     <p:sldId id="272" r:id="rId15"/>
-    <p:sldId id="273" r:id="rId16"/>
-    <p:sldId id="274" r:id="rId17"/>
-    <p:sldId id="275" r:id="rId18"/>
-    <p:sldId id="276" r:id="rId19"/>
-    <p:sldId id="277" r:id="rId20"/>
-    <p:sldId id="278" r:id="rId21"/>
-    <p:sldId id="279" r:id="rId22"/>
-    <p:sldId id="280" r:id="rId23"/>
-    <p:sldId id="281" r:id="rId24"/>
-    <p:sldId id="282" r:id="rId25"/>
-    <p:sldId id="283" r:id="rId26"/>
-    <p:sldId id="284" r:id="rId27"/>
-    <p:sldId id="257" r:id="rId28"/>
+    <p:sldId id="274" r:id="rId16"/>
+    <p:sldId id="275" r:id="rId17"/>
+    <p:sldId id="287" r:id="rId18"/>
+    <p:sldId id="277" r:id="rId19"/>
+    <p:sldId id="280" r:id="rId20"/>
+    <p:sldId id="285" r:id="rId21"/>
+    <p:sldId id="282" r:id="rId22"/>
+    <p:sldId id="286" r:id="rId23"/>
+    <p:sldId id="288" r:id="rId24"/>
+    <p:sldId id="284" r:id="rId25"/>
   </p:sldIdLst>
   <p:sldSz cx="9144000" cy="6858000" type="screen4x3"/>
   <p:notesSz cx="6858000" cy="9144000"/>
@@ -140,16 +137,6 @@
 <p:cmAuthorLst xmlns:a="http://schemas.openxmlformats.org/drawingml/2006/main" xmlns:r="http://schemas.openxmlformats.org/officeDocument/2006/relationships" xmlns:p="http://schemas.openxmlformats.org/presentationml/2006/main">
   <p:cmAuthor id="1" name="Autor" initials="A" lastIdx="0" clrIdx="1"/>
 </p:cmAuthorLst>
-</file>
-
-<file path=ppt/comments/comment1.xml><?xml version="1.0" encoding="utf-8"?>
-<p:cmLst xmlns:a="http://schemas.openxmlformats.org/drawingml/2006/main" xmlns:r="http://schemas.openxmlformats.org/officeDocument/2006/relationships" xmlns:p="http://schemas.openxmlformats.org/presentationml/2006/main">
-  <p:cm authorId="1" dt="2012-04-12T22:07:18.671" idx="1">
-    <p:pos x="1728" y="1025"/>
-    <p:text>Was wollen wir hier zeigen?
-Sinnvoll?</p:text>
-  </p:cm>
-</p:cmLst>
 </file>
 
 <file path=ppt/diagrams/colors1.xml><?xml version="1.0" encoding="utf-8"?>
@@ -1218,18 +1205,18 @@
     </dgm:pt>
   </dgm:ptLst>
   <dgm:cxnLst>
+    <dgm:cxn modelId="{8ACFE37D-5C85-4909-9759-7CC7AB616FCB}" type="presOf" srcId="{A2E957D4-B9A8-41E8-9B88-7B884721F996}" destId="{9AE0D100-B11F-4B8E-A83C-80C9BB67997D}" srcOrd="0" destOrd="0" presId="urn:microsoft.com/office/officeart/2005/8/layout/bProcess2"/>
+    <dgm:cxn modelId="{4D2D03B2-4767-452A-A48D-FF809EF37E3B}" srcId="{2076FC96-6453-4C6E-A8B1-022AF85EFBBD}" destId="{3A8DBD30-33F4-4BF2-A3E8-CE2DB89DAAF3}" srcOrd="1" destOrd="0" parTransId="{CEAC2244-9C24-451F-BB9E-136E8D8A7A0B}" sibTransId="{63BBCC2C-BF04-4F97-9FC9-0D509448B1C6}"/>
+    <dgm:cxn modelId="{4C86A151-9FA8-45B0-9501-F584F4EFF944}" type="presOf" srcId="{944B7687-9390-4A1A-858A-D031F080161B}" destId="{756AB1AC-5B51-4BBE-B2B1-6ABFB74C10C9}" srcOrd="0" destOrd="0" presId="urn:microsoft.com/office/officeart/2005/8/layout/bProcess2"/>
+    <dgm:cxn modelId="{E10C5AF5-8470-4875-B217-C5D2EC0BEE27}" srcId="{2076FC96-6453-4C6E-A8B1-022AF85EFBBD}" destId="{9FFECB61-C811-496D-9F12-F63AD9A2D9EE}" srcOrd="2" destOrd="0" parTransId="{0267A443-BEBA-47C3-B13F-1D20BE53CED2}" sibTransId="{81593B52-C0C7-4699-A542-14EF6A552710}"/>
+    <dgm:cxn modelId="{A212D928-0F90-4F12-A693-3F945F6E7078}" type="presOf" srcId="{63BBCC2C-BF04-4F97-9FC9-0D509448B1C6}" destId="{6E2E45EE-058C-4AFF-8701-838DE3D5016A}" srcOrd="0" destOrd="0" presId="urn:microsoft.com/office/officeart/2005/8/layout/bProcess2"/>
+    <dgm:cxn modelId="{F002DD15-70D4-4459-99EC-06E12C0BB70A}" type="presOf" srcId="{9FFECB61-C811-496D-9F12-F63AD9A2D9EE}" destId="{EFBF5D05-10BD-4B08-8E78-F6A085231E0E}" srcOrd="0" destOrd="0" presId="urn:microsoft.com/office/officeart/2005/8/layout/bProcess2"/>
+    <dgm:cxn modelId="{849DBC22-5687-459A-ABFD-5D5DD1793B84}" type="presOf" srcId="{2076FC96-6453-4C6E-A8B1-022AF85EFBBD}" destId="{4CB13BFB-EE5C-4952-BAC5-5317E8C7FD8A}" srcOrd="0" destOrd="0" presId="urn:microsoft.com/office/officeart/2005/8/layout/bProcess2"/>
+    <dgm:cxn modelId="{9A2D8CF7-8EB6-4A03-BC35-C2AFD8327B94}" type="presOf" srcId="{3A8DBD30-33F4-4BF2-A3E8-CE2DB89DAAF3}" destId="{AE9493EE-4C7D-46D0-A28C-7598159ACE40}" srcOrd="0" destOrd="0" presId="urn:microsoft.com/office/officeart/2005/8/layout/bProcess2"/>
+    <dgm:cxn modelId="{C0F0325B-5D94-4F8F-A19C-E342385C7A0C}" srcId="{2076FC96-6453-4C6E-A8B1-022AF85EFBBD}" destId="{D676ACFF-D864-4A74-BC08-FFF521911366}" srcOrd="3" destOrd="0" parTransId="{BC2BCB5C-0572-4291-A81A-4826CA359DAE}" sibTransId="{1C262E3B-E95B-4C81-A044-204E3F83EF9F}"/>
     <dgm:cxn modelId="{39710712-6FE3-476F-A0BC-24F557686F14}" srcId="{2076FC96-6453-4C6E-A8B1-022AF85EFBBD}" destId="{944B7687-9390-4A1A-858A-D031F080161B}" srcOrd="0" destOrd="0" parTransId="{388F90D2-8549-4567-8828-34D75B5A1121}" sibTransId="{A2E957D4-B9A8-41E8-9B88-7B884721F996}"/>
     <dgm:cxn modelId="{6083559D-1737-4D85-ADCE-67AAF989120F}" type="presOf" srcId="{D676ACFF-D864-4A74-BC08-FFF521911366}" destId="{FD93DD51-6B10-48A2-80F7-E1B001E1F8E7}" srcOrd="0" destOrd="0" presId="urn:microsoft.com/office/officeart/2005/8/layout/bProcess2"/>
-    <dgm:cxn modelId="{849DBC22-5687-459A-ABFD-5D5DD1793B84}" type="presOf" srcId="{2076FC96-6453-4C6E-A8B1-022AF85EFBBD}" destId="{4CB13BFB-EE5C-4952-BAC5-5317E8C7FD8A}" srcOrd="0" destOrd="0" presId="urn:microsoft.com/office/officeart/2005/8/layout/bProcess2"/>
     <dgm:cxn modelId="{7C756F47-C83B-414A-BA22-15AF6D2D8F5F}" type="presOf" srcId="{81593B52-C0C7-4699-A542-14EF6A552710}" destId="{4B16C956-3F43-4F0C-851B-7BEF2A858E05}" srcOrd="0" destOrd="0" presId="urn:microsoft.com/office/officeart/2005/8/layout/bProcess2"/>
-    <dgm:cxn modelId="{A212D928-0F90-4F12-A693-3F945F6E7078}" type="presOf" srcId="{63BBCC2C-BF04-4F97-9FC9-0D509448B1C6}" destId="{6E2E45EE-058C-4AFF-8701-838DE3D5016A}" srcOrd="0" destOrd="0" presId="urn:microsoft.com/office/officeart/2005/8/layout/bProcess2"/>
-    <dgm:cxn modelId="{C0F0325B-5D94-4F8F-A19C-E342385C7A0C}" srcId="{2076FC96-6453-4C6E-A8B1-022AF85EFBBD}" destId="{D676ACFF-D864-4A74-BC08-FFF521911366}" srcOrd="3" destOrd="0" parTransId="{BC2BCB5C-0572-4291-A81A-4826CA359DAE}" sibTransId="{1C262E3B-E95B-4C81-A044-204E3F83EF9F}"/>
-    <dgm:cxn modelId="{4C86A151-9FA8-45B0-9501-F584F4EFF944}" type="presOf" srcId="{944B7687-9390-4A1A-858A-D031F080161B}" destId="{756AB1AC-5B51-4BBE-B2B1-6ABFB74C10C9}" srcOrd="0" destOrd="0" presId="urn:microsoft.com/office/officeart/2005/8/layout/bProcess2"/>
-    <dgm:cxn modelId="{F002DD15-70D4-4459-99EC-06E12C0BB70A}" type="presOf" srcId="{9FFECB61-C811-496D-9F12-F63AD9A2D9EE}" destId="{EFBF5D05-10BD-4B08-8E78-F6A085231E0E}" srcOrd="0" destOrd="0" presId="urn:microsoft.com/office/officeart/2005/8/layout/bProcess2"/>
-    <dgm:cxn modelId="{9A2D8CF7-8EB6-4A03-BC35-C2AFD8327B94}" type="presOf" srcId="{3A8DBD30-33F4-4BF2-A3E8-CE2DB89DAAF3}" destId="{AE9493EE-4C7D-46D0-A28C-7598159ACE40}" srcOrd="0" destOrd="0" presId="urn:microsoft.com/office/officeart/2005/8/layout/bProcess2"/>
-    <dgm:cxn modelId="{E10C5AF5-8470-4875-B217-C5D2EC0BEE27}" srcId="{2076FC96-6453-4C6E-A8B1-022AF85EFBBD}" destId="{9FFECB61-C811-496D-9F12-F63AD9A2D9EE}" srcOrd="2" destOrd="0" parTransId="{0267A443-BEBA-47C3-B13F-1D20BE53CED2}" sibTransId="{81593B52-C0C7-4699-A542-14EF6A552710}"/>
-    <dgm:cxn modelId="{4D2D03B2-4767-452A-A48D-FF809EF37E3B}" srcId="{2076FC96-6453-4C6E-A8B1-022AF85EFBBD}" destId="{3A8DBD30-33F4-4BF2-A3E8-CE2DB89DAAF3}" srcOrd="1" destOrd="0" parTransId="{CEAC2244-9C24-451F-BB9E-136E8D8A7A0B}" sibTransId="{63BBCC2C-BF04-4F97-9FC9-0D509448B1C6}"/>
-    <dgm:cxn modelId="{8ACFE37D-5C85-4909-9759-7CC7AB616FCB}" type="presOf" srcId="{A2E957D4-B9A8-41E8-9B88-7B884721F996}" destId="{9AE0D100-B11F-4B8E-A83C-80C9BB67997D}" srcOrd="0" destOrd="0" presId="urn:microsoft.com/office/officeart/2005/8/layout/bProcess2"/>
     <dgm:cxn modelId="{2EF05FD6-D187-4F3D-A3CA-B345BBA7F54B}" type="presParOf" srcId="{4CB13BFB-EE5C-4952-BAC5-5317E8C7FD8A}" destId="{756AB1AC-5B51-4BBE-B2B1-6ABFB74C10C9}" srcOrd="0" destOrd="0" presId="urn:microsoft.com/office/officeart/2005/8/layout/bProcess2"/>
     <dgm:cxn modelId="{2FAB408C-15FB-47B5-8602-046936BBA666}" type="presParOf" srcId="{4CB13BFB-EE5C-4952-BAC5-5317E8C7FD8A}" destId="{9AE0D100-B11F-4B8E-A83C-80C9BB67997D}" srcOrd="1" destOrd="0" presId="urn:microsoft.com/office/officeart/2005/8/layout/bProcess2"/>
     <dgm:cxn modelId="{547DC9B5-B90D-413B-B96C-566FED317855}" type="presParOf" srcId="{4CB13BFB-EE5C-4952-BAC5-5317E8C7FD8A}" destId="{A25C0F81-5BB3-4973-8F78-DEA3ED62347C}" srcOrd="2" destOrd="0" presId="urn:microsoft.com/office/officeart/2005/8/layout/bProcess2"/>
@@ -1246,14 +1233,14 @@
   <dgm:whole/>
   <dgm:extLst>
     <a:ext uri="http://schemas.microsoft.com/office/drawing/2008/diagram">
-      <dsp:dataModelExt xmlns:dsp="http://schemas.microsoft.com/office/drawing/2008/diagram" relId="rId7" minVer="http://schemas.openxmlformats.org/drawingml/2006/diagram"/>
+      <dsp:dataModelExt xmlns:dsp="http://schemas.microsoft.com/office/drawing/2008/diagram" xmlns="" relId="rId7" minVer="http://schemas.openxmlformats.org/drawingml/2006/diagram"/>
     </a:ext>
   </dgm:extLst>
 </dgm:dataModel>
 </file>
 
 <file path=ppt/diagrams/drawing1.xml><?xml version="1.0" encoding="utf-8"?>
-<dsp:drawing xmlns:dgm="http://schemas.openxmlformats.org/drawingml/2006/diagram" xmlns:dsp="http://schemas.microsoft.com/office/drawing/2008/diagram" xmlns:a="http://schemas.openxmlformats.org/drawingml/2006/main">
+<dsp:drawing xmlns:dgm="http://schemas.openxmlformats.org/drawingml/2006/diagram" xmlns:a="http://schemas.openxmlformats.org/drawingml/2006/main" xmlns:dsp="http://schemas.microsoft.com/office/drawing/2008/diagram">
   <dsp:spTree>
     <dsp:nvGrpSpPr>
       <dsp:cNvPr id="0" name=""/>
@@ -3112,7 +3099,7 @@
             <a:fld id="{5FA7A704-9F1C-4FD3-85D1-57AF2D7FD0E8}" type="datetimeFigureOut">
               <a:rPr lang="en-US" smtClean="0"/>
               <a:pPr/>
-              <a:t>4/19/2012</a:t>
+              <a:t>4/20/2012</a:t>
             </a:fld>
             <a:endParaRPr lang="en-US" dirty="0"/>
           </a:p>
@@ -3283,7 +3270,7 @@
     </p:spTree>
     <p:extLst>
       <p:ext uri="{BB962C8B-B14F-4D97-AF65-F5344CB8AC3E}">
-        <p14:creationId xmlns:p14="http://schemas.microsoft.com/office/powerpoint/2010/main" val="2610097957"/>
+        <p14:creationId xmlns:p14="http://schemas.microsoft.com/office/powerpoint/2010/main" xmlns="" val="2610097957"/>
       </p:ext>
     </p:extLst>
   </p:cSld>
@@ -3458,7 +3445,7 @@
     </p:spTree>
     <p:extLst>
       <p:ext uri="{BB962C8B-B14F-4D97-AF65-F5344CB8AC3E}">
-        <p14:creationId xmlns:p14="http://schemas.microsoft.com/office/powerpoint/2010/main" val="2116472317"/>
+        <p14:creationId xmlns:p14="http://schemas.microsoft.com/office/powerpoint/2010/main" xmlns="" val="2116472317"/>
       </p:ext>
     </p:extLst>
   </p:cSld>
@@ -3509,114 +3496,43 @@
         </p:nvSpPr>
         <p:spPr/>
         <p:txBody>
-          <a:bodyPr>
-            <a:normAutofit/>
-          </a:bodyPr>
-          <a:lstStyle/>
-          <a:p>
-            <a:r>
-              <a:rPr lang="de-DE" dirty="0" smtClean="0"/>
-              <a:t>Grundlegende </a:t>
-            </a:r>
-            <a:r>
-              <a:rPr lang="de-DE" dirty="0" err="1" smtClean="0"/>
-              <a:t>Risikoanlayse</a:t>
-            </a:r>
-            <a:r>
-              <a:rPr lang="de-DE" baseline="0" dirty="0" smtClean="0"/>
-              <a:t> durchgeführt</a:t>
-            </a:r>
-          </a:p>
-          <a:p>
-            <a:r>
-              <a:rPr lang="de-DE" baseline="0" dirty="0" smtClean="0"/>
-              <a:t> - Risiken Identifiziert </a:t>
-            </a:r>
-          </a:p>
-          <a:p>
-            <a:r>
-              <a:rPr lang="de-DE" baseline="0" dirty="0" smtClean="0"/>
-              <a:t> - klassifiziert nach Eintrittswahrscheinlichkeit (hoch, mittel, gering)</a:t>
-            </a:r>
-          </a:p>
-          <a:p>
-            <a:r>
-              <a:rPr lang="de-DE" baseline="0" dirty="0" smtClean="0"/>
-              <a:t> und Auswirkungen bewertet hinsichtlich des </a:t>
-            </a:r>
-            <a:r>
-              <a:rPr lang="de-DE" baseline="0" dirty="0" err="1" smtClean="0"/>
-              <a:t>Projektsverlauf</a:t>
-            </a:r>
-            <a:r>
-              <a:rPr lang="de-DE" baseline="0" dirty="0" smtClean="0"/>
-              <a:t> im Bezug auf</a:t>
-            </a:r>
-          </a:p>
-          <a:p>
-            <a:r>
-              <a:rPr lang="de-DE" baseline="0" dirty="0" smtClean="0"/>
-              <a:t>	magische Dreieck: Termin, Kosten (MA Ressourcen), Inhalt/Umfang (Qualität)</a:t>
-            </a:r>
-          </a:p>
-          <a:p>
-            <a:r>
-              <a:rPr lang="de-DE" baseline="0" dirty="0" smtClean="0"/>
-              <a:t>	dort jeweils wieder nach (hoch, mittel, gering)</a:t>
-            </a:r>
-          </a:p>
-          <a:p>
-            <a:endParaRPr lang="de-DE" baseline="0" dirty="0" smtClean="0"/>
-          </a:p>
-          <a:p>
-            <a:r>
-              <a:rPr lang="de-DE" dirty="0" smtClean="0"/>
-              <a:t> - Fokussierung der</a:t>
-            </a:r>
-            <a:r>
-              <a:rPr lang="de-DE" baseline="0" dirty="0" smtClean="0"/>
-              <a:t> Veranstaltung auf </a:t>
-            </a:r>
-            <a:r>
-              <a:rPr lang="de-DE" baseline="0" dirty="0" err="1" smtClean="0"/>
-              <a:t>SoftwareEntwicklungsProzess</a:t>
-            </a:r>
-            <a:r>
-              <a:rPr lang="de-DE" baseline="0" dirty="0" smtClean="0"/>
-              <a:t>, daher nicht weiter vertieft.</a:t>
-            </a:r>
-            <a:endParaRPr lang="de-DE" dirty="0" smtClean="0"/>
-          </a:p>
-          <a:p>
-            <a:endParaRPr lang="de-DE" dirty="0"/>
-          </a:p>
-        </p:txBody>
-      </p:sp>
-      <p:sp>
-        <p:nvSpPr>
-          <p:cNvPr id="4" name="Foliennummernplatzhalter 3"/>
-          <p:cNvSpPr>
-            <a:spLocks noGrp="1"/>
-          </p:cNvSpPr>
-          <p:nvPr>
-            <p:ph type="sldNum" sz="quarter" idx="10"/>
-          </p:nvPr>
-        </p:nvSpPr>
-        <p:spPr/>
-        <p:txBody>
           <a:bodyPr/>
           <a:lstStyle/>
           <a:p>
-            <a:fld id="{1EBFF01C-F984-4A51-AF10-254043F7C542}" type="slidenum">
-              <a:rPr lang="de-DE" smtClean="0"/>
+            <a:endParaRPr lang="de-DE" dirty="0"/>
+          </a:p>
+        </p:txBody>
+      </p:sp>
+      <p:sp>
+        <p:nvSpPr>
+          <p:cNvPr id="4" name="Foliennummernplatzhalter 3"/>
+          <p:cNvSpPr>
+            <a:spLocks noGrp="1"/>
+          </p:cNvSpPr>
+          <p:nvPr>
+            <p:ph type="sldNum" sz="quarter" idx="10"/>
+          </p:nvPr>
+        </p:nvSpPr>
+        <p:spPr/>
+        <p:txBody>
+          <a:bodyPr/>
+          <a:lstStyle/>
+          <a:p>
+            <a:fld id="{F7EBFB8C-BBFF-4397-A51C-1E92596422A9}" type="slidenum">
+              <a:rPr lang="en-US" smtClean="0"/>
               <a:pPr/>
-              <a:t>17</a:t>
+              <a:t>13</a:t>
             </a:fld>
-            <a:endParaRPr lang="de-DE"/>
+            <a:endParaRPr lang="en-US" dirty="0"/>
           </a:p>
         </p:txBody>
       </p:sp>
     </p:spTree>
+    <p:extLst>
+      <p:ext uri="{BB962C8B-B14F-4D97-AF65-F5344CB8AC3E}">
+        <p14:creationId xmlns:p14="http://schemas.microsoft.com/office/powerpoint/2010/main" xmlns="" val="1781943433"/>
+      </p:ext>
+    </p:extLst>
   </p:cSld>
   <p:clrMapOvr>
     <a:masterClrMapping/>
@@ -3665,40 +3581,43 @@
         </p:nvSpPr>
         <p:spPr/>
         <p:txBody>
-          <a:bodyPr>
-            <a:normAutofit/>
-          </a:bodyPr>
-          <a:lstStyle/>
-          <a:p>
-            <a:endParaRPr lang="de-DE" dirty="0"/>
-          </a:p>
-        </p:txBody>
-      </p:sp>
-      <p:sp>
-        <p:nvSpPr>
-          <p:cNvPr id="4" name="Foliennummernplatzhalter 3"/>
-          <p:cNvSpPr>
-            <a:spLocks noGrp="1"/>
-          </p:cNvSpPr>
-          <p:nvPr>
-            <p:ph type="sldNum" sz="quarter" idx="10"/>
-          </p:nvPr>
-        </p:nvSpPr>
-        <p:spPr/>
-        <p:txBody>
           <a:bodyPr/>
           <a:lstStyle/>
           <a:p>
-            <a:fld id="{1EBFF01C-F984-4A51-AF10-254043F7C542}" type="slidenum">
-              <a:rPr lang="de-DE" smtClean="0"/>
+            <a:endParaRPr lang="de-DE" dirty="0"/>
+          </a:p>
+        </p:txBody>
+      </p:sp>
+      <p:sp>
+        <p:nvSpPr>
+          <p:cNvPr id="4" name="Foliennummernplatzhalter 3"/>
+          <p:cNvSpPr>
+            <a:spLocks noGrp="1"/>
+          </p:cNvSpPr>
+          <p:nvPr>
+            <p:ph type="sldNum" sz="quarter" idx="10"/>
+          </p:nvPr>
+        </p:nvSpPr>
+        <p:spPr/>
+        <p:txBody>
+          <a:bodyPr/>
+          <a:lstStyle/>
+          <a:p>
+            <a:fld id="{F7EBFB8C-BBFF-4397-A51C-1E92596422A9}" type="slidenum">
+              <a:rPr lang="en-US" smtClean="0"/>
               <a:pPr/>
-              <a:t>18</a:t>
+              <a:t>15</a:t>
             </a:fld>
-            <a:endParaRPr lang="de-DE"/>
+            <a:endParaRPr lang="en-US" dirty="0"/>
           </a:p>
         </p:txBody>
       </p:sp>
     </p:spTree>
+    <p:extLst>
+      <p:ext uri="{BB962C8B-B14F-4D97-AF65-F5344CB8AC3E}">
+        <p14:creationId xmlns:p14="http://schemas.microsoft.com/office/powerpoint/2010/main" xmlns="" val="1627391822"/>
+      </p:ext>
+    </p:extLst>
   </p:cSld>
   <p:clrMapOvr>
     <a:masterClrMapping/>
@@ -3754,135 +3673,78 @@
           <a:p>
             <a:r>
               <a:rPr lang="de-DE" dirty="0" smtClean="0"/>
-              <a:t>Definieren</a:t>
+              <a:t>Grundlegende </a:t>
+            </a:r>
+            <a:r>
+              <a:rPr lang="de-DE" dirty="0" err="1" smtClean="0"/>
+              <a:t>Risikoanlayse</a:t>
             </a:r>
             <a:r>
               <a:rPr lang="de-DE" baseline="0" dirty="0" smtClean="0"/>
-              <a:t> von zwei Szenarien mit Hilfe von </a:t>
+              <a:t> durchgeführt</a:t>
+            </a:r>
+          </a:p>
+          <a:p>
+            <a:r>
+              <a:rPr lang="de-DE" baseline="0" dirty="0" smtClean="0"/>
+              <a:t> - Risiken Identifiziert </a:t>
+            </a:r>
+          </a:p>
+          <a:p>
+            <a:r>
+              <a:rPr lang="de-DE" baseline="0" dirty="0" smtClean="0"/>
+              <a:t> - klassifiziert nach Eintrittswahrscheinlichkeit (hoch, mittel, gering)</a:t>
+            </a:r>
+          </a:p>
+          <a:p>
+            <a:r>
+              <a:rPr lang="de-DE" baseline="0" dirty="0" smtClean="0"/>
+              <a:t> und Auswirkungen bewertet hinsichtlich des </a:t>
             </a:r>
             <a:r>
               <a:rPr lang="de-DE" baseline="0" dirty="0" err="1" smtClean="0"/>
-              <a:t>Personae</a:t>
-            </a:r>
+              <a:t>Projektsverlauf</a:t>
+            </a:r>
+            <a:r>
+              <a:rPr lang="de-DE" baseline="0" dirty="0" smtClean="0"/>
+              <a:t> im Bezug auf</a:t>
+            </a:r>
+          </a:p>
+          <a:p>
+            <a:r>
+              <a:rPr lang="de-DE" baseline="0" dirty="0" smtClean="0"/>
+              <a:t>	magische Dreieck: Termin, Kosten (MA Ressourcen), Inhalt/Umfang (Qualität)</a:t>
+            </a:r>
+          </a:p>
+          <a:p>
+            <a:r>
+              <a:rPr lang="de-DE" baseline="0" dirty="0" smtClean="0"/>
+              <a:t>	dort jeweils wieder nach (hoch, mittel, gering)</a:t>
+            </a:r>
+          </a:p>
+          <a:p>
             <a:endParaRPr lang="de-DE" baseline="0" dirty="0" smtClean="0"/>
           </a:p>
           <a:p>
             <a:r>
+              <a:rPr lang="de-DE" dirty="0" smtClean="0"/>
+              <a:t> - Fokussierung der</a:t>
+            </a:r>
+            <a:r>
               <a:rPr lang="de-DE" baseline="0" dirty="0" smtClean="0"/>
-              <a:t>Im Prinzip wird die gleiche Geschichte einmal aus Sicht des Event-Organisators</a:t>
-            </a:r>
-          </a:p>
-          <a:p>
+              <a:t> Veranstaltung auf </a:t>
+            </a:r>
+            <a:r>
+              <a:rPr lang="de-DE" baseline="0" dirty="0" err="1" smtClean="0"/>
+              <a:t>SoftwareEntwicklungsProzess</a:t>
+            </a:r>
             <a:r>
               <a:rPr lang="de-DE" baseline="0" dirty="0" smtClean="0"/>
-              <a:t>„Martin erstellt einen Event zum Go-Kart-Fahren“</a:t>
-            </a:r>
-          </a:p>
-          <a:p>
-            <a:r>
-              <a:rPr lang="de-DE" baseline="0" dirty="0" smtClean="0"/>
-              <a:t>Einmal aus Sicht des Event-Teilnehmers „Patrick nimmt an diesem Event teil“</a:t>
-            </a:r>
-          </a:p>
-          <a:p>
-            <a:endParaRPr lang="de-DE" baseline="0" dirty="0" smtClean="0"/>
-          </a:p>
-          <a:p>
-            <a:r>
-              <a:rPr lang="de-DE" baseline="0" dirty="0" smtClean="0"/>
-              <a:t>Charaktere „Martin“ und „Patrick“ Prototypen von Nutzern</a:t>
-            </a:r>
-          </a:p>
-          <a:p>
-            <a:r>
-              <a:rPr lang="de-DE" baseline="0" dirty="0" smtClean="0"/>
-              <a:t>Go-Kart-Fahren als ein Prototyp für Gruppenevents</a:t>
-            </a:r>
-          </a:p>
-          <a:p>
-            <a:endParaRPr lang="de-DE" baseline="0" dirty="0" smtClean="0"/>
-          </a:p>
-          <a:p>
-            <a:r>
-              <a:rPr lang="de-DE" baseline="0" dirty="0" err="1" smtClean="0"/>
-              <a:t>Erkenntnise</a:t>
-            </a:r>
-            <a:r>
-              <a:rPr lang="de-DE" baseline="0" dirty="0" smtClean="0"/>
-              <a:t>:</a:t>
-            </a:r>
-          </a:p>
-          <a:p>
-            <a:r>
-              <a:rPr lang="de-DE" baseline="0" dirty="0" smtClean="0"/>
-              <a:t>Neue Fragenstellungen zu Funktionen, Anforderungen, Unterstützung bei der Lastenheft- und </a:t>
-            </a:r>
-            <a:r>
-              <a:rPr lang="de-DE" baseline="0" dirty="0" err="1" smtClean="0"/>
-              <a:t>Use</a:t>
-            </a:r>
-            <a:r>
-              <a:rPr lang="de-DE" baseline="0" smtClean="0"/>
-              <a:t>-Case-Erstellung</a:t>
-            </a:r>
-            <a:endParaRPr lang="de-DE" baseline="0" dirty="0" smtClean="0"/>
-          </a:p>
-          <a:p>
-            <a:endParaRPr lang="de-DE" baseline="0" dirty="0" smtClean="0"/>
-          </a:p>
-          <a:p>
-            <a:pPr>
-              <a:buFont typeface="Symbol"/>
-              <a:buChar char="Þ"/>
-            </a:pPr>
-            <a:r>
-              <a:rPr lang="de-DE" baseline="0" dirty="0" smtClean="0"/>
-              <a:t>Aktionen / Operationen</a:t>
-            </a:r>
-          </a:p>
-          <a:p>
-            <a:pPr>
-              <a:buFont typeface="Symbol"/>
-              <a:buChar char="Þ"/>
-            </a:pPr>
-            <a:endParaRPr lang="de-DE" baseline="0" dirty="0" smtClean="0"/>
-          </a:p>
-          <a:p>
-            <a:pPr>
-              <a:buFont typeface="Symbol"/>
-              <a:buNone/>
-            </a:pPr>
-            <a:r>
-              <a:rPr lang="de-DE" baseline="0" dirty="0" smtClean="0"/>
-              <a:t>Entspricht bei UML</a:t>
-            </a:r>
-          </a:p>
-          <a:p>
-            <a:pPr>
-              <a:buFont typeface="Symbol"/>
-              <a:buChar char="Þ"/>
-            </a:pPr>
-            <a:r>
-              <a:rPr lang="de-DE" baseline="0" dirty="0" smtClean="0"/>
-              <a:t>Akteur </a:t>
-            </a:r>
-          </a:p>
-          <a:p>
-            <a:pPr>
-              <a:buFont typeface="Symbol"/>
-              <a:buChar char="Þ"/>
-            </a:pPr>
-            <a:r>
-              <a:rPr lang="de-DE" baseline="0" dirty="0" err="1" smtClean="0"/>
-              <a:t>UseCase</a:t>
-            </a:r>
-            <a:endParaRPr lang="de-DE" baseline="0" dirty="0" smtClean="0"/>
-          </a:p>
-          <a:p>
-            <a:pPr>
-              <a:buFont typeface="Symbol"/>
-              <a:buNone/>
-            </a:pPr>
+              <a:t>, daher nicht weiter vertieft.</a:t>
+            </a:r>
+            <a:endParaRPr lang="de-DE" dirty="0" smtClean="0"/>
+          </a:p>
+          <a:p>
             <a:endParaRPr lang="de-DE" dirty="0"/>
           </a:p>
         </p:txBody>
@@ -3905,7 +3767,7 @@
             <a:fld id="{1EBFF01C-F984-4A51-AF10-254043F7C542}" type="slidenum">
               <a:rPr lang="de-DE" smtClean="0"/>
               <a:pPr/>
-              <a:t>22</a:t>
+              <a:t>16</a:t>
             </a:fld>
             <a:endParaRPr lang="de-DE"/>
           </a:p>
@@ -3967,26 +3829,136 @@
           <a:p>
             <a:r>
               <a:rPr lang="de-DE" dirty="0" smtClean="0"/>
-              <a:t>Beispiel: Domänenklassendiagramm in</a:t>
+              <a:t>Definieren</a:t>
             </a:r>
             <a:r>
               <a:rPr lang="de-DE" baseline="0" dirty="0" smtClean="0"/>
-              <a:t> Anwendung gießen</a:t>
-            </a:r>
+              <a:t> von zwei Szenarien mit Hilfe von </a:t>
+            </a:r>
+            <a:r>
+              <a:rPr lang="de-DE" baseline="0" dirty="0" err="1" smtClean="0"/>
+              <a:t>Personae</a:t>
+            </a:r>
+            <a:endParaRPr lang="de-DE" baseline="0" dirty="0" smtClean="0"/>
           </a:p>
           <a:p>
             <a:r>
               <a:rPr lang="de-DE" baseline="0" dirty="0" smtClean="0"/>
-              <a:t>Technische Mock-</a:t>
-            </a:r>
+              <a:t>Im Prinzip wird die gleiche Geschichte einmal aus Sicht des Event-Organisators</a:t>
+            </a:r>
+          </a:p>
+          <a:p>
+            <a:r>
+              <a:rPr lang="de-DE" baseline="0" dirty="0" smtClean="0"/>
+              <a:t>„Martin erstellt einen Event zum Go-Kart-Fahren“</a:t>
+            </a:r>
+          </a:p>
+          <a:p>
+            <a:r>
+              <a:rPr lang="de-DE" baseline="0" dirty="0" smtClean="0"/>
+              <a:t>Einmal aus Sicht des Event-Teilnehmers „Patrick nimmt an diesem Event teil“</a:t>
+            </a:r>
+          </a:p>
+          <a:p>
+            <a:endParaRPr lang="de-DE" baseline="0" dirty="0" smtClean="0"/>
+          </a:p>
+          <a:p>
+            <a:r>
+              <a:rPr lang="de-DE" baseline="0" dirty="0" smtClean="0"/>
+              <a:t>Charaktere „Martin“ und „Patrick“ Prototypen von Nutzern</a:t>
+            </a:r>
+          </a:p>
+          <a:p>
+            <a:r>
+              <a:rPr lang="de-DE" baseline="0" dirty="0" smtClean="0"/>
+              <a:t>Go-Kart-Fahren als ein Prototyp für Gruppenevents</a:t>
+            </a:r>
+          </a:p>
+          <a:p>
+            <a:endParaRPr lang="de-DE" baseline="0" dirty="0" smtClean="0"/>
+          </a:p>
+          <a:p>
             <a:r>
               <a:rPr lang="de-DE" baseline="0" dirty="0" err="1" smtClean="0"/>
-              <a:t>Ups</a:t>
+              <a:t>Erkenntnise</a:t>
             </a:r>
             <a:r>
               <a:rPr lang="de-DE" baseline="0" dirty="0" smtClean="0"/>
-              <a:t> im Browser zeigen</a:t>
-            </a:r>
+              <a:t>:</a:t>
+            </a:r>
+          </a:p>
+          <a:p>
+            <a:r>
+              <a:rPr lang="de-DE" baseline="0" dirty="0" smtClean="0"/>
+              <a:t>Neue Fragenstellungen zu Funktionen, Anforderungen, Unterstützung bei der Lastenheft- und </a:t>
+            </a:r>
+            <a:r>
+              <a:rPr lang="de-DE" baseline="0" dirty="0" err="1" smtClean="0"/>
+              <a:t>Use</a:t>
+            </a:r>
+            <a:r>
+              <a:rPr lang="de-DE" baseline="0" smtClean="0"/>
+              <a:t>-Case-Erstellung</a:t>
+            </a:r>
+            <a:endParaRPr lang="de-DE" baseline="0" dirty="0" smtClean="0"/>
+          </a:p>
+          <a:p>
+            <a:endParaRPr lang="de-DE" baseline="0" dirty="0" smtClean="0"/>
+          </a:p>
+          <a:p>
+            <a:pPr>
+              <a:buFont typeface="Symbol"/>
+              <a:buChar char="Þ"/>
+            </a:pPr>
+            <a:r>
+              <a:rPr lang="de-DE" baseline="0" dirty="0" smtClean="0"/>
+              <a:t>Aktionen / Operationen</a:t>
+            </a:r>
+          </a:p>
+          <a:p>
+            <a:pPr>
+              <a:buFont typeface="Symbol"/>
+              <a:buChar char="Þ"/>
+            </a:pPr>
+            <a:endParaRPr lang="de-DE" baseline="0" dirty="0" smtClean="0"/>
+          </a:p>
+          <a:p>
+            <a:pPr>
+              <a:buFont typeface="Symbol"/>
+              <a:buNone/>
+            </a:pPr>
+            <a:r>
+              <a:rPr lang="de-DE" baseline="0" dirty="0" smtClean="0"/>
+              <a:t>Entspricht bei UML</a:t>
+            </a:r>
+          </a:p>
+          <a:p>
+            <a:pPr>
+              <a:buFont typeface="Symbol"/>
+              <a:buChar char="Þ"/>
+            </a:pPr>
+            <a:r>
+              <a:rPr lang="de-DE" baseline="0" dirty="0" smtClean="0"/>
+              <a:t>Akteur </a:t>
+            </a:r>
+          </a:p>
+          <a:p>
+            <a:pPr>
+              <a:buFont typeface="Symbol"/>
+              <a:buChar char="Þ"/>
+            </a:pPr>
+            <a:r>
+              <a:rPr lang="de-DE" baseline="0" dirty="0" err="1" smtClean="0"/>
+              <a:t>UseCase</a:t>
+            </a:r>
+            <a:endParaRPr lang="de-DE" baseline="0" dirty="0" smtClean="0"/>
+          </a:p>
+          <a:p>
+            <a:pPr>
+              <a:buFont typeface="Symbol"/>
+              <a:buNone/>
+            </a:pPr>
+            <a:endParaRPr lang="de-DE" dirty="0"/>
           </a:p>
         </p:txBody>
       </p:sp>
@@ -4008,7 +3980,7 @@
             <a:fld id="{1EBFF01C-F984-4A51-AF10-254043F7C542}" type="slidenum">
               <a:rPr lang="de-DE" smtClean="0"/>
               <a:pPr/>
-              <a:t>25</a:t>
+              <a:t>19</a:t>
             </a:fld>
             <a:endParaRPr lang="de-DE"/>
           </a:p>
@@ -4098,6 +4070,96 @@
               <a:rPr lang="de-DE" baseline="0" dirty="0" smtClean="0"/>
               <a:t>…</a:t>
             </a:r>
+          </a:p>
+          <a:p>
+            <a:endParaRPr lang="de-DE" baseline="0" dirty="0" smtClean="0"/>
+          </a:p>
+          <a:p>
+            <a:endParaRPr lang="de-DE" baseline="0" dirty="0" smtClean="0"/>
+          </a:p>
+          <a:p>
+            <a:r>
+              <a:rPr lang="de-DE" baseline="0" dirty="0" err="1" smtClean="0"/>
+              <a:t>Todo</a:t>
+            </a:r>
+            <a:r>
+              <a:rPr lang="de-DE" baseline="0" dirty="0" smtClean="0"/>
+              <a:t>:</a:t>
+            </a:r>
+          </a:p>
+          <a:p>
+            <a:r>
+              <a:rPr lang="de-DE" baseline="0" dirty="0" smtClean="0"/>
+              <a:t>Pflichtenheft</a:t>
+            </a:r>
+          </a:p>
+          <a:p>
+            <a:r>
+              <a:rPr lang="de-DE" baseline="0" dirty="0" smtClean="0"/>
+              <a:t>Peer-Review</a:t>
+            </a:r>
+          </a:p>
+          <a:p>
+            <a:r>
+              <a:rPr lang="de-DE" dirty="0" smtClean="0"/>
+              <a:t>(Design Modell erstellen mit Komponenten, Schnittstellen, wichtige Klassen, Datenmodell, </a:t>
+            </a:r>
+            <a:r>
+              <a:rPr lang="de-DE" dirty="0" err="1" smtClean="0"/>
+              <a:t>etc</a:t>
+            </a:r>
+            <a:r>
+              <a:rPr lang="de-DE" dirty="0" smtClean="0"/>
+              <a:t>)</a:t>
+            </a:r>
+          </a:p>
+          <a:p>
+            <a:pPr marL="0" marR="0" lvl="1" indent="0" algn="l" defTabSz="914400" rtl="0" eaLnBrk="1" fontAlgn="auto" latinLnBrk="0" hangingPunct="1">
+              <a:lnSpc>
+                <a:spcPct val="100000"/>
+              </a:lnSpc>
+              <a:spcBef>
+                <a:spcPts val="0"/>
+              </a:spcBef>
+              <a:spcAft>
+                <a:spcPts val="0"/>
+              </a:spcAft>
+              <a:buClrTx/>
+              <a:buSzTx/>
+              <a:buFontTx/>
+              <a:buNone/>
+              <a:tabLst/>
+              <a:defRPr/>
+            </a:pPr>
+            <a:r>
+              <a:rPr lang="de-DE" dirty="0" smtClean="0"/>
+              <a:t>Software </a:t>
+            </a:r>
+            <a:r>
+              <a:rPr lang="de-DE" dirty="0" err="1" smtClean="0"/>
+              <a:t>Architecture</a:t>
+            </a:r>
+            <a:r>
+              <a:rPr lang="de-DE" dirty="0" smtClean="0"/>
+              <a:t> </a:t>
+            </a:r>
+            <a:r>
+              <a:rPr lang="de-DE" dirty="0" err="1" smtClean="0"/>
+              <a:t>Document</a:t>
+            </a:r>
+            <a:r>
+              <a:rPr lang="de-DE" dirty="0" smtClean="0"/>
+              <a:t/>
+            </a:r>
+            <a:br>
+              <a:rPr lang="de-DE" dirty="0" smtClean="0"/>
+            </a:br>
+            <a:r>
+              <a:rPr lang="de-DE" dirty="0" smtClean="0"/>
+              <a:t>(Architekturkonzeption)</a:t>
+            </a:r>
+          </a:p>
+          <a:p>
             <a:endParaRPr lang="de-DE" dirty="0"/>
           </a:p>
         </p:txBody>
@@ -4120,7 +4182,7 @@
             <a:fld id="{1EBFF01C-F984-4A51-AF10-254043F7C542}" type="slidenum">
               <a:rPr lang="de-DE" smtClean="0"/>
               <a:pPr/>
-              <a:t>26</a:t>
+              <a:t>24</a:t>
             </a:fld>
             <a:endParaRPr lang="de-DE"/>
           </a:p>
@@ -4209,7 +4271,7 @@
     </p:spTree>
     <p:extLst>
       <p:ext uri="{BB962C8B-B14F-4D97-AF65-F5344CB8AC3E}">
-        <p14:creationId xmlns:p14="http://schemas.microsoft.com/office/powerpoint/2010/main" val="517533983"/>
+        <p14:creationId xmlns:p14="http://schemas.microsoft.com/office/powerpoint/2010/main" xmlns="" val="517533983"/>
       </p:ext>
     </p:extLst>
   </p:cSld>
@@ -4405,10 +4467,8 @@
                 <a:ea typeface="+mn-ea"/>
                 <a:cs typeface="+mn-cs"/>
               </a:rPr>
-              <a:t>Mehrwerte:</a:t>
-            </a:r>
-          </a:p>
-          <a:p>
+              <a:t>Mehrwerte</a:t>
+            </a:r>
             <a:r>
               <a:rPr lang="de-DE" sz="1200" kern="1200" dirty="0" smtClean="0">
                 <a:solidFill>
@@ -4419,7 +4479,98 @@
                 <a:ea typeface="+mn-ea"/>
                 <a:cs typeface="+mn-cs"/>
               </a:rPr>
-              <a:t>Vernetzung von Personen mit gleicher Interessen </a:t>
+              <a:t>:</a:t>
+            </a:r>
+          </a:p>
+          <a:p>
+            <a:r>
+              <a:rPr lang="de-DE" sz="1200" kern="1200" dirty="0" smtClean="0">
+                <a:solidFill>
+                  <a:schemeClr val="tx1"/>
+                </a:solidFill>
+                <a:effectLst/>
+                <a:latin typeface="+mn-lt"/>
+                <a:ea typeface="+mn-ea"/>
+                <a:cs typeface="+mn-cs"/>
+              </a:rPr>
+              <a:t>Mehrwerte schaffen</a:t>
+            </a:r>
+          </a:p>
+          <a:p>
+            <a:r>
+              <a:rPr lang="de-DE" sz="1200" kern="1200" dirty="0" smtClean="0">
+                <a:solidFill>
+                  <a:schemeClr val="tx1"/>
+                </a:solidFill>
+                <a:effectLst/>
+                <a:latin typeface="+mn-lt"/>
+                <a:ea typeface="+mn-ea"/>
+                <a:cs typeface="+mn-cs"/>
+              </a:rPr>
+              <a:t>Vernetzung </a:t>
+            </a:r>
+            <a:r>
+              <a:rPr lang="de-DE" sz="1200" kern="1200" dirty="0" smtClean="0">
+                <a:solidFill>
+                  <a:schemeClr val="tx1"/>
+                </a:solidFill>
+                <a:effectLst/>
+                <a:latin typeface="+mn-lt"/>
+                <a:ea typeface="+mn-ea"/>
+                <a:cs typeface="+mn-cs"/>
+              </a:rPr>
+              <a:t>von Personen mit gleicher Interessen </a:t>
+            </a:r>
+            <a:endParaRPr lang="de-DE" sz="1200" kern="1200" dirty="0" smtClean="0">
+              <a:solidFill>
+                <a:schemeClr val="tx1"/>
+              </a:solidFill>
+              <a:effectLst/>
+              <a:latin typeface="+mn-lt"/>
+              <a:ea typeface="+mn-ea"/>
+              <a:cs typeface="+mn-cs"/>
+            </a:endParaRPr>
+          </a:p>
+          <a:p>
+            <a:endParaRPr lang="de-DE" sz="1200" kern="1200" dirty="0" smtClean="0">
+              <a:solidFill>
+                <a:schemeClr val="tx1"/>
+              </a:solidFill>
+              <a:effectLst/>
+              <a:latin typeface="+mn-lt"/>
+              <a:ea typeface="+mn-ea"/>
+              <a:cs typeface="+mn-cs"/>
+            </a:endParaRPr>
+          </a:p>
+          <a:p>
+            <a:pPr marL="0" marR="0" indent="0" algn="l" defTabSz="914400" rtl="0" eaLnBrk="1" fontAlgn="auto" latinLnBrk="0" hangingPunct="1">
+              <a:lnSpc>
+                <a:spcPct val="100000"/>
+              </a:lnSpc>
+              <a:spcBef>
+                <a:spcPts val="0"/>
+              </a:spcBef>
+              <a:spcAft>
+                <a:spcPts val="0"/>
+              </a:spcAft>
+              <a:buClrTx/>
+              <a:buSzTx/>
+              <a:buFontTx/>
+              <a:buNone/>
+              <a:tabLst/>
+              <a:defRPr/>
+            </a:pPr>
+            <a:r>
+              <a:rPr lang="de-DE" sz="1200" kern="1200" dirty="0" smtClean="0">
+                <a:solidFill>
+                  <a:schemeClr val="tx1"/>
+                </a:solidFill>
+                <a:effectLst/>
+                <a:latin typeface="+mn-lt"/>
+                <a:ea typeface="+mn-ea"/>
+                <a:cs typeface="+mn-cs"/>
+              </a:rPr>
+              <a:t>Mehrwertdienste einbinden</a:t>
             </a:r>
           </a:p>
           <a:p>
@@ -4459,6 +4610,15 @@
               </a:rPr>
               <a:t>-Service </a:t>
             </a:r>
+            <a:endParaRPr lang="de-DE" sz="1200" kern="1200" dirty="0" smtClean="0">
+              <a:solidFill>
+                <a:schemeClr val="tx1"/>
+              </a:solidFill>
+              <a:effectLst/>
+              <a:latin typeface="+mn-lt"/>
+              <a:ea typeface="+mn-ea"/>
+              <a:cs typeface="+mn-cs"/>
+            </a:endParaRPr>
           </a:p>
           <a:p>
             <a:r>
@@ -4551,7 +4711,7 @@
     </p:spTree>
     <p:extLst>
       <p:ext uri="{BB962C8B-B14F-4D97-AF65-F5344CB8AC3E}">
-        <p14:creationId xmlns:p14="http://schemas.microsoft.com/office/powerpoint/2010/main" val="3860513045"/>
+        <p14:creationId xmlns:p14="http://schemas.microsoft.com/office/powerpoint/2010/main" xmlns="" val="3860513045"/>
       </p:ext>
     </p:extLst>
   </p:cSld>
@@ -4670,7 +4830,19 @@
               <a:rPr lang="de-DE" baseline="0" dirty="0" smtClean="0">
                 <a:sym typeface="Wingdings" pitchFamily="2" charset="2"/>
               </a:rPr>
-              <a:t> ist jetzt erst final (1.0) aber Änderungen sind nicht auszuschließen</a:t>
+              <a:t> ist jetzt </a:t>
+            </a:r>
+            <a:r>
+              <a:rPr lang="de-DE" baseline="0" dirty="0" smtClean="0">
+                <a:sym typeface="Wingdings" pitchFamily="2" charset="2"/>
+              </a:rPr>
+              <a:t>final </a:t>
+            </a:r>
+            <a:r>
+              <a:rPr lang="de-DE" baseline="0" dirty="0" smtClean="0">
+                <a:sym typeface="Wingdings" pitchFamily="2" charset="2"/>
+              </a:rPr>
+              <a:t>(1.0) aber Änderungen sind nicht auszuschließen</a:t>
             </a:r>
           </a:p>
           <a:p>
@@ -4875,12 +5047,12 @@
               <a:t>Aufgrund der Enge des Zeitplans jeweils zwei </a:t>
             </a:r>
             <a:r>
-              <a:rPr lang="de-DE" dirty="0" err="1" smtClean="0"/>
-              <a:t>Iterations</a:t>
-            </a:r>
-            <a:r>
-              <a:rPr lang="de-DE" dirty="0" smtClean="0"/>
-              <a:t> mit</a:t>
+              <a:rPr lang="de-DE" dirty="0" smtClean="0"/>
+              <a:t>Iterationen </a:t>
+            </a:r>
+            <a:r>
+              <a:rPr lang="de-DE" dirty="0" smtClean="0"/>
+              <a:t>mit</a:t>
             </a:r>
             <a:r>
               <a:rPr lang="de-DE" baseline="0" dirty="0" smtClean="0"/>
@@ -4899,12 +5071,12 @@
               <a:t>Ziel: 11.06. eine prototypische </a:t>
             </a:r>
             <a:r>
-              <a:rPr lang="de-DE" baseline="0" dirty="0" err="1" smtClean="0"/>
-              <a:t>Implemtierung</a:t>
-            </a:r>
-            <a:r>
               <a:rPr lang="de-DE" baseline="0" dirty="0" smtClean="0"/>
-              <a:t> der Plattform fertigstellen</a:t>
+              <a:t>Implementierung </a:t>
+            </a:r>
+            <a:r>
+              <a:rPr lang="de-DE" baseline="0" dirty="0" smtClean="0"/>
+              <a:t>der Plattform fertigstellen</a:t>
             </a:r>
             <a:endParaRPr lang="de-DE" dirty="0"/>
           </a:p>
@@ -4937,7 +5109,7 @@
     </p:spTree>
     <p:extLst>
       <p:ext uri="{BB962C8B-B14F-4D97-AF65-F5344CB8AC3E}">
-        <p14:creationId xmlns:p14="http://schemas.microsoft.com/office/powerpoint/2010/main" val="3931682397"/>
+        <p14:creationId xmlns:p14="http://schemas.microsoft.com/office/powerpoint/2010/main" xmlns="" val="3931682397"/>
       </p:ext>
     </p:extLst>
   </p:cSld>
@@ -5145,7 +5317,7 @@
     </p:spTree>
     <p:extLst>
       <p:ext uri="{BB962C8B-B14F-4D97-AF65-F5344CB8AC3E}">
-        <p14:creationId xmlns:p14="http://schemas.microsoft.com/office/powerpoint/2010/main" val="1332097542"/>
+        <p14:creationId xmlns:p14="http://schemas.microsoft.com/office/powerpoint/2010/main" xmlns="" val="1332097542"/>
       </p:ext>
     </p:extLst>
   </p:cSld>
@@ -5196,32 +5368,30 @@
         </p:nvSpPr>
         <p:spPr/>
         <p:txBody>
-          <a:bodyPr/>
+          <a:bodyPr>
+            <a:normAutofit/>
+          </a:bodyPr>
           <a:lstStyle/>
           <a:p>
-            <a:pPr marL="0" marR="0" indent="0" algn="l" defTabSz="914400" rtl="0" eaLnBrk="1" fontAlgn="auto" latinLnBrk="0" hangingPunct="1">
-              <a:lnSpc>
-                <a:spcPct val="100000"/>
-              </a:lnSpc>
-              <a:spcBef>
-                <a:spcPts val="0"/>
-              </a:spcBef>
-              <a:spcAft>
-                <a:spcPts val="0"/>
-              </a:spcAft>
-              <a:buClrTx/>
-              <a:buSzTx/>
-              <a:buFontTx/>
-              <a:buNone/>
-              <a:tabLst/>
-              <a:defRPr/>
-            </a:pPr>
-            <a:r>
-              <a:rPr lang="de-DE" dirty="0" smtClean="0"/>
-              <a:t>Feinplanung und Umsetzungskontrolle in separater Aufgabenliste (wöchentliche Synchronisation)</a:t>
-            </a:r>
-          </a:p>
-          <a:p>
+            <a:r>
+              <a:rPr lang="de-DE" dirty="0" smtClean="0"/>
+              <a:t>Versionsverwaltungssystem </a:t>
+            </a:r>
+            <a:r>
+              <a:rPr lang="de-DE" dirty="0" err="1" smtClean="0"/>
+              <a:t>Git</a:t>
+            </a:r>
+            <a:r>
+              <a:rPr lang="de-DE" dirty="0" smtClean="0"/>
+              <a:t/>
+            </a:r>
+            <a:br>
+              <a:rPr lang="de-DE" dirty="0" smtClean="0"/>
+            </a:br>
+            <a:r>
+              <a:rPr lang="de-DE" dirty="0" smtClean="0"/>
+              <a:t>(freie Software zur verteilten Versionsverwaltung)</a:t>
+            </a:r>
             <a:endParaRPr lang="de-DE" dirty="0"/>
           </a:p>
         </p:txBody>
@@ -5244,18 +5414,13 @@
             <a:fld id="{F7EBFB8C-BBFF-4397-A51C-1E92596422A9}" type="slidenum">
               <a:rPr lang="en-US" smtClean="0"/>
               <a:pPr/>
-              <a:t>12</a:t>
+              <a:t>7</a:t>
             </a:fld>
             <a:endParaRPr lang="en-US" dirty="0"/>
           </a:p>
         </p:txBody>
       </p:sp>
     </p:spTree>
-    <p:extLst>
-      <p:ext uri="{BB962C8B-B14F-4D97-AF65-F5344CB8AC3E}">
-        <p14:creationId xmlns:p14="http://schemas.microsoft.com/office/powerpoint/2010/main" val="4015341966"/>
-      </p:ext>
-    </p:extLst>
   </p:cSld>
   <p:clrMapOvr>
     <a:masterClrMapping/>
@@ -5304,9 +5469,50 @@
         </p:nvSpPr>
         <p:spPr/>
         <p:txBody>
-          <a:bodyPr/>
+          <a:bodyPr>
+            <a:normAutofit/>
+          </a:bodyPr>
           <a:lstStyle/>
           <a:p>
+            <a:r>
+              <a:rPr lang="de-DE" dirty="0" smtClean="0"/>
+              <a:t>Framework: Spring</a:t>
+            </a:r>
+          </a:p>
+          <a:p>
+            <a:r>
+              <a:rPr lang="de-DE" dirty="0" err="1" smtClean="0"/>
+              <a:t>Roo</a:t>
+            </a:r>
+            <a:r>
+              <a:rPr lang="de-DE" dirty="0" smtClean="0"/>
+              <a:t>:</a:t>
+            </a:r>
+            <a:r>
+              <a:rPr lang="de-DE" baseline="0" dirty="0" smtClean="0"/>
+              <a:t> Erweiterung (Rapid Development)</a:t>
+            </a:r>
+          </a:p>
+          <a:p>
+            <a:endParaRPr lang="de-DE" baseline="0" dirty="0" smtClean="0"/>
+          </a:p>
+          <a:p>
+            <a:r>
+              <a:rPr lang="de-DE" baseline="0" dirty="0" err="1" smtClean="0"/>
+              <a:t>Roo</a:t>
+            </a:r>
+            <a:r>
+              <a:rPr lang="de-DE" baseline="0" dirty="0" smtClean="0"/>
+              <a:t> für Spring = </a:t>
+            </a:r>
+            <a:r>
+              <a:rPr lang="de-DE" baseline="0" dirty="0" err="1" smtClean="0"/>
+              <a:t>Rails</a:t>
+            </a:r>
+            <a:r>
+              <a:rPr lang="de-DE" baseline="0" dirty="0" smtClean="0"/>
+              <a:t> für Ruby</a:t>
+            </a:r>
             <a:endParaRPr lang="de-DE" dirty="0"/>
           </a:p>
         </p:txBody>
@@ -5329,18 +5535,13 @@
             <a:fld id="{F7EBFB8C-BBFF-4397-A51C-1E92596422A9}" type="slidenum">
               <a:rPr lang="en-US" smtClean="0"/>
               <a:pPr/>
-              <a:t>13</a:t>
+              <a:t>8</a:t>
             </a:fld>
             <a:endParaRPr lang="en-US" dirty="0"/>
           </a:p>
         </p:txBody>
       </p:sp>
     </p:spTree>
-    <p:extLst>
-      <p:ext uri="{BB962C8B-B14F-4D97-AF65-F5344CB8AC3E}">
-        <p14:creationId xmlns:p14="http://schemas.microsoft.com/office/powerpoint/2010/main" val="1781943433"/>
-      </p:ext>
-    </p:extLst>
   </p:cSld>
   <p:clrMapOvr>
     <a:masterClrMapping/>
@@ -5392,6 +5593,29 @@
           <a:bodyPr/>
           <a:lstStyle/>
           <a:p>
+            <a:pPr marL="0" marR="0" indent="0" algn="l" defTabSz="914400" rtl="0" eaLnBrk="1" fontAlgn="auto" latinLnBrk="0" hangingPunct="1">
+              <a:lnSpc>
+                <a:spcPct val="100000"/>
+              </a:lnSpc>
+              <a:spcBef>
+                <a:spcPts val="0"/>
+              </a:spcBef>
+              <a:spcAft>
+                <a:spcPts val="0"/>
+              </a:spcAft>
+              <a:buClrTx/>
+              <a:buSzTx/>
+              <a:buFontTx/>
+              <a:buNone/>
+              <a:tabLst/>
+              <a:defRPr/>
+            </a:pPr>
+            <a:r>
+              <a:rPr lang="de-DE" dirty="0" smtClean="0"/>
+              <a:t>Feinplanung und Umsetzungskontrolle in separater Aufgabenliste (wöchentliche Synchronisation)</a:t>
+            </a:r>
+          </a:p>
+          <a:p>
             <a:endParaRPr lang="de-DE" dirty="0"/>
           </a:p>
         </p:txBody>
@@ -5414,7 +5638,7 @@
             <a:fld id="{F7EBFB8C-BBFF-4397-A51C-1E92596422A9}" type="slidenum">
               <a:rPr lang="en-US" smtClean="0"/>
               <a:pPr/>
-              <a:t>16</a:t>
+              <a:t>12</a:t>
             </a:fld>
             <a:endParaRPr lang="en-US" dirty="0"/>
           </a:p>
@@ -5423,7 +5647,7 @@
     </p:spTree>
     <p:extLst>
       <p:ext uri="{BB962C8B-B14F-4D97-AF65-F5344CB8AC3E}">
-        <p14:creationId xmlns:p14="http://schemas.microsoft.com/office/powerpoint/2010/main" val="1627391822"/>
+        <p14:creationId xmlns:p14="http://schemas.microsoft.com/office/powerpoint/2010/main" xmlns="" val="4015341966"/>
       </p:ext>
     </p:extLst>
   </p:cSld>
@@ -9660,10 +9884,10 @@
           <p:nvPr userDrawn="1"/>
         </p:nvPicPr>
         <p:blipFill>
-          <a:blip r:embed="rId13">
+          <a:blip r:embed="rId13" cstate="print">
             <a:extLst>
               <a:ext uri="{28A0092B-C50C-407E-A947-70E740481C1C}">
-                <a14:useLocalDpi xmlns:a14="http://schemas.microsoft.com/office/drawing/2010/main" val="0"/>
+                <a14:useLocalDpi xmlns:a14="http://schemas.microsoft.com/office/drawing/2010/main" xmlns="" val="0"/>
               </a:ext>
             </a:extLst>
           </a:blip>
@@ -10050,7 +10274,6 @@
               <a:rPr lang="de-DE" dirty="0" smtClean="0"/>
               <a:t>“</a:t>
             </a:r>
-            <a:endParaRPr lang="de-DE" dirty="0" smtClean="0"/>
           </a:p>
         </p:txBody>
       </p:sp>
@@ -10132,10 +10355,10 @@
           <p:nvPr/>
         </p:nvPicPr>
         <p:blipFill>
-          <a:blip r:embed="rId3">
+          <a:blip r:embed="rId3" cstate="print">
             <a:extLst>
               <a:ext uri="{28A0092B-C50C-407E-A947-70E740481C1C}">
-                <a14:useLocalDpi xmlns:a14="http://schemas.microsoft.com/office/drawing/2010/main" val="0"/>
+                <a14:useLocalDpi xmlns:a14="http://schemas.microsoft.com/office/drawing/2010/main" xmlns="" val="0"/>
               </a:ext>
             </a:extLst>
           </a:blip>
@@ -10162,10 +10385,10 @@
           <p:nvPr/>
         </p:nvPicPr>
         <p:blipFill>
-          <a:blip r:embed="rId4">
+          <a:blip r:embed="rId4" cstate="print">
             <a:extLst>
               <a:ext uri="{28A0092B-C50C-407E-A947-70E740481C1C}">
-                <a14:useLocalDpi xmlns:a14="http://schemas.microsoft.com/office/drawing/2010/main" val="0"/>
+                <a14:useLocalDpi xmlns:a14="http://schemas.microsoft.com/office/drawing/2010/main" xmlns="" val="0"/>
               </a:ext>
             </a:extLst>
           </a:blip>
@@ -10248,12 +10471,7 @@
             <p:ph idx="1"/>
           </p:nvPr>
         </p:nvSpPr>
-        <p:spPr>
-          <a:xfrm>
-            <a:off x="457200" y="1600200"/>
-            <a:ext cx="8686800" cy="4525963"/>
-          </a:xfrm>
-        </p:spPr>
+        <p:spPr/>
         <p:txBody>
           <a:bodyPr>
             <a:noAutofit/>
@@ -10304,6 +10522,13 @@
             <a:pPr lvl="1"/>
             <a:r>
               <a:rPr lang="de-DE" dirty="0" smtClean="0"/>
+              <a:t>Wirtschaftslichkeitsbetrachtung</a:t>
+            </a:r>
+          </a:p>
+          <a:p>
+            <a:pPr lvl="1"/>
+            <a:r>
+              <a:rPr lang="de-DE" dirty="0" smtClean="0"/>
               <a:t>Szenarien</a:t>
             </a:r>
           </a:p>
@@ -10311,9 +10536,20 @@
             <a:pPr lvl="1"/>
             <a:r>
               <a:rPr lang="de-DE" dirty="0" smtClean="0"/>
-              <a:t>Wirtschaftslichkeitsbetrachtung</a:t>
-            </a:r>
-            <a:endParaRPr lang="de-DE" dirty="0"/>
+              <a:t>Anwendungsfalldiagramm</a:t>
+            </a:r>
+          </a:p>
+          <a:p>
+            <a:pPr lvl="1"/>
+            <a:r>
+              <a:rPr lang="de-DE" dirty="0" smtClean="0"/>
+              <a:t>Mock-</a:t>
+            </a:r>
+            <a:r>
+              <a:rPr lang="de-DE" dirty="0" err="1" smtClean="0"/>
+              <a:t>Ups</a:t>
+            </a:r>
+            <a:endParaRPr lang="de-DE" dirty="0" smtClean="0"/>
           </a:p>
         </p:txBody>
       </p:sp>
@@ -10335,6 +10571,29 @@
             <a:r>
               <a:rPr lang="de-DE" smtClean="0"/>
               <a:t>21.04.2012</a:t>
+            </a:r>
+            <a:endParaRPr lang="de-DE" dirty="0"/>
+          </a:p>
+        </p:txBody>
+      </p:sp>
+      <p:sp>
+        <p:nvSpPr>
+          <p:cNvPr id="6" name="Fußzeilenplatzhalter 5"/>
+          <p:cNvSpPr>
+            <a:spLocks noGrp="1"/>
+          </p:cNvSpPr>
+          <p:nvPr>
+            <p:ph type="ftr" sz="quarter" idx="11"/>
+          </p:nvPr>
+        </p:nvSpPr>
+        <p:spPr/>
+        <p:txBody>
+          <a:bodyPr/>
+          <a:lstStyle/>
+          <a:p>
+            <a:r>
+              <a:rPr lang="de-DE" smtClean="0"/>
+              <a:t>FST Projekt "Eventalizer" (SS 2012) Team 5</a:t>
             </a:r>
             <a:endParaRPr lang="de-DE" dirty="0"/>
           </a:p>
@@ -10364,33 +10623,10 @@
           </a:p>
         </p:txBody>
       </p:sp>
-      <p:sp>
-        <p:nvSpPr>
-          <p:cNvPr id="6" name="Fußzeilenplatzhalter 5"/>
-          <p:cNvSpPr>
-            <a:spLocks noGrp="1"/>
-          </p:cNvSpPr>
-          <p:nvPr>
-            <p:ph type="ftr" sz="quarter" idx="11"/>
-          </p:nvPr>
-        </p:nvSpPr>
-        <p:spPr/>
-        <p:txBody>
-          <a:bodyPr/>
-          <a:lstStyle/>
-          <a:p>
-            <a:r>
-              <a:rPr lang="de-DE" smtClean="0"/>
-              <a:t>FST Projekt "Eventalizer" (SS 2012) Team 5</a:t>
-            </a:r>
-            <a:endParaRPr lang="de-DE" dirty="0"/>
-          </a:p>
-        </p:txBody>
-      </p:sp>
     </p:spTree>
     <p:extLst>
       <p:ext uri="{BB962C8B-B14F-4D97-AF65-F5344CB8AC3E}">
-        <p14:creationId xmlns:p14="http://schemas.microsoft.com/office/powerpoint/2010/main" val="3738851768"/>
+        <p14:creationId xmlns:p14="http://schemas.microsoft.com/office/powerpoint/2010/main" xmlns="" val="3738851768"/>
       </p:ext>
     </p:extLst>
   </p:cSld>
@@ -10432,8 +10668,8 @@
         </p:nvSpPr>
         <p:spPr>
           <a:xfrm>
-            <a:off x="755576" y="2708920"/>
-            <a:ext cx="4752528" cy="504056"/>
+            <a:off x="1835696" y="2348880"/>
+            <a:ext cx="5256584" cy="432048"/>
           </a:xfrm>
           <a:prstGeom prst="roundRect">
             <a:avLst/>
@@ -10511,12 +10747,7 @@
             <p:ph idx="1"/>
           </p:nvPr>
         </p:nvSpPr>
-        <p:spPr>
-          <a:xfrm>
-            <a:off x="457200" y="1600200"/>
-            <a:ext cx="8686800" cy="4525963"/>
-          </a:xfrm>
-        </p:spPr>
+        <p:spPr/>
         <p:txBody>
           <a:bodyPr>
             <a:noAutofit/>
@@ -10567,6 +10798,13 @@
             <a:pPr lvl="1"/>
             <a:r>
               <a:rPr lang="de-DE" dirty="0" smtClean="0"/>
+              <a:t>Wirtschaftslichkeitsbetrachtung</a:t>
+            </a:r>
+          </a:p>
+          <a:p>
+            <a:pPr lvl="1"/>
+            <a:r>
+              <a:rPr lang="de-DE" dirty="0" smtClean="0"/>
               <a:t>Szenarien</a:t>
             </a:r>
           </a:p>
@@ -10574,9 +10812,20 @@
             <a:pPr lvl="1"/>
             <a:r>
               <a:rPr lang="de-DE" dirty="0" smtClean="0"/>
-              <a:t>Wirtschaftslichkeitsbetrachtung</a:t>
-            </a:r>
-            <a:endParaRPr lang="de-DE" dirty="0"/>
+              <a:t>Anwendungsfalldiagramm</a:t>
+            </a:r>
+          </a:p>
+          <a:p>
+            <a:pPr lvl="1"/>
+            <a:r>
+              <a:rPr lang="de-DE" dirty="0" smtClean="0"/>
+              <a:t>Mock-</a:t>
+            </a:r>
+            <a:r>
+              <a:rPr lang="de-DE" dirty="0" err="1" smtClean="0"/>
+              <a:t>Ups</a:t>
+            </a:r>
+            <a:endParaRPr lang="de-DE" dirty="0" smtClean="0"/>
           </a:p>
         </p:txBody>
       </p:sp>
@@ -10598,6 +10847,29 @@
             <a:r>
               <a:rPr lang="de-DE" smtClean="0"/>
               <a:t>21.04.2012</a:t>
+            </a:r>
+            <a:endParaRPr lang="de-DE" dirty="0"/>
+          </a:p>
+        </p:txBody>
+      </p:sp>
+      <p:sp>
+        <p:nvSpPr>
+          <p:cNvPr id="6" name="Fußzeilenplatzhalter 5"/>
+          <p:cNvSpPr>
+            <a:spLocks noGrp="1"/>
+          </p:cNvSpPr>
+          <p:nvPr>
+            <p:ph type="ftr" sz="quarter" idx="11"/>
+          </p:nvPr>
+        </p:nvSpPr>
+        <p:spPr/>
+        <p:txBody>
+          <a:bodyPr/>
+          <a:lstStyle/>
+          <a:p>
+            <a:r>
+              <a:rPr lang="de-DE" smtClean="0"/>
+              <a:t>FST Projekt "Eventalizer" (SS 2012) Team 5</a:t>
             </a:r>
             <a:endParaRPr lang="de-DE" dirty="0"/>
           </a:p>
@@ -10627,33 +10899,10 @@
           </a:p>
         </p:txBody>
       </p:sp>
-      <p:sp>
-        <p:nvSpPr>
-          <p:cNvPr id="6" name="Fußzeilenplatzhalter 5"/>
-          <p:cNvSpPr>
-            <a:spLocks noGrp="1"/>
-          </p:cNvSpPr>
-          <p:nvPr>
-            <p:ph type="ftr" sz="quarter" idx="11"/>
-          </p:nvPr>
-        </p:nvSpPr>
-        <p:spPr/>
-        <p:txBody>
-          <a:bodyPr/>
-          <a:lstStyle/>
-          <a:p>
-            <a:r>
-              <a:rPr lang="de-DE" smtClean="0"/>
-              <a:t>FST Projekt "Eventalizer" (SS 2012) Team 5</a:t>
-            </a:r>
-            <a:endParaRPr lang="de-DE" dirty="0"/>
-          </a:p>
-        </p:txBody>
-      </p:sp>
     </p:spTree>
     <p:extLst>
       <p:ext uri="{BB962C8B-B14F-4D97-AF65-F5344CB8AC3E}">
-        <p14:creationId xmlns:p14="http://schemas.microsoft.com/office/powerpoint/2010/main" val="2298652147"/>
+        <p14:creationId xmlns:p14="http://schemas.microsoft.com/office/powerpoint/2010/main" xmlns="" val="2298652147"/>
       </p:ext>
     </p:extLst>
   </p:cSld>
@@ -10829,7 +11078,7 @@
         </p:blipFill>
         <p:spPr bwMode="auto">
           <a:xfrm>
-            <a:off x="1331640" y="2492896"/>
+            <a:off x="1403648" y="2492896"/>
             <a:ext cx="7560000" cy="3092444"/>
           </a:xfrm>
           <a:prstGeom prst="rect">
@@ -11105,7 +11354,7 @@
     </p:spTree>
     <p:extLst>
       <p:ext uri="{BB962C8B-B14F-4D97-AF65-F5344CB8AC3E}">
-        <p14:creationId xmlns:p14="http://schemas.microsoft.com/office/powerpoint/2010/main" val="2896549988"/>
+        <p14:creationId xmlns:p14="http://schemas.microsoft.com/office/powerpoint/2010/main" xmlns="" val="2896549988"/>
       </p:ext>
     </p:extLst>
   </p:cSld>
@@ -11147,7 +11396,347 @@
         </p:nvSpPr>
         <p:spPr>
           <a:xfrm>
-            <a:off x="1187624" y="2060848"/>
+            <a:off x="1835696" y="2780928"/>
+            <a:ext cx="5328592" cy="432048"/>
+          </a:xfrm>
+          <a:prstGeom prst="roundRect">
+            <a:avLst/>
+          </a:prstGeom>
+          <a:solidFill>
+            <a:schemeClr val="accent1">
+              <a:lumMod val="20000"/>
+              <a:lumOff val="80000"/>
+            </a:schemeClr>
+          </a:solidFill>
+          <a:ln>
+            <a:solidFill>
+              <a:schemeClr val="accent1">
+                <a:lumMod val="20000"/>
+                <a:lumOff val="80000"/>
+              </a:schemeClr>
+            </a:solidFill>
+          </a:ln>
+        </p:spPr>
+        <p:style>
+          <a:lnRef idx="2">
+            <a:schemeClr val="accent1">
+              <a:shade val="50000"/>
+            </a:schemeClr>
+          </a:lnRef>
+          <a:fillRef idx="1">
+            <a:schemeClr val="accent1"/>
+          </a:fillRef>
+          <a:effectRef idx="0">
+            <a:schemeClr val="accent1"/>
+          </a:effectRef>
+          <a:fontRef idx="minor">
+            <a:schemeClr val="lt1"/>
+          </a:fontRef>
+        </p:style>
+        <p:txBody>
+          <a:bodyPr rtlCol="0" anchor="ctr"/>
+          <a:lstStyle/>
+          <a:p>
+            <a:pPr algn="ctr"/>
+            <a:endParaRPr lang="de-DE"/>
+          </a:p>
+        </p:txBody>
+      </p:sp>
+      <p:sp>
+        <p:nvSpPr>
+          <p:cNvPr id="2" name="Titel 1"/>
+          <p:cNvSpPr>
+            <a:spLocks noGrp="1"/>
+          </p:cNvSpPr>
+          <p:nvPr>
+            <p:ph type="title"/>
+          </p:nvPr>
+        </p:nvSpPr>
+        <p:spPr/>
+        <p:txBody>
+          <a:bodyPr/>
+          <a:lstStyle/>
+          <a:p>
+            <a:r>
+              <a:rPr lang="de-DE" dirty="0" smtClean="0"/>
+              <a:t>Aktuelle Ergebnisse</a:t>
+            </a:r>
+            <a:endParaRPr lang="de-DE" dirty="0"/>
+          </a:p>
+        </p:txBody>
+      </p:sp>
+      <p:sp>
+        <p:nvSpPr>
+          <p:cNvPr id="3" name="Inhaltsplatzhalter 2"/>
+          <p:cNvSpPr>
+            <a:spLocks noGrp="1"/>
+          </p:cNvSpPr>
+          <p:nvPr>
+            <p:ph idx="1"/>
+          </p:nvPr>
+        </p:nvSpPr>
+        <p:spPr/>
+        <p:txBody>
+          <a:bodyPr>
+            <a:noAutofit/>
+          </a:bodyPr>
+          <a:lstStyle/>
+          <a:p>
+            <a:r>
+              <a:rPr lang="de-DE" dirty="0" smtClean="0"/>
+              <a:t>Dokumente</a:t>
+            </a:r>
+          </a:p>
+          <a:p>
+            <a:pPr lvl="1"/>
+            <a:r>
+              <a:rPr lang="de-DE" dirty="0" smtClean="0"/>
+              <a:t>Projekt-Exposé</a:t>
+            </a:r>
+          </a:p>
+          <a:p>
+            <a:pPr lvl="1"/>
+            <a:r>
+              <a:rPr lang="de-DE" dirty="0" smtClean="0"/>
+              <a:t>Projektplan</a:t>
+            </a:r>
+          </a:p>
+          <a:p>
+            <a:pPr lvl="1"/>
+            <a:r>
+              <a:rPr lang="de-DE" dirty="0" smtClean="0"/>
+              <a:t>Lastenheft</a:t>
+            </a:r>
+          </a:p>
+          <a:p>
+            <a:pPr lvl="1"/>
+            <a:r>
+              <a:rPr lang="de-DE" dirty="0" smtClean="0"/>
+              <a:t>Glossar (Begriffsdefinitionen)</a:t>
+            </a:r>
+          </a:p>
+          <a:p>
+            <a:pPr lvl="1"/>
+            <a:r>
+              <a:rPr lang="de-DE" dirty="0" smtClean="0"/>
+              <a:t>Risikoanalyse</a:t>
+            </a:r>
+          </a:p>
+          <a:p>
+            <a:pPr lvl="1"/>
+            <a:r>
+              <a:rPr lang="de-DE" dirty="0" smtClean="0"/>
+              <a:t>Wirtschaftslichkeitsbetrachtung</a:t>
+            </a:r>
+          </a:p>
+          <a:p>
+            <a:pPr lvl="1"/>
+            <a:r>
+              <a:rPr lang="de-DE" dirty="0" smtClean="0"/>
+              <a:t>Szenarien</a:t>
+            </a:r>
+          </a:p>
+          <a:p>
+            <a:pPr lvl="1"/>
+            <a:r>
+              <a:rPr lang="de-DE" dirty="0" smtClean="0"/>
+              <a:t>Anwendungsfalldiagramm</a:t>
+            </a:r>
+          </a:p>
+          <a:p>
+            <a:pPr lvl="1"/>
+            <a:r>
+              <a:rPr lang="de-DE" dirty="0" smtClean="0"/>
+              <a:t>Mock-</a:t>
+            </a:r>
+            <a:r>
+              <a:rPr lang="de-DE" dirty="0" err="1" smtClean="0"/>
+              <a:t>Ups</a:t>
+            </a:r>
+            <a:endParaRPr lang="de-DE" dirty="0" smtClean="0"/>
+          </a:p>
+        </p:txBody>
+      </p:sp>
+      <p:sp>
+        <p:nvSpPr>
+          <p:cNvPr id="4" name="Datumsplatzhalter 3"/>
+          <p:cNvSpPr>
+            <a:spLocks noGrp="1"/>
+          </p:cNvSpPr>
+          <p:nvPr>
+            <p:ph type="dt" sz="half" idx="10"/>
+          </p:nvPr>
+        </p:nvSpPr>
+        <p:spPr/>
+        <p:txBody>
+          <a:bodyPr/>
+          <a:lstStyle/>
+          <a:p>
+            <a:r>
+              <a:rPr lang="de-DE" smtClean="0"/>
+              <a:t>21.04.2012</a:t>
+            </a:r>
+            <a:endParaRPr lang="de-DE" dirty="0"/>
+          </a:p>
+        </p:txBody>
+      </p:sp>
+      <p:sp>
+        <p:nvSpPr>
+          <p:cNvPr id="6" name="Fußzeilenplatzhalter 5"/>
+          <p:cNvSpPr>
+            <a:spLocks noGrp="1"/>
+          </p:cNvSpPr>
+          <p:nvPr>
+            <p:ph type="ftr" sz="quarter" idx="11"/>
+          </p:nvPr>
+        </p:nvSpPr>
+        <p:spPr/>
+        <p:txBody>
+          <a:bodyPr/>
+          <a:lstStyle/>
+          <a:p>
+            <a:r>
+              <a:rPr lang="de-DE" smtClean="0"/>
+              <a:t>FST Projekt "Eventalizer" (SS 2012) Team 5</a:t>
+            </a:r>
+            <a:endParaRPr lang="de-DE" dirty="0"/>
+          </a:p>
+        </p:txBody>
+      </p:sp>
+      <p:sp>
+        <p:nvSpPr>
+          <p:cNvPr id="5" name="Foliennummernplatzhalter 4"/>
+          <p:cNvSpPr>
+            <a:spLocks noGrp="1"/>
+          </p:cNvSpPr>
+          <p:nvPr>
+            <p:ph type="sldNum" sz="quarter" idx="12"/>
+          </p:nvPr>
+        </p:nvSpPr>
+        <p:spPr/>
+        <p:txBody>
+          <a:bodyPr/>
+          <a:lstStyle/>
+          <a:p>
+            <a:fld id="{6C6AE60A-B69C-4790-82F7-3882EDF23186}" type="slidenum">
+              <a:rPr lang="de-DE" smtClean="0"/>
+              <a:pPr/>
+              <a:t>13</a:t>
+            </a:fld>
+            <a:endParaRPr lang="de-DE" dirty="0"/>
+          </a:p>
+        </p:txBody>
+      </p:sp>
+      <p:pic>
+        <p:nvPicPr>
+          <p:cNvPr id="8" name="Picture 2"/>
+          <p:cNvPicPr>
+            <a:picLocks noChangeAspect="1" noChangeArrowheads="1"/>
+          </p:cNvPicPr>
+          <p:nvPr/>
+        </p:nvPicPr>
+        <p:blipFill>
+          <a:blip r:embed="rId3" cstate="print">
+            <a:extLst>
+              <a:ext uri="{28A0092B-C50C-407E-A947-70E740481C1C}">
+                <a14:useLocalDpi xmlns:a14="http://schemas.microsoft.com/office/drawing/2010/main" xmlns="" val="0"/>
+              </a:ext>
+            </a:extLst>
+          </a:blip>
+          <a:srcRect/>
+          <a:stretch>
+            <a:fillRect/>
+          </a:stretch>
+        </p:blipFill>
+        <p:spPr bwMode="auto">
+          <a:xfrm>
+            <a:off x="7663879" y="3573015"/>
+            <a:ext cx="1444625" cy="4608513"/>
+          </a:xfrm>
+          <a:prstGeom prst="rect">
+            <a:avLst/>
+          </a:prstGeom>
+          <a:noFill/>
+          <a:ln>
+            <a:noFill/>
+          </a:ln>
+          <a:effectLst/>
+          <a:extLst>
+            <a:ext uri="{909E8E84-426E-40DD-AFC4-6F175D3DCCD1}">
+              <a14:hiddenFill xmlns:a14="http://schemas.microsoft.com/office/drawing/2010/main" xmlns="">
+                <a:solidFill>
+                  <a:schemeClr val="accent1"/>
+                </a:solidFill>
+              </a14:hiddenFill>
+            </a:ext>
+            <a:ext uri="{91240B29-F687-4F45-9708-019B960494DF}">
+              <a14:hiddenLine xmlns:a14="http://schemas.microsoft.com/office/drawing/2010/main" xmlns="" w="9525">
+                <a:solidFill>
+                  <a:schemeClr val="tx1"/>
+                </a:solidFill>
+                <a:miter lim="800000"/>
+                <a:headEnd/>
+                <a:tailEnd/>
+              </a14:hiddenLine>
+            </a:ext>
+            <a:ext uri="{AF507438-7753-43E0-B8FC-AC1667EBCBE1}">
+              <a14:hiddenEffects xmlns:a14="http://schemas.microsoft.com/office/drawing/2010/main" xmlns="">
+                <a:effectLst>
+                  <a:outerShdw dist="35921" dir="2700000" algn="ctr" rotWithShape="0">
+                    <a:schemeClr val="bg2"/>
+                  </a:outerShdw>
+                </a:effectLst>
+              </a14:hiddenEffects>
+            </a:ext>
+          </a:extLst>
+        </p:spPr>
+      </p:pic>
+    </p:spTree>
+    <p:extLst>
+      <p:ext uri="{BB962C8B-B14F-4D97-AF65-F5344CB8AC3E}">
+        <p14:creationId xmlns:p14="http://schemas.microsoft.com/office/powerpoint/2010/main" xmlns="" val="1245381784"/>
+      </p:ext>
+    </p:extLst>
+  </p:cSld>
+  <p:clrMapOvr>
+    <a:masterClrMapping/>
+  </p:clrMapOvr>
+  <p:timing>
+    <p:tnLst>
+      <p:par>
+        <p:cTn id="1" dur="indefinite" restart="never" nodeType="tmRoot"/>
+      </p:par>
+    </p:tnLst>
+  </p:timing>
+</p:sld>
+</file>
+
+<file path=ppt/slides/slide14.xml><?xml version="1.0" encoding="utf-8"?>
+<p:sld xmlns:a="http://schemas.openxmlformats.org/drawingml/2006/main" xmlns:r="http://schemas.openxmlformats.org/officeDocument/2006/relationships" xmlns:p="http://schemas.openxmlformats.org/presentationml/2006/main">
+  <p:cSld>
+    <p:spTree>
+      <p:nvGrpSpPr>
+        <p:cNvPr id="1" name=""/>
+        <p:cNvGrpSpPr/>
+        <p:nvPr/>
+      </p:nvGrpSpPr>
+      <p:grpSpPr>
+        <a:xfrm>
+          <a:off x="0" y="0"/>
+          <a:ext cx="0" cy="0"/>
+          <a:chOff x="0" y="0"/>
+          <a:chExt cx="0" cy="0"/>
+        </a:xfrm>
+      </p:grpSpPr>
+      <p:sp>
+        <p:nvSpPr>
+          <p:cNvPr id="7" name="Abgerundetes Rechteck 6"/>
+          <p:cNvSpPr/>
+          <p:nvPr/>
+        </p:nvSpPr>
+        <p:spPr>
+          <a:xfrm>
+            <a:off x="1835696" y="3212976"/>
             <a:ext cx="4752528" cy="504056"/>
           </a:xfrm>
           <a:prstGeom prst="roundRect">
@@ -11195,6 +11784,29 @@
       </p:sp>
       <p:sp>
         <p:nvSpPr>
+          <p:cNvPr id="2" name="Titel 1"/>
+          <p:cNvSpPr>
+            <a:spLocks noGrp="1"/>
+          </p:cNvSpPr>
+          <p:nvPr>
+            <p:ph type="title"/>
+          </p:nvPr>
+        </p:nvSpPr>
+        <p:spPr/>
+        <p:txBody>
+          <a:bodyPr/>
+          <a:lstStyle/>
+          <a:p>
+            <a:r>
+              <a:rPr lang="de-DE" dirty="0" smtClean="0"/>
+              <a:t>Aktuelle Ergebnisse</a:t>
+            </a:r>
+            <a:endParaRPr lang="de-DE" dirty="0"/>
+          </a:p>
+        </p:txBody>
+      </p:sp>
+      <p:sp>
+        <p:nvSpPr>
           <p:cNvPr id="3" name="Inhaltsplatzhalter 2"/>
           <p:cNvSpPr>
             <a:spLocks noGrp="1"/>
@@ -11203,12 +11815,7 @@
             <p:ph idx="1"/>
           </p:nvPr>
         </p:nvSpPr>
-        <p:spPr>
-          <a:xfrm>
-            <a:off x="1187624" y="1600200"/>
-            <a:ext cx="7956376" cy="4525963"/>
-          </a:xfrm>
-        </p:spPr>
+        <p:spPr/>
         <p:txBody>
           <a:bodyPr>
             <a:noAutofit/>
@@ -11259,6 +11866,13 @@
             <a:pPr lvl="1"/>
             <a:r>
               <a:rPr lang="de-DE" dirty="0" smtClean="0"/>
+              <a:t>Wirtschaftslichkeitsbetrachtung</a:t>
+            </a:r>
+          </a:p>
+          <a:p>
+            <a:pPr lvl="1"/>
+            <a:r>
+              <a:rPr lang="de-DE" dirty="0" smtClean="0"/>
               <a:t>Szenarien</a:t>
             </a:r>
           </a:p>
@@ -11266,20 +11880,31 @@
             <a:pPr lvl="1"/>
             <a:r>
               <a:rPr lang="de-DE" dirty="0" smtClean="0"/>
-              <a:t>Wirtschaftslichkeitsbetrachtung</a:t>
-            </a:r>
-            <a:endParaRPr lang="de-DE" dirty="0"/>
-          </a:p>
-        </p:txBody>
-      </p:sp>
-      <p:sp>
-        <p:nvSpPr>
-          <p:cNvPr id="2" name="Titel 1"/>
-          <p:cNvSpPr>
-            <a:spLocks noGrp="1"/>
-          </p:cNvSpPr>
-          <p:nvPr>
-            <p:ph type="title"/>
+              <a:t>Anwendungsfalldiagramm</a:t>
+            </a:r>
+          </a:p>
+          <a:p>
+            <a:pPr lvl="1"/>
+            <a:r>
+              <a:rPr lang="de-DE" dirty="0" smtClean="0"/>
+              <a:t>Mock-</a:t>
+            </a:r>
+            <a:r>
+              <a:rPr lang="de-DE" dirty="0" err="1" smtClean="0"/>
+              <a:t>Ups</a:t>
+            </a:r>
+            <a:endParaRPr lang="de-DE" dirty="0" smtClean="0"/>
+          </a:p>
+        </p:txBody>
+      </p:sp>
+      <p:sp>
+        <p:nvSpPr>
+          <p:cNvPr id="4" name="Datumsplatzhalter 3"/>
+          <p:cNvSpPr>
+            <a:spLocks noGrp="1"/>
+          </p:cNvSpPr>
+          <p:nvPr>
+            <p:ph type="dt" sz="half" idx="10"/>
           </p:nvPr>
         </p:nvSpPr>
         <p:spPr/>
@@ -11288,8 +11913,8 @@
           <a:lstStyle/>
           <a:p>
             <a:r>
-              <a:rPr lang="de-DE" dirty="0" smtClean="0"/>
-              <a:t>Aktuelle Ergebnisse</a:t>
+              <a:rPr lang="de-DE" smtClean="0"/>
+              <a:t>21.04.2012</a:t>
             </a:r>
             <a:endParaRPr lang="de-DE" dirty="0"/>
           </a:p>
@@ -11297,12 +11922,12 @@
       </p:sp>
       <p:sp>
         <p:nvSpPr>
-          <p:cNvPr id="4" name="Datumsplatzhalter 3"/>
-          <p:cNvSpPr>
-            <a:spLocks noGrp="1"/>
-          </p:cNvSpPr>
-          <p:nvPr>
-            <p:ph type="dt" sz="half" idx="10"/>
+          <p:cNvPr id="6" name="Fußzeilenplatzhalter 5"/>
+          <p:cNvSpPr>
+            <a:spLocks noGrp="1"/>
+          </p:cNvSpPr>
+          <p:nvPr>
+            <p:ph type="ftr" sz="quarter" idx="11"/>
           </p:nvPr>
         </p:nvSpPr>
         <p:spPr/>
@@ -11312,7 +11937,7 @@
           <a:p>
             <a:r>
               <a:rPr lang="de-DE" smtClean="0"/>
-              <a:t>21.04.2012</a:t>
+              <a:t>FST Projekt "Eventalizer" (SS 2012) Team 5</a:t>
             </a:r>
             <a:endParaRPr lang="de-DE" dirty="0"/>
           </a:p>
@@ -11336,103 +11961,16 @@
             <a:fld id="{6C6AE60A-B69C-4790-82F7-3882EDF23186}" type="slidenum">
               <a:rPr lang="de-DE" smtClean="0"/>
               <a:pPr/>
-              <a:t>13</a:t>
+              <a:t>14</a:t>
             </a:fld>
             <a:endParaRPr lang="de-DE" dirty="0"/>
           </a:p>
         </p:txBody>
       </p:sp>
-      <p:sp>
-        <p:nvSpPr>
-          <p:cNvPr id="6" name="Fußzeilenplatzhalter 5"/>
-          <p:cNvSpPr>
-            <a:spLocks noGrp="1"/>
-          </p:cNvSpPr>
-          <p:nvPr>
-            <p:ph type="ftr" sz="quarter" idx="11"/>
-          </p:nvPr>
-        </p:nvSpPr>
-        <p:spPr/>
-        <p:txBody>
-          <a:bodyPr/>
-          <a:lstStyle/>
-          <a:p>
-            <a:r>
-              <a:rPr lang="de-DE" smtClean="0"/>
-              <a:t>FST Projekt "Eventalizer" (SS 2012) Team 5</a:t>
-            </a:r>
-            <a:endParaRPr lang="de-DE" dirty="0"/>
-          </a:p>
-        </p:txBody>
-      </p:sp>
-      <p:pic>
-        <p:nvPicPr>
-          <p:cNvPr id="8" name="Picture 2"/>
-          <p:cNvPicPr>
-            <a:picLocks noChangeAspect="1" noChangeArrowheads="1"/>
-          </p:cNvPicPr>
-          <p:nvPr/>
-        </p:nvPicPr>
-        <p:blipFill>
-          <a:blip r:embed="rId3">
-            <a:extLst>
-              <a:ext uri="{28A0092B-C50C-407E-A947-70E740481C1C}">
-                <a14:useLocalDpi xmlns:a14="http://schemas.microsoft.com/office/drawing/2010/main" val="0"/>
-              </a:ext>
-            </a:extLst>
-          </a:blip>
-          <a:srcRect/>
-          <a:stretch>
-            <a:fillRect/>
-          </a:stretch>
-        </p:blipFill>
-        <p:spPr bwMode="auto">
-          <a:xfrm>
-            <a:off x="7663879" y="3573015"/>
-            <a:ext cx="1444625" cy="4608513"/>
-          </a:xfrm>
-          <a:prstGeom prst="rect">
-            <a:avLst/>
-          </a:prstGeom>
-          <a:noFill/>
-          <a:ln>
-            <a:noFill/>
-          </a:ln>
-          <a:effectLst/>
-          <a:extLst>
-            <a:ext uri="{909E8E84-426E-40DD-AFC4-6F175D3DCCD1}">
-              <a14:hiddenFill xmlns:a14="http://schemas.microsoft.com/office/drawing/2010/main">
-                <a:solidFill>
-                  <a:schemeClr val="accent1"/>
-                </a:solidFill>
-              </a14:hiddenFill>
-            </a:ext>
-            <a:ext uri="{91240B29-F687-4F45-9708-019B960494DF}">
-              <a14:hiddenLine xmlns:a14="http://schemas.microsoft.com/office/drawing/2010/main" w="9525">
-                <a:solidFill>
-                  <a:schemeClr val="tx1"/>
-                </a:solidFill>
-                <a:miter lim="800000"/>
-                <a:headEnd/>
-                <a:tailEnd/>
-              </a14:hiddenLine>
-            </a:ext>
-            <a:ext uri="{AF507438-7753-43E0-B8FC-AC1667EBCBE1}">
-              <a14:hiddenEffects xmlns:a14="http://schemas.microsoft.com/office/drawing/2010/main">
-                <a:effectLst>
-                  <a:outerShdw dist="35921" dir="2700000" algn="ctr" rotWithShape="0">
-                    <a:schemeClr val="bg2"/>
-                  </a:outerShdw>
-                </a:effectLst>
-              </a14:hiddenEffects>
-            </a:ext>
-          </a:extLst>
-        </p:spPr>
-      </p:pic>
     </p:spTree>
     <p:extLst>
       <p:ext uri="{BB962C8B-B14F-4D97-AF65-F5344CB8AC3E}">
-        <p14:creationId xmlns:p14="http://schemas.microsoft.com/office/powerpoint/2010/main" val="1245381784"/>
+        <p14:creationId xmlns:p14="http://schemas.microsoft.com/office/powerpoint/2010/main" xmlns="" val="1985017572"/>
       </p:ext>
     </p:extLst>
   </p:cSld>
@@ -11449,7 +11987,7 @@
 </p:sld>
 </file>
 
-<file path=ppt/slides/slide14.xml><?xml version="1.0" encoding="utf-8"?>
+<file path=ppt/slides/slide15.xml><?xml version="1.0" encoding="utf-8"?>
 <p:sld xmlns:a="http://schemas.openxmlformats.org/drawingml/2006/main" xmlns:r="http://schemas.openxmlformats.org/officeDocument/2006/relationships" xmlns:p="http://schemas.openxmlformats.org/presentationml/2006/main">
   <p:cSld>
     <p:spTree>
@@ -11468,14 +12006,246 @@
       </p:grpSpPr>
       <p:sp>
         <p:nvSpPr>
-          <p:cNvPr id="7" name="Abgerundetes Rechteck 6"/>
+          <p:cNvPr id="2" name="Titel 1"/>
+          <p:cNvSpPr>
+            <a:spLocks noGrp="1"/>
+          </p:cNvSpPr>
+          <p:nvPr>
+            <p:ph type="title"/>
+          </p:nvPr>
+        </p:nvSpPr>
+        <p:spPr/>
+        <p:txBody>
+          <a:bodyPr>
+            <a:normAutofit/>
+          </a:bodyPr>
+          <a:lstStyle/>
+          <a:p>
+            <a:r>
+              <a:rPr lang="de-DE" dirty="0"/>
+              <a:t>Aktuelle Ergebnisse</a:t>
+            </a:r>
+          </a:p>
+        </p:txBody>
+      </p:sp>
+      <p:sp>
+        <p:nvSpPr>
+          <p:cNvPr id="7" name="Inhaltsplatzhalter 6"/>
+          <p:cNvSpPr>
+            <a:spLocks noGrp="1"/>
+          </p:cNvSpPr>
+          <p:nvPr>
+            <p:ph idx="1"/>
+          </p:nvPr>
+        </p:nvSpPr>
+        <p:spPr/>
+        <p:txBody>
+          <a:bodyPr/>
+          <a:lstStyle/>
+          <a:p>
+            <a:pPr>
+              <a:buNone/>
+            </a:pPr>
+            <a:r>
+              <a:rPr lang="de-DE" b="1" dirty="0" smtClean="0"/>
+              <a:t>Glossar</a:t>
+            </a:r>
+          </a:p>
+          <a:p>
+            <a:pPr>
+              <a:buNone/>
+            </a:pPr>
+            <a:endParaRPr lang="de-DE" dirty="0"/>
+          </a:p>
+          <a:p>
+            <a:r>
+              <a:rPr lang="de-DE" dirty="0"/>
+              <a:t>Fachliche Begriffe</a:t>
+            </a:r>
+          </a:p>
+          <a:p>
+            <a:pPr lvl="1"/>
+            <a:r>
+              <a:rPr lang="de-DE" dirty="0" smtClean="0"/>
+              <a:t>Event</a:t>
+            </a:r>
+          </a:p>
+          <a:p>
+            <a:pPr lvl="1"/>
+            <a:r>
+              <a:rPr lang="de-DE" dirty="0" smtClean="0"/>
+              <a:t>(Event-)Teilnehmer</a:t>
+            </a:r>
+          </a:p>
+          <a:p>
+            <a:pPr lvl="1"/>
+            <a:r>
+              <a:rPr lang="de-DE" dirty="0" smtClean="0"/>
+              <a:t>(Event-)Organisator</a:t>
+            </a:r>
+          </a:p>
+          <a:p>
+            <a:pPr lvl="1"/>
+            <a:endParaRPr lang="de-DE" dirty="0" smtClean="0"/>
+          </a:p>
+          <a:p>
+            <a:r>
+              <a:rPr lang="de-DE" dirty="0" smtClean="0"/>
+              <a:t>Technische Begriffe</a:t>
+            </a:r>
+            <a:endParaRPr lang="de-DE" dirty="0"/>
+          </a:p>
+        </p:txBody>
+      </p:sp>
+      <p:sp>
+        <p:nvSpPr>
+          <p:cNvPr id="4" name="Datumsplatzhalter 3"/>
+          <p:cNvSpPr>
+            <a:spLocks noGrp="1"/>
+          </p:cNvSpPr>
+          <p:nvPr>
+            <p:ph type="dt" sz="half" idx="10"/>
+          </p:nvPr>
+        </p:nvSpPr>
+        <p:spPr/>
+        <p:txBody>
+          <a:bodyPr/>
+          <a:lstStyle/>
+          <a:p>
+            <a:r>
+              <a:rPr lang="de-DE" smtClean="0"/>
+              <a:t>21.04.2012</a:t>
+            </a:r>
+            <a:endParaRPr lang="de-DE" dirty="0"/>
+          </a:p>
+        </p:txBody>
+      </p:sp>
+      <p:sp>
+        <p:nvSpPr>
+          <p:cNvPr id="5" name="Fußzeilenplatzhalter 4"/>
+          <p:cNvSpPr>
+            <a:spLocks noGrp="1"/>
+          </p:cNvSpPr>
+          <p:nvPr>
+            <p:ph type="ftr" sz="quarter" idx="11"/>
+          </p:nvPr>
+        </p:nvSpPr>
+        <p:spPr/>
+        <p:txBody>
+          <a:bodyPr/>
+          <a:lstStyle/>
+          <a:p>
+            <a:r>
+              <a:rPr lang="de-DE" smtClean="0"/>
+              <a:t>FST Projekt "Eventalizer" (SS 2012) Team 5</a:t>
+            </a:r>
+            <a:endParaRPr lang="de-DE" dirty="0"/>
+          </a:p>
+        </p:txBody>
+      </p:sp>
+      <p:sp>
+        <p:nvSpPr>
+          <p:cNvPr id="6" name="Foliennummernplatzhalter 5"/>
+          <p:cNvSpPr>
+            <a:spLocks noGrp="1"/>
+          </p:cNvSpPr>
+          <p:nvPr>
+            <p:ph type="sldNum" sz="quarter" idx="12"/>
+          </p:nvPr>
+        </p:nvSpPr>
+        <p:spPr/>
+        <p:txBody>
+          <a:bodyPr/>
+          <a:lstStyle/>
+          <a:p>
+            <a:fld id="{6C6AE60A-B69C-4790-82F7-3882EDF23186}" type="slidenum">
+              <a:rPr lang="de-DE" smtClean="0"/>
+              <a:pPr/>
+              <a:t>15</a:t>
+            </a:fld>
+            <a:endParaRPr lang="de-DE" dirty="0"/>
+          </a:p>
+        </p:txBody>
+      </p:sp>
+      <p:pic>
+        <p:nvPicPr>
+          <p:cNvPr id="8" name="Picture 1"/>
+          <p:cNvPicPr>
+            <a:picLocks noChangeAspect="1" noChangeArrowheads="1"/>
+          </p:cNvPicPr>
+          <p:nvPr/>
+        </p:nvPicPr>
+        <p:blipFill>
+          <a:blip r:embed="rId3" cstate="print"/>
+          <a:srcRect/>
+          <a:stretch>
+            <a:fillRect/>
+          </a:stretch>
+        </p:blipFill>
+        <p:spPr bwMode="auto">
+          <a:xfrm>
+            <a:off x="5220072" y="2098772"/>
+            <a:ext cx="3780000" cy="3346452"/>
+          </a:xfrm>
+          <a:prstGeom prst="rect">
+            <a:avLst/>
+          </a:prstGeom>
+          <a:noFill/>
+          <a:ln w="9525">
+            <a:noFill/>
+            <a:miter lim="800000"/>
+            <a:headEnd/>
+            <a:tailEnd/>
+          </a:ln>
+        </p:spPr>
+      </p:pic>
+    </p:spTree>
+    <p:extLst>
+      <p:ext uri="{BB962C8B-B14F-4D97-AF65-F5344CB8AC3E}">
+        <p14:creationId xmlns:p14="http://schemas.microsoft.com/office/powerpoint/2010/main" xmlns="" val="937201037"/>
+      </p:ext>
+    </p:extLst>
+  </p:cSld>
+  <p:clrMapOvr>
+    <a:masterClrMapping/>
+  </p:clrMapOvr>
+  <p:timing>
+    <p:tnLst>
+      <p:par>
+        <p:cTn id="1" dur="indefinite" restart="never" nodeType="tmRoot"/>
+      </p:par>
+    </p:tnLst>
+  </p:timing>
+</p:sld>
+</file>
+
+<file path=ppt/slides/slide16.xml><?xml version="1.0" encoding="utf-8"?>
+<p:sld xmlns:a="http://schemas.openxmlformats.org/drawingml/2006/main" xmlns:r="http://schemas.openxmlformats.org/officeDocument/2006/relationships" xmlns:p="http://schemas.openxmlformats.org/presentationml/2006/main">
+  <p:cSld>
+    <p:spTree>
+      <p:nvGrpSpPr>
+        <p:cNvPr id="1" name=""/>
+        <p:cNvGrpSpPr/>
+        <p:nvPr/>
+      </p:nvGrpSpPr>
+      <p:grpSpPr>
+        <a:xfrm>
+          <a:off x="0" y="0"/>
+          <a:ext cx="0" cy="0"/>
+          <a:chOff x="0" y="0"/>
+          <a:chExt cx="0" cy="0"/>
+        </a:xfrm>
+      </p:grpSpPr>
+      <p:sp>
+        <p:nvSpPr>
+          <p:cNvPr id="9" name="Abgerundetes Rechteck 8"/>
           <p:cNvSpPr/>
           <p:nvPr/>
         </p:nvSpPr>
         <p:spPr>
           <a:xfrm>
-            <a:off x="774635" y="3449086"/>
-            <a:ext cx="4752528" cy="504056"/>
+            <a:off x="1835696" y="3717032"/>
+            <a:ext cx="4752528" cy="432048"/>
           </a:xfrm>
           <a:prstGeom prst="roundRect">
             <a:avLst/>
@@ -11522,6 +12292,29 @@
       </p:sp>
       <p:sp>
         <p:nvSpPr>
+          <p:cNvPr id="2" name="Titel 1"/>
+          <p:cNvSpPr>
+            <a:spLocks noGrp="1"/>
+          </p:cNvSpPr>
+          <p:nvPr>
+            <p:ph type="title"/>
+          </p:nvPr>
+        </p:nvSpPr>
+        <p:spPr/>
+        <p:txBody>
+          <a:bodyPr/>
+          <a:lstStyle/>
+          <a:p>
+            <a:r>
+              <a:rPr lang="de-DE" dirty="0" smtClean="0"/>
+              <a:t>Aktuelle Ergebnisse</a:t>
+            </a:r>
+            <a:endParaRPr lang="de-DE" dirty="0"/>
+          </a:p>
+        </p:txBody>
+      </p:sp>
+      <p:sp>
+        <p:nvSpPr>
           <p:cNvPr id="3" name="Inhaltsplatzhalter 2"/>
           <p:cNvSpPr>
             <a:spLocks noGrp="1"/>
@@ -11530,12 +12323,7 @@
             <p:ph idx="1"/>
           </p:nvPr>
         </p:nvSpPr>
-        <p:spPr>
-          <a:xfrm>
-            <a:off x="1187624" y="1600200"/>
-            <a:ext cx="7956376" cy="4525963"/>
-          </a:xfrm>
-        </p:spPr>
+        <p:spPr/>
         <p:txBody>
           <a:bodyPr>
             <a:noAutofit/>
@@ -11586,6 +12374,13 @@
             <a:pPr lvl="1"/>
             <a:r>
               <a:rPr lang="de-DE" dirty="0" smtClean="0"/>
+              <a:t>Wirtschaftslichkeitsbetrachtung</a:t>
+            </a:r>
+          </a:p>
+          <a:p>
+            <a:pPr lvl="1"/>
+            <a:r>
+              <a:rPr lang="de-DE" dirty="0" smtClean="0"/>
               <a:t>Szenarien</a:t>
             </a:r>
           </a:p>
@@ -11593,20 +12388,31 @@
             <a:pPr lvl="1"/>
             <a:r>
               <a:rPr lang="de-DE" dirty="0" smtClean="0"/>
-              <a:t>Wirtschaftslichkeitsbetrachtung</a:t>
-            </a:r>
-            <a:endParaRPr lang="de-DE" dirty="0"/>
-          </a:p>
-        </p:txBody>
-      </p:sp>
-      <p:sp>
-        <p:nvSpPr>
-          <p:cNvPr id="2" name="Titel 1"/>
-          <p:cNvSpPr>
-            <a:spLocks noGrp="1"/>
-          </p:cNvSpPr>
-          <p:nvPr>
-            <p:ph type="title"/>
+              <a:t>Anwendungsfalldiagramm</a:t>
+            </a:r>
+          </a:p>
+          <a:p>
+            <a:pPr lvl="1"/>
+            <a:r>
+              <a:rPr lang="de-DE" dirty="0" smtClean="0"/>
+              <a:t>Mock-</a:t>
+            </a:r>
+            <a:r>
+              <a:rPr lang="de-DE" dirty="0" err="1" smtClean="0"/>
+              <a:t>Ups</a:t>
+            </a:r>
+            <a:endParaRPr lang="de-DE" dirty="0" smtClean="0"/>
+          </a:p>
+        </p:txBody>
+      </p:sp>
+      <p:sp>
+        <p:nvSpPr>
+          <p:cNvPr id="4" name="Datumsplatzhalter 3"/>
+          <p:cNvSpPr>
+            <a:spLocks noGrp="1"/>
+          </p:cNvSpPr>
+          <p:nvPr>
+            <p:ph type="dt" sz="half" idx="10"/>
           </p:nvPr>
         </p:nvSpPr>
         <p:spPr/>
@@ -11615,8 +12421,8 @@
           <a:lstStyle/>
           <a:p>
             <a:r>
-              <a:rPr lang="de-DE" dirty="0" smtClean="0"/>
-              <a:t>Aktuelle Ergebnisse</a:t>
+              <a:rPr lang="de-DE" smtClean="0"/>
+              <a:t>21.04.2012</a:t>
             </a:r>
             <a:endParaRPr lang="de-DE" dirty="0"/>
           </a:p>
@@ -11624,12 +12430,12 @@
       </p:sp>
       <p:sp>
         <p:nvSpPr>
-          <p:cNvPr id="4" name="Datumsplatzhalter 3"/>
-          <p:cNvSpPr>
-            <a:spLocks noGrp="1"/>
-          </p:cNvSpPr>
-          <p:nvPr>
-            <p:ph type="dt" sz="half" idx="10"/>
+          <p:cNvPr id="6" name="Fußzeilenplatzhalter 5"/>
+          <p:cNvSpPr>
+            <a:spLocks noGrp="1"/>
+          </p:cNvSpPr>
+          <p:nvPr>
+            <p:ph type="ftr" sz="quarter" idx="11"/>
           </p:nvPr>
         </p:nvSpPr>
         <p:spPr/>
@@ -11639,7 +12445,7 @@
           <a:p>
             <a:r>
               <a:rPr lang="de-DE" smtClean="0"/>
-              <a:t>21.04.2012</a:t>
+              <a:t>FST Projekt "Eventalizer" (SS 2012) Team 5</a:t>
             </a:r>
             <a:endParaRPr lang="de-DE" dirty="0"/>
           </a:p>
@@ -11648,419 +12454,6 @@
       <p:sp>
         <p:nvSpPr>
           <p:cNvPr id="5" name="Foliennummernplatzhalter 4"/>
-          <p:cNvSpPr>
-            <a:spLocks noGrp="1"/>
-          </p:cNvSpPr>
-          <p:nvPr>
-            <p:ph type="sldNum" sz="quarter" idx="12"/>
-          </p:nvPr>
-        </p:nvSpPr>
-        <p:spPr/>
-        <p:txBody>
-          <a:bodyPr/>
-          <a:lstStyle/>
-          <a:p>
-            <a:fld id="{6C6AE60A-B69C-4790-82F7-3882EDF23186}" type="slidenum">
-              <a:rPr lang="de-DE" smtClean="0"/>
-              <a:pPr/>
-              <a:t>14</a:t>
-            </a:fld>
-            <a:endParaRPr lang="de-DE" dirty="0"/>
-          </a:p>
-        </p:txBody>
-      </p:sp>
-      <p:sp>
-        <p:nvSpPr>
-          <p:cNvPr id="6" name="Fußzeilenplatzhalter 5"/>
-          <p:cNvSpPr>
-            <a:spLocks noGrp="1"/>
-          </p:cNvSpPr>
-          <p:nvPr>
-            <p:ph type="ftr" sz="quarter" idx="11"/>
-          </p:nvPr>
-        </p:nvSpPr>
-        <p:spPr/>
-        <p:txBody>
-          <a:bodyPr/>
-          <a:lstStyle/>
-          <a:p>
-            <a:r>
-              <a:rPr lang="de-DE" smtClean="0"/>
-              <a:t>FST Projekt "Eventalizer" (SS 2012) Team 5</a:t>
-            </a:r>
-            <a:endParaRPr lang="de-DE" dirty="0"/>
-          </a:p>
-        </p:txBody>
-      </p:sp>
-    </p:spTree>
-    <p:extLst>
-      <p:ext uri="{BB962C8B-B14F-4D97-AF65-F5344CB8AC3E}">
-        <p14:creationId xmlns:p14="http://schemas.microsoft.com/office/powerpoint/2010/main" val="1985017572"/>
-      </p:ext>
-    </p:extLst>
-  </p:cSld>
-  <p:clrMapOvr>
-    <a:masterClrMapping/>
-  </p:clrMapOvr>
-  <p:timing>
-    <p:tnLst>
-      <p:par>
-        <p:cTn id="1" dur="indefinite" restart="never" nodeType="tmRoot"/>
-      </p:par>
-    </p:tnLst>
-  </p:timing>
-</p:sld>
-</file>
-
-<file path=ppt/slides/slide15.xml><?xml version="1.0" encoding="utf-8"?>
-<p:sld xmlns:a="http://schemas.openxmlformats.org/drawingml/2006/main" xmlns:r="http://schemas.openxmlformats.org/officeDocument/2006/relationships" xmlns:p="http://schemas.openxmlformats.org/presentationml/2006/main" show="0">
-  <p:cSld>
-    <p:spTree>
-      <p:nvGrpSpPr>
-        <p:cNvPr id="1" name=""/>
-        <p:cNvGrpSpPr/>
-        <p:nvPr/>
-      </p:nvGrpSpPr>
-      <p:grpSpPr>
-        <a:xfrm>
-          <a:off x="0" y="0"/>
-          <a:ext cx="0" cy="0"/>
-          <a:chOff x="0" y="0"/>
-          <a:chExt cx="0" cy="0"/>
-        </a:xfrm>
-      </p:grpSpPr>
-      <p:sp>
-        <p:nvSpPr>
-          <p:cNvPr id="2" name="Titel 1"/>
-          <p:cNvSpPr>
-            <a:spLocks noGrp="1"/>
-          </p:cNvSpPr>
-          <p:nvPr>
-            <p:ph type="title"/>
-          </p:nvPr>
-        </p:nvSpPr>
-        <p:spPr/>
-        <p:txBody>
-          <a:bodyPr>
-            <a:normAutofit/>
-          </a:bodyPr>
-          <a:lstStyle/>
-          <a:p>
-            <a:r>
-              <a:rPr lang="de-DE" dirty="0" smtClean="0"/>
-              <a:t>Glossar (Begriffsdefinitionen)</a:t>
-            </a:r>
-            <a:endParaRPr lang="de-DE" dirty="0"/>
-          </a:p>
-        </p:txBody>
-      </p:sp>
-      <p:sp>
-        <p:nvSpPr>
-          <p:cNvPr id="4" name="Datumsplatzhalter 3"/>
-          <p:cNvSpPr>
-            <a:spLocks noGrp="1"/>
-          </p:cNvSpPr>
-          <p:nvPr>
-            <p:ph type="dt" sz="half" idx="10"/>
-          </p:nvPr>
-        </p:nvSpPr>
-        <p:spPr/>
-        <p:txBody>
-          <a:bodyPr/>
-          <a:lstStyle/>
-          <a:p>
-            <a:r>
-              <a:rPr lang="de-DE" smtClean="0"/>
-              <a:t>21.04.2012</a:t>
-            </a:r>
-            <a:endParaRPr lang="de-DE" dirty="0"/>
-          </a:p>
-        </p:txBody>
-      </p:sp>
-      <p:sp>
-        <p:nvSpPr>
-          <p:cNvPr id="5" name="Fußzeilenplatzhalter 4"/>
-          <p:cNvSpPr>
-            <a:spLocks noGrp="1"/>
-          </p:cNvSpPr>
-          <p:nvPr>
-            <p:ph type="ftr" sz="quarter" idx="11"/>
-          </p:nvPr>
-        </p:nvSpPr>
-        <p:spPr/>
-        <p:txBody>
-          <a:bodyPr/>
-          <a:lstStyle/>
-          <a:p>
-            <a:r>
-              <a:rPr lang="de-DE" smtClean="0"/>
-              <a:t>FST Projekt "Eventalizer" (SS 2012) Team 5</a:t>
-            </a:r>
-            <a:endParaRPr lang="de-DE" dirty="0"/>
-          </a:p>
-        </p:txBody>
-      </p:sp>
-      <p:sp>
-        <p:nvSpPr>
-          <p:cNvPr id="6" name="Foliennummernplatzhalter 5"/>
-          <p:cNvSpPr>
-            <a:spLocks noGrp="1"/>
-          </p:cNvSpPr>
-          <p:nvPr>
-            <p:ph type="sldNum" sz="quarter" idx="12"/>
-          </p:nvPr>
-        </p:nvSpPr>
-        <p:spPr/>
-        <p:txBody>
-          <a:bodyPr/>
-          <a:lstStyle/>
-          <a:p>
-            <a:fld id="{6C6AE60A-B69C-4790-82F7-3882EDF23186}" type="slidenum">
-              <a:rPr lang="de-DE" smtClean="0"/>
-              <a:pPr/>
-              <a:t>15</a:t>
-            </a:fld>
-            <a:endParaRPr lang="de-DE" dirty="0"/>
-          </a:p>
-        </p:txBody>
-      </p:sp>
-      <p:pic>
-        <p:nvPicPr>
-          <p:cNvPr id="3073" name="Picture 1"/>
-          <p:cNvPicPr>
-            <a:picLocks noChangeAspect="1" noChangeArrowheads="1"/>
-          </p:cNvPicPr>
-          <p:nvPr/>
-        </p:nvPicPr>
-        <p:blipFill>
-          <a:blip r:embed="rId2" cstate="print"/>
-          <a:srcRect/>
-          <a:stretch>
-            <a:fillRect/>
-          </a:stretch>
-        </p:blipFill>
-        <p:spPr bwMode="auto">
-          <a:xfrm>
-            <a:off x="1849338" y="1603970"/>
-            <a:ext cx="5314950" cy="4705350"/>
-          </a:xfrm>
-          <a:prstGeom prst="rect">
-            <a:avLst/>
-          </a:prstGeom>
-          <a:noFill/>
-          <a:ln w="9525">
-            <a:noFill/>
-            <a:miter lim="800000"/>
-            <a:headEnd/>
-            <a:tailEnd/>
-          </a:ln>
-        </p:spPr>
-      </p:pic>
-    </p:spTree>
-    <p:extLst>
-      <p:ext uri="{BB962C8B-B14F-4D97-AF65-F5344CB8AC3E}">
-        <p14:creationId xmlns:p14="http://schemas.microsoft.com/office/powerpoint/2010/main" val="3127581410"/>
-      </p:ext>
-    </p:extLst>
-  </p:cSld>
-  <p:clrMapOvr>
-    <a:masterClrMapping/>
-  </p:clrMapOvr>
-  <mc:AlternateContent xmlns:mc="http://schemas.openxmlformats.org/markup-compatibility/2006">
-    <mc:Choice xmlns:p14="http://schemas.microsoft.com/office/powerpoint/2010/main" Requires="p14">
-      <p:transition spd="slow" p14:dur="2000"/>
-    </mc:Choice>
-    <mc:Fallback>
-      <p:transition spd="slow"/>
-    </mc:Fallback>
-  </mc:AlternateContent>
-  <p:timing>
-    <p:tnLst>
-      <p:par>
-        <p:cTn id="1" dur="indefinite" restart="never" nodeType="tmRoot"/>
-      </p:par>
-    </p:tnLst>
-  </p:timing>
-</p:sld>
-</file>
-
-<file path=ppt/slides/slide16.xml><?xml version="1.0" encoding="utf-8"?>
-<p:sld xmlns:a="http://schemas.openxmlformats.org/drawingml/2006/main" xmlns:r="http://schemas.openxmlformats.org/officeDocument/2006/relationships" xmlns:p="http://schemas.openxmlformats.org/presentationml/2006/main">
-  <p:cSld>
-    <p:spTree>
-      <p:nvGrpSpPr>
-        <p:cNvPr id="1" name=""/>
-        <p:cNvGrpSpPr/>
-        <p:nvPr/>
-      </p:nvGrpSpPr>
-      <p:grpSpPr>
-        <a:xfrm>
-          <a:off x="0" y="0"/>
-          <a:ext cx="0" cy="0"/>
-          <a:chOff x="0" y="0"/>
-          <a:chExt cx="0" cy="0"/>
-        </a:xfrm>
-      </p:grpSpPr>
-      <p:sp>
-        <p:nvSpPr>
-          <p:cNvPr id="2" name="Titel 1"/>
-          <p:cNvSpPr>
-            <a:spLocks noGrp="1"/>
-          </p:cNvSpPr>
-          <p:nvPr>
-            <p:ph type="title"/>
-          </p:nvPr>
-        </p:nvSpPr>
-        <p:spPr/>
-        <p:txBody>
-          <a:bodyPr>
-            <a:normAutofit/>
-          </a:bodyPr>
-          <a:lstStyle/>
-          <a:p>
-            <a:r>
-              <a:rPr lang="de-DE" dirty="0"/>
-              <a:t>Aktuelle Ergebnisse</a:t>
-            </a:r>
-            <a:endParaRPr lang="de-DE" dirty="0"/>
-          </a:p>
-        </p:txBody>
-      </p:sp>
-      <p:sp>
-        <p:nvSpPr>
-          <p:cNvPr id="7" name="Inhaltsplatzhalter 6"/>
-          <p:cNvSpPr>
-            <a:spLocks noGrp="1"/>
-          </p:cNvSpPr>
-          <p:nvPr>
-            <p:ph idx="1"/>
-          </p:nvPr>
-        </p:nvSpPr>
-        <p:spPr/>
-        <p:txBody>
-          <a:bodyPr/>
-          <a:lstStyle/>
-          <a:p>
-            <a:pPr>
-              <a:buNone/>
-            </a:pPr>
-            <a:r>
-              <a:rPr lang="de-DE" b="1" dirty="0" smtClean="0"/>
-              <a:t>Glossar</a:t>
-            </a:r>
-          </a:p>
-          <a:p>
-            <a:pPr>
-              <a:buNone/>
-            </a:pPr>
-            <a:endParaRPr lang="de-DE" dirty="0"/>
-          </a:p>
-          <a:p>
-            <a:r>
-              <a:rPr lang="de-DE" dirty="0"/>
-              <a:t>Fachliche Begriffe</a:t>
-            </a:r>
-          </a:p>
-          <a:p>
-            <a:pPr lvl="1"/>
-            <a:r>
-              <a:rPr lang="de-DE" dirty="0" smtClean="0"/>
-              <a:t>Event</a:t>
-            </a:r>
-            <a:endParaRPr lang="de-DE" dirty="0" smtClean="0"/>
-          </a:p>
-          <a:p>
-            <a:pPr lvl="1"/>
-            <a:r>
-              <a:rPr lang="de-DE" dirty="0" smtClean="0"/>
-              <a:t>(</a:t>
-            </a:r>
-            <a:r>
-              <a:rPr lang="de-DE" dirty="0" smtClean="0"/>
-              <a:t>Event-)Teilnehmer</a:t>
-            </a:r>
-          </a:p>
-          <a:p>
-            <a:pPr lvl="1"/>
-            <a:r>
-              <a:rPr lang="de-DE" dirty="0" smtClean="0"/>
-              <a:t>(</a:t>
-            </a:r>
-            <a:r>
-              <a:rPr lang="de-DE" dirty="0" smtClean="0"/>
-              <a:t>Event-</a:t>
-            </a:r>
-            <a:r>
-              <a:rPr lang="de-DE" dirty="0" smtClean="0"/>
-              <a:t>)</a:t>
-            </a:r>
-            <a:r>
-              <a:rPr lang="de-DE" dirty="0" smtClean="0"/>
-              <a:t>Organisator</a:t>
-            </a:r>
-          </a:p>
-          <a:p>
-            <a:pPr lvl="1"/>
-            <a:endParaRPr lang="de-DE" dirty="0" smtClean="0"/>
-          </a:p>
-          <a:p>
-            <a:r>
-              <a:rPr lang="de-DE" dirty="0" smtClean="0"/>
-              <a:t>Technische Begriffe</a:t>
-            </a:r>
-            <a:endParaRPr lang="de-DE" dirty="0"/>
-          </a:p>
-        </p:txBody>
-      </p:sp>
-      <p:sp>
-        <p:nvSpPr>
-          <p:cNvPr id="4" name="Datumsplatzhalter 3"/>
-          <p:cNvSpPr>
-            <a:spLocks noGrp="1"/>
-          </p:cNvSpPr>
-          <p:nvPr>
-            <p:ph type="dt" sz="half" idx="10"/>
-          </p:nvPr>
-        </p:nvSpPr>
-        <p:spPr/>
-        <p:txBody>
-          <a:bodyPr/>
-          <a:lstStyle/>
-          <a:p>
-            <a:r>
-              <a:rPr lang="de-DE" smtClean="0"/>
-              <a:t>21.04.2012</a:t>
-            </a:r>
-            <a:endParaRPr lang="de-DE" dirty="0"/>
-          </a:p>
-        </p:txBody>
-      </p:sp>
-      <p:sp>
-        <p:nvSpPr>
-          <p:cNvPr id="5" name="Fußzeilenplatzhalter 4"/>
-          <p:cNvSpPr>
-            <a:spLocks noGrp="1"/>
-          </p:cNvSpPr>
-          <p:nvPr>
-            <p:ph type="ftr" sz="quarter" idx="11"/>
-          </p:nvPr>
-        </p:nvSpPr>
-        <p:spPr/>
-        <p:txBody>
-          <a:bodyPr/>
-          <a:lstStyle/>
-          <a:p>
-            <a:r>
-              <a:rPr lang="de-DE" smtClean="0"/>
-              <a:t>FST Projekt "Eventalizer" (SS 2012) Team 5</a:t>
-            </a:r>
-            <a:endParaRPr lang="de-DE" dirty="0"/>
-          </a:p>
-        </p:txBody>
-      </p:sp>
-      <p:sp>
-        <p:nvSpPr>
-          <p:cNvPr id="6" name="Foliennummernplatzhalter 5"/>
           <p:cNvSpPr>
             <a:spLocks noGrp="1"/>
           </p:cNvSpPr>
@@ -12085,7 +12478,7 @@
     </p:spTree>
     <p:extLst>
       <p:ext uri="{BB962C8B-B14F-4D97-AF65-F5344CB8AC3E}">
-        <p14:creationId xmlns:p14="http://schemas.microsoft.com/office/powerpoint/2010/main" val="937201037"/>
+        <p14:creationId xmlns:p14="http://schemas.microsoft.com/office/powerpoint/2010/main" xmlns="" val="2116476924"/>
       </p:ext>
     </p:extLst>
   </p:cSld>
@@ -12121,14 +12514,14 @@
       </p:grpSpPr>
       <p:sp>
         <p:nvSpPr>
-          <p:cNvPr id="9" name="Abgerundetes Rechteck 8"/>
+          <p:cNvPr id="7" name="Abgerundetes Rechteck 6"/>
           <p:cNvSpPr/>
           <p:nvPr/>
         </p:nvSpPr>
         <p:spPr>
           <a:xfrm>
-            <a:off x="760606" y="3915332"/>
-            <a:ext cx="4752528" cy="504056"/>
+            <a:off x="1835696" y="4149080"/>
+            <a:ext cx="5040560" cy="504056"/>
           </a:xfrm>
           <a:prstGeom prst="roundRect">
             <a:avLst/>
@@ -12183,12 +12576,7 @@
             <p:ph idx="1"/>
           </p:nvPr>
         </p:nvSpPr>
-        <p:spPr>
-          <a:xfrm>
-            <a:off x="1187624" y="1600200"/>
-            <a:ext cx="7956376" cy="4525963"/>
-          </a:xfrm>
-        </p:spPr>
+        <p:spPr/>
         <p:txBody>
           <a:bodyPr>
             <a:noAutofit/>
@@ -12239,6 +12627,13 @@
             <a:pPr lvl="1"/>
             <a:r>
               <a:rPr lang="de-DE" dirty="0" smtClean="0"/>
+              <a:t>Wirtschaftslichkeitsbetrachtung</a:t>
+            </a:r>
+          </a:p>
+          <a:p>
+            <a:pPr lvl="1"/>
+            <a:r>
+              <a:rPr lang="de-DE" dirty="0" smtClean="0"/>
               <a:t>Szenarien</a:t>
             </a:r>
           </a:p>
@@ -12246,9 +12641,20 @@
             <a:pPr lvl="1"/>
             <a:r>
               <a:rPr lang="de-DE" dirty="0" smtClean="0"/>
-              <a:t>Wirtschaftslichkeitsbetrachtung</a:t>
-            </a:r>
-            <a:endParaRPr lang="de-DE" dirty="0"/>
+              <a:t>Anwendungsfalldiagramm</a:t>
+            </a:r>
+          </a:p>
+          <a:p>
+            <a:pPr lvl="1"/>
+            <a:r>
+              <a:rPr lang="de-DE" dirty="0" smtClean="0"/>
+              <a:t>Mock-</a:t>
+            </a:r>
+            <a:r>
+              <a:rPr lang="de-DE" dirty="0" err="1" smtClean="0"/>
+              <a:t>Ups</a:t>
+            </a:r>
+            <a:endParaRPr lang="de-DE" dirty="0" smtClean="0"/>
           </a:p>
         </p:txBody>
       </p:sp>
@@ -12293,6 +12699,29 @@
             <a:r>
               <a:rPr lang="de-DE" smtClean="0"/>
               <a:t>21.04.2012</a:t>
+            </a:r>
+            <a:endParaRPr lang="de-DE" dirty="0"/>
+          </a:p>
+        </p:txBody>
+      </p:sp>
+      <p:sp>
+        <p:nvSpPr>
+          <p:cNvPr id="6" name="Fußzeilenplatzhalter 5"/>
+          <p:cNvSpPr>
+            <a:spLocks noGrp="1"/>
+          </p:cNvSpPr>
+          <p:nvPr>
+            <p:ph type="ftr" sz="quarter" idx="11"/>
+          </p:nvPr>
+        </p:nvSpPr>
+        <p:spPr/>
+        <p:txBody>
+          <a:bodyPr/>
+          <a:lstStyle/>
+          <a:p>
+            <a:r>
+              <a:rPr lang="de-DE" smtClean="0"/>
+              <a:t>FST Projekt "Eventalizer" (SS 2012) Team 5</a:t>
             </a:r>
             <a:endParaRPr lang="de-DE" dirty="0"/>
           </a:p>
@@ -12322,33 +12751,10 @@
           </a:p>
         </p:txBody>
       </p:sp>
-      <p:sp>
-        <p:nvSpPr>
-          <p:cNvPr id="6" name="Fußzeilenplatzhalter 5"/>
-          <p:cNvSpPr>
-            <a:spLocks noGrp="1"/>
-          </p:cNvSpPr>
-          <p:nvPr>
-            <p:ph type="ftr" sz="quarter" idx="11"/>
-          </p:nvPr>
-        </p:nvSpPr>
-        <p:spPr/>
-        <p:txBody>
-          <a:bodyPr/>
-          <a:lstStyle/>
-          <a:p>
-            <a:r>
-              <a:rPr lang="de-DE" smtClean="0"/>
-              <a:t>FST Projekt "Eventalizer" (SS 2012) Team 5</a:t>
-            </a:r>
-            <a:endParaRPr lang="de-DE" dirty="0"/>
-          </a:p>
-        </p:txBody>
-      </p:sp>
     </p:spTree>
     <p:extLst>
       <p:ext uri="{BB962C8B-B14F-4D97-AF65-F5344CB8AC3E}">
-        <p14:creationId xmlns:p14="http://schemas.microsoft.com/office/powerpoint/2010/main" val="2116476924"/>
+        <p14:creationId xmlns:p14="http://schemas.microsoft.com/office/powerpoint/2010/main" xmlns="" val="3445806666"/>
       </p:ext>
     </p:extLst>
   </p:cSld>
@@ -12366,176 +12772,6 @@
 </file>
 
 <file path=ppt/slides/slide18.xml><?xml version="1.0" encoding="utf-8"?>
-<p:sld xmlns:a="http://schemas.openxmlformats.org/drawingml/2006/main" xmlns:r="http://schemas.openxmlformats.org/officeDocument/2006/relationships" xmlns:p="http://schemas.openxmlformats.org/presentationml/2006/main" show="0">
-  <p:cSld>
-    <p:spTree>
-      <p:nvGrpSpPr>
-        <p:cNvPr id="1" name=""/>
-        <p:cNvGrpSpPr/>
-        <p:nvPr/>
-      </p:nvGrpSpPr>
-      <p:grpSpPr>
-        <a:xfrm>
-          <a:off x="0" y="0"/>
-          <a:ext cx="0" cy="0"/>
-          <a:chOff x="0" y="0"/>
-          <a:chExt cx="0" cy="0"/>
-        </a:xfrm>
-      </p:grpSpPr>
-      <p:sp>
-        <p:nvSpPr>
-          <p:cNvPr id="2" name="Titel 1"/>
-          <p:cNvSpPr>
-            <a:spLocks noGrp="1"/>
-          </p:cNvSpPr>
-          <p:nvPr>
-            <p:ph type="title"/>
-          </p:nvPr>
-        </p:nvSpPr>
-        <p:spPr/>
-        <p:txBody>
-          <a:bodyPr/>
-          <a:lstStyle/>
-          <a:p>
-            <a:r>
-              <a:rPr lang="de-DE" dirty="0" smtClean="0"/>
-              <a:t>Risikoanalyse</a:t>
-            </a:r>
-            <a:endParaRPr lang="de-DE" dirty="0"/>
-          </a:p>
-        </p:txBody>
-      </p:sp>
-      <p:sp>
-        <p:nvSpPr>
-          <p:cNvPr id="4" name="Datumsplatzhalter 3"/>
-          <p:cNvSpPr>
-            <a:spLocks noGrp="1"/>
-          </p:cNvSpPr>
-          <p:nvPr>
-            <p:ph type="dt" sz="half" idx="10"/>
-          </p:nvPr>
-        </p:nvSpPr>
-        <p:spPr/>
-        <p:txBody>
-          <a:bodyPr/>
-          <a:lstStyle/>
-          <a:p>
-            <a:r>
-              <a:rPr lang="de-DE" smtClean="0"/>
-              <a:t>21.04.2012</a:t>
-            </a:r>
-            <a:endParaRPr lang="de-DE" dirty="0"/>
-          </a:p>
-        </p:txBody>
-      </p:sp>
-      <p:sp>
-        <p:nvSpPr>
-          <p:cNvPr id="5" name="Fußzeilenplatzhalter 4"/>
-          <p:cNvSpPr>
-            <a:spLocks noGrp="1"/>
-          </p:cNvSpPr>
-          <p:nvPr>
-            <p:ph type="ftr" sz="quarter" idx="11"/>
-          </p:nvPr>
-        </p:nvSpPr>
-        <p:spPr/>
-        <p:txBody>
-          <a:bodyPr/>
-          <a:lstStyle/>
-          <a:p>
-            <a:r>
-              <a:rPr lang="de-DE" smtClean="0"/>
-              <a:t>FST Projekt "Eventalizer" (SS 2012) Team 5</a:t>
-            </a:r>
-            <a:endParaRPr lang="de-DE" dirty="0"/>
-          </a:p>
-        </p:txBody>
-      </p:sp>
-      <p:sp>
-        <p:nvSpPr>
-          <p:cNvPr id="6" name="Foliennummernplatzhalter 5"/>
-          <p:cNvSpPr>
-            <a:spLocks noGrp="1"/>
-          </p:cNvSpPr>
-          <p:nvPr>
-            <p:ph type="sldNum" sz="quarter" idx="12"/>
-          </p:nvPr>
-        </p:nvSpPr>
-        <p:spPr/>
-        <p:txBody>
-          <a:bodyPr/>
-          <a:lstStyle/>
-          <a:p>
-            <a:fld id="{6C6AE60A-B69C-4790-82F7-3882EDF23186}" type="slidenum">
-              <a:rPr lang="de-DE" smtClean="0"/>
-              <a:pPr/>
-              <a:t>18</a:t>
-            </a:fld>
-            <a:endParaRPr lang="de-DE" dirty="0"/>
-          </a:p>
-        </p:txBody>
-      </p:sp>
-      <p:pic>
-        <p:nvPicPr>
-          <p:cNvPr id="2050" name="Picture 2"/>
-          <p:cNvPicPr>
-            <a:picLocks noChangeAspect="1" noChangeArrowheads="1"/>
-          </p:cNvPicPr>
-          <p:nvPr/>
-        </p:nvPicPr>
-        <p:blipFill>
-          <a:blip r:embed="rId3" cstate="print"/>
-          <a:srcRect/>
-          <a:stretch>
-            <a:fillRect/>
-          </a:stretch>
-        </p:blipFill>
-        <p:spPr bwMode="auto">
-          <a:xfrm>
-            <a:off x="1728312" y="1628796"/>
-            <a:ext cx="5652000" cy="4652453"/>
-          </a:xfrm>
-          <a:prstGeom prst="rect">
-            <a:avLst/>
-          </a:prstGeom>
-          <a:noFill/>
-          <a:ln w="9525">
-            <a:noFill/>
-            <a:miter lim="800000"/>
-            <a:headEnd/>
-            <a:tailEnd/>
-          </a:ln>
-        </p:spPr>
-      </p:pic>
-    </p:spTree>
-    <p:extLst>
-      <p:ext uri="{BB962C8B-B14F-4D97-AF65-F5344CB8AC3E}">
-        <p14:creationId xmlns:p14="http://schemas.microsoft.com/office/powerpoint/2010/main" val="2453027741"/>
-      </p:ext>
-    </p:extLst>
-  </p:cSld>
-  <p:clrMapOvr>
-    <a:masterClrMapping/>
-  </p:clrMapOvr>
-  <mc:AlternateContent xmlns:mc="http://schemas.openxmlformats.org/markup-compatibility/2006">
-    <mc:Choice xmlns:p14="http://schemas.microsoft.com/office/powerpoint/2010/main" Requires="p14">
-      <p:transition spd="slow" p14:dur="2000"/>
-    </mc:Choice>
-    <mc:Fallback>
-      <p:transition spd="slow"/>
-    </mc:Fallback>
-  </mc:AlternateContent>
-  <p:timing>
-    <p:tnLst>
-      <p:par>
-        <p:cTn id="1" dur="indefinite" restart="never" nodeType="tmRoot"/>
-      </p:par>
-    </p:tnLst>
-  </p:timing>
-</p:sld>
-</file>
-
-<file path=ppt/slides/slide19.xml><?xml version="1.0" encoding="utf-8"?>
 <p:sld xmlns:a="http://schemas.openxmlformats.org/drawingml/2006/main" xmlns:r="http://schemas.openxmlformats.org/officeDocument/2006/relationships" xmlns:p="http://schemas.openxmlformats.org/presentationml/2006/main">
   <p:cSld>
     <p:spTree>
@@ -12560,8 +12796,8 @@
         </p:nvSpPr>
         <p:spPr>
           <a:xfrm>
-            <a:off x="755576" y="4725144"/>
-            <a:ext cx="4752528" cy="504056"/>
+            <a:off x="1835696" y="4653136"/>
+            <a:ext cx="5040560" cy="504056"/>
           </a:xfrm>
           <a:prstGeom prst="roundRect">
             <a:avLst/>
@@ -12616,12 +12852,7 @@
             <p:ph idx="1"/>
           </p:nvPr>
         </p:nvSpPr>
-        <p:spPr>
-          <a:xfrm>
-            <a:off x="457200" y="1600200"/>
-            <a:ext cx="8686800" cy="4525963"/>
-          </a:xfrm>
-        </p:spPr>
+        <p:spPr/>
         <p:txBody>
           <a:bodyPr>
             <a:noAutofit/>
@@ -12672,6 +12903,13 @@
             <a:pPr lvl="1"/>
             <a:r>
               <a:rPr lang="de-DE" dirty="0" smtClean="0"/>
+              <a:t>Wirtschaftslichkeitsbetrachtung</a:t>
+            </a:r>
+          </a:p>
+          <a:p>
+            <a:pPr lvl="1"/>
+            <a:r>
+              <a:rPr lang="de-DE" dirty="0" smtClean="0"/>
               <a:t>Szenarien</a:t>
             </a:r>
           </a:p>
@@ -12679,9 +12917,20 @@
             <a:pPr lvl="1"/>
             <a:r>
               <a:rPr lang="de-DE" dirty="0" smtClean="0"/>
-              <a:t>Wirtschaftslichkeitsbetrachtung</a:t>
-            </a:r>
-            <a:endParaRPr lang="de-DE" dirty="0"/>
+              <a:t>Anwendungsfalldiagramm</a:t>
+            </a:r>
+          </a:p>
+          <a:p>
+            <a:pPr lvl="1"/>
+            <a:r>
+              <a:rPr lang="de-DE" dirty="0" smtClean="0"/>
+              <a:t>Mock-</a:t>
+            </a:r>
+            <a:r>
+              <a:rPr lang="de-DE" dirty="0" err="1" smtClean="0"/>
+              <a:t>Ups</a:t>
+            </a:r>
+            <a:endParaRPr lang="de-DE" dirty="0" smtClean="0"/>
           </a:p>
         </p:txBody>
       </p:sp>
@@ -12733,7 +12982,197 @@
       </p:sp>
       <p:sp>
         <p:nvSpPr>
+          <p:cNvPr id="6" name="Fußzeilenplatzhalter 5"/>
+          <p:cNvSpPr>
+            <a:spLocks noGrp="1"/>
+          </p:cNvSpPr>
+          <p:nvPr>
+            <p:ph type="ftr" sz="quarter" idx="11"/>
+          </p:nvPr>
+        </p:nvSpPr>
+        <p:spPr/>
+        <p:txBody>
+          <a:bodyPr/>
+          <a:lstStyle/>
+          <a:p>
+            <a:r>
+              <a:rPr lang="de-DE" smtClean="0"/>
+              <a:t>FST Projekt "Eventalizer" (SS 2012) Team 5</a:t>
+            </a:r>
+            <a:endParaRPr lang="de-DE" dirty="0"/>
+          </a:p>
+        </p:txBody>
+      </p:sp>
+      <p:sp>
+        <p:nvSpPr>
           <p:cNvPr id="5" name="Foliennummernplatzhalter 4"/>
+          <p:cNvSpPr>
+            <a:spLocks noGrp="1"/>
+          </p:cNvSpPr>
+          <p:nvPr>
+            <p:ph type="sldNum" sz="quarter" idx="12"/>
+          </p:nvPr>
+        </p:nvSpPr>
+        <p:spPr/>
+        <p:txBody>
+          <a:bodyPr/>
+          <a:lstStyle/>
+          <a:p>
+            <a:fld id="{6C6AE60A-B69C-4790-82F7-3882EDF23186}" type="slidenum">
+              <a:rPr lang="de-DE" smtClean="0"/>
+              <a:pPr/>
+              <a:t>18</a:t>
+            </a:fld>
+            <a:endParaRPr lang="de-DE" dirty="0"/>
+          </a:p>
+        </p:txBody>
+      </p:sp>
+    </p:spTree>
+    <p:extLst>
+      <p:ext uri="{BB962C8B-B14F-4D97-AF65-F5344CB8AC3E}">
+        <p14:creationId xmlns:p14="http://schemas.microsoft.com/office/powerpoint/2010/main" xmlns="" val="3445806666"/>
+      </p:ext>
+    </p:extLst>
+  </p:cSld>
+  <p:clrMapOvr>
+    <a:masterClrMapping/>
+  </p:clrMapOvr>
+  <p:timing>
+    <p:tnLst>
+      <p:par>
+        <p:cTn id="1" dur="indefinite" restart="never" nodeType="tmRoot"/>
+      </p:par>
+    </p:tnLst>
+  </p:timing>
+</p:sld>
+</file>
+
+<file path=ppt/slides/slide19.xml><?xml version="1.0" encoding="utf-8"?>
+<p:sld xmlns:a="http://schemas.openxmlformats.org/drawingml/2006/main" xmlns:r="http://schemas.openxmlformats.org/officeDocument/2006/relationships" xmlns:p="http://schemas.openxmlformats.org/presentationml/2006/main">
+  <p:cSld>
+    <p:spTree>
+      <p:nvGrpSpPr>
+        <p:cNvPr id="1" name=""/>
+        <p:cNvGrpSpPr/>
+        <p:nvPr/>
+      </p:nvGrpSpPr>
+      <p:grpSpPr>
+        <a:xfrm>
+          <a:off x="0" y="0"/>
+          <a:ext cx="0" cy="0"/>
+          <a:chOff x="0" y="0"/>
+          <a:chExt cx="0" cy="0"/>
+        </a:xfrm>
+      </p:grpSpPr>
+      <p:sp>
+        <p:nvSpPr>
+          <p:cNvPr id="2" name="Titel 1"/>
+          <p:cNvSpPr>
+            <a:spLocks noGrp="1"/>
+          </p:cNvSpPr>
+          <p:nvPr>
+            <p:ph type="title"/>
+          </p:nvPr>
+        </p:nvSpPr>
+        <p:spPr/>
+        <p:txBody>
+          <a:bodyPr>
+            <a:normAutofit/>
+          </a:bodyPr>
+          <a:lstStyle/>
+          <a:p>
+            <a:r>
+              <a:rPr lang="de-DE" dirty="0" smtClean="0"/>
+              <a:t>Szenarien</a:t>
+            </a:r>
+            <a:endParaRPr lang="de-DE" dirty="0"/>
+          </a:p>
+        </p:txBody>
+      </p:sp>
+      <p:sp>
+        <p:nvSpPr>
+          <p:cNvPr id="8" name="Inhaltsplatzhalter 7"/>
+          <p:cNvSpPr>
+            <a:spLocks noGrp="1"/>
+          </p:cNvSpPr>
+          <p:nvPr>
+            <p:ph idx="1"/>
+          </p:nvPr>
+        </p:nvSpPr>
+        <p:spPr/>
+        <p:txBody>
+          <a:bodyPr/>
+          <a:lstStyle/>
+          <a:p>
+            <a:endParaRPr lang="de-DE" dirty="0" smtClean="0"/>
+          </a:p>
+          <a:p>
+            <a:r>
+              <a:rPr lang="de-DE" dirty="0" smtClean="0"/>
+              <a:t>Event-Organisation</a:t>
+            </a:r>
+          </a:p>
+          <a:p>
+            <a:endParaRPr lang="de-DE" dirty="0" smtClean="0"/>
+          </a:p>
+          <a:p>
+            <a:r>
+              <a:rPr lang="de-DE" dirty="0" smtClean="0"/>
+              <a:t>Event-Teilnahme</a:t>
+            </a:r>
+            <a:endParaRPr lang="de-DE" dirty="0"/>
+          </a:p>
+        </p:txBody>
+      </p:sp>
+      <p:sp>
+        <p:nvSpPr>
+          <p:cNvPr id="4" name="Datumsplatzhalter 3"/>
+          <p:cNvSpPr>
+            <a:spLocks noGrp="1"/>
+          </p:cNvSpPr>
+          <p:nvPr>
+            <p:ph type="dt" sz="half" idx="10"/>
+          </p:nvPr>
+        </p:nvSpPr>
+        <p:spPr/>
+        <p:txBody>
+          <a:bodyPr/>
+          <a:lstStyle/>
+          <a:p>
+            <a:r>
+              <a:rPr lang="de-DE" smtClean="0"/>
+              <a:t>21.04.2012</a:t>
+            </a:r>
+            <a:endParaRPr lang="de-DE" dirty="0"/>
+          </a:p>
+        </p:txBody>
+      </p:sp>
+      <p:sp>
+        <p:nvSpPr>
+          <p:cNvPr id="5" name="Fußzeilenplatzhalter 4"/>
+          <p:cNvSpPr>
+            <a:spLocks noGrp="1"/>
+          </p:cNvSpPr>
+          <p:nvPr>
+            <p:ph type="ftr" sz="quarter" idx="11"/>
+          </p:nvPr>
+        </p:nvSpPr>
+        <p:spPr/>
+        <p:txBody>
+          <a:bodyPr/>
+          <a:lstStyle/>
+          <a:p>
+            <a:r>
+              <a:rPr lang="de-DE" smtClean="0"/>
+              <a:t>FST Projekt "Eventalizer" (SS 2012) Team 5</a:t>
+            </a:r>
+            <a:endParaRPr lang="de-DE" dirty="0"/>
+          </a:p>
+        </p:txBody>
+      </p:sp>
+      <p:sp>
+        <p:nvSpPr>
+          <p:cNvPr id="6" name="Foliennummernplatzhalter 5"/>
           <p:cNvSpPr>
             <a:spLocks noGrp="1"/>
           </p:cNvSpPr>
@@ -12755,33 +13194,78 @@
           </a:p>
         </p:txBody>
       </p:sp>
-      <p:sp>
-        <p:nvSpPr>
-          <p:cNvPr id="6" name="Fußzeilenplatzhalter 5"/>
-          <p:cNvSpPr>
-            <a:spLocks noGrp="1"/>
-          </p:cNvSpPr>
-          <p:nvPr>
-            <p:ph type="ftr" sz="quarter" idx="11"/>
-          </p:nvPr>
-        </p:nvSpPr>
-        <p:spPr/>
-        <p:txBody>
-          <a:bodyPr/>
-          <a:lstStyle/>
-          <a:p>
-            <a:r>
-              <a:rPr lang="de-DE" smtClean="0"/>
-              <a:t>FST Projekt "Eventalizer" (SS 2012) Team 5</a:t>
-            </a:r>
-            <a:endParaRPr lang="de-DE" dirty="0"/>
-          </a:p>
-        </p:txBody>
-      </p:sp>
+      <p:pic>
+        <p:nvPicPr>
+          <p:cNvPr id="9" name="Picture 2"/>
+          <p:cNvPicPr>
+            <a:picLocks noChangeAspect="1" noChangeArrowheads="1"/>
+          </p:cNvPicPr>
+          <p:nvPr/>
+        </p:nvPicPr>
+        <p:blipFill>
+          <a:blip r:embed="rId3" cstate="print"/>
+          <a:srcRect/>
+          <a:stretch>
+            <a:fillRect/>
+          </a:stretch>
+        </p:blipFill>
+        <p:spPr bwMode="auto">
+          <a:xfrm>
+            <a:off x="5220072" y="1700808"/>
+            <a:ext cx="3600000" cy="2804348"/>
+          </a:xfrm>
+          <a:prstGeom prst="rect">
+            <a:avLst/>
+          </a:prstGeom>
+          <a:noFill/>
+          <a:ln w="9525">
+            <a:solidFill>
+              <a:schemeClr val="tx1"/>
+            </a:solidFill>
+            <a:miter lim="800000"/>
+            <a:headEnd/>
+            <a:tailEnd/>
+          </a:ln>
+        </p:spPr>
+      </p:pic>
+      <p:pic>
+        <p:nvPicPr>
+          <p:cNvPr id="3074" name="Picture 2"/>
+          <p:cNvPicPr>
+            <a:picLocks noChangeAspect="1" noChangeArrowheads="1"/>
+          </p:cNvPicPr>
+          <p:nvPr/>
+        </p:nvPicPr>
+        <p:blipFill>
+          <a:blip r:embed="rId4" cstate="print"/>
+          <a:srcRect/>
+          <a:stretch>
+            <a:fillRect/>
+          </a:stretch>
+        </p:blipFill>
+        <p:spPr bwMode="auto">
+          <a:xfrm rot="852641">
+            <a:off x="4927465" y="2883599"/>
+            <a:ext cx="3600000" cy="3344727"/>
+          </a:xfrm>
+          <a:prstGeom prst="rect">
+            <a:avLst/>
+          </a:prstGeom>
+          <a:noFill/>
+          <a:ln w="9525">
+            <a:solidFill>
+              <a:schemeClr val="tx1"/>
+            </a:solidFill>
+            <a:miter lim="800000"/>
+            <a:headEnd/>
+            <a:tailEnd/>
+          </a:ln>
+        </p:spPr>
+      </p:pic>
     </p:spTree>
     <p:extLst>
       <p:ext uri="{BB962C8B-B14F-4D97-AF65-F5344CB8AC3E}">
-        <p14:creationId xmlns:p14="http://schemas.microsoft.com/office/powerpoint/2010/main" val="3445806666"/>
+        <p14:creationId xmlns:p14="http://schemas.microsoft.com/office/powerpoint/2010/main" xmlns="" val="1623903760"/>
       </p:ext>
     </p:extLst>
   </p:cSld>
@@ -12856,8 +13340,9 @@
           <a:p>
             <a:r>
               <a:rPr lang="de-DE" dirty="0" smtClean="0"/>
-              <a:t>Steckbrief</a:t>
-            </a:r>
+              <a:t>Projektsteckbrief</a:t>
+            </a:r>
+            <a:endParaRPr lang="de-DE" dirty="0" smtClean="0"/>
           </a:p>
           <a:p>
             <a:r>
@@ -12874,27 +13359,29 @@
           <a:p>
             <a:r>
               <a:rPr lang="de-DE" dirty="0" smtClean="0"/>
+              <a:t>Architekturentscheidungen</a:t>
+            </a:r>
+            <a:endParaRPr lang="de-DE" dirty="0" smtClean="0"/>
+          </a:p>
+          <a:p>
+            <a:pPr lvl="0">
+              <a:buClr>
+                <a:srgbClr val="4F81BD"/>
+              </a:buClr>
+            </a:pPr>
+            <a:r>
+              <a:rPr lang="de-DE" dirty="0" smtClean="0">
+                <a:solidFill>
+                  <a:prstClr val="black"/>
+                </a:solidFill>
+              </a:rPr>
               <a:t>Aktuelle Ergebnisse</a:t>
             </a:r>
           </a:p>
           <a:p>
-            <a:pPr lvl="1"/>
-            <a:r>
-              <a:rPr lang="de-DE" dirty="0" smtClean="0"/>
-              <a:t>Architekturentscheidungen</a:t>
-            </a:r>
-          </a:p>
-          <a:p>
-            <a:pPr lvl="1"/>
-            <a:r>
-              <a:rPr lang="de-DE" dirty="0" smtClean="0"/>
-              <a:t>Artefakte Vorgehensmodells</a:t>
-            </a:r>
-          </a:p>
-          <a:p>
-            <a:r>
-              <a:rPr lang="de-DE" dirty="0" smtClean="0"/>
-              <a:t>Zwischenfazit und Ausblick</a:t>
+            <a:r>
+              <a:rPr lang="de-DE" dirty="0" smtClean="0"/>
+              <a:t>Ausblick</a:t>
             </a:r>
             <a:endParaRPr lang="de-DE" dirty="0"/>
           </a:p>
@@ -12987,7 +13474,7 @@
           <p:nvPr/>
         </p:nvPicPr>
         <p:blipFill>
-          <a:blip r:embed="rId3"/>
+          <a:blip r:embed="rId3" cstate="print"/>
           <a:srcRect/>
           <a:stretch>
             <a:fillRect/>
@@ -13023,7 +13510,7 @@
     </p:spTree>
     <p:extLst>
       <p:ext uri="{BB962C8B-B14F-4D97-AF65-F5344CB8AC3E}">
-        <p14:creationId xmlns:p14="http://schemas.microsoft.com/office/powerpoint/2010/main" val="3616670450"/>
+        <p14:creationId xmlns:p14="http://schemas.microsoft.com/office/powerpoint/2010/main" xmlns="" val="3616670450"/>
       </p:ext>
     </p:extLst>
   </p:cSld>
@@ -13041,346 +13528,6 @@
 </file>
 
 <file path=ppt/slides/slide20.xml><?xml version="1.0" encoding="utf-8"?>
-<p:sld xmlns:a="http://schemas.openxmlformats.org/drawingml/2006/main" xmlns:r="http://schemas.openxmlformats.org/officeDocument/2006/relationships" xmlns:p="http://schemas.openxmlformats.org/presentationml/2006/main" show="0">
-  <p:cSld>
-    <p:spTree>
-      <p:nvGrpSpPr>
-        <p:cNvPr id="1" name=""/>
-        <p:cNvGrpSpPr/>
-        <p:nvPr/>
-      </p:nvGrpSpPr>
-      <p:grpSpPr>
-        <a:xfrm>
-          <a:off x="0" y="0"/>
-          <a:ext cx="0" cy="0"/>
-          <a:chOff x="0" y="0"/>
-          <a:chExt cx="0" cy="0"/>
-        </a:xfrm>
-      </p:grpSpPr>
-      <p:sp>
-        <p:nvSpPr>
-          <p:cNvPr id="2" name="Titel 1"/>
-          <p:cNvSpPr>
-            <a:spLocks noGrp="1"/>
-          </p:cNvSpPr>
-          <p:nvPr>
-            <p:ph type="title"/>
-          </p:nvPr>
-        </p:nvSpPr>
-        <p:spPr/>
-        <p:txBody>
-          <a:bodyPr/>
-          <a:lstStyle/>
-          <a:p>
-            <a:r>
-              <a:rPr lang="de-DE" dirty="0" smtClean="0"/>
-              <a:t>Szenarien (1/2)</a:t>
-            </a:r>
-            <a:endParaRPr lang="de-DE" dirty="0"/>
-          </a:p>
-        </p:txBody>
-      </p:sp>
-      <p:sp>
-        <p:nvSpPr>
-          <p:cNvPr id="4" name="Datumsplatzhalter 3"/>
-          <p:cNvSpPr>
-            <a:spLocks noGrp="1"/>
-          </p:cNvSpPr>
-          <p:nvPr>
-            <p:ph type="dt" sz="half" idx="10"/>
-          </p:nvPr>
-        </p:nvSpPr>
-        <p:spPr/>
-        <p:txBody>
-          <a:bodyPr/>
-          <a:lstStyle/>
-          <a:p>
-            <a:r>
-              <a:rPr lang="de-DE" smtClean="0"/>
-              <a:t>21.04.2012</a:t>
-            </a:r>
-            <a:endParaRPr lang="de-DE" dirty="0"/>
-          </a:p>
-        </p:txBody>
-      </p:sp>
-      <p:sp>
-        <p:nvSpPr>
-          <p:cNvPr id="5" name="Fußzeilenplatzhalter 4"/>
-          <p:cNvSpPr>
-            <a:spLocks noGrp="1"/>
-          </p:cNvSpPr>
-          <p:nvPr>
-            <p:ph type="ftr" sz="quarter" idx="11"/>
-          </p:nvPr>
-        </p:nvSpPr>
-        <p:spPr/>
-        <p:txBody>
-          <a:bodyPr/>
-          <a:lstStyle/>
-          <a:p>
-            <a:r>
-              <a:rPr lang="de-DE" smtClean="0"/>
-              <a:t>FST Projekt "Eventalizer" (SS 2012) Team 5</a:t>
-            </a:r>
-            <a:endParaRPr lang="de-DE" dirty="0"/>
-          </a:p>
-        </p:txBody>
-      </p:sp>
-      <p:sp>
-        <p:nvSpPr>
-          <p:cNvPr id="6" name="Foliennummernplatzhalter 5"/>
-          <p:cNvSpPr>
-            <a:spLocks noGrp="1"/>
-          </p:cNvSpPr>
-          <p:nvPr>
-            <p:ph type="sldNum" sz="quarter" idx="12"/>
-          </p:nvPr>
-        </p:nvSpPr>
-        <p:spPr/>
-        <p:txBody>
-          <a:bodyPr/>
-          <a:lstStyle/>
-          <a:p>
-            <a:fld id="{6C6AE60A-B69C-4790-82F7-3882EDF23186}" type="slidenum">
-              <a:rPr lang="de-DE" smtClean="0"/>
-              <a:pPr/>
-              <a:t>20</a:t>
-            </a:fld>
-            <a:endParaRPr lang="de-DE" dirty="0"/>
-          </a:p>
-        </p:txBody>
-      </p:sp>
-      <p:pic>
-        <p:nvPicPr>
-          <p:cNvPr id="1026" name="Picture 2"/>
-          <p:cNvPicPr>
-            <a:picLocks noChangeAspect="1" noChangeArrowheads="1"/>
-          </p:cNvPicPr>
-          <p:nvPr/>
-        </p:nvPicPr>
-        <p:blipFill>
-          <a:blip r:embed="rId2" cstate="print"/>
-          <a:srcRect/>
-          <a:stretch>
-            <a:fillRect/>
-          </a:stretch>
-        </p:blipFill>
-        <p:spPr bwMode="auto">
-          <a:xfrm>
-            <a:off x="1495003" y="1556792"/>
-            <a:ext cx="6029325" cy="4657725"/>
-          </a:xfrm>
-          <a:prstGeom prst="rect">
-            <a:avLst/>
-          </a:prstGeom>
-          <a:noFill/>
-          <a:ln w="9525">
-            <a:noFill/>
-            <a:miter lim="800000"/>
-            <a:headEnd/>
-            <a:tailEnd/>
-          </a:ln>
-        </p:spPr>
-      </p:pic>
-    </p:spTree>
-    <p:extLst>
-      <p:ext uri="{BB962C8B-B14F-4D97-AF65-F5344CB8AC3E}">
-        <p14:creationId xmlns:p14="http://schemas.microsoft.com/office/powerpoint/2010/main" val="2008250958"/>
-      </p:ext>
-    </p:extLst>
-  </p:cSld>
-  <p:clrMapOvr>
-    <a:masterClrMapping/>
-  </p:clrMapOvr>
-  <mc:AlternateContent xmlns:mc="http://schemas.openxmlformats.org/markup-compatibility/2006">
-    <mc:Choice xmlns:p14="http://schemas.microsoft.com/office/powerpoint/2010/main" Requires="p14">
-      <p:transition spd="slow" p14:dur="2000"/>
-    </mc:Choice>
-    <mc:Fallback>
-      <p:transition spd="slow"/>
-    </mc:Fallback>
-  </mc:AlternateContent>
-  <p:timing>
-    <p:tnLst>
-      <p:par>
-        <p:cTn id="1" dur="indefinite" restart="never" nodeType="tmRoot"/>
-      </p:par>
-    </p:tnLst>
-  </p:timing>
-</p:sld>
-</file>
-
-<file path=ppt/slides/slide21.xml><?xml version="1.0" encoding="utf-8"?>
-<p:sld xmlns:a="http://schemas.openxmlformats.org/drawingml/2006/main" xmlns:r="http://schemas.openxmlformats.org/officeDocument/2006/relationships" xmlns:p="http://schemas.openxmlformats.org/presentationml/2006/main" show="0">
-  <p:cSld>
-    <p:spTree>
-      <p:nvGrpSpPr>
-        <p:cNvPr id="1" name=""/>
-        <p:cNvGrpSpPr/>
-        <p:nvPr/>
-      </p:nvGrpSpPr>
-      <p:grpSpPr>
-        <a:xfrm>
-          <a:off x="0" y="0"/>
-          <a:ext cx="0" cy="0"/>
-          <a:chOff x="0" y="0"/>
-          <a:chExt cx="0" cy="0"/>
-        </a:xfrm>
-      </p:grpSpPr>
-      <p:sp>
-        <p:nvSpPr>
-          <p:cNvPr id="2" name="Titel 1"/>
-          <p:cNvSpPr>
-            <a:spLocks noGrp="1"/>
-          </p:cNvSpPr>
-          <p:nvPr>
-            <p:ph type="title"/>
-          </p:nvPr>
-        </p:nvSpPr>
-        <p:spPr/>
-        <p:txBody>
-          <a:bodyPr/>
-          <a:lstStyle/>
-          <a:p>
-            <a:r>
-              <a:rPr lang="de-DE" dirty="0" smtClean="0"/>
-              <a:t>Szenarien (2/2)</a:t>
-            </a:r>
-            <a:endParaRPr lang="de-DE" dirty="0"/>
-          </a:p>
-        </p:txBody>
-      </p:sp>
-      <p:sp>
-        <p:nvSpPr>
-          <p:cNvPr id="4" name="Datumsplatzhalter 3"/>
-          <p:cNvSpPr>
-            <a:spLocks noGrp="1"/>
-          </p:cNvSpPr>
-          <p:nvPr>
-            <p:ph type="dt" sz="half" idx="10"/>
-          </p:nvPr>
-        </p:nvSpPr>
-        <p:spPr/>
-        <p:txBody>
-          <a:bodyPr/>
-          <a:lstStyle/>
-          <a:p>
-            <a:r>
-              <a:rPr lang="de-DE" smtClean="0"/>
-              <a:t>21.04.2012</a:t>
-            </a:r>
-            <a:endParaRPr lang="de-DE" dirty="0"/>
-          </a:p>
-        </p:txBody>
-      </p:sp>
-      <p:sp>
-        <p:nvSpPr>
-          <p:cNvPr id="5" name="Fußzeilenplatzhalter 4"/>
-          <p:cNvSpPr>
-            <a:spLocks noGrp="1"/>
-          </p:cNvSpPr>
-          <p:nvPr>
-            <p:ph type="ftr" sz="quarter" idx="11"/>
-          </p:nvPr>
-        </p:nvSpPr>
-        <p:spPr/>
-        <p:txBody>
-          <a:bodyPr/>
-          <a:lstStyle/>
-          <a:p>
-            <a:r>
-              <a:rPr lang="de-DE" smtClean="0"/>
-              <a:t>FST Projekt "Eventalizer" (SS 2012) Team 5</a:t>
-            </a:r>
-            <a:endParaRPr lang="de-DE" dirty="0"/>
-          </a:p>
-        </p:txBody>
-      </p:sp>
-      <p:sp>
-        <p:nvSpPr>
-          <p:cNvPr id="6" name="Foliennummernplatzhalter 5"/>
-          <p:cNvSpPr>
-            <a:spLocks noGrp="1"/>
-          </p:cNvSpPr>
-          <p:nvPr>
-            <p:ph type="sldNum" sz="quarter" idx="12"/>
-          </p:nvPr>
-        </p:nvSpPr>
-        <p:spPr/>
-        <p:txBody>
-          <a:bodyPr/>
-          <a:lstStyle/>
-          <a:p>
-            <a:fld id="{6C6AE60A-B69C-4790-82F7-3882EDF23186}" type="slidenum">
-              <a:rPr lang="de-DE" smtClean="0"/>
-              <a:pPr/>
-              <a:t>21</a:t>
-            </a:fld>
-            <a:endParaRPr lang="de-DE" dirty="0"/>
-          </a:p>
-        </p:txBody>
-      </p:sp>
-      <p:pic>
-        <p:nvPicPr>
-          <p:cNvPr id="2050" name="Picture 2"/>
-          <p:cNvPicPr>
-            <a:picLocks noChangeAspect="1" noChangeArrowheads="1"/>
-          </p:cNvPicPr>
-          <p:nvPr/>
-        </p:nvPicPr>
-        <p:blipFill>
-          <a:blip r:embed="rId2" cstate="print"/>
-          <a:srcRect/>
-          <a:stretch>
-            <a:fillRect/>
-          </a:stretch>
-        </p:blipFill>
-        <p:spPr bwMode="auto">
-          <a:xfrm>
-            <a:off x="1609303" y="1633686"/>
-            <a:ext cx="5915025" cy="4819650"/>
-          </a:xfrm>
-          <a:prstGeom prst="rect">
-            <a:avLst/>
-          </a:prstGeom>
-          <a:noFill/>
-          <a:ln w="9525">
-            <a:noFill/>
-            <a:miter lim="800000"/>
-            <a:headEnd/>
-            <a:tailEnd/>
-          </a:ln>
-        </p:spPr>
-      </p:pic>
-    </p:spTree>
-    <p:extLst>
-      <p:ext uri="{BB962C8B-B14F-4D97-AF65-F5344CB8AC3E}">
-        <p14:creationId xmlns:p14="http://schemas.microsoft.com/office/powerpoint/2010/main" val="3593979201"/>
-      </p:ext>
-    </p:extLst>
-  </p:cSld>
-  <p:clrMapOvr>
-    <a:masterClrMapping/>
-  </p:clrMapOvr>
-  <mc:AlternateContent xmlns:mc="http://schemas.openxmlformats.org/markup-compatibility/2006">
-    <mc:Choice xmlns:p14="http://schemas.microsoft.com/office/powerpoint/2010/main" Requires="p14">
-      <p:transition spd="slow" p14:dur="2000"/>
-    </mc:Choice>
-    <mc:Fallback>
-      <p:transition spd="slow"/>
-    </mc:Fallback>
-  </mc:AlternateContent>
-  <p:timing>
-    <p:tnLst>
-      <p:par>
-        <p:cTn id="1" dur="indefinite" restart="never" nodeType="tmRoot"/>
-      </p:par>
-    </p:tnLst>
-  </p:timing>
-</p:sld>
-</file>
-
-<file path=ppt/slides/slide22.xml><?xml version="1.0" encoding="utf-8"?>
 <p:sld xmlns:a="http://schemas.openxmlformats.org/drawingml/2006/main" xmlns:r="http://schemas.openxmlformats.org/officeDocument/2006/relationships" xmlns:p="http://schemas.openxmlformats.org/presentationml/2006/main">
   <p:cSld>
     <p:spTree>
@@ -13399,271 +13546,14 @@
       </p:grpSpPr>
       <p:sp>
         <p:nvSpPr>
-          <p:cNvPr id="2" name="Titel 1"/>
-          <p:cNvSpPr>
-            <a:spLocks noGrp="1"/>
-          </p:cNvSpPr>
-          <p:nvPr>
-            <p:ph type="title"/>
-          </p:nvPr>
-        </p:nvSpPr>
-        <p:spPr/>
-        <p:txBody>
-          <a:bodyPr>
-            <a:normAutofit/>
-          </a:bodyPr>
-          <a:lstStyle/>
-          <a:p>
-            <a:r>
-              <a:rPr lang="de-DE" dirty="0" smtClean="0"/>
-              <a:t>Szenarien</a:t>
-            </a:r>
-            <a:endParaRPr lang="de-DE" dirty="0"/>
-          </a:p>
-        </p:txBody>
-      </p:sp>
-      <p:sp>
-        <p:nvSpPr>
-          <p:cNvPr id="8" name="Inhaltsplatzhalter 7"/>
-          <p:cNvSpPr>
-            <a:spLocks noGrp="1"/>
-          </p:cNvSpPr>
-          <p:nvPr>
-            <p:ph idx="1"/>
-          </p:nvPr>
-        </p:nvSpPr>
-        <p:spPr>
-          <a:xfrm>
-            <a:off x="5076056" y="1600200"/>
-            <a:ext cx="3610744" cy="4525963"/>
-          </a:xfrm>
-        </p:spPr>
-        <p:txBody>
-          <a:bodyPr/>
-          <a:lstStyle/>
-          <a:p>
-            <a:endParaRPr lang="de-DE" dirty="0" smtClean="0"/>
-          </a:p>
-          <a:p>
-            <a:r>
-              <a:rPr lang="de-DE" dirty="0" smtClean="0"/>
-              <a:t>Event-Organisator</a:t>
-            </a:r>
-          </a:p>
-          <a:p>
-            <a:r>
-              <a:rPr lang="de-DE" dirty="0" smtClean="0"/>
-              <a:t>Event-Teilnehmer</a:t>
-            </a:r>
-            <a:endParaRPr lang="de-DE" dirty="0"/>
-          </a:p>
-        </p:txBody>
-      </p:sp>
-      <p:sp>
-        <p:nvSpPr>
-          <p:cNvPr id="4" name="Datumsplatzhalter 3"/>
-          <p:cNvSpPr>
-            <a:spLocks noGrp="1"/>
-          </p:cNvSpPr>
-          <p:nvPr>
-            <p:ph type="dt" sz="half" idx="10"/>
-          </p:nvPr>
-        </p:nvSpPr>
-        <p:spPr/>
-        <p:txBody>
-          <a:bodyPr/>
-          <a:lstStyle/>
-          <a:p>
-            <a:r>
-              <a:rPr lang="de-DE" smtClean="0"/>
-              <a:t>21.04.2012</a:t>
-            </a:r>
-            <a:endParaRPr lang="de-DE" dirty="0"/>
-          </a:p>
-        </p:txBody>
-      </p:sp>
-      <p:sp>
-        <p:nvSpPr>
-          <p:cNvPr id="5" name="Fußzeilenplatzhalter 4"/>
-          <p:cNvSpPr>
-            <a:spLocks noGrp="1"/>
-          </p:cNvSpPr>
-          <p:nvPr>
-            <p:ph type="ftr" sz="quarter" idx="11"/>
-          </p:nvPr>
-        </p:nvSpPr>
-        <p:spPr/>
-        <p:txBody>
-          <a:bodyPr/>
-          <a:lstStyle/>
-          <a:p>
-            <a:r>
-              <a:rPr lang="de-DE" smtClean="0"/>
-              <a:t>FST Projekt "Eventalizer" (SS 2012) Team 5</a:t>
-            </a:r>
-            <a:endParaRPr lang="de-DE" dirty="0"/>
-          </a:p>
-        </p:txBody>
-      </p:sp>
-      <p:sp>
-        <p:nvSpPr>
-          <p:cNvPr id="6" name="Foliennummernplatzhalter 5"/>
-          <p:cNvSpPr>
-            <a:spLocks noGrp="1"/>
-          </p:cNvSpPr>
-          <p:nvPr>
-            <p:ph type="sldNum" sz="quarter" idx="12"/>
-          </p:nvPr>
-        </p:nvSpPr>
-        <p:spPr/>
-        <p:txBody>
-          <a:bodyPr/>
-          <a:lstStyle/>
-          <a:p>
-            <a:fld id="{6C6AE60A-B69C-4790-82F7-3882EDF23186}" type="slidenum">
-              <a:rPr lang="de-DE" smtClean="0"/>
-              <a:pPr/>
-              <a:t>22</a:t>
-            </a:fld>
-            <a:endParaRPr lang="de-DE" dirty="0"/>
-          </a:p>
-        </p:txBody>
-      </p:sp>
-      <p:pic>
-        <p:nvPicPr>
-          <p:cNvPr id="7" name="Picture 2"/>
-          <p:cNvPicPr>
-            <a:picLocks noChangeAspect="1" noChangeArrowheads="1"/>
-          </p:cNvPicPr>
-          <p:nvPr/>
-        </p:nvPicPr>
-        <p:blipFill>
-          <a:blip r:embed="rId3" cstate="print">
-            <a:duotone>
-              <a:prstClr val="black"/>
-              <a:srgbClr val="D9C3A5">
-                <a:tint val="50000"/>
-                <a:satMod val="180000"/>
-              </a:srgbClr>
-            </a:duotone>
-          </a:blip>
-          <a:srcRect/>
-          <a:stretch>
-            <a:fillRect/>
-          </a:stretch>
-        </p:blipFill>
-        <p:spPr bwMode="auto">
-          <a:xfrm rot="632918">
-            <a:off x="566861" y="1734971"/>
-            <a:ext cx="3821725" cy="3269371"/>
-          </a:xfrm>
-          <a:prstGeom prst="rect">
-            <a:avLst/>
-          </a:prstGeom>
-          <a:noFill/>
-          <a:ln w="9525">
-            <a:solidFill>
-              <a:schemeClr val="tx1"/>
-            </a:solidFill>
-            <a:miter lim="800000"/>
-            <a:headEnd/>
-            <a:tailEnd/>
-          </a:ln>
-        </p:spPr>
-      </p:pic>
-      <p:pic>
-        <p:nvPicPr>
-          <p:cNvPr id="2050" name="Picture 2"/>
-          <p:cNvPicPr>
-            <a:picLocks noChangeAspect="1" noChangeArrowheads="1"/>
-          </p:cNvPicPr>
-          <p:nvPr/>
-        </p:nvPicPr>
-        <p:blipFill>
-          <a:blip r:embed="rId4" cstate="print">
-            <a:extLst>
-              <a:ext uri="{BEBA8EAE-BF5A-486C-A8C5-ECC9F3942E4B}">
-                <a14:imgProps xmlns:a14="http://schemas.microsoft.com/office/drawing/2010/main">
-                  <a14:imgLayer r:embed="rId5">
-                    <a14:imgEffect>
-                      <a14:colorTemperature colorTemp="11200"/>
-                    </a14:imgEffect>
-                  </a14:imgLayer>
-                </a14:imgProps>
-              </a:ext>
-            </a:extLst>
-          </a:blip>
-          <a:srcRect/>
-          <a:stretch>
-            <a:fillRect/>
-          </a:stretch>
-        </p:blipFill>
-        <p:spPr bwMode="auto">
-          <a:xfrm rot="20324947">
-            <a:off x="2112167" y="3326569"/>
-            <a:ext cx="3446565" cy="3364159"/>
-          </a:xfrm>
-          <a:prstGeom prst="rect">
-            <a:avLst/>
-          </a:prstGeom>
-          <a:noFill/>
-          <a:ln w="9525">
-            <a:solidFill>
-              <a:schemeClr val="tx1"/>
-            </a:solidFill>
-            <a:miter lim="800000"/>
-            <a:headEnd/>
-            <a:tailEnd/>
-          </a:ln>
-        </p:spPr>
-      </p:pic>
-    </p:spTree>
-    <p:extLst>
-      <p:ext uri="{BB962C8B-B14F-4D97-AF65-F5344CB8AC3E}">
-        <p14:creationId xmlns:p14="http://schemas.microsoft.com/office/powerpoint/2010/main" val="1623903760"/>
-      </p:ext>
-    </p:extLst>
-  </p:cSld>
-  <p:clrMapOvr>
-    <a:masterClrMapping/>
-  </p:clrMapOvr>
-  <p:timing>
-    <p:tnLst>
-      <p:par>
-        <p:cTn id="1" dur="indefinite" restart="never" nodeType="tmRoot"/>
-      </p:par>
-    </p:tnLst>
-  </p:timing>
-</p:sld>
-</file>
-
-<file path=ppt/slides/slide23.xml><?xml version="1.0" encoding="utf-8"?>
-<p:sld xmlns:a="http://schemas.openxmlformats.org/drawingml/2006/main" xmlns:r="http://schemas.openxmlformats.org/officeDocument/2006/relationships" xmlns:p="http://schemas.openxmlformats.org/presentationml/2006/main">
-  <p:cSld>
-    <p:spTree>
-      <p:nvGrpSpPr>
-        <p:cNvPr id="1" name=""/>
-        <p:cNvGrpSpPr/>
-        <p:nvPr/>
-      </p:nvGrpSpPr>
-      <p:grpSpPr>
-        <a:xfrm>
-          <a:off x="0" y="0"/>
-          <a:ext cx="0" cy="0"/>
-          <a:chOff x="0" y="0"/>
-          <a:chExt cx="0" cy="0"/>
-        </a:xfrm>
-      </p:grpSpPr>
-      <p:sp>
-        <p:nvSpPr>
           <p:cNvPr id="7" name="Abgerundetes Rechteck 6"/>
           <p:cNvSpPr/>
           <p:nvPr/>
         </p:nvSpPr>
         <p:spPr>
           <a:xfrm>
-            <a:off x="755576" y="1628800"/>
-            <a:ext cx="4752528" cy="504056"/>
+            <a:off x="1835696" y="5085184"/>
+            <a:ext cx="5040560" cy="504056"/>
           </a:xfrm>
           <a:prstGeom prst="roundRect">
             <a:avLst/>
@@ -13718,12 +13608,7 @@
             <p:ph idx="1"/>
           </p:nvPr>
         </p:nvSpPr>
-        <p:spPr>
-          <a:xfrm>
-            <a:off x="457200" y="1600200"/>
-            <a:ext cx="8686800" cy="4525963"/>
-          </a:xfrm>
-        </p:spPr>
+        <p:spPr/>
         <p:txBody>
           <a:bodyPr>
             <a:noAutofit/>
@@ -13732,8 +13617,76 @@
           <a:p>
             <a:r>
               <a:rPr lang="de-DE" dirty="0" smtClean="0"/>
+              <a:t>Dokumente</a:t>
+            </a:r>
+          </a:p>
+          <a:p>
+            <a:pPr lvl="1"/>
+            <a:r>
+              <a:rPr lang="de-DE" dirty="0" smtClean="0"/>
+              <a:t>Projekt-Exposé</a:t>
+            </a:r>
+          </a:p>
+          <a:p>
+            <a:pPr lvl="1"/>
+            <a:r>
+              <a:rPr lang="de-DE" dirty="0" smtClean="0"/>
+              <a:t>Projektplan</a:t>
+            </a:r>
+          </a:p>
+          <a:p>
+            <a:pPr lvl="1"/>
+            <a:r>
+              <a:rPr lang="de-DE" dirty="0" smtClean="0"/>
+              <a:t>Lastenheft</a:t>
+            </a:r>
+          </a:p>
+          <a:p>
+            <a:pPr lvl="1"/>
+            <a:r>
+              <a:rPr lang="de-DE" dirty="0" smtClean="0"/>
+              <a:t>Glossar (Begriffsdefinitionen)</a:t>
+            </a:r>
+          </a:p>
+          <a:p>
+            <a:pPr lvl="1"/>
+            <a:r>
+              <a:rPr lang="de-DE" dirty="0" smtClean="0"/>
+              <a:t>Risikoanalyse</a:t>
+            </a:r>
+          </a:p>
+          <a:p>
+            <a:pPr lvl="1"/>
+            <a:r>
+              <a:rPr lang="de-DE" dirty="0" smtClean="0"/>
+              <a:t>Wirtschaftslichkeitsbetrachtung</a:t>
+            </a:r>
+          </a:p>
+          <a:p>
+            <a:pPr lvl="1"/>
+            <a:r>
+              <a:rPr lang="de-DE" dirty="0" smtClean="0"/>
+              <a:t>Szenarien</a:t>
+            </a:r>
+          </a:p>
+          <a:p>
+            <a:pPr lvl="1"/>
+            <a:r>
+              <a:rPr lang="de-DE" dirty="0" smtClean="0"/>
               <a:t>Anwendungsfalldiagramm</a:t>
             </a:r>
+          </a:p>
+          <a:p>
+            <a:pPr lvl="1"/>
+            <a:r>
+              <a:rPr lang="de-DE" dirty="0" smtClean="0"/>
+              <a:t>Mock-</a:t>
+            </a:r>
+            <a:r>
+              <a:rPr lang="de-DE" dirty="0" err="1" smtClean="0"/>
+              <a:t>Ups</a:t>
+            </a:r>
+            <a:endParaRPr lang="de-DE" dirty="0" smtClean="0"/>
           </a:p>
         </p:txBody>
       </p:sp>
@@ -13778,6 +13731,29 @@
             <a:r>
               <a:rPr lang="de-DE" smtClean="0"/>
               <a:t>21.04.2012</a:t>
+            </a:r>
+            <a:endParaRPr lang="de-DE" dirty="0"/>
+          </a:p>
+        </p:txBody>
+      </p:sp>
+      <p:sp>
+        <p:nvSpPr>
+          <p:cNvPr id="6" name="Fußzeilenplatzhalter 5"/>
+          <p:cNvSpPr>
+            <a:spLocks noGrp="1"/>
+          </p:cNvSpPr>
+          <p:nvPr>
+            <p:ph type="ftr" sz="quarter" idx="11"/>
+          </p:nvPr>
+        </p:nvSpPr>
+        <p:spPr/>
+        <p:txBody>
+          <a:bodyPr/>
+          <a:lstStyle/>
+          <a:p>
+            <a:r>
+              <a:rPr lang="de-DE" smtClean="0"/>
+              <a:t>FST Projekt "Eventalizer" (SS 2012) Team 5</a:t>
             </a:r>
             <a:endParaRPr lang="de-DE" dirty="0"/>
           </a:p>
@@ -13801,31 +13777,8 @@
             <a:fld id="{6C6AE60A-B69C-4790-82F7-3882EDF23186}" type="slidenum">
               <a:rPr lang="de-DE" smtClean="0"/>
               <a:pPr/>
-              <a:t>23</a:t>
+              <a:t>20</a:t>
             </a:fld>
-            <a:endParaRPr lang="de-DE" dirty="0"/>
-          </a:p>
-        </p:txBody>
-      </p:sp>
-      <p:sp>
-        <p:nvSpPr>
-          <p:cNvPr id="6" name="Fußzeilenplatzhalter 5"/>
-          <p:cNvSpPr>
-            <a:spLocks noGrp="1"/>
-          </p:cNvSpPr>
-          <p:nvPr>
-            <p:ph type="ftr" sz="quarter" idx="11"/>
-          </p:nvPr>
-        </p:nvSpPr>
-        <p:spPr/>
-        <p:txBody>
-          <a:bodyPr/>
-          <a:lstStyle/>
-          <a:p>
-            <a:r>
-              <a:rPr lang="de-DE" smtClean="0"/>
-              <a:t>FST Projekt "Eventalizer" (SS 2012) Team 5</a:t>
-            </a:r>
             <a:endParaRPr lang="de-DE" dirty="0"/>
           </a:p>
         </p:txBody>
@@ -13833,7 +13786,7 @@
     </p:spTree>
     <p:extLst>
       <p:ext uri="{BB962C8B-B14F-4D97-AF65-F5344CB8AC3E}">
-        <p14:creationId xmlns:p14="http://schemas.microsoft.com/office/powerpoint/2010/main" val="18265354"/>
+        <p14:creationId xmlns:p14="http://schemas.microsoft.com/office/powerpoint/2010/main" xmlns="" val="3445806666"/>
       </p:ext>
     </p:extLst>
   </p:cSld>
@@ -13850,7 +13803,7 @@
 </p:sld>
 </file>
 
-<file path=ppt/slides/slide24.xml><?xml version="1.0" encoding="utf-8"?>
+<file path=ppt/slides/slide21.xml><?xml version="1.0" encoding="utf-8"?>
 <p:sld xmlns:a="http://schemas.openxmlformats.org/drawingml/2006/main" xmlns:r="http://schemas.openxmlformats.org/officeDocument/2006/relationships" xmlns:p="http://schemas.openxmlformats.org/presentationml/2006/main">
   <p:cSld>
     <p:spTree>
@@ -13954,7 +13907,7 @@
             <a:fld id="{6C6AE60A-B69C-4790-82F7-3882EDF23186}" type="slidenum">
               <a:rPr lang="de-DE" smtClean="0"/>
               <a:pPr/>
-              <a:t>24</a:t>
+              <a:t>21</a:t>
             </a:fld>
             <a:endParaRPr lang="de-DE" dirty="0"/>
           </a:p>
@@ -13977,8 +13930,8 @@
         </p:blipFill>
         <p:spPr bwMode="auto">
           <a:xfrm>
-            <a:off x="1835696" y="1617011"/>
-            <a:ext cx="5400000" cy="4764317"/>
+            <a:off x="1404352" y="1196752"/>
+            <a:ext cx="6336000" cy="5590129"/>
           </a:xfrm>
           <a:prstGeom prst="rect">
             <a:avLst/>
@@ -13989,7 +13942,7 @@
     </p:spTree>
     <p:extLst>
       <p:ext uri="{BB962C8B-B14F-4D97-AF65-F5344CB8AC3E}">
-        <p14:creationId xmlns:p14="http://schemas.microsoft.com/office/powerpoint/2010/main" val="3437731525"/>
+        <p14:creationId xmlns:p14="http://schemas.microsoft.com/office/powerpoint/2010/main" xmlns="" val="3437731525"/>
       </p:ext>
     </p:extLst>
   </p:cSld>
@@ -14006,7 +13959,7 @@
 </p:sld>
 </file>
 
-<file path=ppt/slides/slide25.xml><?xml version="1.0" encoding="utf-8"?>
+<file path=ppt/slides/slide22.xml><?xml version="1.0" encoding="utf-8"?>
 <p:sld xmlns:a="http://schemas.openxmlformats.org/drawingml/2006/main" xmlns:r="http://schemas.openxmlformats.org/officeDocument/2006/relationships" xmlns:p="http://schemas.openxmlformats.org/presentationml/2006/main">
   <p:cSld>
     <p:spTree>
@@ -14031,8 +13984,8 @@
         </p:nvSpPr>
         <p:spPr>
           <a:xfrm>
-            <a:off x="827584" y="1628800"/>
-            <a:ext cx="4752528" cy="504056"/>
+            <a:off x="1835696" y="5517232"/>
+            <a:ext cx="5040560" cy="504056"/>
           </a:xfrm>
           <a:prstGeom prst="roundRect">
             <a:avLst/>
@@ -14110,12 +14063,7 @@
             <p:ph idx="1"/>
           </p:nvPr>
         </p:nvSpPr>
-        <p:spPr>
-          <a:xfrm>
-            <a:off x="457200" y="1600200"/>
-            <a:ext cx="8686800" cy="4525963"/>
-          </a:xfrm>
-        </p:spPr>
+        <p:spPr/>
         <p:txBody>
           <a:bodyPr>
             <a:noAutofit/>
@@ -14124,23 +14072,76 @@
           <a:p>
             <a:r>
               <a:rPr lang="de-DE" dirty="0" smtClean="0"/>
-              <a:t>Live-Demo</a:t>
+              <a:t>Dokumente</a:t>
             </a:r>
           </a:p>
           <a:p>
             <a:pPr lvl="1"/>
             <a:r>
               <a:rPr lang="de-DE" dirty="0" smtClean="0"/>
-              <a:t>Anwendung</a:t>
+              <a:t>Projekt-Exposé</a:t>
             </a:r>
           </a:p>
           <a:p>
             <a:pPr lvl="1"/>
             <a:r>
               <a:rPr lang="de-DE" dirty="0" smtClean="0"/>
-              <a:t>Implementierung	</a:t>
-            </a:r>
-            <a:endParaRPr lang="de-DE" dirty="0"/>
+              <a:t>Projektplan</a:t>
+            </a:r>
+          </a:p>
+          <a:p>
+            <a:pPr lvl="1"/>
+            <a:r>
+              <a:rPr lang="de-DE" dirty="0" smtClean="0"/>
+              <a:t>Lastenheft</a:t>
+            </a:r>
+          </a:p>
+          <a:p>
+            <a:pPr lvl="1"/>
+            <a:r>
+              <a:rPr lang="de-DE" dirty="0" smtClean="0"/>
+              <a:t>Glossar (Begriffsdefinitionen)</a:t>
+            </a:r>
+          </a:p>
+          <a:p>
+            <a:pPr lvl="1"/>
+            <a:r>
+              <a:rPr lang="de-DE" dirty="0" smtClean="0"/>
+              <a:t>Risikoanalyse</a:t>
+            </a:r>
+          </a:p>
+          <a:p>
+            <a:pPr lvl="1"/>
+            <a:r>
+              <a:rPr lang="de-DE" dirty="0" smtClean="0"/>
+              <a:t>Wirtschaftslichkeitsbetrachtung</a:t>
+            </a:r>
+          </a:p>
+          <a:p>
+            <a:pPr lvl="1"/>
+            <a:r>
+              <a:rPr lang="de-DE" dirty="0" smtClean="0"/>
+              <a:t>Szenarien</a:t>
+            </a:r>
+          </a:p>
+          <a:p>
+            <a:pPr lvl="1"/>
+            <a:r>
+              <a:rPr lang="de-DE" dirty="0" smtClean="0"/>
+              <a:t>Anwendungsfalldiagramm</a:t>
+            </a:r>
+          </a:p>
+          <a:p>
+            <a:pPr lvl="1"/>
+            <a:r>
+              <a:rPr lang="de-DE" dirty="0" smtClean="0"/>
+              <a:t>Mock-</a:t>
+            </a:r>
+            <a:r>
+              <a:rPr lang="de-DE" dirty="0" err="1" smtClean="0"/>
+              <a:t>Ups</a:t>
+            </a:r>
+            <a:endParaRPr lang="de-DE" dirty="0" smtClean="0"/>
           </a:p>
         </p:txBody>
       </p:sp>
@@ -14162,6 +14163,29 @@
             <a:r>
               <a:rPr lang="de-DE" smtClean="0"/>
               <a:t>21.04.2012</a:t>
+            </a:r>
+            <a:endParaRPr lang="de-DE" dirty="0"/>
+          </a:p>
+        </p:txBody>
+      </p:sp>
+      <p:sp>
+        <p:nvSpPr>
+          <p:cNvPr id="6" name="Fußzeilenplatzhalter 5"/>
+          <p:cNvSpPr>
+            <a:spLocks noGrp="1"/>
+          </p:cNvSpPr>
+          <p:nvPr>
+            <p:ph type="ftr" sz="quarter" idx="11"/>
+          </p:nvPr>
+        </p:nvSpPr>
+        <p:spPr/>
+        <p:txBody>
+          <a:bodyPr/>
+          <a:lstStyle/>
+          <a:p>
+            <a:r>
+              <a:rPr lang="de-DE" smtClean="0"/>
+              <a:t>FST Projekt "Eventalizer" (SS 2012) Team 5</a:t>
             </a:r>
             <a:endParaRPr lang="de-DE" dirty="0"/>
           </a:p>
@@ -14185,31 +14209,8 @@
             <a:fld id="{6C6AE60A-B69C-4790-82F7-3882EDF23186}" type="slidenum">
               <a:rPr lang="de-DE" smtClean="0"/>
               <a:pPr/>
-              <a:t>25</a:t>
+              <a:t>22</a:t>
             </a:fld>
-            <a:endParaRPr lang="de-DE" dirty="0"/>
-          </a:p>
-        </p:txBody>
-      </p:sp>
-      <p:sp>
-        <p:nvSpPr>
-          <p:cNvPr id="6" name="Fußzeilenplatzhalter 5"/>
-          <p:cNvSpPr>
-            <a:spLocks noGrp="1"/>
-          </p:cNvSpPr>
-          <p:nvPr>
-            <p:ph type="ftr" sz="quarter" idx="11"/>
-          </p:nvPr>
-        </p:nvSpPr>
-        <p:spPr/>
-        <p:txBody>
-          <a:bodyPr/>
-          <a:lstStyle/>
-          <a:p>
-            <a:r>
-              <a:rPr lang="de-DE" smtClean="0"/>
-              <a:t>FST Projekt "Eventalizer" (SS 2012) Team 5</a:t>
-            </a:r>
             <a:endParaRPr lang="de-DE" dirty="0"/>
           </a:p>
         </p:txBody>
@@ -14217,7 +14218,7 @@
     </p:spTree>
     <p:extLst>
       <p:ext uri="{BB962C8B-B14F-4D97-AF65-F5344CB8AC3E}">
-        <p14:creationId xmlns:p14="http://schemas.microsoft.com/office/powerpoint/2010/main" val="2721795867"/>
+        <p14:creationId xmlns:p14="http://schemas.microsoft.com/office/powerpoint/2010/main" xmlns="" val="3445806666"/>
       </p:ext>
     </p:extLst>
   </p:cSld>
@@ -14234,7 +14235,7 @@
 </p:sld>
 </file>
 
-<file path=ppt/slides/slide26.xml><?xml version="1.0" encoding="utf-8"?>
+<file path=ppt/slides/slide23.xml><?xml version="1.0" encoding="utf-8"?>
 <p:sld xmlns:a="http://schemas.openxmlformats.org/drawingml/2006/main" xmlns:r="http://schemas.openxmlformats.org/officeDocument/2006/relationships" xmlns:p="http://schemas.openxmlformats.org/presentationml/2006/main">
   <p:cSld>
     <p:spTree>
@@ -14263,46 +14264,29 @@
         </p:nvSpPr>
         <p:spPr/>
         <p:txBody>
-          <a:bodyPr>
-            <a:normAutofit/>
-          </a:bodyPr>
-          <a:lstStyle/>
-          <a:p>
-            <a:r>
-              <a:rPr lang="de-DE" dirty="0" smtClean="0"/>
-              <a:t>Zwischenfazit und Ausblick</a:t>
-            </a:r>
-            <a:endParaRPr lang="de-DE" dirty="0"/>
-          </a:p>
-        </p:txBody>
-      </p:sp>
-      <p:sp>
-        <p:nvSpPr>
-          <p:cNvPr id="3" name="Inhaltsplatzhalter 2"/>
-          <p:cNvSpPr>
-            <a:spLocks noGrp="1"/>
-          </p:cNvSpPr>
-          <p:nvPr>
-            <p:ph idx="1"/>
-          </p:nvPr>
-        </p:nvSpPr>
-        <p:spPr/>
-        <p:txBody>
           <a:bodyPr/>
           <a:lstStyle/>
           <a:p>
-            <a:endParaRPr lang="de-DE"/>
-          </a:p>
-        </p:txBody>
-      </p:sp>
-      <p:sp>
-        <p:nvSpPr>
-          <p:cNvPr id="4" name="Datumsplatzhalter 3"/>
-          <p:cNvSpPr>
-            <a:spLocks noGrp="1"/>
-          </p:cNvSpPr>
-          <p:nvPr>
-            <p:ph type="dt" sz="half" idx="10"/>
+            <a:r>
+              <a:rPr lang="de-DE" dirty="0" smtClean="0"/>
+              <a:t>Mock-</a:t>
+            </a:r>
+            <a:r>
+              <a:rPr lang="de-DE" dirty="0" err="1" smtClean="0"/>
+              <a:t>Ups</a:t>
+            </a:r>
+            <a:endParaRPr lang="de-DE" dirty="0"/>
+          </a:p>
+        </p:txBody>
+      </p:sp>
+      <p:sp>
+        <p:nvSpPr>
+          <p:cNvPr id="3" name="Inhaltsplatzhalter 2"/>
+          <p:cNvSpPr>
+            <a:spLocks noGrp="1"/>
+          </p:cNvSpPr>
+          <p:nvPr>
+            <p:ph idx="1"/>
           </p:nvPr>
         </p:nvSpPr>
         <p:spPr/>
@@ -14310,11 +14294,30 @@
           <a:bodyPr/>
           <a:lstStyle/>
           <a:p>
+            <a:endParaRPr lang="de-DE" dirty="0"/>
+          </a:p>
+        </p:txBody>
+      </p:sp>
+      <p:sp>
+        <p:nvSpPr>
+          <p:cNvPr id="4" name="Datumsplatzhalter 3"/>
+          <p:cNvSpPr>
+            <a:spLocks noGrp="1"/>
+          </p:cNvSpPr>
+          <p:nvPr>
+            <p:ph type="dt" sz="half" idx="10"/>
+          </p:nvPr>
+        </p:nvSpPr>
+        <p:spPr/>
+        <p:txBody>
+          <a:bodyPr/>
+          <a:lstStyle/>
+          <a:p>
             <a:r>
               <a:rPr lang="de-DE" smtClean="0"/>
               <a:t>21.04.2012</a:t>
             </a:r>
-            <a:endParaRPr lang="de-DE" dirty="0"/>
+            <a:endParaRPr lang="en-US"/>
           </a:p>
         </p:txBody>
       </p:sp>
@@ -14356,21 +14359,42 @@
           <a:bodyPr/>
           <a:lstStyle/>
           <a:p>
-            <a:fld id="{6C6AE60A-B69C-4790-82F7-3882EDF23186}" type="slidenum">
-              <a:rPr lang="de-DE" smtClean="0"/>
+            <a:fld id="{990B41CA-569D-40E7-8E58-026C0338B2C8}" type="slidenum">
+              <a:rPr lang="en-US" smtClean="0"/>
               <a:pPr/>
-              <a:t>26</a:t>
+              <a:t>23</a:t>
             </a:fld>
-            <a:endParaRPr lang="de-DE" dirty="0"/>
-          </a:p>
-        </p:txBody>
-      </p:sp>
+            <a:endParaRPr lang="en-US"/>
+          </a:p>
+        </p:txBody>
+      </p:sp>
+      <p:pic>
+        <p:nvPicPr>
+          <p:cNvPr id="4098" name="Picture 2" descr="C:\Users\Alexander\Desktop\Neuer Ordner\IMAG0169.jpg"/>
+          <p:cNvPicPr>
+            <a:picLocks noChangeAspect="1" noChangeArrowheads="1"/>
+          </p:cNvPicPr>
+          <p:nvPr/>
+        </p:nvPicPr>
+        <p:blipFill>
+          <a:blip r:embed="rId2" cstate="print"/>
+          <a:srcRect/>
+          <a:stretch>
+            <a:fillRect/>
+          </a:stretch>
+        </p:blipFill>
+        <p:spPr bwMode="auto">
+          <a:xfrm>
+            <a:off x="1547664" y="1196752"/>
+            <a:ext cx="3168000" cy="5290892"/>
+          </a:xfrm>
+          <a:prstGeom prst="rect">
+            <a:avLst/>
+          </a:prstGeom>
+          <a:noFill/>
+        </p:spPr>
+      </p:pic>
     </p:spTree>
-    <p:extLst>
-      <p:ext uri="{BB962C8B-B14F-4D97-AF65-F5344CB8AC3E}">
-        <p14:creationId xmlns:p14="http://schemas.microsoft.com/office/powerpoint/2010/main" val="3552390406"/>
-      </p:ext>
-    </p:extLst>
   </p:cSld>
   <p:clrMapOvr>
     <a:masterClrMapping/>
@@ -14385,7 +14409,7 @@
 </p:sld>
 </file>
 
-<file path=ppt/slides/slide27.xml><?xml version="1.0" encoding="utf-8"?>
+<file path=ppt/slides/slide24.xml><?xml version="1.0" encoding="utf-8"?>
 <p:sld xmlns:a="http://schemas.openxmlformats.org/drawingml/2006/main" xmlns:r="http://schemas.openxmlformats.org/officeDocument/2006/relationships" xmlns:p="http://schemas.openxmlformats.org/presentationml/2006/main">
   <p:cSld>
     <p:spTree>
@@ -14414,21 +14438,153 @@
         </p:nvSpPr>
         <p:spPr/>
         <p:txBody>
+          <a:bodyPr>
+            <a:normAutofit/>
+          </a:bodyPr>
+          <a:lstStyle/>
+          <a:p>
+            <a:r>
+              <a:rPr lang="de-DE" dirty="0" smtClean="0"/>
+              <a:t>Ausblick</a:t>
+            </a:r>
+            <a:endParaRPr lang="de-DE" dirty="0"/>
+          </a:p>
+        </p:txBody>
+      </p:sp>
+      <p:sp>
+        <p:nvSpPr>
+          <p:cNvPr id="3" name="Inhaltsplatzhalter 2"/>
+          <p:cNvSpPr>
+            <a:spLocks noGrp="1"/>
+          </p:cNvSpPr>
+          <p:nvPr>
+            <p:ph idx="1"/>
+          </p:nvPr>
+        </p:nvSpPr>
+        <p:spPr/>
+        <p:txBody>
+          <a:bodyPr>
+            <a:noAutofit/>
+          </a:bodyPr>
+          <a:lstStyle/>
+          <a:p>
+            <a:r>
+              <a:rPr lang="de-DE" dirty="0" smtClean="0"/>
+              <a:t>Software </a:t>
+            </a:r>
+            <a:r>
+              <a:rPr lang="de-DE" dirty="0" err="1" smtClean="0"/>
+              <a:t>Requirement</a:t>
+            </a:r>
+            <a:r>
+              <a:rPr lang="de-DE" dirty="0" smtClean="0"/>
+              <a:t> </a:t>
+            </a:r>
+            <a:r>
+              <a:rPr lang="de-DE" dirty="0" err="1" smtClean="0"/>
+              <a:t>Specification</a:t>
+            </a:r>
+            <a:r>
+              <a:rPr lang="de-DE" dirty="0" smtClean="0"/>
+              <a:t> </a:t>
+            </a:r>
+            <a:r>
+              <a:rPr lang="de-DE" dirty="0" smtClean="0"/>
+              <a:t> (Pflichtenheft)</a:t>
+            </a:r>
+          </a:p>
+          <a:p>
+            <a:r>
+              <a:rPr lang="de-DE" dirty="0" smtClean="0"/>
+              <a:t>Software </a:t>
+            </a:r>
+            <a:r>
+              <a:rPr lang="de-DE" dirty="0" err="1" smtClean="0"/>
+              <a:t>Architecture</a:t>
+            </a:r>
+            <a:r>
+              <a:rPr lang="de-DE" dirty="0" smtClean="0"/>
+              <a:t> </a:t>
+            </a:r>
+            <a:r>
+              <a:rPr lang="de-DE" dirty="0" err="1" smtClean="0"/>
+              <a:t>Document</a:t>
+            </a:r>
+            <a:r>
+              <a:rPr lang="de-DE" dirty="0" smtClean="0"/>
+              <a:t/>
+            </a:r>
+            <a:br>
+              <a:rPr lang="de-DE" dirty="0" smtClean="0"/>
+            </a:br>
+            <a:r>
+              <a:rPr lang="de-DE" dirty="0" smtClean="0"/>
+              <a:t>(</a:t>
+            </a:r>
+            <a:r>
+              <a:rPr lang="de-DE" dirty="0" smtClean="0"/>
+              <a:t>Architekturkonzeption)</a:t>
+            </a:r>
+          </a:p>
+          <a:p>
+            <a:r>
+              <a:rPr lang="de-DE" dirty="0" smtClean="0"/>
+              <a:t>Design Modell</a:t>
+            </a:r>
+          </a:p>
+          <a:p>
+            <a:r>
+              <a:rPr lang="de-DE" dirty="0" smtClean="0"/>
+              <a:t>Prototypische Implementierung</a:t>
+            </a:r>
+          </a:p>
+          <a:p>
+            <a:endParaRPr lang="de-DE" dirty="0" smtClean="0"/>
+          </a:p>
+          <a:p>
+            <a:r>
+              <a:rPr lang="de-DE" dirty="0" smtClean="0"/>
+              <a:t>Peer-Review</a:t>
+            </a:r>
+            <a:endParaRPr lang="de-DE" dirty="0" smtClean="0"/>
+          </a:p>
+          <a:p>
+            <a:pPr lvl="1"/>
+            <a:endParaRPr lang="de-DE" dirty="0"/>
+          </a:p>
+        </p:txBody>
+      </p:sp>
+      <p:sp>
+        <p:nvSpPr>
+          <p:cNvPr id="4" name="Datumsplatzhalter 3"/>
+          <p:cNvSpPr>
+            <a:spLocks noGrp="1"/>
+          </p:cNvSpPr>
+          <p:nvPr>
+            <p:ph type="dt" sz="half" idx="10"/>
+          </p:nvPr>
+        </p:nvSpPr>
+        <p:spPr/>
+        <p:txBody>
           <a:bodyPr/>
           <a:lstStyle/>
           <a:p>
-            <a:endParaRPr lang="de-DE"/>
-          </a:p>
-        </p:txBody>
-      </p:sp>
-      <p:sp>
-        <p:nvSpPr>
-          <p:cNvPr id="3" name="Inhaltsplatzhalter 2"/>
-          <p:cNvSpPr>
-            <a:spLocks noGrp="1"/>
-          </p:cNvSpPr>
-          <p:nvPr>
-            <p:ph idx="1"/>
+            <a:r>
+              <a:rPr lang="de-DE" smtClean="0"/>
+              <a:t>21.04.2012</a:t>
+            </a:r>
+            <a:endParaRPr lang="de-DE" dirty="0"/>
+          </a:p>
+        </p:txBody>
+      </p:sp>
+      <p:sp>
+        <p:nvSpPr>
+          <p:cNvPr id="5" name="Fußzeilenplatzhalter 4"/>
+          <p:cNvSpPr>
+            <a:spLocks noGrp="1"/>
+          </p:cNvSpPr>
+          <p:nvPr>
+            <p:ph type="ftr" sz="quarter" idx="11"/>
           </p:nvPr>
         </p:nvSpPr>
         <p:spPr/>
@@ -14436,18 +14592,22 @@
           <a:bodyPr/>
           <a:lstStyle/>
           <a:p>
-            <a:endParaRPr lang="de-DE"/>
-          </a:p>
-        </p:txBody>
-      </p:sp>
-      <p:sp>
-        <p:nvSpPr>
-          <p:cNvPr id="4" name="Datumsplatzhalter 3"/>
-          <p:cNvSpPr>
-            <a:spLocks noGrp="1"/>
-          </p:cNvSpPr>
-          <p:nvPr>
-            <p:ph type="dt" sz="half" idx="10"/>
+            <a:r>
+              <a:rPr lang="de-DE" smtClean="0"/>
+              <a:t>FST Projekt "Eventalizer" (SS 2012) Team 5</a:t>
+            </a:r>
+            <a:endParaRPr lang="de-DE" dirty="0"/>
+          </a:p>
+        </p:txBody>
+      </p:sp>
+      <p:sp>
+        <p:nvSpPr>
+          <p:cNvPr id="6" name="Foliennummernplatzhalter 5"/>
+          <p:cNvSpPr>
+            <a:spLocks noGrp="1"/>
+          </p:cNvSpPr>
+          <p:nvPr>
+            <p:ph type="sldNum" sz="quarter" idx="12"/>
           </p:nvPr>
         </p:nvSpPr>
         <p:spPr/>
@@ -14455,65 +14615,19 @@
           <a:bodyPr/>
           <a:lstStyle/>
           <a:p>
-            <a:r>
+            <a:fld id="{6C6AE60A-B69C-4790-82F7-3882EDF23186}" type="slidenum">
               <a:rPr lang="de-DE" smtClean="0"/>
-              <a:t>21.04.2012</a:t>
-            </a:r>
-            <a:endParaRPr lang="en-US"/>
-          </a:p>
-        </p:txBody>
-      </p:sp>
-      <p:sp>
-        <p:nvSpPr>
-          <p:cNvPr id="5" name="Fußzeilenplatzhalter 4"/>
-          <p:cNvSpPr>
-            <a:spLocks noGrp="1"/>
-          </p:cNvSpPr>
-          <p:nvPr>
-            <p:ph type="ftr" sz="quarter" idx="11"/>
-          </p:nvPr>
-        </p:nvSpPr>
-        <p:spPr/>
-        <p:txBody>
-          <a:bodyPr/>
-          <a:lstStyle/>
-          <a:p>
-            <a:r>
-              <a:rPr lang="de-DE" smtClean="0"/>
-              <a:t>FST Projekt "Eventalizer" (SS 2012) Team 5</a:t>
-            </a:r>
+              <a:pPr/>
+              <a:t>24</a:t>
+            </a:fld>
             <a:endParaRPr lang="de-DE" dirty="0"/>
-          </a:p>
-        </p:txBody>
-      </p:sp>
-      <p:sp>
-        <p:nvSpPr>
-          <p:cNvPr id="6" name="Foliennummernplatzhalter 5"/>
-          <p:cNvSpPr>
-            <a:spLocks noGrp="1"/>
-          </p:cNvSpPr>
-          <p:nvPr>
-            <p:ph type="sldNum" sz="quarter" idx="12"/>
-          </p:nvPr>
-        </p:nvSpPr>
-        <p:spPr/>
-        <p:txBody>
-          <a:bodyPr/>
-          <a:lstStyle/>
-          <a:p>
-            <a:fld id="{990B41CA-569D-40E7-8E58-026C0338B2C8}" type="slidenum">
-              <a:rPr lang="en-US" smtClean="0"/>
-              <a:pPr/>
-              <a:t>27</a:t>
-            </a:fld>
-            <a:endParaRPr lang="en-US"/>
           </a:p>
         </p:txBody>
       </p:sp>
     </p:spTree>
     <p:extLst>
       <p:ext uri="{BB962C8B-B14F-4D97-AF65-F5344CB8AC3E}">
-        <p14:creationId xmlns:p14="http://schemas.microsoft.com/office/powerpoint/2010/main" val="1423508855"/>
+        <p14:creationId xmlns:p14="http://schemas.microsoft.com/office/powerpoint/2010/main" xmlns="" val="3552390406"/>
       </p:ext>
     </p:extLst>
   </p:cSld>
@@ -14564,7 +14678,7 @@
           <a:p>
             <a:r>
               <a:rPr lang="de-DE" dirty="0" smtClean="0"/>
-              <a:t>Steckbrief</a:t>
+              <a:t>Projektsteckbrief</a:t>
             </a:r>
             <a:endParaRPr lang="de-DE" dirty="0"/>
           </a:p>
@@ -14595,7 +14709,6 @@
               <a:rPr lang="de-DE" dirty="0" smtClean="0"/>
               <a:t>Freizeitaktivitäten</a:t>
             </a:r>
-            <a:endParaRPr lang="de-DE" dirty="0" smtClean="0"/>
           </a:p>
           <a:p>
             <a:r>
@@ -14623,7 +14736,6 @@
               <a:rPr lang="de-DE" dirty="0" smtClean="0"/>
               <a:t>bewerten</a:t>
             </a:r>
-            <a:endParaRPr lang="de-DE" dirty="0" smtClean="0"/>
           </a:p>
           <a:p>
             <a:r>
@@ -14642,6 +14754,13 @@
             <a:r>
               <a:rPr lang="de-DE" dirty="0" smtClean="0"/>
               <a:t>Mehrwerte</a:t>
+            </a:r>
+          </a:p>
+          <a:p>
+            <a:pPr lvl="1"/>
+            <a:r>
+              <a:rPr lang="de-DE" dirty="0" smtClean="0"/>
+              <a:t>u.a. Social-Login</a:t>
             </a:r>
             <a:endParaRPr lang="de-DE" dirty="0"/>
           </a:p>
@@ -14763,7 +14882,7 @@
     </p:spTree>
     <p:extLst>
       <p:ext uri="{BB962C8B-B14F-4D97-AF65-F5344CB8AC3E}">
-        <p14:creationId xmlns:p14="http://schemas.microsoft.com/office/powerpoint/2010/main" val="2857272158"/>
+        <p14:creationId xmlns:p14="http://schemas.microsoft.com/office/powerpoint/2010/main" xmlns="" val="2857272158"/>
       </p:ext>
     </p:extLst>
   </p:cSld>
@@ -14845,11 +14964,7 @@
             </a:r>
             <a:r>
               <a:rPr lang="de-DE" dirty="0" smtClean="0"/>
-              <a:t> (RUP</a:t>
-            </a:r>
-            <a:r>
-              <a:rPr lang="de-DE" dirty="0" smtClean="0"/>
-              <a:t>)</a:t>
+              <a:t> (RUP)</a:t>
             </a:r>
           </a:p>
           <a:p>
@@ -14873,30 +14988,14 @@
           <a:p>
             <a:r>
               <a:rPr lang="de-DE" dirty="0" smtClean="0"/>
-              <a:t>Unified </a:t>
-            </a:r>
-            <a:r>
-              <a:rPr lang="de-DE" dirty="0" smtClean="0"/>
-              <a:t>Modeling</a:t>
+              <a:t>Unified Modeling</a:t>
             </a:r>
             <a:br>
               <a:rPr lang="de-DE" dirty="0" smtClean="0"/>
             </a:br>
             <a:r>
               <a:rPr lang="de-DE" dirty="0" smtClean="0"/>
-              <a:t>Language</a:t>
-            </a:r>
-            <a:r>
-              <a:rPr lang="de-DE" dirty="0" smtClean="0"/>
-              <a:t> </a:t>
-            </a:r>
-            <a:r>
-              <a:rPr lang="de-DE" dirty="0" smtClean="0"/>
-              <a:t>(</a:t>
-            </a:r>
-            <a:r>
-              <a:rPr lang="de-DE" dirty="0" smtClean="0"/>
-              <a:t>UML)</a:t>
+              <a:t>Language (UML)</a:t>
             </a:r>
           </a:p>
         </p:txBody>
@@ -14908,7 +15007,7 @@
           <p:nvPr>
             <p:extLst>
               <p:ext uri="{D42A27DB-BD31-4B8C-83A1-F6EECF244321}">
-                <p14:modId xmlns:p14="http://schemas.microsoft.com/office/powerpoint/2010/main" val="3006520327"/>
+                <p14:modId xmlns:p14="http://schemas.microsoft.com/office/powerpoint/2010/main" xmlns="" val="3006520327"/>
               </p:ext>
             </p:extLst>
           </p:nvPr>
@@ -14996,7 +15095,7 @@
     </p:spTree>
     <p:extLst>
       <p:ext uri="{BB962C8B-B14F-4D97-AF65-F5344CB8AC3E}">
-        <p14:creationId xmlns:p14="http://schemas.microsoft.com/office/powerpoint/2010/main" val="3976929176"/>
+        <p14:creationId xmlns:p14="http://schemas.microsoft.com/office/powerpoint/2010/main" xmlns="" val="3976929176"/>
       </p:ext>
     </p:extLst>
   </p:cSld>
@@ -15174,7 +15273,7 @@
         </p:blipFill>
         <p:spPr bwMode="auto">
           <a:xfrm>
-            <a:off x="1250776" y="2852936"/>
+            <a:off x="1682824" y="2708920"/>
             <a:ext cx="6705600" cy="2231896"/>
           </a:xfrm>
           <a:prstGeom prst="rect">
@@ -15195,7 +15294,7 @@
     </p:spTree>
     <p:extLst>
       <p:ext uri="{BB962C8B-B14F-4D97-AF65-F5344CB8AC3E}">
-        <p14:creationId xmlns:p14="http://schemas.microsoft.com/office/powerpoint/2010/main" val="1690052742"/>
+        <p14:creationId xmlns:p14="http://schemas.microsoft.com/office/powerpoint/2010/main" xmlns="" val="1690052742"/>
       </p:ext>
     </p:extLst>
   </p:cSld>
@@ -15274,11 +15373,7 @@
           <a:p>
             <a:r>
               <a:rPr lang="de-DE" dirty="0" smtClean="0"/>
-              <a:t>Wöchentliche </a:t>
-            </a:r>
-            <a:r>
-              <a:rPr lang="de-DE" dirty="0" smtClean="0"/>
-              <a:t>Jour fixe</a:t>
+              <a:t>Wöchentliche Jour fixe</a:t>
             </a:r>
           </a:p>
           <a:p>
@@ -15287,15 +15382,7 @@
           <a:p>
             <a:r>
               <a:rPr lang="de-DE" dirty="0" smtClean="0"/>
-              <a:t>Auf- </a:t>
-            </a:r>
-            <a:r>
-              <a:rPr lang="de-DE" dirty="0" smtClean="0"/>
-              <a:t>und Verteilung der Aufgaben/-</a:t>
-            </a:r>
-            <a:r>
-              <a:rPr lang="de-DE" dirty="0" smtClean="0"/>
-              <a:t>pakete</a:t>
+              <a:t>Auf- und Verteilung der Aufgaben/-pakete</a:t>
             </a:r>
           </a:p>
           <a:p>
@@ -15304,15 +15391,7 @@
           <a:p>
             <a:r>
               <a:rPr lang="de-DE" dirty="0" smtClean="0"/>
-              <a:t>Transparenz </a:t>
-            </a:r>
-            <a:r>
-              <a:rPr lang="de-DE" dirty="0" smtClean="0"/>
-              <a:t>und </a:t>
-            </a:r>
-            <a:r>
-              <a:rPr lang="de-DE" dirty="0" smtClean="0"/>
-              <a:t>Nachverfolgung</a:t>
+              <a:t>Transparenz und Nachverfolgung</a:t>
             </a:r>
           </a:p>
           <a:p>
@@ -15328,7 +15407,6 @@
               <a:rPr lang="de-DE" dirty="0" smtClean="0"/>
               <a:t>Protokolle</a:t>
             </a:r>
-            <a:endParaRPr lang="de-DE" dirty="0" smtClean="0"/>
           </a:p>
         </p:txBody>
       </p:sp>
@@ -15411,7 +15489,7 @@
           <p:nvPr/>
         </p:nvPicPr>
         <p:blipFill>
-          <a:blip r:embed="rId3"/>
+          <a:blip r:embed="rId3" cstate="print"/>
           <a:srcRect/>
           <a:stretch>
             <a:fillRect/>
@@ -15443,7 +15521,7 @@
     </p:spTree>
     <p:extLst>
       <p:ext uri="{BB962C8B-B14F-4D97-AF65-F5344CB8AC3E}">
-        <p14:creationId xmlns:p14="http://schemas.microsoft.com/office/powerpoint/2010/main" val="3138296042"/>
+        <p14:creationId xmlns:p14="http://schemas.microsoft.com/office/powerpoint/2010/main" xmlns="" val="3138296042"/>
       </p:ext>
     </p:extLst>
   </p:cSld>
@@ -15806,13 +15884,16 @@
           </a:lstStyle>
           <a:p>
             <a:r>
-              <a:rPr lang="de-DE" dirty="0" err="1"/>
-              <a:t>Versionierung</a:t>
-            </a:r>
-            <a:r>
               <a:rPr lang="de-DE" dirty="0"/>
-              <a:t> der Dokumente &amp; des Quellcodes</a:t>
-            </a:r>
+              <a:t>Versionierung der Dokumente &amp; des </a:t>
+            </a:r>
+            <a:r>
+              <a:rPr lang="de-DE" dirty="0" smtClean="0"/>
+              <a:t>Quellcodes</a:t>
+            </a:r>
+          </a:p>
+          <a:p>
+            <a:endParaRPr lang="de-DE" dirty="0"/>
           </a:p>
           <a:p>
             <a:r>
@@ -15820,18 +15901,25 @@
               <a:t>Erste Dokumente über Google </a:t>
             </a:r>
             <a:r>
-              <a:rPr lang="de-DE" dirty="0" err="1"/>
+              <a:rPr lang="de-DE" dirty="0" err="1" smtClean="0"/>
               <a:t>Docs</a:t>
             </a:r>
+            <a:endParaRPr lang="de-DE" dirty="0" smtClean="0"/>
+          </a:p>
+          <a:p>
             <a:endParaRPr lang="de-DE" dirty="0"/>
           </a:p>
           <a:p>
             <a:r>
               <a:rPr lang="de-DE" dirty="0"/>
-              <a:t>Spätere Entscheidung für Freies Repository </a:t>
-            </a:r>
-            <a:r>
-              <a:rPr lang="de-DE" dirty="0" err="1"/>
+              <a:t>Spätere Entscheidung für </a:t>
+            </a:r>
+            <a:r>
+              <a:rPr lang="de-DE" dirty="0" smtClean="0"/>
+              <a:t>Repository </a:t>
+            </a:r>
+            <a:r>
+              <a:rPr lang="de-DE" dirty="0" err="1" smtClean="0"/>
               <a:t>gitHub</a:t>
             </a:r>
             <a:endParaRPr lang="de-DE" dirty="0"/>
@@ -15860,10 +15948,7 @@
             <a:br>
               <a:rPr lang="de-DE" dirty="0"/>
             </a:br>
-            <a:r>
-              <a:rPr lang="de-DE" dirty="0"/>
-              <a:t>(freie Software zur verteilten Versionsverwaltung)</a:t>
-            </a:r>
+            <a:endParaRPr lang="de-DE" dirty="0"/>
           </a:p>
           <a:p>
             <a:endParaRPr lang="de-DE" dirty="0"/>
@@ -15873,7 +15958,7 @@
     </p:spTree>
     <p:extLst>
       <p:ext uri="{BB962C8B-B14F-4D97-AF65-F5344CB8AC3E}">
-        <p14:creationId xmlns:p14="http://schemas.microsoft.com/office/powerpoint/2010/main" val="732863636"/>
+        <p14:creationId xmlns:p14="http://schemas.microsoft.com/office/powerpoint/2010/main" xmlns="" val="732863636"/>
       </p:ext>
     </p:extLst>
   </p:cSld>
@@ -15961,14 +16046,30 @@
             <a:pPr lvl="1"/>
             <a:r>
               <a:rPr lang="de-DE" dirty="0" smtClean="0"/>
-              <a:t>Werkzeug zur einfachen und effizienten Realisierung von Java-Anwendungen</a:t>
+              <a:t>Werkzeug zur einfachen und effizienten Realisierung von </a:t>
+            </a:r>
+            <a:r>
+              <a:rPr lang="de-DE" dirty="0" smtClean="0"/>
+              <a:t>Java-Anwendungen</a:t>
             </a:r>
           </a:p>
           <a:p>
             <a:pPr lvl="1"/>
-            <a:r>
-              <a:rPr lang="de-DE" dirty="0" smtClean="0"/>
-              <a:t>Verwendung von bekannten und verbreiteten Java-Techniken wie Spring, dem Java </a:t>
+            <a:endParaRPr lang="de-DE" dirty="0" smtClean="0"/>
+          </a:p>
+          <a:p>
+            <a:pPr lvl="1"/>
+            <a:r>
+              <a:rPr lang="de-DE" dirty="0" smtClean="0"/>
+              <a:t>Verwendung von bekannten und verbreiteten Java-Techniken wie Spring, </a:t>
+            </a:r>
+            <a:r>
+              <a:rPr lang="de-DE" dirty="0" smtClean="0"/>
+              <a:t> dem </a:t>
+            </a:r>
+            <a:r>
+              <a:rPr lang="de-DE" dirty="0" smtClean="0"/>
+              <a:t>Java </a:t>
             </a:r>
             <a:r>
               <a:rPr lang="de-DE" dirty="0" err="1" smtClean="0"/>
@@ -15979,12 +16080,20 @@
               <a:t> API (JPA), </a:t>
             </a:r>
             <a:r>
+              <a:rPr lang="de-DE" dirty="0" smtClean="0"/>
+              <a:t> </a:t>
+            </a:r>
+            <a:r>
               <a:rPr lang="de-DE" dirty="0" err="1" smtClean="0"/>
               <a:t>JUnit</a:t>
             </a:r>
             <a:r>
               <a:rPr lang="de-DE" dirty="0" smtClean="0"/>
-              <a:t> oder Googles Web </a:t>
+              <a:t> </a:t>
+            </a:r>
+            <a:r>
+              <a:rPr lang="de-DE" dirty="0" smtClean="0"/>
+              <a:t>oder Googles Web </a:t>
             </a:r>
             <a:r>
               <a:rPr lang="de-DE" dirty="0" err="1" smtClean="0"/>
@@ -15992,15 +16101,36 @@
             </a:r>
             <a:r>
               <a:rPr lang="de-DE" dirty="0" smtClean="0"/>
-              <a:t> (GWT)</a:t>
+              <a:t> (GWT</a:t>
+            </a:r>
+            <a:r>
+              <a:rPr lang="de-DE" dirty="0" smtClean="0"/>
+              <a:t>)</a:t>
             </a:r>
           </a:p>
           <a:p>
             <a:pPr lvl="1"/>
-            <a:r>
-              <a:rPr lang="de-DE" dirty="0" smtClean="0"/>
-              <a:t>Konzentration auf den Entwicklungsprozess und nicht auf die Implementierung</a:t>
-            </a:r>
+            <a:endParaRPr lang="de-DE" dirty="0" smtClean="0"/>
+          </a:p>
+          <a:p>
+            <a:pPr lvl="1"/>
+            <a:r>
+              <a:rPr lang="de-DE" dirty="0" smtClean="0"/>
+              <a:t>Konzentration auf </a:t>
+            </a:r>
+            <a:r>
+              <a:rPr lang="de-DE" dirty="0" smtClean="0"/>
+              <a:t>Entwicklungsprozess </a:t>
+            </a:r>
+            <a:r>
+              <a:rPr lang="de-DE" dirty="0" smtClean="0"/>
+              <a:t>und nicht auf </a:t>
+            </a:r>
+            <a:r>
+              <a:rPr lang="de-DE" dirty="0" smtClean="0"/>
+              <a:t>Implementierung</a:t>
+            </a:r>
+            <a:endParaRPr lang="de-DE" dirty="0" smtClean="0"/>
           </a:p>
         </p:txBody>
       </p:sp>
@@ -16077,7 +16207,7 @@
     </p:spTree>
     <p:extLst>
       <p:ext uri="{BB962C8B-B14F-4D97-AF65-F5344CB8AC3E}">
-        <p14:creationId xmlns:p14="http://schemas.microsoft.com/office/powerpoint/2010/main" val="898376716"/>
+        <p14:creationId xmlns:p14="http://schemas.microsoft.com/office/powerpoint/2010/main" xmlns="" val="898376716"/>
       </p:ext>
     </p:extLst>
   </p:cSld>
@@ -16160,35 +16290,32 @@
           <a:p>
             <a:pPr lvl="1"/>
             <a:r>
-              <a:rPr lang="de-DE" dirty="0" smtClean="0"/>
-              <a:t>Implementierung der Java </a:t>
-            </a:r>
-            <a:r>
-              <a:rPr lang="de-DE" dirty="0" err="1" smtClean="0"/>
-              <a:t>Persistence</a:t>
-            </a:r>
-            <a:r>
-              <a:rPr lang="de-DE" dirty="0" smtClean="0"/>
-              <a:t> API (JPA)</a:t>
-            </a:r>
-          </a:p>
-          <a:p>
-            <a:pPr lvl="1"/>
-            <a:r>
               <a:rPr lang="de-DE" dirty="0" err="1" smtClean="0"/>
               <a:t>Object</a:t>
             </a:r>
             <a:r>
               <a:rPr lang="de-DE" dirty="0" smtClean="0"/>
-              <a:t>-Relational Mapping (ORM)</a:t>
+              <a:t>-Relational </a:t>
+            </a:r>
+            <a:r>
+              <a:rPr lang="de-DE" dirty="0" smtClean="0"/>
+              <a:t>Mapping (ORM)</a:t>
             </a:r>
           </a:p>
           <a:p>
             <a:pPr lvl="1"/>
             <a:r>
               <a:rPr lang="de-DE" dirty="0" smtClean="0"/>
-              <a:t>Weite Verbreitung</a:t>
-            </a:r>
+              <a:t>Weite </a:t>
+            </a:r>
+            <a:r>
+              <a:rPr lang="de-DE" dirty="0" smtClean="0"/>
+              <a:t>Verbreitung</a:t>
+            </a:r>
+          </a:p>
+          <a:p>
+            <a:pPr lvl="1"/>
+            <a:endParaRPr lang="de-DE" dirty="0" smtClean="0"/>
           </a:p>
           <a:p>
             <a:r>
@@ -16293,7 +16420,7 @@
     </p:spTree>
     <p:extLst>
       <p:ext uri="{BB962C8B-B14F-4D97-AF65-F5344CB8AC3E}">
-        <p14:creationId xmlns:p14="http://schemas.microsoft.com/office/powerpoint/2010/main" val="1483896642"/>
+        <p14:creationId xmlns:p14="http://schemas.microsoft.com/office/powerpoint/2010/main" xmlns="" val="1483896642"/>
       </p:ext>
     </p:extLst>
   </p:cSld>

--- a/Dokumente/Zwischenstand zum 2012-04-21_v2.pptx
+++ b/Dokumente/Zwischenstand zum 2012-04-21_v2.pptx
@@ -3270,7 +3270,7 @@
     </p:spTree>
     <p:extLst>
       <p:ext uri="{BB962C8B-B14F-4D97-AF65-F5344CB8AC3E}">
-        <p14:creationId xmlns:p14="http://schemas.microsoft.com/office/powerpoint/2010/main" xmlns="" val="2610097957"/>
+        <p14:creationId xmlns="" xmlns:p14="http://schemas.microsoft.com/office/powerpoint/2010/main" val="2610097957"/>
       </p:ext>
     </p:extLst>
   </p:cSld>
@@ -3445,7 +3445,7 @@
     </p:spTree>
     <p:extLst>
       <p:ext uri="{BB962C8B-B14F-4D97-AF65-F5344CB8AC3E}">
-        <p14:creationId xmlns:p14="http://schemas.microsoft.com/office/powerpoint/2010/main" xmlns="" val="2116472317"/>
+        <p14:creationId xmlns="" xmlns:p14="http://schemas.microsoft.com/office/powerpoint/2010/main" val="2116472317"/>
       </p:ext>
     </p:extLst>
   </p:cSld>
@@ -3530,7 +3530,7 @@
     </p:spTree>
     <p:extLst>
       <p:ext uri="{BB962C8B-B14F-4D97-AF65-F5344CB8AC3E}">
-        <p14:creationId xmlns:p14="http://schemas.microsoft.com/office/powerpoint/2010/main" xmlns="" val="1781943433"/>
+        <p14:creationId xmlns="" xmlns:p14="http://schemas.microsoft.com/office/powerpoint/2010/main" val="1781943433"/>
       </p:ext>
     </p:extLst>
   </p:cSld>
@@ -3615,7 +3615,7 @@
     </p:spTree>
     <p:extLst>
       <p:ext uri="{BB962C8B-B14F-4D97-AF65-F5344CB8AC3E}">
-        <p14:creationId xmlns:p14="http://schemas.microsoft.com/office/powerpoint/2010/main" xmlns="" val="1627391822"/>
+        <p14:creationId xmlns="" xmlns:p14="http://schemas.microsoft.com/office/powerpoint/2010/main" val="1627391822"/>
       </p:ext>
     </p:extLst>
   </p:cSld>
@@ -4271,7 +4271,7 @@
     </p:spTree>
     <p:extLst>
       <p:ext uri="{BB962C8B-B14F-4D97-AF65-F5344CB8AC3E}">
-        <p14:creationId xmlns:p14="http://schemas.microsoft.com/office/powerpoint/2010/main" xmlns="" val="517533983"/>
+        <p14:creationId xmlns="" xmlns:p14="http://schemas.microsoft.com/office/powerpoint/2010/main" val="517533983"/>
       </p:ext>
     </p:extLst>
   </p:cSld>
@@ -4467,19 +4467,7 @@
                 <a:ea typeface="+mn-ea"/>
                 <a:cs typeface="+mn-cs"/>
               </a:rPr>
-              <a:t>Mehrwerte</a:t>
-            </a:r>
-            <a:r>
-              <a:rPr lang="de-DE" sz="1200" kern="1200" dirty="0" smtClean="0">
-                <a:solidFill>
-                  <a:schemeClr val="tx1"/>
-                </a:solidFill>
-                <a:effectLst/>
-                <a:latin typeface="+mn-lt"/>
-                <a:ea typeface="+mn-ea"/>
-                <a:cs typeface="+mn-cs"/>
-              </a:rPr>
-              <a:t>:</a:t>
+              <a:t>Mehrwerte:</a:t>
             </a:r>
           </a:p>
           <a:p>
@@ -4507,29 +4495,8 @@
                 <a:ea typeface="+mn-ea"/>
                 <a:cs typeface="+mn-cs"/>
               </a:rPr>
-              <a:t>Vernetzung </a:t>
-            </a:r>
-            <a:r>
-              <a:rPr lang="de-DE" sz="1200" kern="1200" dirty="0" smtClean="0">
-                <a:solidFill>
-                  <a:schemeClr val="tx1"/>
-                </a:solidFill>
-                <a:effectLst/>
-                <a:latin typeface="+mn-lt"/>
-                <a:ea typeface="+mn-ea"/>
-                <a:cs typeface="+mn-cs"/>
-              </a:rPr>
-              <a:t>von Personen mit gleicher Interessen </a:t>
-            </a:r>
-            <a:endParaRPr lang="de-DE" sz="1200" kern="1200" dirty="0" smtClean="0">
-              <a:solidFill>
-                <a:schemeClr val="tx1"/>
-              </a:solidFill>
-              <a:effectLst/>
-              <a:latin typeface="+mn-lt"/>
-              <a:ea typeface="+mn-ea"/>
-              <a:cs typeface="+mn-cs"/>
-            </a:endParaRPr>
+              <a:t>Vernetzung von Personen mit gleicher Interessen </a:t>
+            </a:r>
           </a:p>
           <a:p>
             <a:endParaRPr lang="de-DE" sz="1200" kern="1200" dirty="0" smtClean="0">
@@ -4610,15 +4577,6 @@
               </a:rPr>
               <a:t>-Service </a:t>
             </a:r>
-            <a:endParaRPr lang="de-DE" sz="1200" kern="1200" dirty="0" smtClean="0">
-              <a:solidFill>
-                <a:schemeClr val="tx1"/>
-              </a:solidFill>
-              <a:effectLst/>
-              <a:latin typeface="+mn-lt"/>
-              <a:ea typeface="+mn-ea"/>
-              <a:cs typeface="+mn-cs"/>
-            </a:endParaRPr>
           </a:p>
           <a:p>
             <a:r>
@@ -4711,7 +4669,7 @@
     </p:spTree>
     <p:extLst>
       <p:ext uri="{BB962C8B-B14F-4D97-AF65-F5344CB8AC3E}">
-        <p14:creationId xmlns:p14="http://schemas.microsoft.com/office/powerpoint/2010/main" xmlns="" val="3860513045"/>
+        <p14:creationId xmlns="" xmlns:p14="http://schemas.microsoft.com/office/powerpoint/2010/main" val="3860513045"/>
       </p:ext>
     </p:extLst>
   </p:cSld>
@@ -4830,19 +4788,7 @@
               <a:rPr lang="de-DE" baseline="0" dirty="0" smtClean="0">
                 <a:sym typeface="Wingdings" pitchFamily="2" charset="2"/>
               </a:rPr>
-              <a:t> ist jetzt </a:t>
-            </a:r>
-            <a:r>
-              <a:rPr lang="de-DE" baseline="0" dirty="0" smtClean="0">
-                <a:sym typeface="Wingdings" pitchFamily="2" charset="2"/>
-              </a:rPr>
-              <a:t>final </a:t>
-            </a:r>
-            <a:r>
-              <a:rPr lang="de-DE" baseline="0" dirty="0" smtClean="0">
-                <a:sym typeface="Wingdings" pitchFamily="2" charset="2"/>
-              </a:rPr>
-              <a:t>(1.0) aber Änderungen sind nicht auszuschließen</a:t>
+              <a:t> ist jetzt final (1.0) aber Änderungen sind nicht auszuschließen</a:t>
             </a:r>
           </a:p>
           <a:p>
@@ -5044,15 +4990,7 @@
           <a:p>
             <a:r>
               <a:rPr lang="de-DE" dirty="0" smtClean="0"/>
-              <a:t>Aufgrund der Enge des Zeitplans jeweils zwei </a:t>
-            </a:r>
-            <a:r>
-              <a:rPr lang="de-DE" dirty="0" smtClean="0"/>
-              <a:t>Iterationen </a:t>
-            </a:r>
-            <a:r>
-              <a:rPr lang="de-DE" dirty="0" smtClean="0"/>
-              <a:t>mit</a:t>
+              <a:t>Aufgrund der Enge des Zeitplans jeweils zwei Iterationen mit</a:t>
             </a:r>
             <a:r>
               <a:rPr lang="de-DE" baseline="0" dirty="0" smtClean="0"/>
@@ -5068,15 +5006,7 @@
           <a:p>
             <a:r>
               <a:rPr lang="de-DE" baseline="0" dirty="0" smtClean="0"/>
-              <a:t>Ziel: 11.06. eine prototypische </a:t>
-            </a:r>
-            <a:r>
-              <a:rPr lang="de-DE" baseline="0" dirty="0" smtClean="0"/>
-              <a:t>Implementierung </a:t>
-            </a:r>
-            <a:r>
-              <a:rPr lang="de-DE" baseline="0" dirty="0" smtClean="0"/>
-              <a:t>der Plattform fertigstellen</a:t>
+              <a:t>Ziel: 11.06. eine prototypische Implementierung der Plattform fertigstellen</a:t>
             </a:r>
             <a:endParaRPr lang="de-DE" dirty="0"/>
           </a:p>
@@ -5109,7 +5039,7 @@
     </p:spTree>
     <p:extLst>
       <p:ext uri="{BB962C8B-B14F-4D97-AF65-F5344CB8AC3E}">
-        <p14:creationId xmlns:p14="http://schemas.microsoft.com/office/powerpoint/2010/main" xmlns="" val="3931682397"/>
+        <p14:creationId xmlns="" xmlns:p14="http://schemas.microsoft.com/office/powerpoint/2010/main" val="3931682397"/>
       </p:ext>
     </p:extLst>
   </p:cSld>
@@ -5317,7 +5247,7 @@
     </p:spTree>
     <p:extLst>
       <p:ext uri="{BB962C8B-B14F-4D97-AF65-F5344CB8AC3E}">
-        <p14:creationId xmlns:p14="http://schemas.microsoft.com/office/powerpoint/2010/main" xmlns="" val="1332097542"/>
+        <p14:creationId xmlns="" xmlns:p14="http://schemas.microsoft.com/office/powerpoint/2010/main" val="1332097542"/>
       </p:ext>
     </p:extLst>
   </p:cSld>
@@ -5647,7 +5577,7 @@
     </p:spTree>
     <p:extLst>
       <p:ext uri="{BB962C8B-B14F-4D97-AF65-F5344CB8AC3E}">
-        <p14:creationId xmlns:p14="http://schemas.microsoft.com/office/powerpoint/2010/main" xmlns="" val="4015341966"/>
+        <p14:creationId xmlns="" xmlns:p14="http://schemas.microsoft.com/office/powerpoint/2010/main" val="4015341966"/>
       </p:ext>
     </p:extLst>
   </p:cSld>
@@ -9887,7 +9817,7 @@
           <a:blip r:embed="rId13" cstate="print">
             <a:extLst>
               <a:ext uri="{28A0092B-C50C-407E-A947-70E740481C1C}">
-                <a14:useLocalDpi xmlns:a14="http://schemas.microsoft.com/office/drawing/2010/main" xmlns="" val="0"/>
+                <a14:useLocalDpi xmlns="" xmlns:a14="http://schemas.microsoft.com/office/drawing/2010/main" val="0"/>
               </a:ext>
             </a:extLst>
           </a:blip>
@@ -10358,7 +10288,7 @@
           <a:blip r:embed="rId3" cstate="print">
             <a:extLst>
               <a:ext uri="{28A0092B-C50C-407E-A947-70E740481C1C}">
-                <a14:useLocalDpi xmlns:a14="http://schemas.microsoft.com/office/drawing/2010/main" xmlns="" val="0"/>
+                <a14:useLocalDpi xmlns="" xmlns:a14="http://schemas.microsoft.com/office/drawing/2010/main" val="0"/>
               </a:ext>
             </a:extLst>
           </a:blip>
@@ -10388,7 +10318,7 @@
           <a:blip r:embed="rId4" cstate="print">
             <a:extLst>
               <a:ext uri="{28A0092B-C50C-407E-A947-70E740481C1C}">
-                <a14:useLocalDpi xmlns:a14="http://schemas.microsoft.com/office/drawing/2010/main" xmlns="" val="0"/>
+                <a14:useLocalDpi xmlns="" xmlns:a14="http://schemas.microsoft.com/office/drawing/2010/main" val="0"/>
               </a:ext>
             </a:extLst>
           </a:blip>
@@ -10626,7 +10556,7 @@
     </p:spTree>
     <p:extLst>
       <p:ext uri="{BB962C8B-B14F-4D97-AF65-F5344CB8AC3E}">
-        <p14:creationId xmlns:p14="http://schemas.microsoft.com/office/powerpoint/2010/main" xmlns="" val="3738851768"/>
+        <p14:creationId xmlns="" xmlns:p14="http://schemas.microsoft.com/office/powerpoint/2010/main" val="3738851768"/>
       </p:ext>
     </p:extLst>
   </p:cSld>
@@ -10902,7 +10832,7 @@
     </p:spTree>
     <p:extLst>
       <p:ext uri="{BB962C8B-B14F-4D97-AF65-F5344CB8AC3E}">
-        <p14:creationId xmlns:p14="http://schemas.microsoft.com/office/powerpoint/2010/main" xmlns="" val="2298652147"/>
+        <p14:creationId xmlns="" xmlns:p14="http://schemas.microsoft.com/office/powerpoint/2010/main" val="2298652147"/>
       </p:ext>
     </p:extLst>
   </p:cSld>
@@ -11354,7 +11284,7 @@
     </p:spTree>
     <p:extLst>
       <p:ext uri="{BB962C8B-B14F-4D97-AF65-F5344CB8AC3E}">
-        <p14:creationId xmlns:p14="http://schemas.microsoft.com/office/powerpoint/2010/main" xmlns="" val="2896549988"/>
+        <p14:creationId xmlns="" xmlns:p14="http://schemas.microsoft.com/office/powerpoint/2010/main" val="2896549988"/>
       </p:ext>
     </p:extLst>
   </p:cSld>
@@ -11639,7 +11569,7 @@
           <a:blip r:embed="rId3" cstate="print">
             <a:extLst>
               <a:ext uri="{28A0092B-C50C-407E-A947-70E740481C1C}">
-                <a14:useLocalDpi xmlns:a14="http://schemas.microsoft.com/office/drawing/2010/main" xmlns="" val="0"/>
+                <a14:useLocalDpi xmlns="" xmlns:a14="http://schemas.microsoft.com/office/drawing/2010/main" val="0"/>
               </a:ext>
             </a:extLst>
           </a:blip>
@@ -11663,14 +11593,14 @@
           <a:effectLst/>
           <a:extLst>
             <a:ext uri="{909E8E84-426E-40DD-AFC4-6F175D3DCCD1}">
-              <a14:hiddenFill xmlns:a14="http://schemas.microsoft.com/office/drawing/2010/main" xmlns="">
+              <a14:hiddenFill xmlns="" xmlns:a14="http://schemas.microsoft.com/office/drawing/2010/main">
                 <a:solidFill>
                   <a:schemeClr val="accent1"/>
                 </a:solidFill>
               </a14:hiddenFill>
             </a:ext>
             <a:ext uri="{91240B29-F687-4F45-9708-019B960494DF}">
-              <a14:hiddenLine xmlns:a14="http://schemas.microsoft.com/office/drawing/2010/main" xmlns="" w="9525">
+              <a14:hiddenLine xmlns="" xmlns:a14="http://schemas.microsoft.com/office/drawing/2010/main" w="9525">
                 <a:solidFill>
                   <a:schemeClr val="tx1"/>
                 </a:solidFill>
@@ -11680,7 +11610,7 @@
               </a14:hiddenLine>
             </a:ext>
             <a:ext uri="{AF507438-7753-43E0-B8FC-AC1667EBCBE1}">
-              <a14:hiddenEffects xmlns:a14="http://schemas.microsoft.com/office/drawing/2010/main" xmlns="">
+              <a14:hiddenEffects xmlns="" xmlns:a14="http://schemas.microsoft.com/office/drawing/2010/main">
                 <a:effectLst>
                   <a:outerShdw dist="35921" dir="2700000" algn="ctr" rotWithShape="0">
                     <a:schemeClr val="bg2"/>
@@ -11694,7 +11624,7 @@
     </p:spTree>
     <p:extLst>
       <p:ext uri="{BB962C8B-B14F-4D97-AF65-F5344CB8AC3E}">
-        <p14:creationId xmlns:p14="http://schemas.microsoft.com/office/powerpoint/2010/main" xmlns="" val="1245381784"/>
+        <p14:creationId xmlns="" xmlns:p14="http://schemas.microsoft.com/office/powerpoint/2010/main" val="1245381784"/>
       </p:ext>
     </p:extLst>
   </p:cSld>
@@ -11970,7 +11900,7 @@
     </p:spTree>
     <p:extLst>
       <p:ext uri="{BB962C8B-B14F-4D97-AF65-F5344CB8AC3E}">
-        <p14:creationId xmlns:p14="http://schemas.microsoft.com/office/powerpoint/2010/main" xmlns="" val="1985017572"/>
+        <p14:creationId xmlns="" xmlns:p14="http://schemas.microsoft.com/office/powerpoint/2010/main" val="1985017572"/>
       </p:ext>
     </p:extLst>
   </p:cSld>
@@ -12202,7 +12132,7 @@
     </p:spTree>
     <p:extLst>
       <p:ext uri="{BB962C8B-B14F-4D97-AF65-F5344CB8AC3E}">
-        <p14:creationId xmlns:p14="http://schemas.microsoft.com/office/powerpoint/2010/main" xmlns="" val="937201037"/>
+        <p14:creationId xmlns="" xmlns:p14="http://schemas.microsoft.com/office/powerpoint/2010/main" val="937201037"/>
       </p:ext>
     </p:extLst>
   </p:cSld>
@@ -12478,7 +12408,7 @@
     </p:spTree>
     <p:extLst>
       <p:ext uri="{BB962C8B-B14F-4D97-AF65-F5344CB8AC3E}">
-        <p14:creationId xmlns:p14="http://schemas.microsoft.com/office/powerpoint/2010/main" xmlns="" val="2116476924"/>
+        <p14:creationId xmlns="" xmlns:p14="http://schemas.microsoft.com/office/powerpoint/2010/main" val="2116476924"/>
       </p:ext>
     </p:extLst>
   </p:cSld>
@@ -12754,7 +12684,7 @@
     </p:spTree>
     <p:extLst>
       <p:ext uri="{BB962C8B-B14F-4D97-AF65-F5344CB8AC3E}">
-        <p14:creationId xmlns:p14="http://schemas.microsoft.com/office/powerpoint/2010/main" xmlns="" val="3445806666"/>
+        <p14:creationId xmlns="" xmlns:p14="http://schemas.microsoft.com/office/powerpoint/2010/main" val="3445806666"/>
       </p:ext>
     </p:extLst>
   </p:cSld>
@@ -13030,7 +12960,7 @@
     </p:spTree>
     <p:extLst>
       <p:ext uri="{BB962C8B-B14F-4D97-AF65-F5344CB8AC3E}">
-        <p14:creationId xmlns:p14="http://schemas.microsoft.com/office/powerpoint/2010/main" xmlns="" val="3445806666"/>
+        <p14:creationId xmlns="" xmlns:p14="http://schemas.microsoft.com/office/powerpoint/2010/main" val="3445806666"/>
       </p:ext>
     </p:extLst>
   </p:cSld>
@@ -13265,7 +13195,7 @@
     </p:spTree>
     <p:extLst>
       <p:ext uri="{BB962C8B-B14F-4D97-AF65-F5344CB8AC3E}">
-        <p14:creationId xmlns:p14="http://schemas.microsoft.com/office/powerpoint/2010/main" xmlns="" val="1623903760"/>
+        <p14:creationId xmlns="" xmlns:p14="http://schemas.microsoft.com/office/powerpoint/2010/main" val="1623903760"/>
       </p:ext>
     </p:extLst>
   </p:cSld>
@@ -13342,7 +13272,6 @@
               <a:rPr lang="de-DE" dirty="0" smtClean="0"/>
               <a:t>Projektsteckbrief</a:t>
             </a:r>
-            <a:endParaRPr lang="de-DE" dirty="0" smtClean="0"/>
           </a:p>
           <a:p>
             <a:r>
@@ -13361,7 +13290,6 @@
               <a:rPr lang="de-DE" dirty="0" smtClean="0"/>
               <a:t>Architekturentscheidungen</a:t>
             </a:r>
-            <a:endParaRPr lang="de-DE" dirty="0" smtClean="0"/>
           </a:p>
           <a:p>
             <a:pPr lvl="0">
@@ -13510,7 +13438,7 @@
     </p:spTree>
     <p:extLst>
       <p:ext uri="{BB962C8B-B14F-4D97-AF65-F5344CB8AC3E}">
-        <p14:creationId xmlns:p14="http://schemas.microsoft.com/office/powerpoint/2010/main" xmlns="" val="3616670450"/>
+        <p14:creationId xmlns="" xmlns:p14="http://schemas.microsoft.com/office/powerpoint/2010/main" val="3616670450"/>
       </p:ext>
     </p:extLst>
   </p:cSld>
@@ -13786,7 +13714,7 @@
     </p:spTree>
     <p:extLst>
       <p:ext uri="{BB962C8B-B14F-4D97-AF65-F5344CB8AC3E}">
-        <p14:creationId xmlns:p14="http://schemas.microsoft.com/office/powerpoint/2010/main" xmlns="" val="3445806666"/>
+        <p14:creationId xmlns="" xmlns:p14="http://schemas.microsoft.com/office/powerpoint/2010/main" val="3445806666"/>
       </p:ext>
     </p:extLst>
   </p:cSld>
@@ -13942,7 +13870,7 @@
     </p:spTree>
     <p:extLst>
       <p:ext uri="{BB962C8B-B14F-4D97-AF65-F5344CB8AC3E}">
-        <p14:creationId xmlns:p14="http://schemas.microsoft.com/office/powerpoint/2010/main" xmlns="" val="3437731525"/>
+        <p14:creationId xmlns="" xmlns:p14="http://schemas.microsoft.com/office/powerpoint/2010/main" val="3437731525"/>
       </p:ext>
     </p:extLst>
   </p:cSld>
@@ -14218,7 +14146,7 @@
     </p:spTree>
     <p:extLst>
       <p:ext uri="{BB962C8B-B14F-4D97-AF65-F5344CB8AC3E}">
-        <p14:creationId xmlns:p14="http://schemas.microsoft.com/office/powerpoint/2010/main" xmlns="" val="3445806666"/>
+        <p14:creationId xmlns="" xmlns:p14="http://schemas.microsoft.com/office/powerpoint/2010/main" val="3445806666"/>
       </p:ext>
     </p:extLst>
   </p:cSld>
@@ -14281,25 +14209,6 @@
       </p:sp>
       <p:sp>
         <p:nvSpPr>
-          <p:cNvPr id="3" name="Inhaltsplatzhalter 2"/>
-          <p:cNvSpPr>
-            <a:spLocks noGrp="1"/>
-          </p:cNvSpPr>
-          <p:nvPr>
-            <p:ph idx="1"/>
-          </p:nvPr>
-        </p:nvSpPr>
-        <p:spPr/>
-        <p:txBody>
-          <a:bodyPr/>
-          <a:lstStyle/>
-          <a:p>
-            <a:endParaRPr lang="de-DE" dirty="0"/>
-          </a:p>
-        </p:txBody>
-      </p:sp>
-      <p:sp>
-        <p:nvSpPr>
           <p:cNvPr id="4" name="Datumsplatzhalter 3"/>
           <p:cNvSpPr>
             <a:spLocks noGrp="1"/>
@@ -14370,7 +14279,7 @@
       </p:sp>
       <p:pic>
         <p:nvPicPr>
-          <p:cNvPr id="4098" name="Picture 2" descr="C:\Users\Alexander\Desktop\Neuer Ordner\IMAG0169.jpg"/>
+          <p:cNvPr id="1026" name="Picture 2"/>
           <p:cNvPicPr>
             <a:picLocks noChangeAspect="1" noChangeArrowheads="1"/>
           </p:cNvPicPr>
@@ -14385,13 +14294,115 @@
         </p:blipFill>
         <p:spPr bwMode="auto">
           <a:xfrm>
-            <a:off x="1547664" y="1196752"/>
-            <a:ext cx="3168000" cy="5290892"/>
+            <a:off x="395536" y="1340768"/>
+            <a:ext cx="3038475" cy="1390650"/>
           </a:xfrm>
           <a:prstGeom prst="rect">
             <a:avLst/>
           </a:prstGeom>
           <a:noFill/>
+          <a:ln w="9525">
+            <a:noFill/>
+            <a:miter lim="800000"/>
+            <a:headEnd/>
+            <a:tailEnd/>
+          </a:ln>
+        </p:spPr>
+      </p:pic>
+      <p:pic>
+        <p:nvPicPr>
+          <p:cNvPr id="1027" name="Picture 3"/>
+          <p:cNvPicPr>
+            <a:picLocks noChangeAspect="1" noChangeArrowheads="1"/>
+          </p:cNvPicPr>
+          <p:nvPr/>
+        </p:nvPicPr>
+        <p:blipFill>
+          <a:blip r:embed="rId3" cstate="print"/>
+          <a:srcRect/>
+          <a:stretch>
+            <a:fillRect/>
+          </a:stretch>
+        </p:blipFill>
+        <p:spPr bwMode="auto">
+          <a:xfrm>
+            <a:off x="4716016" y="1772816"/>
+            <a:ext cx="3038475" cy="1343025"/>
+          </a:xfrm>
+          <a:prstGeom prst="rect">
+            <a:avLst/>
+          </a:prstGeom>
+          <a:noFill/>
+          <a:ln w="9525">
+            <a:noFill/>
+            <a:miter lim="800000"/>
+            <a:headEnd/>
+            <a:tailEnd/>
+          </a:ln>
+        </p:spPr>
+      </p:pic>
+      <p:pic>
+        <p:nvPicPr>
+          <p:cNvPr id="1029" name="Picture 5"/>
+          <p:cNvPicPr>
+            <a:picLocks noChangeAspect="1" noChangeArrowheads="1"/>
+          </p:cNvPicPr>
+          <p:nvPr/>
+        </p:nvPicPr>
+        <p:blipFill>
+          <a:blip r:embed="rId4" cstate="print"/>
+          <a:srcRect/>
+          <a:stretch>
+            <a:fillRect/>
+          </a:stretch>
+        </p:blipFill>
+        <p:spPr bwMode="auto">
+          <a:xfrm>
+            <a:off x="4371975" y="3356992"/>
+            <a:ext cx="4772025" cy="2971800"/>
+          </a:xfrm>
+          <a:prstGeom prst="rect">
+            <a:avLst/>
+          </a:prstGeom>
+          <a:noFill/>
+          <a:ln w="9525">
+            <a:noFill/>
+            <a:miter lim="800000"/>
+            <a:headEnd/>
+            <a:tailEnd/>
+          </a:ln>
+        </p:spPr>
+      </p:pic>
+      <p:pic>
+        <p:nvPicPr>
+          <p:cNvPr id="1030" name="Picture 6"/>
+          <p:cNvPicPr>
+            <a:picLocks noChangeAspect="1" noChangeArrowheads="1"/>
+          </p:cNvPicPr>
+          <p:nvPr/>
+        </p:nvPicPr>
+        <p:blipFill>
+          <a:blip r:embed="rId5" cstate="print"/>
+          <a:srcRect/>
+          <a:stretch>
+            <a:fillRect/>
+          </a:stretch>
+        </p:blipFill>
+        <p:spPr bwMode="auto">
+          <a:xfrm>
+            <a:off x="0" y="3284984"/>
+            <a:ext cx="4495800" cy="2838450"/>
+          </a:xfrm>
+          <a:prstGeom prst="rect">
+            <a:avLst/>
+          </a:prstGeom>
+          <a:noFill/>
+          <a:ln w="9525">
+            <a:noFill/>
+            <a:miter lim="800000"/>
+            <a:headEnd/>
+            <a:tailEnd/>
+          </a:ln>
         </p:spPr>
       </p:pic>
     </p:spTree>
@@ -14486,11 +14497,7 @@
             </a:r>
             <a:r>
               <a:rPr lang="de-DE" dirty="0" smtClean="0"/>
-              <a:t> </a:t>
-            </a:r>
-            <a:r>
-              <a:rPr lang="de-DE" dirty="0" smtClean="0"/>
-              <a:t> (Pflichtenheft)</a:t>
+              <a:t>  (Pflichtenheft)</a:t>
             </a:r>
           </a:p>
           <a:p>
@@ -14519,11 +14526,7 @@
             </a:br>
             <a:r>
               <a:rPr lang="de-DE" dirty="0" smtClean="0"/>
-              <a:t>(</a:t>
-            </a:r>
-            <a:r>
-              <a:rPr lang="de-DE" dirty="0" smtClean="0"/>
-              <a:t>Architekturkonzeption)</a:t>
+              <a:t>(Architekturkonzeption)</a:t>
             </a:r>
           </a:p>
           <a:p>
@@ -14546,7 +14549,6 @@
               <a:rPr lang="de-DE" dirty="0" smtClean="0"/>
               <a:t>Peer-Review</a:t>
             </a:r>
-            <a:endParaRPr lang="de-DE" dirty="0" smtClean="0"/>
           </a:p>
           <a:p>
             <a:pPr lvl="1"/>
@@ -14627,7 +14629,7 @@
     </p:spTree>
     <p:extLst>
       <p:ext uri="{BB962C8B-B14F-4D97-AF65-F5344CB8AC3E}">
-        <p14:creationId xmlns:p14="http://schemas.microsoft.com/office/powerpoint/2010/main" xmlns="" val="3552390406"/>
+        <p14:creationId xmlns="" xmlns:p14="http://schemas.microsoft.com/office/powerpoint/2010/main" val="3552390406"/>
       </p:ext>
     </p:extLst>
   </p:cSld>
@@ -14882,7 +14884,7 @@
     </p:spTree>
     <p:extLst>
       <p:ext uri="{BB962C8B-B14F-4D97-AF65-F5344CB8AC3E}">
-        <p14:creationId xmlns:p14="http://schemas.microsoft.com/office/powerpoint/2010/main" xmlns="" val="2857272158"/>
+        <p14:creationId xmlns="" xmlns:p14="http://schemas.microsoft.com/office/powerpoint/2010/main" val="2857272158"/>
       </p:ext>
     </p:extLst>
   </p:cSld>
@@ -15007,7 +15009,7 @@
           <p:nvPr>
             <p:extLst>
               <p:ext uri="{D42A27DB-BD31-4B8C-83A1-F6EECF244321}">
-                <p14:modId xmlns:p14="http://schemas.microsoft.com/office/powerpoint/2010/main" xmlns="" val="3006520327"/>
+                <p14:modId xmlns="" xmlns:p14="http://schemas.microsoft.com/office/powerpoint/2010/main" val="3006520327"/>
               </p:ext>
             </p:extLst>
           </p:nvPr>
@@ -15095,7 +15097,7 @@
     </p:spTree>
     <p:extLst>
       <p:ext uri="{BB962C8B-B14F-4D97-AF65-F5344CB8AC3E}">
-        <p14:creationId xmlns:p14="http://schemas.microsoft.com/office/powerpoint/2010/main" xmlns="" val="3976929176"/>
+        <p14:creationId xmlns="" xmlns:p14="http://schemas.microsoft.com/office/powerpoint/2010/main" val="3976929176"/>
       </p:ext>
     </p:extLst>
   </p:cSld>
@@ -15294,7 +15296,7 @@
     </p:spTree>
     <p:extLst>
       <p:ext uri="{BB962C8B-B14F-4D97-AF65-F5344CB8AC3E}">
-        <p14:creationId xmlns:p14="http://schemas.microsoft.com/office/powerpoint/2010/main" xmlns="" val="1690052742"/>
+        <p14:creationId xmlns="" xmlns:p14="http://schemas.microsoft.com/office/powerpoint/2010/main" val="1690052742"/>
       </p:ext>
     </p:extLst>
   </p:cSld>
@@ -15521,7 +15523,7 @@
     </p:spTree>
     <p:extLst>
       <p:ext uri="{BB962C8B-B14F-4D97-AF65-F5344CB8AC3E}">
-        <p14:creationId xmlns:p14="http://schemas.microsoft.com/office/powerpoint/2010/main" xmlns="" val="3138296042"/>
+        <p14:creationId xmlns="" xmlns:p14="http://schemas.microsoft.com/office/powerpoint/2010/main" val="3138296042"/>
       </p:ext>
     </p:extLst>
   </p:cSld>
@@ -15958,7 +15960,7 @@
     </p:spTree>
     <p:extLst>
       <p:ext uri="{BB962C8B-B14F-4D97-AF65-F5344CB8AC3E}">
-        <p14:creationId xmlns:p14="http://schemas.microsoft.com/office/powerpoint/2010/main" xmlns="" val="732863636"/>
+        <p14:creationId xmlns="" xmlns:p14="http://schemas.microsoft.com/office/powerpoint/2010/main" val="732863636"/>
       </p:ext>
     </p:extLst>
   </p:cSld>
@@ -16046,11 +16048,7 @@
             <a:pPr lvl="1"/>
             <a:r>
               <a:rPr lang="de-DE" dirty="0" smtClean="0"/>
-              <a:t>Werkzeug zur einfachen und effizienten Realisierung von </a:t>
-            </a:r>
-            <a:r>
-              <a:rPr lang="de-DE" dirty="0" smtClean="0"/>
-              <a:t>Java-Anwendungen</a:t>
+              <a:t>Werkzeug zur einfachen und effizienten Realisierung von Java-Anwendungen</a:t>
             </a:r>
           </a:p>
           <a:p>
@@ -16061,15 +16059,7 @@
             <a:pPr lvl="1"/>
             <a:r>
               <a:rPr lang="de-DE" dirty="0" smtClean="0"/>
-              <a:t>Verwendung von bekannten und verbreiteten Java-Techniken wie Spring, </a:t>
-            </a:r>
-            <a:r>
-              <a:rPr lang="de-DE" dirty="0" smtClean="0"/>
-              <a:t> dem </a:t>
-            </a:r>
-            <a:r>
-              <a:rPr lang="de-DE" dirty="0" smtClean="0"/>
-              <a:t>Java </a:t>
+              <a:t>Verwendung von bekannten und verbreiteten Java-Techniken wie Spring,  dem Java </a:t>
             </a:r>
             <a:r>
               <a:rPr lang="de-DE" dirty="0" err="1" smtClean="0"/>
@@ -16077,11 +16067,7 @@
             </a:r>
             <a:r>
               <a:rPr lang="de-DE" dirty="0" smtClean="0"/>
-              <a:t> API (JPA), </a:t>
-            </a:r>
-            <a:r>
-              <a:rPr lang="de-DE" dirty="0" smtClean="0"/>
-              <a:t> </a:t>
+              <a:t> API (JPA),  </a:t>
             </a:r>
             <a:r>
               <a:rPr lang="de-DE" dirty="0" err="1" smtClean="0"/>
@@ -16089,11 +16075,7 @@
             </a:r>
             <a:r>
               <a:rPr lang="de-DE" dirty="0" smtClean="0"/>
-              <a:t> </a:t>
-            </a:r>
-            <a:r>
-              <a:rPr lang="de-DE" dirty="0" smtClean="0"/>
-              <a:t>oder Googles Web </a:t>
+              <a:t> oder Googles Web </a:t>
             </a:r>
             <a:r>
               <a:rPr lang="de-DE" dirty="0" err="1" smtClean="0"/>
@@ -16101,11 +16083,7 @@
             </a:r>
             <a:r>
               <a:rPr lang="de-DE" dirty="0" smtClean="0"/>
-              <a:t> (GWT</a:t>
-            </a:r>
-            <a:r>
-              <a:rPr lang="de-DE" dirty="0" smtClean="0"/>
-              <a:t>)</a:t>
+              <a:t> (GWT)</a:t>
             </a:r>
           </a:p>
           <a:p>
@@ -16116,21 +16094,8 @@
             <a:pPr lvl="1"/>
             <a:r>
               <a:rPr lang="de-DE" dirty="0" smtClean="0"/>
-              <a:t>Konzentration auf </a:t>
-            </a:r>
-            <a:r>
-              <a:rPr lang="de-DE" dirty="0" smtClean="0"/>
-              <a:t>Entwicklungsprozess </a:t>
-            </a:r>
-            <a:r>
-              <a:rPr lang="de-DE" dirty="0" smtClean="0"/>
-              <a:t>und nicht auf </a:t>
-            </a:r>
-            <a:r>
-              <a:rPr lang="de-DE" dirty="0" smtClean="0"/>
-              <a:t>Implementierung</a:t>
-            </a:r>
-            <a:endParaRPr lang="de-DE" dirty="0" smtClean="0"/>
+              <a:t>Konzentration auf Entwicklungsprozess und nicht auf Implementierung</a:t>
+            </a:r>
           </a:p>
         </p:txBody>
       </p:sp>
@@ -16207,7 +16172,7 @@
     </p:spTree>
     <p:extLst>
       <p:ext uri="{BB962C8B-B14F-4D97-AF65-F5344CB8AC3E}">
-        <p14:creationId xmlns:p14="http://schemas.microsoft.com/office/powerpoint/2010/main" xmlns="" val="898376716"/>
+        <p14:creationId xmlns="" xmlns:p14="http://schemas.microsoft.com/office/powerpoint/2010/main" val="898376716"/>
       </p:ext>
     </p:extLst>
   </p:cSld>
@@ -16295,22 +16260,14 @@
             </a:r>
             <a:r>
               <a:rPr lang="de-DE" dirty="0" smtClean="0"/>
-              <a:t>-Relational </a:t>
-            </a:r>
-            <a:r>
-              <a:rPr lang="de-DE" dirty="0" smtClean="0"/>
-              <a:t>Mapping (ORM)</a:t>
+              <a:t>-Relational Mapping (ORM)</a:t>
             </a:r>
           </a:p>
           <a:p>
             <a:pPr lvl="1"/>
             <a:r>
               <a:rPr lang="de-DE" dirty="0" smtClean="0"/>
-              <a:t>Weite </a:t>
-            </a:r>
-            <a:r>
-              <a:rPr lang="de-DE" dirty="0" smtClean="0"/>
-              <a:t>Verbreitung</a:t>
+              <a:t>Weite Verbreitung</a:t>
             </a:r>
           </a:p>
           <a:p>
@@ -16420,7 +16377,7 @@
     </p:spTree>
     <p:extLst>
       <p:ext uri="{BB962C8B-B14F-4D97-AF65-F5344CB8AC3E}">
-        <p14:creationId xmlns:p14="http://schemas.microsoft.com/office/powerpoint/2010/main" xmlns="" val="1483896642"/>
+        <p14:creationId xmlns="" xmlns:p14="http://schemas.microsoft.com/office/powerpoint/2010/main" val="1483896642"/>
       </p:ext>
     </p:extLst>
   </p:cSld>

--- a/Dokumente/Zwischenstand zum 2012-04-21_v2.pptx
+++ b/Dokumente/Zwischenstand zum 2012-04-21_v2.pptx
@@ -5,7 +5,7 @@
     <p:sldMasterId id="2147483744" r:id="rId1"/>
   </p:sldMasterIdLst>
   <p:notesMasterIdLst>
-    <p:notesMasterId r:id="rId26"/>
+    <p:notesMasterId r:id="rId25"/>
   </p:notesMasterIdLst>
   <p:sldIdLst>
     <p:sldId id="256" r:id="rId2"/>
@@ -14,24 +14,23 @@
     <p:sldId id="261" r:id="rId5"/>
     <p:sldId id="262" r:id="rId6"/>
     <p:sldId id="263" r:id="rId7"/>
-    <p:sldId id="264" r:id="rId8"/>
-    <p:sldId id="265" r:id="rId9"/>
-    <p:sldId id="266" r:id="rId10"/>
-    <p:sldId id="267" r:id="rId11"/>
-    <p:sldId id="268" r:id="rId12"/>
-    <p:sldId id="269" r:id="rId13"/>
-    <p:sldId id="270" r:id="rId14"/>
-    <p:sldId id="272" r:id="rId15"/>
-    <p:sldId id="274" r:id="rId16"/>
-    <p:sldId id="275" r:id="rId17"/>
-    <p:sldId id="287" r:id="rId18"/>
-    <p:sldId id="277" r:id="rId19"/>
-    <p:sldId id="280" r:id="rId20"/>
-    <p:sldId id="285" r:id="rId21"/>
-    <p:sldId id="282" r:id="rId22"/>
-    <p:sldId id="286" r:id="rId23"/>
-    <p:sldId id="288" r:id="rId24"/>
-    <p:sldId id="284" r:id="rId25"/>
+    <p:sldId id="289" r:id="rId8"/>
+    <p:sldId id="267" r:id="rId9"/>
+    <p:sldId id="268" r:id="rId10"/>
+    <p:sldId id="269" r:id="rId11"/>
+    <p:sldId id="270" r:id="rId12"/>
+    <p:sldId id="272" r:id="rId13"/>
+    <p:sldId id="274" r:id="rId14"/>
+    <p:sldId id="275" r:id="rId15"/>
+    <p:sldId id="287" r:id="rId16"/>
+    <p:sldId id="277" r:id="rId17"/>
+    <p:sldId id="280" r:id="rId18"/>
+    <p:sldId id="285" r:id="rId19"/>
+    <p:sldId id="282" r:id="rId20"/>
+    <p:sldId id="286" r:id="rId21"/>
+    <p:sldId id="288" r:id="rId22"/>
+    <p:sldId id="284" r:id="rId23"/>
+    <p:sldId id="290" r:id="rId24"/>
   </p:sldIdLst>
   <p:sldSz cx="9144000" cy="6858000" type="screen4x3"/>
   <p:notesSz cx="6858000" cy="9144000"/>
@@ -1205,18 +1204,18 @@
     </dgm:pt>
   </dgm:ptLst>
   <dgm:cxnLst>
-    <dgm:cxn modelId="{8ACFE37D-5C85-4909-9759-7CC7AB616FCB}" type="presOf" srcId="{A2E957D4-B9A8-41E8-9B88-7B884721F996}" destId="{9AE0D100-B11F-4B8E-A83C-80C9BB67997D}" srcOrd="0" destOrd="0" presId="urn:microsoft.com/office/officeart/2005/8/layout/bProcess2"/>
-    <dgm:cxn modelId="{4D2D03B2-4767-452A-A48D-FF809EF37E3B}" srcId="{2076FC96-6453-4C6E-A8B1-022AF85EFBBD}" destId="{3A8DBD30-33F4-4BF2-A3E8-CE2DB89DAAF3}" srcOrd="1" destOrd="0" parTransId="{CEAC2244-9C24-451F-BB9E-136E8D8A7A0B}" sibTransId="{63BBCC2C-BF04-4F97-9FC9-0D509448B1C6}"/>
-    <dgm:cxn modelId="{4C86A151-9FA8-45B0-9501-F584F4EFF944}" type="presOf" srcId="{944B7687-9390-4A1A-858A-D031F080161B}" destId="{756AB1AC-5B51-4BBE-B2B1-6ABFB74C10C9}" srcOrd="0" destOrd="0" presId="urn:microsoft.com/office/officeart/2005/8/layout/bProcess2"/>
-    <dgm:cxn modelId="{E10C5AF5-8470-4875-B217-C5D2EC0BEE27}" srcId="{2076FC96-6453-4C6E-A8B1-022AF85EFBBD}" destId="{9FFECB61-C811-496D-9F12-F63AD9A2D9EE}" srcOrd="2" destOrd="0" parTransId="{0267A443-BEBA-47C3-B13F-1D20BE53CED2}" sibTransId="{81593B52-C0C7-4699-A542-14EF6A552710}"/>
-    <dgm:cxn modelId="{A212D928-0F90-4F12-A693-3F945F6E7078}" type="presOf" srcId="{63BBCC2C-BF04-4F97-9FC9-0D509448B1C6}" destId="{6E2E45EE-058C-4AFF-8701-838DE3D5016A}" srcOrd="0" destOrd="0" presId="urn:microsoft.com/office/officeart/2005/8/layout/bProcess2"/>
-    <dgm:cxn modelId="{F002DD15-70D4-4459-99EC-06E12C0BB70A}" type="presOf" srcId="{9FFECB61-C811-496D-9F12-F63AD9A2D9EE}" destId="{EFBF5D05-10BD-4B08-8E78-F6A085231E0E}" srcOrd="0" destOrd="0" presId="urn:microsoft.com/office/officeart/2005/8/layout/bProcess2"/>
-    <dgm:cxn modelId="{849DBC22-5687-459A-ABFD-5D5DD1793B84}" type="presOf" srcId="{2076FC96-6453-4C6E-A8B1-022AF85EFBBD}" destId="{4CB13BFB-EE5C-4952-BAC5-5317E8C7FD8A}" srcOrd="0" destOrd="0" presId="urn:microsoft.com/office/officeart/2005/8/layout/bProcess2"/>
-    <dgm:cxn modelId="{9A2D8CF7-8EB6-4A03-BC35-C2AFD8327B94}" type="presOf" srcId="{3A8DBD30-33F4-4BF2-A3E8-CE2DB89DAAF3}" destId="{AE9493EE-4C7D-46D0-A28C-7598159ACE40}" srcOrd="0" destOrd="0" presId="urn:microsoft.com/office/officeart/2005/8/layout/bProcess2"/>
-    <dgm:cxn modelId="{C0F0325B-5D94-4F8F-A19C-E342385C7A0C}" srcId="{2076FC96-6453-4C6E-A8B1-022AF85EFBBD}" destId="{D676ACFF-D864-4A74-BC08-FFF521911366}" srcOrd="3" destOrd="0" parTransId="{BC2BCB5C-0572-4291-A81A-4826CA359DAE}" sibTransId="{1C262E3B-E95B-4C81-A044-204E3F83EF9F}"/>
     <dgm:cxn modelId="{39710712-6FE3-476F-A0BC-24F557686F14}" srcId="{2076FC96-6453-4C6E-A8B1-022AF85EFBBD}" destId="{944B7687-9390-4A1A-858A-D031F080161B}" srcOrd="0" destOrd="0" parTransId="{388F90D2-8549-4567-8828-34D75B5A1121}" sibTransId="{A2E957D4-B9A8-41E8-9B88-7B884721F996}"/>
     <dgm:cxn modelId="{6083559D-1737-4D85-ADCE-67AAF989120F}" type="presOf" srcId="{D676ACFF-D864-4A74-BC08-FFF521911366}" destId="{FD93DD51-6B10-48A2-80F7-E1B001E1F8E7}" srcOrd="0" destOrd="0" presId="urn:microsoft.com/office/officeart/2005/8/layout/bProcess2"/>
+    <dgm:cxn modelId="{849DBC22-5687-459A-ABFD-5D5DD1793B84}" type="presOf" srcId="{2076FC96-6453-4C6E-A8B1-022AF85EFBBD}" destId="{4CB13BFB-EE5C-4952-BAC5-5317E8C7FD8A}" srcOrd="0" destOrd="0" presId="urn:microsoft.com/office/officeart/2005/8/layout/bProcess2"/>
     <dgm:cxn modelId="{7C756F47-C83B-414A-BA22-15AF6D2D8F5F}" type="presOf" srcId="{81593B52-C0C7-4699-A542-14EF6A552710}" destId="{4B16C956-3F43-4F0C-851B-7BEF2A858E05}" srcOrd="0" destOrd="0" presId="urn:microsoft.com/office/officeart/2005/8/layout/bProcess2"/>
+    <dgm:cxn modelId="{A212D928-0F90-4F12-A693-3F945F6E7078}" type="presOf" srcId="{63BBCC2C-BF04-4F97-9FC9-0D509448B1C6}" destId="{6E2E45EE-058C-4AFF-8701-838DE3D5016A}" srcOrd="0" destOrd="0" presId="urn:microsoft.com/office/officeart/2005/8/layout/bProcess2"/>
+    <dgm:cxn modelId="{C0F0325B-5D94-4F8F-A19C-E342385C7A0C}" srcId="{2076FC96-6453-4C6E-A8B1-022AF85EFBBD}" destId="{D676ACFF-D864-4A74-BC08-FFF521911366}" srcOrd="3" destOrd="0" parTransId="{BC2BCB5C-0572-4291-A81A-4826CA359DAE}" sibTransId="{1C262E3B-E95B-4C81-A044-204E3F83EF9F}"/>
+    <dgm:cxn modelId="{4C86A151-9FA8-45B0-9501-F584F4EFF944}" type="presOf" srcId="{944B7687-9390-4A1A-858A-D031F080161B}" destId="{756AB1AC-5B51-4BBE-B2B1-6ABFB74C10C9}" srcOrd="0" destOrd="0" presId="urn:microsoft.com/office/officeart/2005/8/layout/bProcess2"/>
+    <dgm:cxn modelId="{F002DD15-70D4-4459-99EC-06E12C0BB70A}" type="presOf" srcId="{9FFECB61-C811-496D-9F12-F63AD9A2D9EE}" destId="{EFBF5D05-10BD-4B08-8E78-F6A085231E0E}" srcOrd="0" destOrd="0" presId="urn:microsoft.com/office/officeart/2005/8/layout/bProcess2"/>
+    <dgm:cxn modelId="{9A2D8CF7-8EB6-4A03-BC35-C2AFD8327B94}" type="presOf" srcId="{3A8DBD30-33F4-4BF2-A3E8-CE2DB89DAAF3}" destId="{AE9493EE-4C7D-46D0-A28C-7598159ACE40}" srcOrd="0" destOrd="0" presId="urn:microsoft.com/office/officeart/2005/8/layout/bProcess2"/>
+    <dgm:cxn modelId="{E10C5AF5-8470-4875-B217-C5D2EC0BEE27}" srcId="{2076FC96-6453-4C6E-A8B1-022AF85EFBBD}" destId="{9FFECB61-C811-496D-9F12-F63AD9A2D9EE}" srcOrd="2" destOrd="0" parTransId="{0267A443-BEBA-47C3-B13F-1D20BE53CED2}" sibTransId="{81593B52-C0C7-4699-A542-14EF6A552710}"/>
+    <dgm:cxn modelId="{4D2D03B2-4767-452A-A48D-FF809EF37E3B}" srcId="{2076FC96-6453-4C6E-A8B1-022AF85EFBBD}" destId="{3A8DBD30-33F4-4BF2-A3E8-CE2DB89DAAF3}" srcOrd="1" destOrd="0" parTransId="{CEAC2244-9C24-451F-BB9E-136E8D8A7A0B}" sibTransId="{63BBCC2C-BF04-4F97-9FC9-0D509448B1C6}"/>
+    <dgm:cxn modelId="{8ACFE37D-5C85-4909-9759-7CC7AB616FCB}" type="presOf" srcId="{A2E957D4-B9A8-41E8-9B88-7B884721F996}" destId="{9AE0D100-B11F-4B8E-A83C-80C9BB67997D}" srcOrd="0" destOrd="0" presId="urn:microsoft.com/office/officeart/2005/8/layout/bProcess2"/>
     <dgm:cxn modelId="{2EF05FD6-D187-4F3D-A3CA-B345BBA7F54B}" type="presParOf" srcId="{4CB13BFB-EE5C-4952-BAC5-5317E8C7FD8A}" destId="{756AB1AC-5B51-4BBE-B2B1-6ABFB74C10C9}" srcOrd="0" destOrd="0" presId="urn:microsoft.com/office/officeart/2005/8/layout/bProcess2"/>
     <dgm:cxn modelId="{2FAB408C-15FB-47B5-8602-046936BBA666}" type="presParOf" srcId="{4CB13BFB-EE5C-4952-BAC5-5317E8C7FD8A}" destId="{9AE0D100-B11F-4B8E-A83C-80C9BB67997D}" srcOrd="1" destOrd="0" presId="urn:microsoft.com/office/officeart/2005/8/layout/bProcess2"/>
     <dgm:cxn modelId="{547DC9B5-B90D-413B-B96C-566FED317855}" type="presParOf" srcId="{4CB13BFB-EE5C-4952-BAC5-5317E8C7FD8A}" destId="{A25C0F81-5BB3-4973-8F78-DEA3ED62347C}" srcOrd="2" destOrd="0" presId="urn:microsoft.com/office/officeart/2005/8/layout/bProcess2"/>
@@ -1233,14 +1232,14 @@
   <dgm:whole/>
   <dgm:extLst>
     <a:ext uri="http://schemas.microsoft.com/office/drawing/2008/diagram">
-      <dsp:dataModelExt xmlns:dsp="http://schemas.microsoft.com/office/drawing/2008/diagram" xmlns="" relId="rId7" minVer="http://schemas.openxmlformats.org/drawingml/2006/diagram"/>
+      <dsp:dataModelExt xmlns:dsp="http://schemas.microsoft.com/office/drawing/2008/diagram" relId="rId7" minVer="http://schemas.openxmlformats.org/drawingml/2006/diagram"/>
     </a:ext>
   </dgm:extLst>
 </dgm:dataModel>
 </file>
 
 <file path=ppt/diagrams/drawing1.xml><?xml version="1.0" encoding="utf-8"?>
-<dsp:drawing xmlns:dgm="http://schemas.openxmlformats.org/drawingml/2006/diagram" xmlns:a="http://schemas.openxmlformats.org/drawingml/2006/main" xmlns:dsp="http://schemas.microsoft.com/office/drawing/2008/diagram">
+<dsp:drawing xmlns:dgm="http://schemas.openxmlformats.org/drawingml/2006/diagram" xmlns:dsp="http://schemas.microsoft.com/office/drawing/2008/diagram" xmlns:a="http://schemas.openxmlformats.org/drawingml/2006/main">
   <dsp:spTree>
     <dsp:nvGrpSpPr>
       <dsp:cNvPr id="0" name=""/>
@@ -3270,7 +3269,7 @@
     </p:spTree>
     <p:extLst>
       <p:ext uri="{BB962C8B-B14F-4D97-AF65-F5344CB8AC3E}">
-        <p14:creationId xmlns:p14="http://schemas.microsoft.com/office/powerpoint/2010/main" xmlns="" val="2610097957"/>
+        <p14:creationId xmlns:p14="http://schemas.microsoft.com/office/powerpoint/2010/main" val="2610097957"/>
       </p:ext>
     </p:extLst>
   </p:cSld>
@@ -3445,7 +3444,7 @@
     </p:spTree>
     <p:extLst>
       <p:ext uri="{BB962C8B-B14F-4D97-AF65-F5344CB8AC3E}">
-        <p14:creationId xmlns:p14="http://schemas.microsoft.com/office/powerpoint/2010/main" xmlns="" val="2116472317"/>
+        <p14:creationId xmlns:p14="http://schemas.microsoft.com/office/powerpoint/2010/main" val="2116472317"/>
       </p:ext>
     </p:extLst>
   </p:cSld>
@@ -3530,7 +3529,7 @@
     </p:spTree>
     <p:extLst>
       <p:ext uri="{BB962C8B-B14F-4D97-AF65-F5344CB8AC3E}">
-        <p14:creationId xmlns:p14="http://schemas.microsoft.com/office/powerpoint/2010/main" xmlns="" val="1781943433"/>
+        <p14:creationId xmlns:p14="http://schemas.microsoft.com/office/powerpoint/2010/main" val="1627391822"/>
       </p:ext>
     </p:extLst>
   </p:cSld>
@@ -3581,43 +3580,114 @@
         </p:nvSpPr>
         <p:spPr/>
         <p:txBody>
+          <a:bodyPr>
+            <a:normAutofit/>
+          </a:bodyPr>
+          <a:lstStyle/>
+          <a:p>
+            <a:r>
+              <a:rPr lang="de-DE" dirty="0" smtClean="0"/>
+              <a:t>Grundlegende </a:t>
+            </a:r>
+            <a:r>
+              <a:rPr lang="de-DE" dirty="0" err="1" smtClean="0"/>
+              <a:t>Risikoanlayse</a:t>
+            </a:r>
+            <a:r>
+              <a:rPr lang="de-DE" baseline="0" dirty="0" smtClean="0"/>
+              <a:t> durchgeführt</a:t>
+            </a:r>
+          </a:p>
+          <a:p>
+            <a:r>
+              <a:rPr lang="de-DE" baseline="0" dirty="0" smtClean="0"/>
+              <a:t> - Risiken Identifiziert </a:t>
+            </a:r>
+          </a:p>
+          <a:p>
+            <a:r>
+              <a:rPr lang="de-DE" baseline="0" dirty="0" smtClean="0"/>
+              <a:t> - klassifiziert nach Eintrittswahrscheinlichkeit (hoch, mittel, gering)</a:t>
+            </a:r>
+          </a:p>
+          <a:p>
+            <a:r>
+              <a:rPr lang="de-DE" baseline="0" dirty="0" smtClean="0"/>
+              <a:t> und Auswirkungen bewertet hinsichtlich des </a:t>
+            </a:r>
+            <a:r>
+              <a:rPr lang="de-DE" baseline="0" dirty="0" err="1" smtClean="0"/>
+              <a:t>Projektsverlauf</a:t>
+            </a:r>
+            <a:r>
+              <a:rPr lang="de-DE" baseline="0" dirty="0" smtClean="0"/>
+              <a:t> im Bezug auf</a:t>
+            </a:r>
+          </a:p>
+          <a:p>
+            <a:r>
+              <a:rPr lang="de-DE" baseline="0" dirty="0" smtClean="0"/>
+              <a:t>	magische Dreieck: Termin, Kosten (MA Ressourcen), Inhalt/Umfang (Qualität)</a:t>
+            </a:r>
+          </a:p>
+          <a:p>
+            <a:r>
+              <a:rPr lang="de-DE" baseline="0" dirty="0" smtClean="0"/>
+              <a:t>	dort jeweils wieder nach (hoch, mittel, gering)</a:t>
+            </a:r>
+          </a:p>
+          <a:p>
+            <a:endParaRPr lang="de-DE" baseline="0" dirty="0" smtClean="0"/>
+          </a:p>
+          <a:p>
+            <a:r>
+              <a:rPr lang="de-DE" dirty="0" smtClean="0"/>
+              <a:t> - Fokussierung der</a:t>
+            </a:r>
+            <a:r>
+              <a:rPr lang="de-DE" baseline="0" dirty="0" smtClean="0"/>
+              <a:t> Veranstaltung auf </a:t>
+            </a:r>
+            <a:r>
+              <a:rPr lang="de-DE" baseline="0" dirty="0" err="1" smtClean="0"/>
+              <a:t>SoftwareEntwicklungsProzess</a:t>
+            </a:r>
+            <a:r>
+              <a:rPr lang="de-DE" baseline="0" dirty="0" smtClean="0"/>
+              <a:t>, daher nicht weiter vertieft.</a:t>
+            </a:r>
+            <a:endParaRPr lang="de-DE" dirty="0" smtClean="0"/>
+          </a:p>
+          <a:p>
+            <a:endParaRPr lang="de-DE" dirty="0"/>
+          </a:p>
+        </p:txBody>
+      </p:sp>
+      <p:sp>
+        <p:nvSpPr>
+          <p:cNvPr id="4" name="Foliennummernplatzhalter 3"/>
+          <p:cNvSpPr>
+            <a:spLocks noGrp="1"/>
+          </p:cNvSpPr>
+          <p:nvPr>
+            <p:ph type="sldNum" sz="quarter" idx="10"/>
+          </p:nvPr>
+        </p:nvSpPr>
+        <p:spPr/>
+        <p:txBody>
           <a:bodyPr/>
           <a:lstStyle/>
           <a:p>
-            <a:endParaRPr lang="de-DE" dirty="0"/>
-          </a:p>
-        </p:txBody>
-      </p:sp>
-      <p:sp>
-        <p:nvSpPr>
-          <p:cNvPr id="4" name="Foliennummernplatzhalter 3"/>
-          <p:cNvSpPr>
-            <a:spLocks noGrp="1"/>
-          </p:cNvSpPr>
-          <p:nvPr>
-            <p:ph type="sldNum" sz="quarter" idx="10"/>
-          </p:nvPr>
-        </p:nvSpPr>
-        <p:spPr/>
-        <p:txBody>
-          <a:bodyPr/>
-          <a:lstStyle/>
-          <a:p>
-            <a:fld id="{F7EBFB8C-BBFF-4397-A51C-1E92596422A9}" type="slidenum">
-              <a:rPr lang="en-US" smtClean="0"/>
+            <a:fld id="{1EBFF01C-F984-4A51-AF10-254043F7C542}" type="slidenum">
+              <a:rPr lang="de-DE" smtClean="0"/>
               <a:pPr/>
-              <a:t>15</a:t>
+              <a:t>14</a:t>
             </a:fld>
-            <a:endParaRPr lang="en-US" dirty="0"/>
+            <a:endParaRPr lang="de-DE"/>
           </a:p>
         </p:txBody>
       </p:sp>
     </p:spTree>
-    <p:extLst>
-      <p:ext uri="{BB962C8B-B14F-4D97-AF65-F5344CB8AC3E}">
-        <p14:creationId xmlns:p14="http://schemas.microsoft.com/office/powerpoint/2010/main" xmlns="" val="1627391822"/>
-      </p:ext>
-    </p:extLst>
   </p:cSld>
   <p:clrMapOvr>
     <a:masterClrMapping/>
@@ -3666,114 +3736,116 @@
         </p:nvSpPr>
         <p:spPr/>
         <p:txBody>
-          <a:bodyPr>
-            <a:normAutofit/>
-          </a:bodyPr>
-          <a:lstStyle/>
-          <a:p>
-            <a:r>
-              <a:rPr lang="de-DE" dirty="0" smtClean="0"/>
-              <a:t>Grundlegende </a:t>
-            </a:r>
-            <a:r>
-              <a:rPr lang="de-DE" dirty="0" err="1" smtClean="0"/>
-              <a:t>Risikoanlayse</a:t>
-            </a:r>
-            <a:r>
-              <a:rPr lang="de-DE" baseline="0" dirty="0" smtClean="0"/>
-              <a:t> durchgeführt</a:t>
-            </a:r>
-          </a:p>
-          <a:p>
-            <a:r>
-              <a:rPr lang="de-DE" baseline="0" dirty="0" smtClean="0"/>
-              <a:t> - Risiken Identifiziert </a:t>
-            </a:r>
-          </a:p>
-          <a:p>
-            <a:r>
-              <a:rPr lang="de-DE" baseline="0" dirty="0" smtClean="0"/>
-              <a:t> - klassifiziert nach Eintrittswahrscheinlichkeit (hoch, mittel, gering)</a:t>
-            </a:r>
-          </a:p>
-          <a:p>
-            <a:r>
-              <a:rPr lang="de-DE" baseline="0" dirty="0" smtClean="0"/>
-              <a:t> und Auswirkungen bewertet hinsichtlich des </a:t>
-            </a:r>
-            <a:r>
-              <a:rPr lang="de-DE" baseline="0" dirty="0" err="1" smtClean="0"/>
-              <a:t>Projektsverlauf</a:t>
-            </a:r>
-            <a:r>
-              <a:rPr lang="de-DE" baseline="0" dirty="0" smtClean="0"/>
-              <a:t> im Bezug auf</a:t>
-            </a:r>
-          </a:p>
-          <a:p>
-            <a:r>
-              <a:rPr lang="de-DE" baseline="0" dirty="0" smtClean="0"/>
-              <a:t>	magische Dreieck: Termin, Kosten (MA Ressourcen), Inhalt/Umfang (Qualität)</a:t>
-            </a:r>
-          </a:p>
-          <a:p>
-            <a:r>
-              <a:rPr lang="de-DE" baseline="0" dirty="0" smtClean="0"/>
-              <a:t>	dort jeweils wieder nach (hoch, mittel, gering)</a:t>
-            </a:r>
-          </a:p>
-          <a:p>
-            <a:endParaRPr lang="de-DE" baseline="0" dirty="0" smtClean="0"/>
-          </a:p>
-          <a:p>
-            <a:r>
-              <a:rPr lang="de-DE" dirty="0" smtClean="0"/>
-              <a:t> - Fokussierung der</a:t>
-            </a:r>
-            <a:r>
-              <a:rPr lang="de-DE" baseline="0" dirty="0" smtClean="0"/>
-              <a:t> Veranstaltung auf </a:t>
-            </a:r>
-            <a:r>
-              <a:rPr lang="de-DE" baseline="0" dirty="0" err="1" smtClean="0"/>
-              <a:t>SoftwareEntwicklungsProzess</a:t>
-            </a:r>
-            <a:r>
-              <a:rPr lang="de-DE" baseline="0" dirty="0" smtClean="0"/>
-              <a:t>, daher nicht weiter vertieft.</a:t>
-            </a:r>
-            <a:endParaRPr lang="de-DE" dirty="0" smtClean="0"/>
-          </a:p>
-          <a:p>
-            <a:endParaRPr lang="de-DE" dirty="0"/>
-          </a:p>
-        </p:txBody>
-      </p:sp>
-      <p:sp>
-        <p:nvSpPr>
-          <p:cNvPr id="4" name="Foliennummernplatzhalter 3"/>
-          <p:cNvSpPr>
-            <a:spLocks noGrp="1"/>
-          </p:cNvSpPr>
-          <p:nvPr>
-            <p:ph type="sldNum" sz="quarter" idx="10"/>
-          </p:nvPr>
-        </p:nvSpPr>
-        <p:spPr/>
-        <p:txBody>
           <a:bodyPr/>
           <a:lstStyle/>
           <a:p>
-            <a:fld id="{1EBFF01C-F984-4A51-AF10-254043F7C542}" type="slidenum">
-              <a:rPr lang="de-DE" smtClean="0"/>
+            <a:r>
+              <a:rPr lang="de-DE" dirty="0" smtClean="0"/>
+              <a:t>Business Case für</a:t>
+            </a:r>
+            <a:r>
+              <a:rPr lang="de-DE" baseline="0" dirty="0" smtClean="0"/>
+              <a:t> das Projekt wurde erstellt</a:t>
+            </a:r>
+          </a:p>
+          <a:p>
+            <a:r>
+              <a:rPr lang="de-DE" baseline="0" dirty="0" smtClean="0"/>
+              <a:t> - Finanzierung kurzfristig:</a:t>
+            </a:r>
+          </a:p>
+          <a:p>
+            <a:r>
+              <a:rPr lang="de-DE" baseline="0" dirty="0" smtClean="0"/>
+              <a:t>	- Risikokapitalgeber</a:t>
+            </a:r>
+          </a:p>
+          <a:p>
+            <a:r>
+              <a:rPr lang="de-DE" baseline="0" dirty="0" smtClean="0"/>
+              <a:t>	- Spenden</a:t>
+            </a:r>
+          </a:p>
+          <a:p>
+            <a:r>
+              <a:rPr lang="de-DE" baseline="0" dirty="0" smtClean="0"/>
+              <a:t> - mittelfristig zusätzlich:</a:t>
+            </a:r>
+          </a:p>
+          <a:p>
+            <a:r>
+              <a:rPr lang="de-DE" baseline="0" dirty="0" smtClean="0"/>
+              <a:t>	- werbeeinnahmen</a:t>
+            </a:r>
+          </a:p>
+          <a:p>
+            <a:r>
+              <a:rPr lang="de-DE" baseline="0" dirty="0" smtClean="0"/>
+              <a:t> - </a:t>
+            </a:r>
+            <a:r>
+              <a:rPr lang="de-DE" baseline="0" dirty="0" err="1" smtClean="0"/>
+              <a:t>langfrisitig</a:t>
+            </a:r>
+            <a:endParaRPr lang="de-DE" baseline="0" dirty="0" smtClean="0"/>
+          </a:p>
+          <a:p>
+            <a:r>
+              <a:rPr lang="de-DE" baseline="0" dirty="0" smtClean="0"/>
+              <a:t>	- werbeeinnahmen</a:t>
+            </a:r>
+          </a:p>
+          <a:p>
+            <a:r>
+              <a:rPr lang="de-DE" baseline="0" dirty="0" smtClean="0"/>
+              <a:t>	- </a:t>
+            </a:r>
+            <a:r>
+              <a:rPr lang="de-DE" baseline="0" dirty="0" err="1" smtClean="0"/>
+              <a:t>kostenplfichtige</a:t>
+            </a:r>
+            <a:r>
+              <a:rPr lang="de-DE" baseline="0" dirty="0" smtClean="0"/>
+              <a:t> </a:t>
+            </a:r>
+            <a:r>
+              <a:rPr lang="de-DE" baseline="0" dirty="0" err="1" smtClean="0"/>
+              <a:t>Addons</a:t>
+            </a:r>
+            <a:endParaRPr lang="de-DE" dirty="0"/>
+          </a:p>
+        </p:txBody>
+      </p:sp>
+      <p:sp>
+        <p:nvSpPr>
+          <p:cNvPr id="4" name="Foliennummernplatzhalter 3"/>
+          <p:cNvSpPr>
+            <a:spLocks noGrp="1"/>
+          </p:cNvSpPr>
+          <p:nvPr>
+            <p:ph type="sldNum" sz="quarter" idx="10"/>
+          </p:nvPr>
+        </p:nvSpPr>
+        <p:spPr/>
+        <p:txBody>
+          <a:bodyPr/>
+          <a:lstStyle/>
+          <a:p>
+            <a:fld id="{F7EBFB8C-BBFF-4397-A51C-1E92596422A9}" type="slidenum">
+              <a:rPr lang="en-US" smtClean="0"/>
               <a:pPr/>
-              <a:t>16</a:t>
+              <a:t>15</a:t>
             </a:fld>
-            <a:endParaRPr lang="de-DE"/>
+            <a:endParaRPr lang="en-US" dirty="0"/>
           </a:p>
         </p:txBody>
       </p:sp>
     </p:spTree>
+    <p:extLst>
+      <p:ext uri="{BB962C8B-B14F-4D97-AF65-F5344CB8AC3E}">
+        <p14:creationId xmlns:p14="http://schemas.microsoft.com/office/powerpoint/2010/main" val="1648692254"/>
+      </p:ext>
+    </p:extLst>
   </p:cSld>
   <p:clrMapOvr>
     <a:masterClrMapping/>
@@ -3980,7 +4052,7 @@
             <a:fld id="{1EBFF01C-F984-4A51-AF10-254043F7C542}" type="slidenum">
               <a:rPr lang="de-DE" smtClean="0"/>
               <a:pPr/>
-              <a:t>19</a:t>
+              <a:t>17</a:t>
             </a:fld>
             <a:endParaRPr lang="de-DE"/>
           </a:p>
@@ -4035,6 +4107,91 @@
         </p:nvSpPr>
         <p:spPr/>
         <p:txBody>
+          <a:bodyPr/>
+          <a:lstStyle/>
+          <a:p>
+            <a:endParaRPr lang="de-DE" dirty="0"/>
+          </a:p>
+        </p:txBody>
+      </p:sp>
+      <p:sp>
+        <p:nvSpPr>
+          <p:cNvPr id="4" name="Foliennummernplatzhalter 3"/>
+          <p:cNvSpPr>
+            <a:spLocks noGrp="1"/>
+          </p:cNvSpPr>
+          <p:nvPr>
+            <p:ph type="sldNum" sz="quarter" idx="10"/>
+          </p:nvPr>
+        </p:nvSpPr>
+        <p:spPr/>
+        <p:txBody>
+          <a:bodyPr/>
+          <a:lstStyle/>
+          <a:p>
+            <a:fld id="{F7EBFB8C-BBFF-4397-A51C-1E92596422A9}" type="slidenum">
+              <a:rPr lang="en-US" smtClean="0"/>
+              <a:pPr/>
+              <a:t>21</a:t>
+            </a:fld>
+            <a:endParaRPr lang="en-US" dirty="0"/>
+          </a:p>
+        </p:txBody>
+      </p:sp>
+    </p:spTree>
+    <p:extLst>
+      <p:ext uri="{BB962C8B-B14F-4D97-AF65-F5344CB8AC3E}">
+        <p14:creationId xmlns:p14="http://schemas.microsoft.com/office/powerpoint/2010/main" val="3608486779"/>
+      </p:ext>
+    </p:extLst>
+  </p:cSld>
+  <p:clrMapOvr>
+    <a:masterClrMapping/>
+  </p:clrMapOvr>
+</p:notes>
+</file>
+
+<file path=ppt/notesSlides/notesSlide15.xml><?xml version="1.0" encoding="utf-8"?>
+<p:notes xmlns:a="http://schemas.openxmlformats.org/drawingml/2006/main" xmlns:r="http://schemas.openxmlformats.org/officeDocument/2006/relationships" xmlns:p="http://schemas.openxmlformats.org/presentationml/2006/main">
+  <p:cSld>
+    <p:spTree>
+      <p:nvGrpSpPr>
+        <p:cNvPr id="1" name=""/>
+        <p:cNvGrpSpPr/>
+        <p:nvPr/>
+      </p:nvGrpSpPr>
+      <p:grpSpPr>
+        <a:xfrm>
+          <a:off x="0" y="0"/>
+          <a:ext cx="0" cy="0"/>
+          <a:chOff x="0" y="0"/>
+          <a:chExt cx="0" cy="0"/>
+        </a:xfrm>
+      </p:grpSpPr>
+      <p:sp>
+        <p:nvSpPr>
+          <p:cNvPr id="2" name="Folienbildplatzhalter 1"/>
+          <p:cNvSpPr>
+            <a:spLocks noGrp="1" noRot="1" noChangeAspect="1"/>
+          </p:cNvSpPr>
+          <p:nvPr>
+            <p:ph type="sldImg"/>
+          </p:nvPr>
+        </p:nvSpPr>
+        <p:spPr/>
+      </p:sp>
+      <p:sp>
+        <p:nvSpPr>
+          <p:cNvPr id="3" name="Notizenplatzhalter 2"/>
+          <p:cNvSpPr>
+            <a:spLocks noGrp="1"/>
+          </p:cNvSpPr>
+          <p:nvPr>
+            <p:ph type="body" idx="1"/>
+          </p:nvPr>
+        </p:nvSpPr>
+        <p:spPr/>
+        <p:txBody>
           <a:bodyPr>
             <a:normAutofit/>
           </a:bodyPr>
@@ -4182,13 +4339,98 @@
             <a:fld id="{1EBFF01C-F984-4A51-AF10-254043F7C542}" type="slidenum">
               <a:rPr lang="de-DE" smtClean="0"/>
               <a:pPr/>
-              <a:t>24</a:t>
+              <a:t>22</a:t>
             </a:fld>
             <a:endParaRPr lang="de-DE"/>
           </a:p>
         </p:txBody>
       </p:sp>
     </p:spTree>
+  </p:cSld>
+  <p:clrMapOvr>
+    <a:masterClrMapping/>
+  </p:clrMapOvr>
+</p:notes>
+</file>
+
+<file path=ppt/notesSlides/notesSlide16.xml><?xml version="1.0" encoding="utf-8"?>
+<p:notes xmlns:a="http://schemas.openxmlformats.org/drawingml/2006/main" xmlns:r="http://schemas.openxmlformats.org/officeDocument/2006/relationships" xmlns:p="http://schemas.openxmlformats.org/presentationml/2006/main">
+  <p:cSld>
+    <p:spTree>
+      <p:nvGrpSpPr>
+        <p:cNvPr id="1" name=""/>
+        <p:cNvGrpSpPr/>
+        <p:nvPr/>
+      </p:nvGrpSpPr>
+      <p:grpSpPr>
+        <a:xfrm>
+          <a:off x="0" y="0"/>
+          <a:ext cx="0" cy="0"/>
+          <a:chOff x="0" y="0"/>
+          <a:chExt cx="0" cy="0"/>
+        </a:xfrm>
+      </p:grpSpPr>
+      <p:sp>
+        <p:nvSpPr>
+          <p:cNvPr id="2" name="Folienbildplatzhalter 1"/>
+          <p:cNvSpPr>
+            <a:spLocks noGrp="1" noRot="1" noChangeAspect="1"/>
+          </p:cNvSpPr>
+          <p:nvPr>
+            <p:ph type="sldImg"/>
+          </p:nvPr>
+        </p:nvSpPr>
+        <p:spPr/>
+      </p:sp>
+      <p:sp>
+        <p:nvSpPr>
+          <p:cNvPr id="3" name="Notizenplatzhalter 2"/>
+          <p:cNvSpPr>
+            <a:spLocks noGrp="1"/>
+          </p:cNvSpPr>
+          <p:nvPr>
+            <p:ph type="body" idx="1"/>
+          </p:nvPr>
+        </p:nvSpPr>
+        <p:spPr/>
+        <p:txBody>
+          <a:bodyPr/>
+          <a:lstStyle/>
+          <a:p>
+            <a:endParaRPr lang="de-DE" dirty="0"/>
+          </a:p>
+        </p:txBody>
+      </p:sp>
+      <p:sp>
+        <p:nvSpPr>
+          <p:cNvPr id="4" name="Foliennummernplatzhalter 3"/>
+          <p:cNvSpPr>
+            <a:spLocks noGrp="1"/>
+          </p:cNvSpPr>
+          <p:nvPr>
+            <p:ph type="sldNum" sz="quarter" idx="10"/>
+          </p:nvPr>
+        </p:nvSpPr>
+        <p:spPr/>
+        <p:txBody>
+          <a:bodyPr/>
+          <a:lstStyle/>
+          <a:p>
+            <a:fld id="{F7EBFB8C-BBFF-4397-A51C-1E92596422A9}" type="slidenum">
+              <a:rPr lang="en-US" smtClean="0"/>
+              <a:pPr/>
+              <a:t>23</a:t>
+            </a:fld>
+            <a:endParaRPr lang="en-US" dirty="0"/>
+          </a:p>
+        </p:txBody>
+      </p:sp>
+    </p:spTree>
+    <p:extLst>
+      <p:ext uri="{BB962C8B-B14F-4D97-AF65-F5344CB8AC3E}">
+        <p14:creationId xmlns:p14="http://schemas.microsoft.com/office/powerpoint/2010/main" val="2116472317"/>
+      </p:ext>
+    </p:extLst>
   </p:cSld>
   <p:clrMapOvr>
     <a:masterClrMapping/>
@@ -4271,7 +4513,7 @@
     </p:spTree>
     <p:extLst>
       <p:ext uri="{BB962C8B-B14F-4D97-AF65-F5344CB8AC3E}">
-        <p14:creationId xmlns:p14="http://schemas.microsoft.com/office/powerpoint/2010/main" xmlns="" val="517533983"/>
+        <p14:creationId xmlns:p14="http://schemas.microsoft.com/office/powerpoint/2010/main" val="517533983"/>
       </p:ext>
     </p:extLst>
   </p:cSld>
@@ -4467,19 +4709,7 @@
                 <a:ea typeface="+mn-ea"/>
                 <a:cs typeface="+mn-cs"/>
               </a:rPr>
-              <a:t>Mehrwerte</a:t>
-            </a:r>
-            <a:r>
-              <a:rPr lang="de-DE" sz="1200" kern="1200" dirty="0" smtClean="0">
-                <a:solidFill>
-                  <a:schemeClr val="tx1"/>
-                </a:solidFill>
-                <a:effectLst/>
-                <a:latin typeface="+mn-lt"/>
-                <a:ea typeface="+mn-ea"/>
-                <a:cs typeface="+mn-cs"/>
-              </a:rPr>
-              <a:t>:</a:t>
+              <a:t>Mehrwerte:</a:t>
             </a:r>
           </a:p>
           <a:p>
@@ -4507,29 +4737,8 @@
                 <a:ea typeface="+mn-ea"/>
                 <a:cs typeface="+mn-cs"/>
               </a:rPr>
-              <a:t>Vernetzung </a:t>
-            </a:r>
-            <a:r>
-              <a:rPr lang="de-DE" sz="1200" kern="1200" dirty="0" smtClean="0">
-                <a:solidFill>
-                  <a:schemeClr val="tx1"/>
-                </a:solidFill>
-                <a:effectLst/>
-                <a:latin typeface="+mn-lt"/>
-                <a:ea typeface="+mn-ea"/>
-                <a:cs typeface="+mn-cs"/>
-              </a:rPr>
-              <a:t>von Personen mit gleicher Interessen </a:t>
-            </a:r>
-            <a:endParaRPr lang="de-DE" sz="1200" kern="1200" dirty="0" smtClean="0">
-              <a:solidFill>
-                <a:schemeClr val="tx1"/>
-              </a:solidFill>
-              <a:effectLst/>
-              <a:latin typeface="+mn-lt"/>
-              <a:ea typeface="+mn-ea"/>
-              <a:cs typeface="+mn-cs"/>
-            </a:endParaRPr>
+              <a:t>Vernetzung von Personen mit gleicher Interessen </a:t>
+            </a:r>
           </a:p>
           <a:p>
             <a:endParaRPr lang="de-DE" sz="1200" kern="1200" dirty="0" smtClean="0">
@@ -4610,15 +4819,6 @@
               </a:rPr>
               <a:t>-Service </a:t>
             </a:r>
-            <a:endParaRPr lang="de-DE" sz="1200" kern="1200" dirty="0" smtClean="0">
-              <a:solidFill>
-                <a:schemeClr val="tx1"/>
-              </a:solidFill>
-              <a:effectLst/>
-              <a:latin typeface="+mn-lt"/>
-              <a:ea typeface="+mn-ea"/>
-              <a:cs typeface="+mn-cs"/>
-            </a:endParaRPr>
           </a:p>
           <a:p>
             <a:r>
@@ -4669,6 +4869,102 @@
               </a:rPr>
               <a:t>networks</a:t>
             </a:r>
+            <a:r>
+              <a:rPr lang="de-DE" sz="1200" kern="1200" dirty="0" smtClean="0">
+                <a:solidFill>
+                  <a:schemeClr val="tx1"/>
+                </a:solidFill>
+                <a:effectLst/>
+                <a:latin typeface="+mn-lt"/>
+                <a:ea typeface="+mn-ea"/>
+                <a:cs typeface="+mn-cs"/>
+              </a:rPr>
+              <a:t> (insb. </a:t>
+            </a:r>
+            <a:r>
+              <a:rPr lang="de-DE" sz="1200" kern="1200" dirty="0" err="1" smtClean="0">
+                <a:solidFill>
+                  <a:schemeClr val="tx1"/>
+                </a:solidFill>
+                <a:effectLst/>
+                <a:latin typeface="+mn-lt"/>
+                <a:ea typeface="+mn-ea"/>
+                <a:cs typeface="+mn-cs"/>
+              </a:rPr>
+              <a:t>Oauth</a:t>
+            </a:r>
+            <a:r>
+              <a:rPr lang="de-DE" sz="1200" kern="1200" dirty="0" smtClean="0">
+                <a:solidFill>
+                  <a:schemeClr val="tx1"/>
+                </a:solidFill>
+                <a:effectLst/>
+                <a:latin typeface="+mn-lt"/>
+                <a:ea typeface="+mn-ea"/>
+                <a:cs typeface="+mn-cs"/>
+              </a:rPr>
+              <a:t>) über</a:t>
+            </a:r>
+            <a:r>
+              <a:rPr lang="de-DE" sz="1200" kern="1200" baseline="0" dirty="0" smtClean="0">
+                <a:solidFill>
+                  <a:schemeClr val="tx1"/>
+                </a:solidFill>
+                <a:effectLst/>
+                <a:latin typeface="+mn-lt"/>
+                <a:ea typeface="+mn-ea"/>
+                <a:cs typeface="+mn-cs"/>
+              </a:rPr>
+              <a:t> </a:t>
+            </a:r>
+            <a:r>
+              <a:rPr lang="de-DE" sz="1200" kern="1200" baseline="0" dirty="0" err="1" smtClean="0">
+                <a:solidFill>
+                  <a:schemeClr val="tx1"/>
+                </a:solidFill>
+                <a:effectLst/>
+                <a:latin typeface="+mn-lt"/>
+                <a:ea typeface="+mn-ea"/>
+                <a:cs typeface="+mn-cs"/>
+              </a:rPr>
+              <a:t>API‘s</a:t>
+            </a:r>
+            <a:r>
+              <a:rPr lang="de-DE" sz="1200" kern="1200" baseline="0" dirty="0" smtClean="0">
+                <a:solidFill>
+                  <a:schemeClr val="tx1"/>
+                </a:solidFill>
+                <a:effectLst/>
+                <a:latin typeface="+mn-lt"/>
+                <a:ea typeface="+mn-ea"/>
+                <a:cs typeface="+mn-cs"/>
+              </a:rPr>
+              <a:t> auch weitere Aspekte möglich (Event auf eigene </a:t>
+            </a:r>
+            <a:r>
+              <a:rPr lang="de-DE" sz="1200" kern="1200" baseline="0" dirty="0" err="1" smtClean="0">
+                <a:solidFill>
+                  <a:schemeClr val="tx1"/>
+                </a:solidFill>
+                <a:effectLst/>
+                <a:latin typeface="+mn-lt"/>
+                <a:ea typeface="+mn-ea"/>
+                <a:cs typeface="+mn-cs"/>
+              </a:rPr>
+              <a:t>Pinwand</a:t>
+            </a:r>
+            <a:r>
+              <a:rPr lang="de-DE" sz="1200" kern="1200" baseline="0" dirty="0" smtClean="0">
+                <a:solidFill>
+                  <a:schemeClr val="tx1"/>
+                </a:solidFill>
+                <a:effectLst/>
+                <a:latin typeface="+mn-lt"/>
+                <a:ea typeface="+mn-ea"/>
+                <a:cs typeface="+mn-cs"/>
+              </a:rPr>
+              <a:t> posten etc.)</a:t>
+            </a:r>
             <a:endParaRPr lang="de-DE" sz="1200" kern="1200" dirty="0" smtClean="0">
               <a:solidFill>
                 <a:schemeClr val="tx1"/>
@@ -4711,7 +5007,7 @@
     </p:spTree>
     <p:extLst>
       <p:ext uri="{BB962C8B-B14F-4D97-AF65-F5344CB8AC3E}">
-        <p14:creationId xmlns:p14="http://schemas.microsoft.com/office/powerpoint/2010/main" xmlns="" val="3860513045"/>
+        <p14:creationId xmlns:p14="http://schemas.microsoft.com/office/powerpoint/2010/main" val="3860513045"/>
       </p:ext>
     </p:extLst>
   </p:cSld>
@@ -4830,19 +5126,7 @@
               <a:rPr lang="de-DE" baseline="0" dirty="0" smtClean="0">
                 <a:sym typeface="Wingdings" pitchFamily="2" charset="2"/>
               </a:rPr>
-              <a:t> ist jetzt </a:t>
-            </a:r>
-            <a:r>
-              <a:rPr lang="de-DE" baseline="0" dirty="0" smtClean="0">
-                <a:sym typeface="Wingdings" pitchFamily="2" charset="2"/>
-              </a:rPr>
-              <a:t>final </a:t>
-            </a:r>
-            <a:r>
-              <a:rPr lang="de-DE" baseline="0" dirty="0" smtClean="0">
-                <a:sym typeface="Wingdings" pitchFamily="2" charset="2"/>
-              </a:rPr>
-              <a:t>(1.0) aber Änderungen sind nicht auszuschließen</a:t>
+              <a:t> ist jetzt final (1.0) aber Änderungen sind nicht auszuschließen</a:t>
             </a:r>
           </a:p>
           <a:p>
@@ -5044,15 +5328,7 @@
           <a:p>
             <a:r>
               <a:rPr lang="de-DE" dirty="0" smtClean="0"/>
-              <a:t>Aufgrund der Enge des Zeitplans jeweils zwei </a:t>
-            </a:r>
-            <a:r>
-              <a:rPr lang="de-DE" dirty="0" smtClean="0"/>
-              <a:t>Iterationen </a:t>
-            </a:r>
-            <a:r>
-              <a:rPr lang="de-DE" dirty="0" smtClean="0"/>
-              <a:t>mit</a:t>
+              <a:t>Aufgrund der Enge des Zeitplans jeweils zwei Iterationen mit</a:t>
             </a:r>
             <a:r>
               <a:rPr lang="de-DE" baseline="0" dirty="0" smtClean="0"/>
@@ -5068,15 +5344,7 @@
           <a:p>
             <a:r>
               <a:rPr lang="de-DE" baseline="0" dirty="0" smtClean="0"/>
-              <a:t>Ziel: 11.06. eine prototypische </a:t>
-            </a:r>
-            <a:r>
-              <a:rPr lang="de-DE" baseline="0" dirty="0" smtClean="0"/>
-              <a:t>Implementierung </a:t>
-            </a:r>
-            <a:r>
-              <a:rPr lang="de-DE" baseline="0" dirty="0" smtClean="0"/>
-              <a:t>der Plattform fertigstellen</a:t>
+              <a:t>Ziel: 11.06. eine prototypische Implementierung der Plattform fertigstellen</a:t>
             </a:r>
             <a:endParaRPr lang="de-DE" dirty="0"/>
           </a:p>
@@ -5109,7 +5377,7 @@
     </p:spTree>
     <p:extLst>
       <p:ext uri="{BB962C8B-B14F-4D97-AF65-F5344CB8AC3E}">
-        <p14:creationId xmlns:p14="http://schemas.microsoft.com/office/powerpoint/2010/main" xmlns="" val="3931682397"/>
+        <p14:creationId xmlns:p14="http://schemas.microsoft.com/office/powerpoint/2010/main" val="3931682397"/>
       </p:ext>
     </p:extLst>
   </p:cSld>
@@ -5284,7 +5552,70 @@
             </a:r>
             <a:r>
               <a:rPr lang="de-DE" baseline="0" dirty="0" smtClean="0"/>
-              <a:t> zusammengefasst.</a:t>
+              <a:t> zusammengefasst</a:t>
+            </a:r>
+            <a:r>
+              <a:rPr lang="de-DE" baseline="0" dirty="0" smtClean="0"/>
+              <a:t>.</a:t>
+            </a:r>
+          </a:p>
+          <a:p>
+            <a:endParaRPr lang="de-DE" baseline="0" dirty="0" smtClean="0"/>
+          </a:p>
+          <a:p>
+            <a:r>
+              <a:rPr lang="de-DE" dirty="0" err="1" smtClean="0"/>
+              <a:t>Versionierung</a:t>
+            </a:r>
+            <a:r>
+              <a:rPr lang="de-DE" dirty="0" smtClean="0"/>
+              <a:t> der Dokumente &amp; des Quellcodes</a:t>
+            </a:r>
+          </a:p>
+          <a:p>
+            <a:endParaRPr lang="de-DE" dirty="0" smtClean="0"/>
+          </a:p>
+          <a:p>
+            <a:r>
+              <a:rPr lang="de-DE" dirty="0" smtClean="0"/>
+              <a:t>Erste Dokumente über Google </a:t>
+            </a:r>
+            <a:r>
+              <a:rPr lang="de-DE" dirty="0" err="1" smtClean="0"/>
+              <a:t>Docs</a:t>
+            </a:r>
+            <a:endParaRPr lang="de-DE" dirty="0" smtClean="0"/>
+          </a:p>
+          <a:p>
+            <a:endParaRPr lang="de-DE" dirty="0" smtClean="0"/>
+          </a:p>
+          <a:p>
+            <a:r>
+              <a:rPr lang="de-DE" dirty="0" smtClean="0"/>
+              <a:t>Spätere Entscheidung für Repository </a:t>
+            </a:r>
+            <a:r>
+              <a:rPr lang="de-DE" dirty="0" err="1" smtClean="0"/>
+              <a:t>gitHub</a:t>
+            </a:r>
+            <a:endParaRPr lang="de-DE" dirty="0" smtClean="0"/>
+          </a:p>
+          <a:p>
+            <a:pPr lvl="1"/>
+            <a:r>
+              <a:rPr lang="de-DE" dirty="0" smtClean="0"/>
+              <a:t>webbasierter Hosting-Dienst für Open-Source-Software-Entwicklungsprojekte</a:t>
+            </a:r>
+          </a:p>
+          <a:p>
+            <a:pPr lvl="1"/>
+            <a:r>
+              <a:rPr lang="de-DE" dirty="0" smtClean="0"/>
+              <a:t>Verwendet das Versionsverwaltungssystem </a:t>
+            </a:r>
+            <a:r>
+              <a:rPr lang="de-DE" dirty="0" err="1" smtClean="0"/>
+              <a:t>Git</a:t>
             </a:r>
             <a:endParaRPr lang="de-DE" dirty="0"/>
           </a:p>
@@ -5317,7 +5648,7 @@
     </p:spTree>
     <p:extLst>
       <p:ext uri="{BB962C8B-B14F-4D97-AF65-F5344CB8AC3E}">
-        <p14:creationId xmlns:p14="http://schemas.microsoft.com/office/powerpoint/2010/main" xmlns="" val="1332097542"/>
+        <p14:creationId xmlns:p14="http://schemas.microsoft.com/office/powerpoint/2010/main" val="1332097542"/>
       </p:ext>
     </p:extLst>
   </p:cSld>
@@ -5375,23 +5706,262 @@
           <a:p>
             <a:r>
               <a:rPr lang="de-DE" dirty="0" smtClean="0"/>
-              <a:t>Versionsverwaltungssystem </a:t>
-            </a:r>
+              <a:t>Framework: Spring</a:t>
+            </a:r>
+          </a:p>
+          <a:p>
             <a:r>
               <a:rPr lang="de-DE" dirty="0" err="1" smtClean="0"/>
-              <a:t>Git</a:t>
-            </a:r>
-            <a:r>
-              <a:rPr lang="de-DE" dirty="0" smtClean="0"/>
-              <a:t/>
-            </a:r>
-            <a:br>
-              <a:rPr lang="de-DE" dirty="0" smtClean="0"/>
-            </a:br>
-            <a:r>
-              <a:rPr lang="de-DE" dirty="0" smtClean="0"/>
-              <a:t>(freie Software zur verteilten Versionsverwaltung)</a:t>
-            </a:r>
+              <a:t>Roo</a:t>
+            </a:r>
+            <a:r>
+              <a:rPr lang="de-DE" dirty="0" smtClean="0"/>
+              <a:t>:</a:t>
+            </a:r>
+            <a:r>
+              <a:rPr lang="de-DE" baseline="0" dirty="0" smtClean="0"/>
+              <a:t> Erweiterung (Rapid Development)</a:t>
+            </a:r>
+          </a:p>
+          <a:p>
+            <a:r>
+              <a:rPr lang="de-DE" baseline="0" dirty="0" err="1" smtClean="0"/>
+              <a:t>Roo</a:t>
+            </a:r>
+            <a:r>
+              <a:rPr lang="de-DE" baseline="0" dirty="0" smtClean="0"/>
+              <a:t> </a:t>
+            </a:r>
+            <a:r>
+              <a:rPr lang="de-DE" baseline="0" dirty="0" smtClean="0"/>
+              <a:t>für Spring = </a:t>
+            </a:r>
+            <a:r>
+              <a:rPr lang="de-DE" baseline="0" dirty="0" err="1" smtClean="0"/>
+              <a:t>Rails</a:t>
+            </a:r>
+            <a:r>
+              <a:rPr lang="de-DE" baseline="0" dirty="0" smtClean="0"/>
+              <a:t> für </a:t>
+            </a:r>
+            <a:r>
+              <a:rPr lang="de-DE" baseline="0" dirty="0" smtClean="0"/>
+              <a:t>Ruby</a:t>
+            </a:r>
+          </a:p>
+          <a:p>
+            <a:pPr lvl="1"/>
+            <a:r>
+              <a:rPr lang="de-DE" dirty="0" smtClean="0"/>
+              <a:t>Quelloffenes Framework</a:t>
+            </a:r>
+            <a:r>
+              <a:rPr lang="de-DE" baseline="0" dirty="0" smtClean="0"/>
+              <a:t> </a:t>
+            </a:r>
+            <a:r>
+              <a:rPr lang="de-DE" dirty="0" smtClean="0"/>
+              <a:t>Werkzeug zur einfachen und effizienten Realisierung von Java-Anwendungen</a:t>
+            </a:r>
+          </a:p>
+          <a:p>
+            <a:pPr lvl="1"/>
+            <a:r>
+              <a:rPr lang="de-DE" dirty="0" smtClean="0"/>
+              <a:t>Verwendung von bekannten und verbreiteten Java-Techniken wie Spring,  dem Java </a:t>
+            </a:r>
+            <a:r>
+              <a:rPr lang="de-DE" dirty="0" err="1" smtClean="0"/>
+              <a:t>Persistence</a:t>
+            </a:r>
+            <a:r>
+              <a:rPr lang="de-DE" dirty="0" smtClean="0"/>
+              <a:t> API (JPA),  </a:t>
+            </a:r>
+            <a:r>
+              <a:rPr lang="de-DE" dirty="0" err="1" smtClean="0"/>
+              <a:t>JUnit</a:t>
+            </a:r>
+            <a:r>
+              <a:rPr lang="de-DE" dirty="0" smtClean="0"/>
+              <a:t> oder Googles Web Toolkit (GWT)</a:t>
+            </a:r>
+          </a:p>
+          <a:p>
+            <a:pPr lvl="1"/>
+            <a:r>
+              <a:rPr lang="de-DE" dirty="0" smtClean="0"/>
+              <a:t>Konzentration auf Entwicklungsprozess und nicht auf Implementierung</a:t>
+            </a:r>
+          </a:p>
+          <a:p>
+            <a:endParaRPr lang="de-DE" dirty="0" smtClean="0"/>
+          </a:p>
+          <a:p>
+            <a:r>
+              <a:rPr lang="de-DE" dirty="0" smtClean="0"/>
+              <a:t>Prototypische</a:t>
+            </a:r>
+            <a:r>
+              <a:rPr lang="de-DE" baseline="0" dirty="0" smtClean="0"/>
+              <a:t> Implementierung </a:t>
+            </a:r>
+            <a:r>
+              <a:rPr lang="de-DE" dirty="0" err="1" smtClean="0"/>
+              <a:t>Two</a:t>
+            </a:r>
+            <a:r>
+              <a:rPr lang="de-DE" dirty="0" smtClean="0"/>
+              <a:t> Tier</a:t>
+            </a:r>
+          </a:p>
+          <a:p>
+            <a:r>
+              <a:rPr lang="de-DE" dirty="0" smtClean="0"/>
+              <a:t>(</a:t>
+            </a:r>
+            <a:r>
+              <a:rPr lang="de-DE" dirty="0" err="1" smtClean="0"/>
+              <a:t>Application</a:t>
+            </a:r>
+            <a:r>
+              <a:rPr lang="de-DE" dirty="0" smtClean="0"/>
+              <a:t>/</a:t>
+            </a:r>
+            <a:r>
+              <a:rPr lang="de-DE" dirty="0" err="1" smtClean="0"/>
+              <a:t>Presentation</a:t>
+            </a:r>
+            <a:r>
+              <a:rPr lang="de-DE" dirty="0" smtClean="0"/>
+              <a:t>)</a:t>
+            </a:r>
+            <a:r>
+              <a:rPr lang="de-DE" baseline="0" dirty="0" smtClean="0"/>
+              <a:t> können theoretisch durch Apache Webserver getrennt werden</a:t>
+            </a:r>
+          </a:p>
+          <a:p>
+            <a:endParaRPr lang="de-DE" dirty="0" smtClean="0"/>
+          </a:p>
+          <a:p>
+            <a:r>
+              <a:rPr lang="de-DE" dirty="0" err="1" smtClean="0"/>
+              <a:t>Hibernate</a:t>
+            </a:r>
+            <a:endParaRPr lang="de-DE" dirty="0" smtClean="0"/>
+          </a:p>
+          <a:p>
+            <a:pPr lvl="1"/>
+            <a:r>
+              <a:rPr lang="de-DE" dirty="0" err="1" smtClean="0"/>
+              <a:t>Object</a:t>
+            </a:r>
+            <a:r>
+              <a:rPr lang="de-DE" dirty="0" smtClean="0"/>
+              <a:t>-Relational Mapping (ORM)</a:t>
+            </a:r>
+          </a:p>
+          <a:p>
+            <a:pPr lvl="1"/>
+            <a:r>
+              <a:rPr lang="de-DE" dirty="0" smtClean="0"/>
+              <a:t>Integration von JDBC</a:t>
+            </a:r>
+          </a:p>
+          <a:p>
+            <a:pPr lvl="1"/>
+            <a:endParaRPr lang="de-DE" dirty="0" smtClean="0"/>
+          </a:p>
+          <a:p>
+            <a:r>
+              <a:rPr lang="de-DE" dirty="0" err="1" smtClean="0"/>
+              <a:t>Hibernate</a:t>
+            </a:r>
+            <a:r>
+              <a:rPr lang="de-DE" dirty="0" smtClean="0"/>
+              <a:t> ist weit verbreitetes</a:t>
+            </a:r>
+            <a:r>
+              <a:rPr lang="de-DE" baseline="0" dirty="0" smtClean="0"/>
+              <a:t> Framework zum ORM</a:t>
+            </a:r>
+          </a:p>
+          <a:p>
+            <a:r>
+              <a:rPr lang="de-DE" dirty="0" smtClean="0"/>
+              <a:t>ORM: Java Objekte mit </a:t>
+            </a:r>
+            <a:r>
+              <a:rPr lang="de-DE" dirty="0" smtClean="0">
+                <a:hlinkClick r:id="rId3" tooltip="Objektorientierte Programmierung"/>
+              </a:rPr>
+              <a:t>Attributen</a:t>
+            </a:r>
+            <a:r>
+              <a:rPr lang="de-DE" dirty="0" smtClean="0"/>
+              <a:t> und in </a:t>
+            </a:r>
+            <a:r>
+              <a:rPr lang="de-DE" dirty="0" smtClean="0">
+                <a:hlinkClick r:id="rId4" tooltip="Relationale Datenbank"/>
+              </a:rPr>
+              <a:t>relationalen Datenbanken</a:t>
+            </a:r>
+            <a:r>
+              <a:rPr lang="de-DE" dirty="0" smtClean="0"/>
+              <a:t> zu speichern und aus entsprechenden Datensätzen wiederum Objekte zu erzeugen.</a:t>
+            </a:r>
+          </a:p>
+          <a:p>
+            <a:r>
+              <a:rPr lang="de-DE" dirty="0" smtClean="0"/>
+              <a:t>Integration</a:t>
+            </a:r>
+            <a:r>
+              <a:rPr lang="de-DE" baseline="0" dirty="0" smtClean="0"/>
+              <a:t> von JDBC zur Datenbankabfrage</a:t>
+            </a:r>
+          </a:p>
+          <a:p>
+            <a:endParaRPr lang="de-DE" dirty="0" smtClean="0"/>
+          </a:p>
+          <a:p>
+            <a:r>
+              <a:rPr lang="de-DE" dirty="0" smtClean="0"/>
+              <a:t>Apache</a:t>
+            </a:r>
+          </a:p>
+          <a:p>
+            <a:pPr lvl="1"/>
+            <a:r>
+              <a:rPr lang="de-DE" dirty="0" smtClean="0"/>
+              <a:t>Weit </a:t>
+            </a:r>
+            <a:r>
+              <a:rPr lang="de-DE" dirty="0" err="1" smtClean="0"/>
+              <a:t>verbreitetester</a:t>
+            </a:r>
+            <a:r>
+              <a:rPr lang="de-DE" dirty="0" smtClean="0"/>
+              <a:t> Web Server</a:t>
+            </a:r>
+          </a:p>
+          <a:p>
+            <a:pPr lvl="1"/>
+            <a:r>
+              <a:rPr lang="de-DE" dirty="0" smtClean="0"/>
+              <a:t>Open-Source</a:t>
+            </a:r>
+          </a:p>
+          <a:p>
+            <a:pPr lvl="1"/>
+            <a:r>
+              <a:rPr lang="de-DE" dirty="0" smtClean="0"/>
+              <a:t>Einfache Installation und Konfiguration</a:t>
+            </a:r>
+          </a:p>
+          <a:p>
             <a:endParaRPr lang="de-DE" dirty="0"/>
           </a:p>
         </p:txBody>
@@ -5469,49 +6039,50 @@
         </p:nvSpPr>
         <p:spPr/>
         <p:txBody>
-          <a:bodyPr>
-            <a:normAutofit/>
-          </a:bodyPr>
+          <a:bodyPr/>
           <a:lstStyle/>
           <a:p>
-            <a:r>
-              <a:rPr lang="de-DE" dirty="0" smtClean="0"/>
-              <a:t>Framework: Spring</a:t>
-            </a:r>
-          </a:p>
-          <a:p>
-            <a:r>
-              <a:rPr lang="de-DE" dirty="0" err="1" smtClean="0"/>
-              <a:t>Roo</a:t>
-            </a:r>
-            <a:r>
-              <a:rPr lang="de-DE" dirty="0" smtClean="0"/>
-              <a:t>:</a:t>
+            <a:pPr marL="0" marR="0" indent="0" algn="l" defTabSz="914400" rtl="0" eaLnBrk="1" fontAlgn="auto" latinLnBrk="0" hangingPunct="1">
+              <a:lnSpc>
+                <a:spcPct val="100000"/>
+              </a:lnSpc>
+              <a:spcBef>
+                <a:spcPts val="0"/>
+              </a:spcBef>
+              <a:spcAft>
+                <a:spcPts val="0"/>
+              </a:spcAft>
+              <a:buClrTx/>
+              <a:buSzTx/>
+              <a:buFontTx/>
+              <a:buNone/>
+              <a:tabLst/>
+              <a:defRPr/>
+            </a:pPr>
+            <a:r>
+              <a:rPr lang="de-DE" dirty="0" smtClean="0"/>
+              <a:t>Feinplanung und Umsetzungskontrolle in separater Aufgabenliste (wöchentliche Synchronisation)</a:t>
+            </a:r>
+          </a:p>
+          <a:p>
+            <a:endParaRPr lang="de-DE" dirty="0" smtClean="0"/>
+          </a:p>
+          <a:p>
+            <a:r>
+              <a:rPr lang="de-DE" dirty="0" smtClean="0"/>
+              <a:t>RUP:</a:t>
             </a:r>
             <a:r>
               <a:rPr lang="de-DE" baseline="0" dirty="0" smtClean="0"/>
-              <a:t> Erweiterung (Rapid Development)</a:t>
-            </a:r>
-          </a:p>
-          <a:p>
-            <a:endParaRPr lang="de-DE" baseline="0" dirty="0" smtClean="0"/>
-          </a:p>
-          <a:p>
-            <a:r>
-              <a:rPr lang="de-DE" baseline="0" dirty="0" err="1" smtClean="0"/>
-              <a:t>Roo</a:t>
+              <a:t> </a:t>
+            </a:r>
+            <a:r>
+              <a:rPr lang="de-DE" dirty="0" smtClean="0"/>
+              <a:t>verschiedenen parallel Aktivitäten; Intensität ist</a:t>
             </a:r>
             <a:r>
               <a:rPr lang="de-DE" baseline="0" dirty="0" smtClean="0"/>
-              <a:t> für Spring = </a:t>
-            </a:r>
-            <a:r>
-              <a:rPr lang="de-DE" baseline="0" dirty="0" err="1" smtClean="0"/>
-              <a:t>Rails</a:t>
-            </a:r>
-            <a:r>
-              <a:rPr lang="de-DE" baseline="0" dirty="0" smtClean="0"/>
-              <a:t> für Ruby</a:t>
+              <a:t> leider so nicht abbildbar</a:t>
             </a:r>
             <a:endParaRPr lang="de-DE" dirty="0"/>
           </a:p>
@@ -5535,13 +6106,18 @@
             <a:fld id="{F7EBFB8C-BBFF-4397-A51C-1E92596422A9}" type="slidenum">
               <a:rPr lang="en-US" smtClean="0"/>
               <a:pPr/>
-              <a:t>8</a:t>
+              <a:t>10</a:t>
             </a:fld>
             <a:endParaRPr lang="en-US" dirty="0"/>
           </a:p>
         </p:txBody>
       </p:sp>
     </p:spTree>
+    <p:extLst>
+      <p:ext uri="{BB962C8B-B14F-4D97-AF65-F5344CB8AC3E}">
+        <p14:creationId xmlns:p14="http://schemas.microsoft.com/office/powerpoint/2010/main" val="4015341966"/>
+      </p:ext>
+    </p:extLst>
   </p:cSld>
   <p:clrMapOvr>
     <a:masterClrMapping/>
@@ -5593,29 +6169,10 @@
           <a:bodyPr/>
           <a:lstStyle/>
           <a:p>
-            <a:pPr marL="0" marR="0" indent="0" algn="l" defTabSz="914400" rtl="0" eaLnBrk="1" fontAlgn="auto" latinLnBrk="0" hangingPunct="1">
-              <a:lnSpc>
-                <a:spcPct val="100000"/>
-              </a:lnSpc>
-              <a:spcBef>
-                <a:spcPts val="0"/>
-              </a:spcBef>
-              <a:spcAft>
-                <a:spcPts val="0"/>
-              </a:spcAft>
-              <a:buClrTx/>
-              <a:buSzTx/>
-              <a:buFontTx/>
-              <a:buNone/>
-              <a:tabLst/>
-              <a:defRPr/>
-            </a:pPr>
-            <a:r>
-              <a:rPr lang="de-DE" dirty="0" smtClean="0"/>
-              <a:t>Feinplanung und Umsetzungskontrolle in separater Aufgabenliste (wöchentliche Synchronisation)</a:t>
-            </a:r>
-          </a:p>
-          <a:p>
+            <a:r>
+              <a:rPr lang="de-DE" dirty="0" smtClean="0"/>
+              <a:t>Lastenheft: wird nicht gezeigt, wurde fertiggestellt</a:t>
+            </a:r>
             <a:endParaRPr lang="de-DE" dirty="0"/>
           </a:p>
         </p:txBody>
@@ -5638,7 +6195,7 @@
             <a:fld id="{F7EBFB8C-BBFF-4397-A51C-1E92596422A9}" type="slidenum">
               <a:rPr lang="en-US" smtClean="0"/>
               <a:pPr/>
-              <a:t>12</a:t>
+              <a:t>11</a:t>
             </a:fld>
             <a:endParaRPr lang="en-US" dirty="0"/>
           </a:p>
@@ -5647,7 +6204,7 @@
     </p:spTree>
     <p:extLst>
       <p:ext uri="{BB962C8B-B14F-4D97-AF65-F5344CB8AC3E}">
-        <p14:creationId xmlns:p14="http://schemas.microsoft.com/office/powerpoint/2010/main" xmlns="" val="4015341966"/>
+        <p14:creationId xmlns:p14="http://schemas.microsoft.com/office/powerpoint/2010/main" val="1781943433"/>
       </p:ext>
     </p:extLst>
   </p:cSld>
@@ -9887,7 +10444,7 @@
           <a:blip r:embed="rId13" cstate="print">
             <a:extLst>
               <a:ext uri="{28A0092B-C50C-407E-A947-70E740481C1C}">
-                <a14:useLocalDpi xmlns:a14="http://schemas.microsoft.com/office/drawing/2010/main" xmlns="" val="0"/>
+                <a14:useLocalDpi xmlns:a14="http://schemas.microsoft.com/office/drawing/2010/main" val="0"/>
               </a:ext>
             </a:extLst>
           </a:blip>
@@ -10358,7 +10915,7 @@
           <a:blip r:embed="rId3" cstate="print">
             <a:extLst>
               <a:ext uri="{28A0092B-C50C-407E-A947-70E740481C1C}">
-                <a14:useLocalDpi xmlns:a14="http://schemas.microsoft.com/office/drawing/2010/main" xmlns="" val="0"/>
+                <a14:useLocalDpi xmlns:a14="http://schemas.microsoft.com/office/drawing/2010/main" val="0"/>
               </a:ext>
             </a:extLst>
           </a:blip>
@@ -10388,7 +10945,7 @@
           <a:blip r:embed="rId4" cstate="print">
             <a:extLst>
               <a:ext uri="{28A0092B-C50C-407E-A947-70E740481C1C}">
-                <a14:useLocalDpi xmlns:a14="http://schemas.microsoft.com/office/drawing/2010/main" xmlns="" val="0"/>
+                <a14:useLocalDpi xmlns:a14="http://schemas.microsoft.com/office/drawing/2010/main" val="0"/>
               </a:ext>
             </a:extLst>
           </a:blip>
@@ -10450,12 +11007,37 @@
         </p:nvSpPr>
         <p:spPr/>
         <p:txBody>
+          <a:bodyPr>
+            <a:normAutofit/>
+          </a:bodyPr>
+          <a:lstStyle/>
+          <a:p>
+            <a:r>
+              <a:rPr lang="de-DE" dirty="0" smtClean="0"/>
+              <a:t>Projektplan</a:t>
+            </a:r>
+            <a:endParaRPr lang="de-DE" dirty="0"/>
+          </a:p>
+        </p:txBody>
+      </p:sp>
+      <p:sp>
+        <p:nvSpPr>
+          <p:cNvPr id="4" name="Datumsplatzhalter 3"/>
+          <p:cNvSpPr>
+            <a:spLocks noGrp="1"/>
+          </p:cNvSpPr>
+          <p:nvPr>
+            <p:ph type="dt" sz="half" idx="10"/>
+          </p:nvPr>
+        </p:nvSpPr>
+        <p:spPr/>
+        <p:txBody>
           <a:bodyPr/>
           <a:lstStyle/>
           <a:p>
             <a:r>
-              <a:rPr lang="de-DE" dirty="0" smtClean="0"/>
-              <a:t>Aktuelle Ergebnisse</a:t>
+              <a:rPr lang="de-DE" smtClean="0"/>
+              <a:t>21.04.2012</a:t>
             </a:r>
             <a:endParaRPr lang="de-DE" dirty="0"/>
           </a:p>
@@ -10463,104 +11045,12 @@
       </p:sp>
       <p:sp>
         <p:nvSpPr>
-          <p:cNvPr id="3" name="Inhaltsplatzhalter 2"/>
-          <p:cNvSpPr>
-            <a:spLocks noGrp="1"/>
-          </p:cNvSpPr>
-          <p:nvPr>
-            <p:ph idx="1"/>
-          </p:nvPr>
-        </p:nvSpPr>
-        <p:spPr/>
-        <p:txBody>
-          <a:bodyPr>
-            <a:noAutofit/>
-          </a:bodyPr>
-          <a:lstStyle/>
-          <a:p>
-            <a:r>
-              <a:rPr lang="de-DE" dirty="0" smtClean="0"/>
-              <a:t>Dokumente</a:t>
-            </a:r>
-          </a:p>
-          <a:p>
-            <a:pPr lvl="1"/>
-            <a:r>
-              <a:rPr lang="de-DE" dirty="0" smtClean="0"/>
-              <a:t>Projekt-Exposé</a:t>
-            </a:r>
-          </a:p>
-          <a:p>
-            <a:pPr lvl="1"/>
-            <a:r>
-              <a:rPr lang="de-DE" dirty="0" smtClean="0"/>
-              <a:t>Projektplan</a:t>
-            </a:r>
-          </a:p>
-          <a:p>
-            <a:pPr lvl="1"/>
-            <a:r>
-              <a:rPr lang="de-DE" dirty="0" smtClean="0"/>
-              <a:t>Lastenheft</a:t>
-            </a:r>
-          </a:p>
-          <a:p>
-            <a:pPr lvl="1"/>
-            <a:r>
-              <a:rPr lang="de-DE" dirty="0" smtClean="0"/>
-              <a:t>Glossar (Begriffsdefinitionen)</a:t>
-            </a:r>
-          </a:p>
-          <a:p>
-            <a:pPr lvl="1"/>
-            <a:r>
-              <a:rPr lang="de-DE" dirty="0" smtClean="0"/>
-              <a:t>Risikoanalyse</a:t>
-            </a:r>
-          </a:p>
-          <a:p>
-            <a:pPr lvl="1"/>
-            <a:r>
-              <a:rPr lang="de-DE" dirty="0" smtClean="0"/>
-              <a:t>Wirtschaftslichkeitsbetrachtung</a:t>
-            </a:r>
-          </a:p>
-          <a:p>
-            <a:pPr lvl="1"/>
-            <a:r>
-              <a:rPr lang="de-DE" dirty="0" smtClean="0"/>
-              <a:t>Szenarien</a:t>
-            </a:r>
-          </a:p>
-          <a:p>
-            <a:pPr lvl="1"/>
-            <a:r>
-              <a:rPr lang="de-DE" dirty="0" smtClean="0"/>
-              <a:t>Anwendungsfalldiagramm</a:t>
-            </a:r>
-          </a:p>
-          <a:p>
-            <a:pPr lvl="1"/>
-            <a:r>
-              <a:rPr lang="de-DE" dirty="0" smtClean="0"/>
-              <a:t>Mock-</a:t>
-            </a:r>
-            <a:r>
-              <a:rPr lang="de-DE" dirty="0" err="1" smtClean="0"/>
-              <a:t>Ups</a:t>
-            </a:r>
-            <a:endParaRPr lang="de-DE" dirty="0" smtClean="0"/>
-          </a:p>
-        </p:txBody>
-      </p:sp>
-      <p:sp>
-        <p:nvSpPr>
-          <p:cNvPr id="4" name="Datumsplatzhalter 3"/>
-          <p:cNvSpPr>
-            <a:spLocks noGrp="1"/>
-          </p:cNvSpPr>
-          <p:nvPr>
-            <p:ph type="dt" sz="half" idx="10"/>
+          <p:cNvPr id="5" name="Fußzeilenplatzhalter 4"/>
+          <p:cNvSpPr>
+            <a:spLocks noGrp="1"/>
+          </p:cNvSpPr>
+          <p:nvPr>
+            <p:ph type="ftr" sz="quarter" idx="11"/>
           </p:nvPr>
         </p:nvSpPr>
         <p:spPr/>
@@ -10570,7 +11060,7 @@
           <a:p>
             <a:r>
               <a:rPr lang="de-DE" smtClean="0"/>
-              <a:t>21.04.2012</a:t>
+              <a:t>FST Projekt "Eventalizer" (SS 2012) Team 5</a:t>
             </a:r>
             <a:endParaRPr lang="de-DE" dirty="0"/>
           </a:p>
@@ -10578,30 +11068,7 @@
       </p:sp>
       <p:sp>
         <p:nvSpPr>
-          <p:cNvPr id="6" name="Fußzeilenplatzhalter 5"/>
-          <p:cNvSpPr>
-            <a:spLocks noGrp="1"/>
-          </p:cNvSpPr>
-          <p:nvPr>
-            <p:ph type="ftr" sz="quarter" idx="11"/>
-          </p:nvPr>
-        </p:nvSpPr>
-        <p:spPr/>
-        <p:txBody>
-          <a:bodyPr/>
-          <a:lstStyle/>
-          <a:p>
-            <a:r>
-              <a:rPr lang="de-DE" smtClean="0"/>
-              <a:t>FST Projekt "Eventalizer" (SS 2012) Team 5</a:t>
-            </a:r>
-            <a:endParaRPr lang="de-DE" dirty="0"/>
-          </a:p>
-        </p:txBody>
-      </p:sp>
-      <p:sp>
-        <p:nvSpPr>
-          <p:cNvPr id="5" name="Foliennummernplatzhalter 4"/>
+          <p:cNvPr id="6" name="Foliennummernplatzhalter 5"/>
           <p:cNvSpPr>
             <a:spLocks noGrp="1"/>
           </p:cNvSpPr>
@@ -10618,414 +11085,6 @@
               <a:rPr lang="de-DE" smtClean="0"/>
               <a:pPr/>
               <a:t>10</a:t>
-            </a:fld>
-            <a:endParaRPr lang="de-DE" dirty="0"/>
-          </a:p>
-        </p:txBody>
-      </p:sp>
-    </p:spTree>
-    <p:extLst>
-      <p:ext uri="{BB962C8B-B14F-4D97-AF65-F5344CB8AC3E}">
-        <p14:creationId xmlns:p14="http://schemas.microsoft.com/office/powerpoint/2010/main" xmlns="" val="3738851768"/>
-      </p:ext>
-    </p:extLst>
-  </p:cSld>
-  <p:clrMapOvr>
-    <a:masterClrMapping/>
-  </p:clrMapOvr>
-  <p:timing>
-    <p:tnLst>
-      <p:par>
-        <p:cTn id="1" dur="indefinite" restart="never" nodeType="tmRoot"/>
-      </p:par>
-    </p:tnLst>
-  </p:timing>
-</p:sld>
-</file>
-
-<file path=ppt/slides/slide11.xml><?xml version="1.0" encoding="utf-8"?>
-<p:sld xmlns:a="http://schemas.openxmlformats.org/drawingml/2006/main" xmlns:r="http://schemas.openxmlformats.org/officeDocument/2006/relationships" xmlns:p="http://schemas.openxmlformats.org/presentationml/2006/main">
-  <p:cSld>
-    <p:spTree>
-      <p:nvGrpSpPr>
-        <p:cNvPr id="1" name=""/>
-        <p:cNvGrpSpPr/>
-        <p:nvPr/>
-      </p:nvGrpSpPr>
-      <p:grpSpPr>
-        <a:xfrm>
-          <a:off x="0" y="0"/>
-          <a:ext cx="0" cy="0"/>
-          <a:chOff x="0" y="0"/>
-          <a:chExt cx="0" cy="0"/>
-        </a:xfrm>
-      </p:grpSpPr>
-      <p:sp>
-        <p:nvSpPr>
-          <p:cNvPr id="7" name="Abgerundetes Rechteck 6"/>
-          <p:cNvSpPr/>
-          <p:nvPr/>
-        </p:nvSpPr>
-        <p:spPr>
-          <a:xfrm>
-            <a:off x="1835696" y="2348880"/>
-            <a:ext cx="5256584" cy="432048"/>
-          </a:xfrm>
-          <a:prstGeom prst="roundRect">
-            <a:avLst/>
-          </a:prstGeom>
-          <a:solidFill>
-            <a:schemeClr val="accent1">
-              <a:lumMod val="20000"/>
-              <a:lumOff val="80000"/>
-            </a:schemeClr>
-          </a:solidFill>
-          <a:ln>
-            <a:solidFill>
-              <a:schemeClr val="accent1">
-                <a:lumMod val="20000"/>
-                <a:lumOff val="80000"/>
-              </a:schemeClr>
-            </a:solidFill>
-          </a:ln>
-        </p:spPr>
-        <p:style>
-          <a:lnRef idx="2">
-            <a:schemeClr val="accent1">
-              <a:shade val="50000"/>
-            </a:schemeClr>
-          </a:lnRef>
-          <a:fillRef idx="1">
-            <a:schemeClr val="accent1"/>
-          </a:fillRef>
-          <a:effectRef idx="0">
-            <a:schemeClr val="accent1"/>
-          </a:effectRef>
-          <a:fontRef idx="minor">
-            <a:schemeClr val="lt1"/>
-          </a:fontRef>
-        </p:style>
-        <p:txBody>
-          <a:bodyPr rtlCol="0" anchor="ctr"/>
-          <a:lstStyle/>
-          <a:p>
-            <a:pPr algn="ctr"/>
-            <a:endParaRPr lang="de-DE"/>
-          </a:p>
-        </p:txBody>
-      </p:sp>
-      <p:sp>
-        <p:nvSpPr>
-          <p:cNvPr id="2" name="Titel 1"/>
-          <p:cNvSpPr>
-            <a:spLocks noGrp="1"/>
-          </p:cNvSpPr>
-          <p:nvPr>
-            <p:ph type="title"/>
-          </p:nvPr>
-        </p:nvSpPr>
-        <p:spPr/>
-        <p:txBody>
-          <a:bodyPr/>
-          <a:lstStyle/>
-          <a:p>
-            <a:r>
-              <a:rPr lang="de-DE" dirty="0" smtClean="0"/>
-              <a:t>Aktuelle Ergebnisse</a:t>
-            </a:r>
-            <a:endParaRPr lang="de-DE" dirty="0"/>
-          </a:p>
-        </p:txBody>
-      </p:sp>
-      <p:sp>
-        <p:nvSpPr>
-          <p:cNvPr id="3" name="Inhaltsplatzhalter 2"/>
-          <p:cNvSpPr>
-            <a:spLocks noGrp="1"/>
-          </p:cNvSpPr>
-          <p:nvPr>
-            <p:ph idx="1"/>
-          </p:nvPr>
-        </p:nvSpPr>
-        <p:spPr/>
-        <p:txBody>
-          <a:bodyPr>
-            <a:noAutofit/>
-          </a:bodyPr>
-          <a:lstStyle/>
-          <a:p>
-            <a:r>
-              <a:rPr lang="de-DE" dirty="0" smtClean="0"/>
-              <a:t>Dokumente</a:t>
-            </a:r>
-          </a:p>
-          <a:p>
-            <a:pPr lvl="1"/>
-            <a:r>
-              <a:rPr lang="de-DE" dirty="0" smtClean="0"/>
-              <a:t>Projekt-Exposé</a:t>
-            </a:r>
-          </a:p>
-          <a:p>
-            <a:pPr lvl="1"/>
-            <a:r>
-              <a:rPr lang="de-DE" dirty="0" smtClean="0"/>
-              <a:t>Projektplan</a:t>
-            </a:r>
-          </a:p>
-          <a:p>
-            <a:pPr lvl="1"/>
-            <a:r>
-              <a:rPr lang="de-DE" dirty="0" smtClean="0"/>
-              <a:t>Lastenheft</a:t>
-            </a:r>
-          </a:p>
-          <a:p>
-            <a:pPr lvl="1"/>
-            <a:r>
-              <a:rPr lang="de-DE" dirty="0" smtClean="0"/>
-              <a:t>Glossar (Begriffsdefinitionen)</a:t>
-            </a:r>
-          </a:p>
-          <a:p>
-            <a:pPr lvl="1"/>
-            <a:r>
-              <a:rPr lang="de-DE" dirty="0" smtClean="0"/>
-              <a:t>Risikoanalyse</a:t>
-            </a:r>
-          </a:p>
-          <a:p>
-            <a:pPr lvl="1"/>
-            <a:r>
-              <a:rPr lang="de-DE" dirty="0" smtClean="0"/>
-              <a:t>Wirtschaftslichkeitsbetrachtung</a:t>
-            </a:r>
-          </a:p>
-          <a:p>
-            <a:pPr lvl="1"/>
-            <a:r>
-              <a:rPr lang="de-DE" dirty="0" smtClean="0"/>
-              <a:t>Szenarien</a:t>
-            </a:r>
-          </a:p>
-          <a:p>
-            <a:pPr lvl="1"/>
-            <a:r>
-              <a:rPr lang="de-DE" dirty="0" smtClean="0"/>
-              <a:t>Anwendungsfalldiagramm</a:t>
-            </a:r>
-          </a:p>
-          <a:p>
-            <a:pPr lvl="1"/>
-            <a:r>
-              <a:rPr lang="de-DE" dirty="0" smtClean="0"/>
-              <a:t>Mock-</a:t>
-            </a:r>
-            <a:r>
-              <a:rPr lang="de-DE" dirty="0" err="1" smtClean="0"/>
-              <a:t>Ups</a:t>
-            </a:r>
-            <a:endParaRPr lang="de-DE" dirty="0" smtClean="0"/>
-          </a:p>
-        </p:txBody>
-      </p:sp>
-      <p:sp>
-        <p:nvSpPr>
-          <p:cNvPr id="4" name="Datumsplatzhalter 3"/>
-          <p:cNvSpPr>
-            <a:spLocks noGrp="1"/>
-          </p:cNvSpPr>
-          <p:nvPr>
-            <p:ph type="dt" sz="half" idx="10"/>
-          </p:nvPr>
-        </p:nvSpPr>
-        <p:spPr/>
-        <p:txBody>
-          <a:bodyPr/>
-          <a:lstStyle/>
-          <a:p>
-            <a:r>
-              <a:rPr lang="de-DE" smtClean="0"/>
-              <a:t>21.04.2012</a:t>
-            </a:r>
-            <a:endParaRPr lang="de-DE" dirty="0"/>
-          </a:p>
-        </p:txBody>
-      </p:sp>
-      <p:sp>
-        <p:nvSpPr>
-          <p:cNvPr id="6" name="Fußzeilenplatzhalter 5"/>
-          <p:cNvSpPr>
-            <a:spLocks noGrp="1"/>
-          </p:cNvSpPr>
-          <p:nvPr>
-            <p:ph type="ftr" sz="quarter" idx="11"/>
-          </p:nvPr>
-        </p:nvSpPr>
-        <p:spPr/>
-        <p:txBody>
-          <a:bodyPr/>
-          <a:lstStyle/>
-          <a:p>
-            <a:r>
-              <a:rPr lang="de-DE" smtClean="0"/>
-              <a:t>FST Projekt "Eventalizer" (SS 2012) Team 5</a:t>
-            </a:r>
-            <a:endParaRPr lang="de-DE" dirty="0"/>
-          </a:p>
-        </p:txBody>
-      </p:sp>
-      <p:sp>
-        <p:nvSpPr>
-          <p:cNvPr id="5" name="Foliennummernplatzhalter 4"/>
-          <p:cNvSpPr>
-            <a:spLocks noGrp="1"/>
-          </p:cNvSpPr>
-          <p:nvPr>
-            <p:ph type="sldNum" sz="quarter" idx="12"/>
-          </p:nvPr>
-        </p:nvSpPr>
-        <p:spPr/>
-        <p:txBody>
-          <a:bodyPr/>
-          <a:lstStyle/>
-          <a:p>
-            <a:fld id="{6C6AE60A-B69C-4790-82F7-3882EDF23186}" type="slidenum">
-              <a:rPr lang="de-DE" smtClean="0"/>
-              <a:pPr/>
-              <a:t>11</a:t>
-            </a:fld>
-            <a:endParaRPr lang="de-DE" dirty="0"/>
-          </a:p>
-        </p:txBody>
-      </p:sp>
-    </p:spTree>
-    <p:extLst>
-      <p:ext uri="{BB962C8B-B14F-4D97-AF65-F5344CB8AC3E}">
-        <p14:creationId xmlns:p14="http://schemas.microsoft.com/office/powerpoint/2010/main" xmlns="" val="2298652147"/>
-      </p:ext>
-    </p:extLst>
-  </p:cSld>
-  <p:clrMapOvr>
-    <a:masterClrMapping/>
-  </p:clrMapOvr>
-  <p:timing>
-    <p:tnLst>
-      <p:par>
-        <p:cTn id="1" dur="indefinite" restart="never" nodeType="tmRoot"/>
-      </p:par>
-    </p:tnLst>
-  </p:timing>
-</p:sld>
-</file>
-
-<file path=ppt/slides/slide12.xml><?xml version="1.0" encoding="utf-8"?>
-<p:sld xmlns:a="http://schemas.openxmlformats.org/drawingml/2006/main" xmlns:r="http://schemas.openxmlformats.org/officeDocument/2006/relationships" xmlns:p="http://schemas.openxmlformats.org/presentationml/2006/main">
-  <p:cSld>
-    <p:spTree>
-      <p:nvGrpSpPr>
-        <p:cNvPr id="1" name=""/>
-        <p:cNvGrpSpPr/>
-        <p:nvPr/>
-      </p:nvGrpSpPr>
-      <p:grpSpPr>
-        <a:xfrm>
-          <a:off x="0" y="0"/>
-          <a:ext cx="0" cy="0"/>
-          <a:chOff x="0" y="0"/>
-          <a:chExt cx="0" cy="0"/>
-        </a:xfrm>
-      </p:grpSpPr>
-      <p:sp>
-        <p:nvSpPr>
-          <p:cNvPr id="2" name="Titel 1"/>
-          <p:cNvSpPr>
-            <a:spLocks noGrp="1"/>
-          </p:cNvSpPr>
-          <p:nvPr>
-            <p:ph type="title"/>
-          </p:nvPr>
-        </p:nvSpPr>
-        <p:spPr/>
-        <p:txBody>
-          <a:bodyPr>
-            <a:normAutofit/>
-          </a:bodyPr>
-          <a:lstStyle/>
-          <a:p>
-            <a:r>
-              <a:rPr lang="de-DE" dirty="0" smtClean="0"/>
-              <a:t>Projektplan</a:t>
-            </a:r>
-            <a:endParaRPr lang="de-DE" dirty="0"/>
-          </a:p>
-        </p:txBody>
-      </p:sp>
-      <p:sp>
-        <p:nvSpPr>
-          <p:cNvPr id="4" name="Datumsplatzhalter 3"/>
-          <p:cNvSpPr>
-            <a:spLocks noGrp="1"/>
-          </p:cNvSpPr>
-          <p:nvPr>
-            <p:ph type="dt" sz="half" idx="10"/>
-          </p:nvPr>
-        </p:nvSpPr>
-        <p:spPr/>
-        <p:txBody>
-          <a:bodyPr/>
-          <a:lstStyle/>
-          <a:p>
-            <a:r>
-              <a:rPr lang="de-DE" smtClean="0"/>
-              <a:t>21.04.2012</a:t>
-            </a:r>
-            <a:endParaRPr lang="de-DE" dirty="0"/>
-          </a:p>
-        </p:txBody>
-      </p:sp>
-      <p:sp>
-        <p:nvSpPr>
-          <p:cNvPr id="5" name="Fußzeilenplatzhalter 4"/>
-          <p:cNvSpPr>
-            <a:spLocks noGrp="1"/>
-          </p:cNvSpPr>
-          <p:nvPr>
-            <p:ph type="ftr" sz="quarter" idx="11"/>
-          </p:nvPr>
-        </p:nvSpPr>
-        <p:spPr/>
-        <p:txBody>
-          <a:bodyPr/>
-          <a:lstStyle/>
-          <a:p>
-            <a:r>
-              <a:rPr lang="de-DE" smtClean="0"/>
-              <a:t>FST Projekt "Eventalizer" (SS 2012) Team 5</a:t>
-            </a:r>
-            <a:endParaRPr lang="de-DE" dirty="0"/>
-          </a:p>
-        </p:txBody>
-      </p:sp>
-      <p:sp>
-        <p:nvSpPr>
-          <p:cNvPr id="6" name="Foliennummernplatzhalter 5"/>
-          <p:cNvSpPr>
-            <a:spLocks noGrp="1"/>
-          </p:cNvSpPr>
-          <p:nvPr>
-            <p:ph type="sldNum" sz="quarter" idx="12"/>
-          </p:nvPr>
-        </p:nvSpPr>
-        <p:spPr/>
-        <p:txBody>
-          <a:bodyPr/>
-          <a:lstStyle/>
-          <a:p>
-            <a:fld id="{6C6AE60A-B69C-4790-82F7-3882EDF23186}" type="slidenum">
-              <a:rPr lang="de-DE" smtClean="0"/>
-              <a:pPr/>
-              <a:t>12</a:t>
             </a:fld>
             <a:endParaRPr lang="de-DE" dirty="0"/>
           </a:p>
@@ -11354,7 +11413,7 @@
     </p:spTree>
     <p:extLst>
       <p:ext uri="{BB962C8B-B14F-4D97-AF65-F5344CB8AC3E}">
-        <p14:creationId xmlns:p14="http://schemas.microsoft.com/office/powerpoint/2010/main" xmlns="" val="2896549988"/>
+        <p14:creationId xmlns:p14="http://schemas.microsoft.com/office/powerpoint/2010/main" val="2896549988"/>
       </p:ext>
     </p:extLst>
   </p:cSld>
@@ -11371,7 +11430,7 @@
 </p:sld>
 </file>
 
-<file path=ppt/slides/slide13.xml><?xml version="1.0" encoding="utf-8"?>
+<file path=ppt/slides/slide11.xml><?xml version="1.0" encoding="utf-8"?>
 <p:sld xmlns:a="http://schemas.openxmlformats.org/drawingml/2006/main" xmlns:r="http://schemas.openxmlformats.org/officeDocument/2006/relationships" xmlns:p="http://schemas.openxmlformats.org/presentationml/2006/main">
   <p:cSld>
     <p:spTree>
@@ -11621,7 +11680,7 @@
             <a:fld id="{6C6AE60A-B69C-4790-82F7-3882EDF23186}" type="slidenum">
               <a:rPr lang="de-DE" smtClean="0"/>
               <a:pPr/>
-              <a:t>13</a:t>
+              <a:t>11</a:t>
             </a:fld>
             <a:endParaRPr lang="de-DE" dirty="0"/>
           </a:p>
@@ -11639,7 +11698,7 @@
           <a:blip r:embed="rId3" cstate="print">
             <a:extLst>
               <a:ext uri="{28A0092B-C50C-407E-A947-70E740481C1C}">
-                <a14:useLocalDpi xmlns:a14="http://schemas.microsoft.com/office/drawing/2010/main" xmlns="" val="0"/>
+                <a14:useLocalDpi xmlns:a14="http://schemas.microsoft.com/office/drawing/2010/main" val="0"/>
               </a:ext>
             </a:extLst>
           </a:blip>
@@ -11663,14 +11722,14 @@
           <a:effectLst/>
           <a:extLst>
             <a:ext uri="{909E8E84-426E-40DD-AFC4-6F175D3DCCD1}">
-              <a14:hiddenFill xmlns:a14="http://schemas.microsoft.com/office/drawing/2010/main" xmlns="">
+              <a14:hiddenFill xmlns:a14="http://schemas.microsoft.com/office/drawing/2010/main">
                 <a:solidFill>
                   <a:schemeClr val="accent1"/>
                 </a:solidFill>
               </a14:hiddenFill>
             </a:ext>
             <a:ext uri="{91240B29-F687-4F45-9708-019B960494DF}">
-              <a14:hiddenLine xmlns:a14="http://schemas.microsoft.com/office/drawing/2010/main" xmlns="" w="9525">
+              <a14:hiddenLine xmlns:a14="http://schemas.microsoft.com/office/drawing/2010/main" w="9525">
                 <a:solidFill>
                   <a:schemeClr val="tx1"/>
                 </a:solidFill>
@@ -11680,7 +11739,7 @@
               </a14:hiddenLine>
             </a:ext>
             <a:ext uri="{AF507438-7753-43E0-B8FC-AC1667EBCBE1}">
-              <a14:hiddenEffects xmlns:a14="http://schemas.microsoft.com/office/drawing/2010/main" xmlns="">
+              <a14:hiddenEffects xmlns:a14="http://schemas.microsoft.com/office/drawing/2010/main">
                 <a:effectLst>
                   <a:outerShdw dist="35921" dir="2700000" algn="ctr" rotWithShape="0">
                     <a:schemeClr val="bg2"/>
@@ -11694,7 +11753,7 @@
     </p:spTree>
     <p:extLst>
       <p:ext uri="{BB962C8B-B14F-4D97-AF65-F5344CB8AC3E}">
-        <p14:creationId xmlns:p14="http://schemas.microsoft.com/office/powerpoint/2010/main" xmlns="" val="1245381784"/>
+        <p14:creationId xmlns:p14="http://schemas.microsoft.com/office/powerpoint/2010/main" val="1245381784"/>
       </p:ext>
     </p:extLst>
   </p:cSld>
@@ -11711,7 +11770,7 @@
 </p:sld>
 </file>
 
-<file path=ppt/slides/slide14.xml><?xml version="1.0" encoding="utf-8"?>
+<file path=ppt/slides/slide12.xml><?xml version="1.0" encoding="utf-8"?>
 <p:sld xmlns:a="http://schemas.openxmlformats.org/drawingml/2006/main" xmlns:r="http://schemas.openxmlformats.org/officeDocument/2006/relationships" xmlns:p="http://schemas.openxmlformats.org/presentationml/2006/main">
   <p:cSld>
     <p:spTree>
@@ -11961,7 +12020,7 @@
             <a:fld id="{6C6AE60A-B69C-4790-82F7-3882EDF23186}" type="slidenum">
               <a:rPr lang="de-DE" smtClean="0"/>
               <a:pPr/>
-              <a:t>14</a:t>
+              <a:t>12</a:t>
             </a:fld>
             <a:endParaRPr lang="de-DE" dirty="0"/>
           </a:p>
@@ -11970,7 +12029,7 @@
     </p:spTree>
     <p:extLst>
       <p:ext uri="{BB962C8B-B14F-4D97-AF65-F5344CB8AC3E}">
-        <p14:creationId xmlns:p14="http://schemas.microsoft.com/office/powerpoint/2010/main" xmlns="" val="1985017572"/>
+        <p14:creationId xmlns:p14="http://schemas.microsoft.com/office/powerpoint/2010/main" val="1985017572"/>
       </p:ext>
     </p:extLst>
   </p:cSld>
@@ -11987,7 +12046,7 @@
 </p:sld>
 </file>
 
-<file path=ppt/slides/slide15.xml><?xml version="1.0" encoding="utf-8"?>
+<file path=ppt/slides/slide13.xml><?xml version="1.0" encoding="utf-8"?>
 <p:sld xmlns:a="http://schemas.openxmlformats.org/drawingml/2006/main" xmlns:r="http://schemas.openxmlformats.org/officeDocument/2006/relationships" xmlns:p="http://schemas.openxmlformats.org/presentationml/2006/main">
   <p:cSld>
     <p:spTree>
@@ -12161,7 +12220,7 @@
             <a:fld id="{6C6AE60A-B69C-4790-82F7-3882EDF23186}" type="slidenum">
               <a:rPr lang="de-DE" smtClean="0"/>
               <a:pPr/>
-              <a:t>15</a:t>
+              <a:t>13</a:t>
             </a:fld>
             <a:endParaRPr lang="de-DE" dirty="0"/>
           </a:p>
@@ -12202,7 +12261,7 @@
     </p:spTree>
     <p:extLst>
       <p:ext uri="{BB962C8B-B14F-4D97-AF65-F5344CB8AC3E}">
-        <p14:creationId xmlns:p14="http://schemas.microsoft.com/office/powerpoint/2010/main" xmlns="" val="937201037"/>
+        <p14:creationId xmlns:p14="http://schemas.microsoft.com/office/powerpoint/2010/main" val="937201037"/>
       </p:ext>
     </p:extLst>
   </p:cSld>
@@ -12219,7 +12278,7 @@
 </p:sld>
 </file>
 
-<file path=ppt/slides/slide16.xml><?xml version="1.0" encoding="utf-8"?>
+<file path=ppt/slides/slide14.xml><?xml version="1.0" encoding="utf-8"?>
 <p:sld xmlns:a="http://schemas.openxmlformats.org/drawingml/2006/main" xmlns:r="http://schemas.openxmlformats.org/officeDocument/2006/relationships" xmlns:p="http://schemas.openxmlformats.org/presentationml/2006/main">
   <p:cSld>
     <p:spTree>
@@ -12469,7 +12528,7 @@
             <a:fld id="{6C6AE60A-B69C-4790-82F7-3882EDF23186}" type="slidenum">
               <a:rPr lang="de-DE" smtClean="0"/>
               <a:pPr/>
-              <a:t>16</a:t>
+              <a:t>14</a:t>
             </a:fld>
             <a:endParaRPr lang="de-DE" dirty="0"/>
           </a:p>
@@ -12478,7 +12537,7 @@
     </p:spTree>
     <p:extLst>
       <p:ext uri="{BB962C8B-B14F-4D97-AF65-F5344CB8AC3E}">
-        <p14:creationId xmlns:p14="http://schemas.microsoft.com/office/powerpoint/2010/main" xmlns="" val="2116476924"/>
+        <p14:creationId xmlns:p14="http://schemas.microsoft.com/office/powerpoint/2010/main" val="2116476924"/>
       </p:ext>
     </p:extLst>
   </p:cSld>
@@ -12495,7 +12554,7 @@
 </p:sld>
 </file>
 
-<file path=ppt/slides/slide17.xml><?xml version="1.0" encoding="utf-8"?>
+<file path=ppt/slides/slide15.xml><?xml version="1.0" encoding="utf-8"?>
 <p:sld xmlns:a="http://schemas.openxmlformats.org/drawingml/2006/main" xmlns:r="http://schemas.openxmlformats.org/officeDocument/2006/relationships" xmlns:p="http://schemas.openxmlformats.org/presentationml/2006/main">
   <p:cSld>
     <p:spTree>
@@ -12745,7 +12804,7 @@
             <a:fld id="{6C6AE60A-B69C-4790-82F7-3882EDF23186}" type="slidenum">
               <a:rPr lang="de-DE" smtClean="0"/>
               <a:pPr/>
-              <a:t>17</a:t>
+              <a:t>15</a:t>
             </a:fld>
             <a:endParaRPr lang="de-DE" dirty="0"/>
           </a:p>
@@ -12754,7 +12813,7 @@
     </p:spTree>
     <p:extLst>
       <p:ext uri="{BB962C8B-B14F-4D97-AF65-F5344CB8AC3E}">
-        <p14:creationId xmlns:p14="http://schemas.microsoft.com/office/powerpoint/2010/main" xmlns="" val="3445806666"/>
+        <p14:creationId xmlns:p14="http://schemas.microsoft.com/office/powerpoint/2010/main" val="3445806666"/>
       </p:ext>
     </p:extLst>
   </p:cSld>
@@ -12771,7 +12830,7 @@
 </p:sld>
 </file>
 
-<file path=ppt/slides/slide18.xml><?xml version="1.0" encoding="utf-8"?>
+<file path=ppt/slides/slide16.xml><?xml version="1.0" encoding="utf-8"?>
 <p:sld xmlns:a="http://schemas.openxmlformats.org/drawingml/2006/main" xmlns:r="http://schemas.openxmlformats.org/officeDocument/2006/relationships" xmlns:p="http://schemas.openxmlformats.org/presentationml/2006/main">
   <p:cSld>
     <p:spTree>
@@ -13021,6 +13080,551 @@
             <a:fld id="{6C6AE60A-B69C-4790-82F7-3882EDF23186}" type="slidenum">
               <a:rPr lang="de-DE" smtClean="0"/>
               <a:pPr/>
+              <a:t>16</a:t>
+            </a:fld>
+            <a:endParaRPr lang="de-DE" dirty="0"/>
+          </a:p>
+        </p:txBody>
+      </p:sp>
+    </p:spTree>
+    <p:extLst>
+      <p:ext uri="{BB962C8B-B14F-4D97-AF65-F5344CB8AC3E}">
+        <p14:creationId xmlns:p14="http://schemas.microsoft.com/office/powerpoint/2010/main" val="3445806666"/>
+      </p:ext>
+    </p:extLst>
+  </p:cSld>
+  <p:clrMapOvr>
+    <a:masterClrMapping/>
+  </p:clrMapOvr>
+  <p:timing>
+    <p:tnLst>
+      <p:par>
+        <p:cTn id="1" dur="indefinite" restart="never" nodeType="tmRoot"/>
+      </p:par>
+    </p:tnLst>
+  </p:timing>
+</p:sld>
+</file>
+
+<file path=ppt/slides/slide17.xml><?xml version="1.0" encoding="utf-8"?>
+<p:sld xmlns:a="http://schemas.openxmlformats.org/drawingml/2006/main" xmlns:r="http://schemas.openxmlformats.org/officeDocument/2006/relationships" xmlns:p="http://schemas.openxmlformats.org/presentationml/2006/main">
+  <p:cSld>
+    <p:spTree>
+      <p:nvGrpSpPr>
+        <p:cNvPr id="1" name=""/>
+        <p:cNvGrpSpPr/>
+        <p:nvPr/>
+      </p:nvGrpSpPr>
+      <p:grpSpPr>
+        <a:xfrm>
+          <a:off x="0" y="0"/>
+          <a:ext cx="0" cy="0"/>
+          <a:chOff x="0" y="0"/>
+          <a:chExt cx="0" cy="0"/>
+        </a:xfrm>
+      </p:grpSpPr>
+      <p:sp>
+        <p:nvSpPr>
+          <p:cNvPr id="2" name="Titel 1"/>
+          <p:cNvSpPr>
+            <a:spLocks noGrp="1"/>
+          </p:cNvSpPr>
+          <p:nvPr>
+            <p:ph type="title"/>
+          </p:nvPr>
+        </p:nvSpPr>
+        <p:spPr/>
+        <p:txBody>
+          <a:bodyPr>
+            <a:normAutofit/>
+          </a:bodyPr>
+          <a:lstStyle/>
+          <a:p>
+            <a:r>
+              <a:rPr lang="de-DE" dirty="0" smtClean="0"/>
+              <a:t>Szenarien</a:t>
+            </a:r>
+            <a:endParaRPr lang="de-DE" dirty="0"/>
+          </a:p>
+        </p:txBody>
+      </p:sp>
+      <p:sp>
+        <p:nvSpPr>
+          <p:cNvPr id="8" name="Inhaltsplatzhalter 7"/>
+          <p:cNvSpPr>
+            <a:spLocks noGrp="1"/>
+          </p:cNvSpPr>
+          <p:nvPr>
+            <p:ph idx="1"/>
+          </p:nvPr>
+        </p:nvSpPr>
+        <p:spPr/>
+        <p:txBody>
+          <a:bodyPr/>
+          <a:lstStyle/>
+          <a:p>
+            <a:endParaRPr lang="de-DE" dirty="0" smtClean="0"/>
+          </a:p>
+          <a:p>
+            <a:r>
+              <a:rPr lang="de-DE" dirty="0" smtClean="0"/>
+              <a:t>Event-Organisation</a:t>
+            </a:r>
+          </a:p>
+          <a:p>
+            <a:endParaRPr lang="de-DE" dirty="0" smtClean="0"/>
+          </a:p>
+          <a:p>
+            <a:r>
+              <a:rPr lang="de-DE" dirty="0" smtClean="0"/>
+              <a:t>Event-Teilnahme</a:t>
+            </a:r>
+            <a:endParaRPr lang="de-DE" dirty="0"/>
+          </a:p>
+        </p:txBody>
+      </p:sp>
+      <p:sp>
+        <p:nvSpPr>
+          <p:cNvPr id="4" name="Datumsplatzhalter 3"/>
+          <p:cNvSpPr>
+            <a:spLocks noGrp="1"/>
+          </p:cNvSpPr>
+          <p:nvPr>
+            <p:ph type="dt" sz="half" idx="10"/>
+          </p:nvPr>
+        </p:nvSpPr>
+        <p:spPr>
+          <a:xfrm>
+            <a:off x="5550892" y="6288112"/>
+            <a:ext cx="2133600" cy="476250"/>
+          </a:xfrm>
+        </p:spPr>
+        <p:txBody>
+          <a:bodyPr/>
+          <a:lstStyle/>
+          <a:p>
+            <a:r>
+              <a:rPr lang="de-DE" smtClean="0"/>
+              <a:t>21.04.2012</a:t>
+            </a:r>
+            <a:endParaRPr lang="de-DE" dirty="0"/>
+          </a:p>
+        </p:txBody>
+      </p:sp>
+      <p:sp>
+        <p:nvSpPr>
+          <p:cNvPr id="5" name="Fußzeilenplatzhalter 4"/>
+          <p:cNvSpPr>
+            <a:spLocks noGrp="1"/>
+          </p:cNvSpPr>
+          <p:nvPr>
+            <p:ph type="ftr" sz="quarter" idx="11"/>
+          </p:nvPr>
+        </p:nvSpPr>
+        <p:spPr>
+          <a:xfrm>
+            <a:off x="1043608" y="6237312"/>
+            <a:ext cx="3824286" cy="476250"/>
+          </a:xfrm>
+        </p:spPr>
+        <p:txBody>
+          <a:bodyPr/>
+          <a:lstStyle/>
+          <a:p>
+            <a:r>
+              <a:rPr lang="de-DE" dirty="0" smtClean="0"/>
+              <a:t>FST Projekt "</a:t>
+            </a:r>
+            <a:r>
+              <a:rPr lang="de-DE" dirty="0" err="1" smtClean="0"/>
+              <a:t>Eventalizer</a:t>
+            </a:r>
+            <a:r>
+              <a:rPr lang="de-DE" dirty="0" smtClean="0"/>
+              <a:t>" (SS 2012) Team 5</a:t>
+            </a:r>
+            <a:endParaRPr lang="de-DE" dirty="0"/>
+          </a:p>
+        </p:txBody>
+      </p:sp>
+      <p:sp>
+        <p:nvSpPr>
+          <p:cNvPr id="6" name="Foliennummernplatzhalter 5"/>
+          <p:cNvSpPr>
+            <a:spLocks noGrp="1"/>
+          </p:cNvSpPr>
+          <p:nvPr>
+            <p:ph type="sldNum" sz="quarter" idx="12"/>
+          </p:nvPr>
+        </p:nvSpPr>
+        <p:spPr/>
+        <p:txBody>
+          <a:bodyPr/>
+          <a:lstStyle/>
+          <a:p>
+            <a:fld id="{6C6AE60A-B69C-4790-82F7-3882EDF23186}" type="slidenum">
+              <a:rPr lang="de-DE" smtClean="0"/>
+              <a:pPr/>
+              <a:t>17</a:t>
+            </a:fld>
+            <a:endParaRPr lang="de-DE" dirty="0"/>
+          </a:p>
+        </p:txBody>
+      </p:sp>
+      <p:pic>
+        <p:nvPicPr>
+          <p:cNvPr id="3074" name="Picture 2"/>
+          <p:cNvPicPr>
+            <a:picLocks noChangeAspect="1" noChangeArrowheads="1"/>
+          </p:cNvPicPr>
+          <p:nvPr/>
+        </p:nvPicPr>
+        <p:blipFill>
+          <a:blip r:embed="rId3" cstate="print">
+            <a:duotone>
+              <a:schemeClr val="accent1">
+                <a:shade val="45000"/>
+                <a:satMod val="135000"/>
+              </a:schemeClr>
+              <a:prstClr val="white"/>
+            </a:duotone>
+          </a:blip>
+          <a:srcRect/>
+          <a:stretch>
+            <a:fillRect/>
+          </a:stretch>
+        </p:blipFill>
+        <p:spPr bwMode="auto">
+          <a:xfrm rot="20524437">
+            <a:off x="3559565" y="3487738"/>
+            <a:ext cx="3600000" cy="3344727"/>
+          </a:xfrm>
+          <a:prstGeom prst="rect">
+            <a:avLst/>
+          </a:prstGeom>
+          <a:noFill/>
+          <a:ln w="9525">
+            <a:solidFill>
+              <a:schemeClr val="tx1"/>
+            </a:solidFill>
+            <a:miter lim="800000"/>
+            <a:headEnd/>
+            <a:tailEnd/>
+          </a:ln>
+        </p:spPr>
+      </p:pic>
+      <p:pic>
+        <p:nvPicPr>
+          <p:cNvPr id="9" name="Picture 2"/>
+          <p:cNvPicPr>
+            <a:picLocks noChangeAspect="1" noChangeArrowheads="1"/>
+          </p:cNvPicPr>
+          <p:nvPr/>
+        </p:nvPicPr>
+        <p:blipFill>
+          <a:blip r:embed="rId4" cstate="print">
+            <a:duotone>
+              <a:schemeClr val="accent1">
+                <a:shade val="45000"/>
+                <a:satMod val="135000"/>
+              </a:schemeClr>
+              <a:prstClr val="white"/>
+            </a:duotone>
+          </a:blip>
+          <a:srcRect/>
+          <a:stretch>
+            <a:fillRect/>
+          </a:stretch>
+        </p:blipFill>
+        <p:spPr bwMode="auto">
+          <a:xfrm rot="770554">
+            <a:off x="5786547" y="1993816"/>
+            <a:ext cx="3600000" cy="2804348"/>
+          </a:xfrm>
+          <a:prstGeom prst="rect">
+            <a:avLst/>
+          </a:prstGeom>
+          <a:noFill/>
+          <a:ln w="9525">
+            <a:solidFill>
+              <a:schemeClr val="tx1"/>
+            </a:solidFill>
+            <a:miter lim="800000"/>
+            <a:headEnd/>
+            <a:tailEnd/>
+          </a:ln>
+        </p:spPr>
+      </p:pic>
+    </p:spTree>
+    <p:extLst>
+      <p:ext uri="{BB962C8B-B14F-4D97-AF65-F5344CB8AC3E}">
+        <p14:creationId xmlns:p14="http://schemas.microsoft.com/office/powerpoint/2010/main" val="1623903760"/>
+      </p:ext>
+    </p:extLst>
+  </p:cSld>
+  <p:clrMapOvr>
+    <a:masterClrMapping/>
+  </p:clrMapOvr>
+  <p:timing>
+    <p:tnLst>
+      <p:par>
+        <p:cTn id="1" dur="indefinite" restart="never" nodeType="tmRoot"/>
+      </p:par>
+    </p:tnLst>
+  </p:timing>
+</p:sld>
+</file>
+
+<file path=ppt/slides/slide18.xml><?xml version="1.0" encoding="utf-8"?>
+<p:sld xmlns:a="http://schemas.openxmlformats.org/drawingml/2006/main" xmlns:r="http://schemas.openxmlformats.org/officeDocument/2006/relationships" xmlns:p="http://schemas.openxmlformats.org/presentationml/2006/main">
+  <p:cSld>
+    <p:spTree>
+      <p:nvGrpSpPr>
+        <p:cNvPr id="1" name=""/>
+        <p:cNvGrpSpPr/>
+        <p:nvPr/>
+      </p:nvGrpSpPr>
+      <p:grpSpPr>
+        <a:xfrm>
+          <a:off x="0" y="0"/>
+          <a:ext cx="0" cy="0"/>
+          <a:chOff x="0" y="0"/>
+          <a:chExt cx="0" cy="0"/>
+        </a:xfrm>
+      </p:grpSpPr>
+      <p:sp>
+        <p:nvSpPr>
+          <p:cNvPr id="7" name="Abgerundetes Rechteck 6"/>
+          <p:cNvSpPr/>
+          <p:nvPr/>
+        </p:nvSpPr>
+        <p:spPr>
+          <a:xfrm>
+            <a:off x="1835696" y="5085184"/>
+            <a:ext cx="5040560" cy="504056"/>
+          </a:xfrm>
+          <a:prstGeom prst="roundRect">
+            <a:avLst/>
+          </a:prstGeom>
+          <a:solidFill>
+            <a:schemeClr val="accent1">
+              <a:lumMod val="20000"/>
+              <a:lumOff val="80000"/>
+            </a:schemeClr>
+          </a:solidFill>
+          <a:ln>
+            <a:solidFill>
+              <a:schemeClr val="accent1">
+                <a:lumMod val="20000"/>
+                <a:lumOff val="80000"/>
+              </a:schemeClr>
+            </a:solidFill>
+          </a:ln>
+        </p:spPr>
+        <p:style>
+          <a:lnRef idx="2">
+            <a:schemeClr val="accent1">
+              <a:shade val="50000"/>
+            </a:schemeClr>
+          </a:lnRef>
+          <a:fillRef idx="1">
+            <a:schemeClr val="accent1"/>
+          </a:fillRef>
+          <a:effectRef idx="0">
+            <a:schemeClr val="accent1"/>
+          </a:effectRef>
+          <a:fontRef idx="minor">
+            <a:schemeClr val="lt1"/>
+          </a:fontRef>
+        </p:style>
+        <p:txBody>
+          <a:bodyPr rtlCol="0" anchor="ctr"/>
+          <a:lstStyle/>
+          <a:p>
+            <a:pPr algn="ctr"/>
+            <a:endParaRPr lang="de-DE"/>
+          </a:p>
+        </p:txBody>
+      </p:sp>
+      <p:sp>
+        <p:nvSpPr>
+          <p:cNvPr id="3" name="Inhaltsplatzhalter 2"/>
+          <p:cNvSpPr>
+            <a:spLocks noGrp="1"/>
+          </p:cNvSpPr>
+          <p:nvPr>
+            <p:ph idx="1"/>
+          </p:nvPr>
+        </p:nvSpPr>
+        <p:spPr/>
+        <p:txBody>
+          <a:bodyPr>
+            <a:noAutofit/>
+          </a:bodyPr>
+          <a:lstStyle/>
+          <a:p>
+            <a:r>
+              <a:rPr lang="de-DE" dirty="0" smtClean="0"/>
+              <a:t>Dokumente</a:t>
+            </a:r>
+          </a:p>
+          <a:p>
+            <a:pPr lvl="1"/>
+            <a:r>
+              <a:rPr lang="de-DE" dirty="0" smtClean="0"/>
+              <a:t>Projekt-Exposé</a:t>
+            </a:r>
+          </a:p>
+          <a:p>
+            <a:pPr lvl="1"/>
+            <a:r>
+              <a:rPr lang="de-DE" dirty="0" smtClean="0"/>
+              <a:t>Projektplan</a:t>
+            </a:r>
+          </a:p>
+          <a:p>
+            <a:pPr lvl="1"/>
+            <a:r>
+              <a:rPr lang="de-DE" dirty="0" smtClean="0"/>
+              <a:t>Lastenheft</a:t>
+            </a:r>
+          </a:p>
+          <a:p>
+            <a:pPr lvl="1"/>
+            <a:r>
+              <a:rPr lang="de-DE" dirty="0" smtClean="0"/>
+              <a:t>Glossar (Begriffsdefinitionen)</a:t>
+            </a:r>
+          </a:p>
+          <a:p>
+            <a:pPr lvl="1"/>
+            <a:r>
+              <a:rPr lang="de-DE" dirty="0" smtClean="0"/>
+              <a:t>Risikoanalyse</a:t>
+            </a:r>
+          </a:p>
+          <a:p>
+            <a:pPr lvl="1"/>
+            <a:r>
+              <a:rPr lang="de-DE" dirty="0" smtClean="0"/>
+              <a:t>Wirtschaftslichkeitsbetrachtung</a:t>
+            </a:r>
+          </a:p>
+          <a:p>
+            <a:pPr lvl="1"/>
+            <a:r>
+              <a:rPr lang="de-DE" dirty="0" smtClean="0"/>
+              <a:t>Szenarien</a:t>
+            </a:r>
+          </a:p>
+          <a:p>
+            <a:pPr lvl="1"/>
+            <a:r>
+              <a:rPr lang="de-DE" dirty="0" smtClean="0"/>
+              <a:t>Anwendungsfalldiagramm</a:t>
+            </a:r>
+          </a:p>
+          <a:p>
+            <a:pPr lvl="1"/>
+            <a:r>
+              <a:rPr lang="de-DE" dirty="0" smtClean="0"/>
+              <a:t>Mock-</a:t>
+            </a:r>
+            <a:r>
+              <a:rPr lang="de-DE" dirty="0" err="1" smtClean="0"/>
+              <a:t>Ups</a:t>
+            </a:r>
+            <a:endParaRPr lang="de-DE" dirty="0" smtClean="0"/>
+          </a:p>
+        </p:txBody>
+      </p:sp>
+      <p:sp>
+        <p:nvSpPr>
+          <p:cNvPr id="2" name="Titel 1"/>
+          <p:cNvSpPr>
+            <a:spLocks noGrp="1"/>
+          </p:cNvSpPr>
+          <p:nvPr>
+            <p:ph type="title"/>
+          </p:nvPr>
+        </p:nvSpPr>
+        <p:spPr/>
+        <p:txBody>
+          <a:bodyPr/>
+          <a:lstStyle/>
+          <a:p>
+            <a:r>
+              <a:rPr lang="de-DE" dirty="0" smtClean="0"/>
+              <a:t>Aktuelle Ergebnisse</a:t>
+            </a:r>
+            <a:endParaRPr lang="de-DE" dirty="0"/>
+          </a:p>
+        </p:txBody>
+      </p:sp>
+      <p:sp>
+        <p:nvSpPr>
+          <p:cNvPr id="4" name="Datumsplatzhalter 3"/>
+          <p:cNvSpPr>
+            <a:spLocks noGrp="1"/>
+          </p:cNvSpPr>
+          <p:nvPr>
+            <p:ph type="dt" sz="half" idx="10"/>
+          </p:nvPr>
+        </p:nvSpPr>
+        <p:spPr/>
+        <p:txBody>
+          <a:bodyPr/>
+          <a:lstStyle/>
+          <a:p>
+            <a:r>
+              <a:rPr lang="de-DE" smtClean="0"/>
+              <a:t>21.04.2012</a:t>
+            </a:r>
+            <a:endParaRPr lang="de-DE" dirty="0"/>
+          </a:p>
+        </p:txBody>
+      </p:sp>
+      <p:sp>
+        <p:nvSpPr>
+          <p:cNvPr id="6" name="Fußzeilenplatzhalter 5"/>
+          <p:cNvSpPr>
+            <a:spLocks noGrp="1"/>
+          </p:cNvSpPr>
+          <p:nvPr>
+            <p:ph type="ftr" sz="quarter" idx="11"/>
+          </p:nvPr>
+        </p:nvSpPr>
+        <p:spPr/>
+        <p:txBody>
+          <a:bodyPr/>
+          <a:lstStyle/>
+          <a:p>
+            <a:r>
+              <a:rPr lang="de-DE" smtClean="0"/>
+              <a:t>FST Projekt "Eventalizer" (SS 2012) Team 5</a:t>
+            </a:r>
+            <a:endParaRPr lang="de-DE" dirty="0"/>
+          </a:p>
+        </p:txBody>
+      </p:sp>
+      <p:sp>
+        <p:nvSpPr>
+          <p:cNvPr id="5" name="Foliennummernplatzhalter 4"/>
+          <p:cNvSpPr>
+            <a:spLocks noGrp="1"/>
+          </p:cNvSpPr>
+          <p:nvPr>
+            <p:ph type="sldNum" sz="quarter" idx="12"/>
+          </p:nvPr>
+        </p:nvSpPr>
+        <p:spPr/>
+        <p:txBody>
+          <a:bodyPr/>
+          <a:lstStyle/>
+          <a:p>
+            <a:fld id="{6C6AE60A-B69C-4790-82F7-3882EDF23186}" type="slidenum">
+              <a:rPr lang="de-DE" smtClean="0"/>
+              <a:pPr/>
               <a:t>18</a:t>
             </a:fld>
             <a:endParaRPr lang="de-DE" dirty="0"/>
@@ -13030,7 +13634,7 @@
     </p:spTree>
     <p:extLst>
       <p:ext uri="{BB962C8B-B14F-4D97-AF65-F5344CB8AC3E}">
-        <p14:creationId xmlns:p14="http://schemas.microsoft.com/office/powerpoint/2010/main" xmlns="" val="3445806666"/>
+        <p14:creationId xmlns:p14="http://schemas.microsoft.com/office/powerpoint/2010/main" val="3445806666"/>
       </p:ext>
     </p:extLst>
   </p:cSld>
@@ -13076,49 +13680,12 @@
         </p:nvSpPr>
         <p:spPr/>
         <p:txBody>
-          <a:bodyPr>
-            <a:normAutofit/>
-          </a:bodyPr>
-          <a:lstStyle/>
-          <a:p>
-            <a:r>
-              <a:rPr lang="de-DE" dirty="0" smtClean="0"/>
-              <a:t>Szenarien</a:t>
-            </a:r>
-            <a:endParaRPr lang="de-DE" dirty="0"/>
-          </a:p>
-        </p:txBody>
-      </p:sp>
-      <p:sp>
-        <p:nvSpPr>
-          <p:cNvPr id="8" name="Inhaltsplatzhalter 7"/>
-          <p:cNvSpPr>
-            <a:spLocks noGrp="1"/>
-          </p:cNvSpPr>
-          <p:nvPr>
-            <p:ph idx="1"/>
-          </p:nvPr>
-        </p:nvSpPr>
-        <p:spPr/>
-        <p:txBody>
           <a:bodyPr/>
           <a:lstStyle/>
           <a:p>
-            <a:endParaRPr lang="de-DE" dirty="0" smtClean="0"/>
-          </a:p>
-          <a:p>
-            <a:r>
-              <a:rPr lang="de-DE" dirty="0" smtClean="0"/>
-              <a:t>Event-Organisation</a:t>
-            </a:r>
-          </a:p>
-          <a:p>
-            <a:endParaRPr lang="de-DE" dirty="0" smtClean="0"/>
-          </a:p>
-          <a:p>
-            <a:r>
-              <a:rPr lang="de-DE" dirty="0" smtClean="0"/>
-              <a:t>Event-Teilnahme</a:t>
+            <a:r>
+              <a:rPr lang="de-DE" dirty="0" smtClean="0"/>
+              <a:t>Anwendungsfalldiagramm</a:t>
             </a:r>
             <a:endParaRPr lang="de-DE" dirty="0"/>
           </a:p>
@@ -13196,14 +13763,14 @@
       </p:sp>
       <p:pic>
         <p:nvPicPr>
-          <p:cNvPr id="9" name="Picture 2"/>
+          <p:cNvPr id="43010" name="Picture 2" descr="C:\Users\Alexander\Desktop\eventalizer\eventalizer\dokumente\UML Diagramme\Anwendungsfalldiagramm.png"/>
           <p:cNvPicPr>
             <a:picLocks noChangeAspect="1" noChangeArrowheads="1"/>
           </p:cNvPicPr>
           <p:nvPr/>
         </p:nvPicPr>
         <p:blipFill>
-          <a:blip r:embed="rId3" cstate="print"/>
+          <a:blip r:embed="rId2" cstate="print"/>
           <a:srcRect/>
           <a:stretch>
             <a:fillRect/>
@@ -13211,61 +13778,19 @@
         </p:blipFill>
         <p:spPr bwMode="auto">
           <a:xfrm>
-            <a:off x="5220072" y="1700808"/>
-            <a:ext cx="3600000" cy="2804348"/>
+            <a:off x="1404352" y="1196752"/>
+            <a:ext cx="6336000" cy="5590129"/>
           </a:xfrm>
           <a:prstGeom prst="rect">
             <a:avLst/>
           </a:prstGeom>
           <a:noFill/>
-          <a:ln w="9525">
-            <a:solidFill>
-              <a:schemeClr val="tx1"/>
-            </a:solidFill>
-            <a:miter lim="800000"/>
-            <a:headEnd/>
-            <a:tailEnd/>
-          </a:ln>
-        </p:spPr>
-      </p:pic>
-      <p:pic>
-        <p:nvPicPr>
-          <p:cNvPr id="3074" name="Picture 2"/>
-          <p:cNvPicPr>
-            <a:picLocks noChangeAspect="1" noChangeArrowheads="1"/>
-          </p:cNvPicPr>
-          <p:nvPr/>
-        </p:nvPicPr>
-        <p:blipFill>
-          <a:blip r:embed="rId4" cstate="print"/>
-          <a:srcRect/>
-          <a:stretch>
-            <a:fillRect/>
-          </a:stretch>
-        </p:blipFill>
-        <p:spPr bwMode="auto">
-          <a:xfrm rot="852641">
-            <a:off x="4927465" y="2883599"/>
-            <a:ext cx="3600000" cy="3344727"/>
-          </a:xfrm>
-          <a:prstGeom prst="rect">
-            <a:avLst/>
-          </a:prstGeom>
-          <a:noFill/>
-          <a:ln w="9525">
-            <a:solidFill>
-              <a:schemeClr val="tx1"/>
-            </a:solidFill>
-            <a:miter lim="800000"/>
-            <a:headEnd/>
-            <a:tailEnd/>
-          </a:ln>
         </p:spPr>
       </p:pic>
     </p:spTree>
     <p:extLst>
       <p:ext uri="{BB962C8B-B14F-4D97-AF65-F5344CB8AC3E}">
-        <p14:creationId xmlns:p14="http://schemas.microsoft.com/office/powerpoint/2010/main" xmlns="" val="1623903760"/>
+        <p14:creationId xmlns:p14="http://schemas.microsoft.com/office/powerpoint/2010/main" val="3437731525"/>
       </p:ext>
     </p:extLst>
   </p:cSld>
@@ -13342,7 +13867,6 @@
               <a:rPr lang="de-DE" dirty="0" smtClean="0"/>
               <a:t>Projektsteckbrief</a:t>
             </a:r>
-            <a:endParaRPr lang="de-DE" dirty="0" smtClean="0"/>
           </a:p>
           <a:p>
             <a:r>
@@ -13361,7 +13885,6 @@
               <a:rPr lang="de-DE" dirty="0" smtClean="0"/>
               <a:t>Architekturentscheidungen</a:t>
             </a:r>
-            <a:endParaRPr lang="de-DE" dirty="0" smtClean="0"/>
           </a:p>
           <a:p>
             <a:pPr lvl="0">
@@ -13510,7 +14033,7 @@
     </p:spTree>
     <p:extLst>
       <p:ext uri="{BB962C8B-B14F-4D97-AF65-F5344CB8AC3E}">
-        <p14:creationId xmlns:p14="http://schemas.microsoft.com/office/powerpoint/2010/main" xmlns="" val="3616670450"/>
+        <p14:creationId xmlns:p14="http://schemas.microsoft.com/office/powerpoint/2010/main" val="3616670450"/>
       </p:ext>
     </p:extLst>
   </p:cSld>
@@ -13528,438 +14051,6 @@
 </file>
 
 <file path=ppt/slides/slide20.xml><?xml version="1.0" encoding="utf-8"?>
-<p:sld xmlns:a="http://schemas.openxmlformats.org/drawingml/2006/main" xmlns:r="http://schemas.openxmlformats.org/officeDocument/2006/relationships" xmlns:p="http://schemas.openxmlformats.org/presentationml/2006/main">
-  <p:cSld>
-    <p:spTree>
-      <p:nvGrpSpPr>
-        <p:cNvPr id="1" name=""/>
-        <p:cNvGrpSpPr/>
-        <p:nvPr/>
-      </p:nvGrpSpPr>
-      <p:grpSpPr>
-        <a:xfrm>
-          <a:off x="0" y="0"/>
-          <a:ext cx="0" cy="0"/>
-          <a:chOff x="0" y="0"/>
-          <a:chExt cx="0" cy="0"/>
-        </a:xfrm>
-      </p:grpSpPr>
-      <p:sp>
-        <p:nvSpPr>
-          <p:cNvPr id="7" name="Abgerundetes Rechteck 6"/>
-          <p:cNvSpPr/>
-          <p:nvPr/>
-        </p:nvSpPr>
-        <p:spPr>
-          <a:xfrm>
-            <a:off x="1835696" y="5085184"/>
-            <a:ext cx="5040560" cy="504056"/>
-          </a:xfrm>
-          <a:prstGeom prst="roundRect">
-            <a:avLst/>
-          </a:prstGeom>
-          <a:solidFill>
-            <a:schemeClr val="accent1">
-              <a:lumMod val="20000"/>
-              <a:lumOff val="80000"/>
-            </a:schemeClr>
-          </a:solidFill>
-          <a:ln>
-            <a:solidFill>
-              <a:schemeClr val="accent1">
-                <a:lumMod val="20000"/>
-                <a:lumOff val="80000"/>
-              </a:schemeClr>
-            </a:solidFill>
-          </a:ln>
-        </p:spPr>
-        <p:style>
-          <a:lnRef idx="2">
-            <a:schemeClr val="accent1">
-              <a:shade val="50000"/>
-            </a:schemeClr>
-          </a:lnRef>
-          <a:fillRef idx="1">
-            <a:schemeClr val="accent1"/>
-          </a:fillRef>
-          <a:effectRef idx="0">
-            <a:schemeClr val="accent1"/>
-          </a:effectRef>
-          <a:fontRef idx="minor">
-            <a:schemeClr val="lt1"/>
-          </a:fontRef>
-        </p:style>
-        <p:txBody>
-          <a:bodyPr rtlCol="0" anchor="ctr"/>
-          <a:lstStyle/>
-          <a:p>
-            <a:pPr algn="ctr"/>
-            <a:endParaRPr lang="de-DE"/>
-          </a:p>
-        </p:txBody>
-      </p:sp>
-      <p:sp>
-        <p:nvSpPr>
-          <p:cNvPr id="3" name="Inhaltsplatzhalter 2"/>
-          <p:cNvSpPr>
-            <a:spLocks noGrp="1"/>
-          </p:cNvSpPr>
-          <p:nvPr>
-            <p:ph idx="1"/>
-          </p:nvPr>
-        </p:nvSpPr>
-        <p:spPr/>
-        <p:txBody>
-          <a:bodyPr>
-            <a:noAutofit/>
-          </a:bodyPr>
-          <a:lstStyle/>
-          <a:p>
-            <a:r>
-              <a:rPr lang="de-DE" dirty="0" smtClean="0"/>
-              <a:t>Dokumente</a:t>
-            </a:r>
-          </a:p>
-          <a:p>
-            <a:pPr lvl="1"/>
-            <a:r>
-              <a:rPr lang="de-DE" dirty="0" smtClean="0"/>
-              <a:t>Projekt-Exposé</a:t>
-            </a:r>
-          </a:p>
-          <a:p>
-            <a:pPr lvl="1"/>
-            <a:r>
-              <a:rPr lang="de-DE" dirty="0" smtClean="0"/>
-              <a:t>Projektplan</a:t>
-            </a:r>
-          </a:p>
-          <a:p>
-            <a:pPr lvl="1"/>
-            <a:r>
-              <a:rPr lang="de-DE" dirty="0" smtClean="0"/>
-              <a:t>Lastenheft</a:t>
-            </a:r>
-          </a:p>
-          <a:p>
-            <a:pPr lvl="1"/>
-            <a:r>
-              <a:rPr lang="de-DE" dirty="0" smtClean="0"/>
-              <a:t>Glossar (Begriffsdefinitionen)</a:t>
-            </a:r>
-          </a:p>
-          <a:p>
-            <a:pPr lvl="1"/>
-            <a:r>
-              <a:rPr lang="de-DE" dirty="0" smtClean="0"/>
-              <a:t>Risikoanalyse</a:t>
-            </a:r>
-          </a:p>
-          <a:p>
-            <a:pPr lvl="1"/>
-            <a:r>
-              <a:rPr lang="de-DE" dirty="0" smtClean="0"/>
-              <a:t>Wirtschaftslichkeitsbetrachtung</a:t>
-            </a:r>
-          </a:p>
-          <a:p>
-            <a:pPr lvl="1"/>
-            <a:r>
-              <a:rPr lang="de-DE" dirty="0" smtClean="0"/>
-              <a:t>Szenarien</a:t>
-            </a:r>
-          </a:p>
-          <a:p>
-            <a:pPr lvl="1"/>
-            <a:r>
-              <a:rPr lang="de-DE" dirty="0" smtClean="0"/>
-              <a:t>Anwendungsfalldiagramm</a:t>
-            </a:r>
-          </a:p>
-          <a:p>
-            <a:pPr lvl="1"/>
-            <a:r>
-              <a:rPr lang="de-DE" dirty="0" smtClean="0"/>
-              <a:t>Mock-</a:t>
-            </a:r>
-            <a:r>
-              <a:rPr lang="de-DE" dirty="0" err="1" smtClean="0"/>
-              <a:t>Ups</a:t>
-            </a:r>
-            <a:endParaRPr lang="de-DE" dirty="0" smtClean="0"/>
-          </a:p>
-        </p:txBody>
-      </p:sp>
-      <p:sp>
-        <p:nvSpPr>
-          <p:cNvPr id="2" name="Titel 1"/>
-          <p:cNvSpPr>
-            <a:spLocks noGrp="1"/>
-          </p:cNvSpPr>
-          <p:nvPr>
-            <p:ph type="title"/>
-          </p:nvPr>
-        </p:nvSpPr>
-        <p:spPr/>
-        <p:txBody>
-          <a:bodyPr/>
-          <a:lstStyle/>
-          <a:p>
-            <a:r>
-              <a:rPr lang="de-DE" dirty="0" smtClean="0"/>
-              <a:t>Aktuelle Ergebnisse</a:t>
-            </a:r>
-            <a:endParaRPr lang="de-DE" dirty="0"/>
-          </a:p>
-        </p:txBody>
-      </p:sp>
-      <p:sp>
-        <p:nvSpPr>
-          <p:cNvPr id="4" name="Datumsplatzhalter 3"/>
-          <p:cNvSpPr>
-            <a:spLocks noGrp="1"/>
-          </p:cNvSpPr>
-          <p:nvPr>
-            <p:ph type="dt" sz="half" idx="10"/>
-          </p:nvPr>
-        </p:nvSpPr>
-        <p:spPr/>
-        <p:txBody>
-          <a:bodyPr/>
-          <a:lstStyle/>
-          <a:p>
-            <a:r>
-              <a:rPr lang="de-DE" smtClean="0"/>
-              <a:t>21.04.2012</a:t>
-            </a:r>
-            <a:endParaRPr lang="de-DE" dirty="0"/>
-          </a:p>
-        </p:txBody>
-      </p:sp>
-      <p:sp>
-        <p:nvSpPr>
-          <p:cNvPr id="6" name="Fußzeilenplatzhalter 5"/>
-          <p:cNvSpPr>
-            <a:spLocks noGrp="1"/>
-          </p:cNvSpPr>
-          <p:nvPr>
-            <p:ph type="ftr" sz="quarter" idx="11"/>
-          </p:nvPr>
-        </p:nvSpPr>
-        <p:spPr/>
-        <p:txBody>
-          <a:bodyPr/>
-          <a:lstStyle/>
-          <a:p>
-            <a:r>
-              <a:rPr lang="de-DE" smtClean="0"/>
-              <a:t>FST Projekt "Eventalizer" (SS 2012) Team 5</a:t>
-            </a:r>
-            <a:endParaRPr lang="de-DE" dirty="0"/>
-          </a:p>
-        </p:txBody>
-      </p:sp>
-      <p:sp>
-        <p:nvSpPr>
-          <p:cNvPr id="5" name="Foliennummernplatzhalter 4"/>
-          <p:cNvSpPr>
-            <a:spLocks noGrp="1"/>
-          </p:cNvSpPr>
-          <p:nvPr>
-            <p:ph type="sldNum" sz="quarter" idx="12"/>
-          </p:nvPr>
-        </p:nvSpPr>
-        <p:spPr/>
-        <p:txBody>
-          <a:bodyPr/>
-          <a:lstStyle/>
-          <a:p>
-            <a:fld id="{6C6AE60A-B69C-4790-82F7-3882EDF23186}" type="slidenum">
-              <a:rPr lang="de-DE" smtClean="0"/>
-              <a:pPr/>
-              <a:t>20</a:t>
-            </a:fld>
-            <a:endParaRPr lang="de-DE" dirty="0"/>
-          </a:p>
-        </p:txBody>
-      </p:sp>
-    </p:spTree>
-    <p:extLst>
-      <p:ext uri="{BB962C8B-B14F-4D97-AF65-F5344CB8AC3E}">
-        <p14:creationId xmlns:p14="http://schemas.microsoft.com/office/powerpoint/2010/main" xmlns="" val="3445806666"/>
-      </p:ext>
-    </p:extLst>
-  </p:cSld>
-  <p:clrMapOvr>
-    <a:masterClrMapping/>
-  </p:clrMapOvr>
-  <p:timing>
-    <p:tnLst>
-      <p:par>
-        <p:cTn id="1" dur="indefinite" restart="never" nodeType="tmRoot"/>
-      </p:par>
-    </p:tnLst>
-  </p:timing>
-</p:sld>
-</file>
-
-<file path=ppt/slides/slide21.xml><?xml version="1.0" encoding="utf-8"?>
-<p:sld xmlns:a="http://schemas.openxmlformats.org/drawingml/2006/main" xmlns:r="http://schemas.openxmlformats.org/officeDocument/2006/relationships" xmlns:p="http://schemas.openxmlformats.org/presentationml/2006/main">
-  <p:cSld>
-    <p:spTree>
-      <p:nvGrpSpPr>
-        <p:cNvPr id="1" name=""/>
-        <p:cNvGrpSpPr/>
-        <p:nvPr/>
-      </p:nvGrpSpPr>
-      <p:grpSpPr>
-        <a:xfrm>
-          <a:off x="0" y="0"/>
-          <a:ext cx="0" cy="0"/>
-          <a:chOff x="0" y="0"/>
-          <a:chExt cx="0" cy="0"/>
-        </a:xfrm>
-      </p:grpSpPr>
-      <p:sp>
-        <p:nvSpPr>
-          <p:cNvPr id="2" name="Titel 1"/>
-          <p:cNvSpPr>
-            <a:spLocks noGrp="1"/>
-          </p:cNvSpPr>
-          <p:nvPr>
-            <p:ph type="title"/>
-          </p:nvPr>
-        </p:nvSpPr>
-        <p:spPr/>
-        <p:txBody>
-          <a:bodyPr/>
-          <a:lstStyle/>
-          <a:p>
-            <a:r>
-              <a:rPr lang="de-DE" dirty="0" smtClean="0"/>
-              <a:t>Anwendungsfalldiagramm</a:t>
-            </a:r>
-            <a:endParaRPr lang="de-DE" dirty="0"/>
-          </a:p>
-        </p:txBody>
-      </p:sp>
-      <p:sp>
-        <p:nvSpPr>
-          <p:cNvPr id="4" name="Datumsplatzhalter 3"/>
-          <p:cNvSpPr>
-            <a:spLocks noGrp="1"/>
-          </p:cNvSpPr>
-          <p:nvPr>
-            <p:ph type="dt" sz="half" idx="10"/>
-          </p:nvPr>
-        </p:nvSpPr>
-        <p:spPr/>
-        <p:txBody>
-          <a:bodyPr/>
-          <a:lstStyle/>
-          <a:p>
-            <a:r>
-              <a:rPr lang="de-DE" smtClean="0"/>
-              <a:t>21.04.2012</a:t>
-            </a:r>
-            <a:endParaRPr lang="de-DE" dirty="0"/>
-          </a:p>
-        </p:txBody>
-      </p:sp>
-      <p:sp>
-        <p:nvSpPr>
-          <p:cNvPr id="5" name="Fußzeilenplatzhalter 4"/>
-          <p:cNvSpPr>
-            <a:spLocks noGrp="1"/>
-          </p:cNvSpPr>
-          <p:nvPr>
-            <p:ph type="ftr" sz="quarter" idx="11"/>
-          </p:nvPr>
-        </p:nvSpPr>
-        <p:spPr/>
-        <p:txBody>
-          <a:bodyPr/>
-          <a:lstStyle/>
-          <a:p>
-            <a:r>
-              <a:rPr lang="de-DE" smtClean="0"/>
-              <a:t>FST Projekt "Eventalizer" (SS 2012) Team 5</a:t>
-            </a:r>
-            <a:endParaRPr lang="de-DE" dirty="0"/>
-          </a:p>
-        </p:txBody>
-      </p:sp>
-      <p:sp>
-        <p:nvSpPr>
-          <p:cNvPr id="6" name="Foliennummernplatzhalter 5"/>
-          <p:cNvSpPr>
-            <a:spLocks noGrp="1"/>
-          </p:cNvSpPr>
-          <p:nvPr>
-            <p:ph type="sldNum" sz="quarter" idx="12"/>
-          </p:nvPr>
-        </p:nvSpPr>
-        <p:spPr/>
-        <p:txBody>
-          <a:bodyPr/>
-          <a:lstStyle/>
-          <a:p>
-            <a:fld id="{6C6AE60A-B69C-4790-82F7-3882EDF23186}" type="slidenum">
-              <a:rPr lang="de-DE" smtClean="0"/>
-              <a:pPr/>
-              <a:t>21</a:t>
-            </a:fld>
-            <a:endParaRPr lang="de-DE" dirty="0"/>
-          </a:p>
-        </p:txBody>
-      </p:sp>
-      <p:pic>
-        <p:nvPicPr>
-          <p:cNvPr id="43010" name="Picture 2" descr="C:\Users\Alexander\Desktop\eventalizer\eventalizer\dokumente\UML Diagramme\Anwendungsfalldiagramm.png"/>
-          <p:cNvPicPr>
-            <a:picLocks noChangeAspect="1" noChangeArrowheads="1"/>
-          </p:cNvPicPr>
-          <p:nvPr/>
-        </p:nvPicPr>
-        <p:blipFill>
-          <a:blip r:embed="rId2" cstate="print"/>
-          <a:srcRect/>
-          <a:stretch>
-            <a:fillRect/>
-          </a:stretch>
-        </p:blipFill>
-        <p:spPr bwMode="auto">
-          <a:xfrm>
-            <a:off x="1404352" y="1196752"/>
-            <a:ext cx="6336000" cy="5590129"/>
-          </a:xfrm>
-          <a:prstGeom prst="rect">
-            <a:avLst/>
-          </a:prstGeom>
-          <a:noFill/>
-        </p:spPr>
-      </p:pic>
-    </p:spTree>
-    <p:extLst>
-      <p:ext uri="{BB962C8B-B14F-4D97-AF65-F5344CB8AC3E}">
-        <p14:creationId xmlns:p14="http://schemas.microsoft.com/office/powerpoint/2010/main" xmlns="" val="3437731525"/>
-      </p:ext>
-    </p:extLst>
-  </p:cSld>
-  <p:clrMapOvr>
-    <a:masterClrMapping/>
-  </p:clrMapOvr>
-  <p:timing>
-    <p:tnLst>
-      <p:par>
-        <p:cTn id="1" dur="indefinite" restart="never" nodeType="tmRoot"/>
-      </p:par>
-    </p:tnLst>
-  </p:timing>
-</p:sld>
-</file>
-
-<file path=ppt/slides/slide22.xml><?xml version="1.0" encoding="utf-8"?>
 <p:sld xmlns:a="http://schemas.openxmlformats.org/drawingml/2006/main" xmlns:r="http://schemas.openxmlformats.org/officeDocument/2006/relationships" xmlns:p="http://schemas.openxmlformats.org/presentationml/2006/main">
   <p:cSld>
     <p:spTree>
@@ -14209,16 +14300,570 @@
             <a:fld id="{6C6AE60A-B69C-4790-82F7-3882EDF23186}" type="slidenum">
               <a:rPr lang="de-DE" smtClean="0"/>
               <a:pPr/>
+              <a:t>20</a:t>
+            </a:fld>
+            <a:endParaRPr lang="de-DE" dirty="0"/>
+          </a:p>
+        </p:txBody>
+      </p:sp>
+    </p:spTree>
+    <p:extLst>
+      <p:ext uri="{BB962C8B-B14F-4D97-AF65-F5344CB8AC3E}">
+        <p14:creationId xmlns:p14="http://schemas.microsoft.com/office/powerpoint/2010/main" val="3445806666"/>
+      </p:ext>
+    </p:extLst>
+  </p:cSld>
+  <p:clrMapOvr>
+    <a:masterClrMapping/>
+  </p:clrMapOvr>
+  <p:timing>
+    <p:tnLst>
+      <p:par>
+        <p:cTn id="1" dur="indefinite" restart="never" nodeType="tmRoot"/>
+      </p:par>
+    </p:tnLst>
+  </p:timing>
+</p:sld>
+</file>
+
+<file path=ppt/slides/slide21.xml><?xml version="1.0" encoding="utf-8"?>
+<p:sld xmlns:a="http://schemas.openxmlformats.org/drawingml/2006/main" xmlns:r="http://schemas.openxmlformats.org/officeDocument/2006/relationships" xmlns:p="http://schemas.openxmlformats.org/presentationml/2006/main">
+  <p:cSld>
+    <p:spTree>
+      <p:nvGrpSpPr>
+        <p:cNvPr id="1" name=""/>
+        <p:cNvGrpSpPr/>
+        <p:nvPr/>
+      </p:nvGrpSpPr>
+      <p:grpSpPr>
+        <a:xfrm>
+          <a:off x="0" y="0"/>
+          <a:ext cx="0" cy="0"/>
+          <a:chOff x="0" y="0"/>
+          <a:chExt cx="0" cy="0"/>
+        </a:xfrm>
+      </p:grpSpPr>
+      <p:sp>
+        <p:nvSpPr>
+          <p:cNvPr id="2" name="Titel 1"/>
+          <p:cNvSpPr>
+            <a:spLocks noGrp="1"/>
+          </p:cNvSpPr>
+          <p:nvPr>
+            <p:ph type="title"/>
+          </p:nvPr>
+        </p:nvSpPr>
+        <p:spPr/>
+        <p:txBody>
+          <a:bodyPr/>
+          <a:lstStyle/>
+          <a:p>
+            <a:r>
+              <a:rPr lang="de-DE" dirty="0" smtClean="0"/>
+              <a:t>Mock-</a:t>
+            </a:r>
+            <a:r>
+              <a:rPr lang="de-DE" dirty="0" err="1" smtClean="0"/>
+              <a:t>Ups</a:t>
+            </a:r>
+            <a:endParaRPr lang="de-DE" dirty="0"/>
+          </a:p>
+        </p:txBody>
+      </p:sp>
+      <p:sp>
+        <p:nvSpPr>
+          <p:cNvPr id="4" name="Datumsplatzhalter 3"/>
+          <p:cNvSpPr>
+            <a:spLocks noGrp="1"/>
+          </p:cNvSpPr>
+          <p:nvPr>
+            <p:ph type="dt" sz="half" idx="10"/>
+          </p:nvPr>
+        </p:nvSpPr>
+        <p:spPr/>
+        <p:txBody>
+          <a:bodyPr/>
+          <a:lstStyle/>
+          <a:p>
+            <a:r>
+              <a:rPr lang="de-DE" smtClean="0"/>
+              <a:t>21.04.2012</a:t>
+            </a:r>
+            <a:endParaRPr lang="en-US"/>
+          </a:p>
+        </p:txBody>
+      </p:sp>
+      <p:sp>
+        <p:nvSpPr>
+          <p:cNvPr id="5" name="Fußzeilenplatzhalter 4"/>
+          <p:cNvSpPr>
+            <a:spLocks noGrp="1"/>
+          </p:cNvSpPr>
+          <p:nvPr>
+            <p:ph type="ftr" sz="quarter" idx="11"/>
+          </p:nvPr>
+        </p:nvSpPr>
+        <p:spPr/>
+        <p:txBody>
+          <a:bodyPr/>
+          <a:lstStyle/>
+          <a:p>
+            <a:r>
+              <a:rPr lang="de-DE" smtClean="0"/>
+              <a:t>FST Projekt "Eventalizer" (SS 2012) Team 5</a:t>
+            </a:r>
+            <a:endParaRPr lang="de-DE" dirty="0"/>
+          </a:p>
+        </p:txBody>
+      </p:sp>
+      <p:sp>
+        <p:nvSpPr>
+          <p:cNvPr id="6" name="Foliennummernplatzhalter 5"/>
+          <p:cNvSpPr>
+            <a:spLocks noGrp="1"/>
+          </p:cNvSpPr>
+          <p:nvPr>
+            <p:ph type="sldNum" sz="quarter" idx="12"/>
+          </p:nvPr>
+        </p:nvSpPr>
+        <p:spPr/>
+        <p:txBody>
+          <a:bodyPr/>
+          <a:lstStyle/>
+          <a:p>
+            <a:fld id="{990B41CA-569D-40E7-8E58-026C0338B2C8}" type="slidenum">
+              <a:rPr lang="en-US" smtClean="0"/>
+              <a:pPr/>
+              <a:t>21</a:t>
+            </a:fld>
+            <a:endParaRPr lang="en-US"/>
+          </a:p>
+        </p:txBody>
+      </p:sp>
+      <p:pic>
+        <p:nvPicPr>
+          <p:cNvPr id="1026" name="Picture 2"/>
+          <p:cNvPicPr>
+            <a:picLocks noChangeAspect="1" noChangeArrowheads="1"/>
+          </p:cNvPicPr>
+          <p:nvPr/>
+        </p:nvPicPr>
+        <p:blipFill>
+          <a:blip r:embed="rId3" cstate="print"/>
+          <a:srcRect/>
+          <a:stretch>
+            <a:fillRect/>
+          </a:stretch>
+        </p:blipFill>
+        <p:spPr bwMode="auto">
+          <a:xfrm>
+            <a:off x="5652120" y="1833715"/>
+            <a:ext cx="3038475" cy="1390650"/>
+          </a:xfrm>
+          <a:prstGeom prst="rect">
+            <a:avLst/>
+          </a:prstGeom>
+          <a:noFill/>
+          <a:ln w="9525">
+            <a:solidFill>
+              <a:schemeClr val="tx1"/>
+            </a:solidFill>
+            <a:miter lim="800000"/>
+            <a:headEnd/>
+            <a:tailEnd/>
+          </a:ln>
+        </p:spPr>
+      </p:pic>
+      <p:pic>
+        <p:nvPicPr>
+          <p:cNvPr id="1027" name="Picture 3"/>
+          <p:cNvPicPr>
+            <a:picLocks noChangeAspect="1" noChangeArrowheads="1"/>
+          </p:cNvPicPr>
+          <p:nvPr/>
+        </p:nvPicPr>
+        <p:blipFill>
+          <a:blip r:embed="rId4" cstate="print"/>
+          <a:srcRect/>
+          <a:stretch>
+            <a:fillRect/>
+          </a:stretch>
+        </p:blipFill>
+        <p:spPr bwMode="auto">
+          <a:xfrm>
+            <a:off x="5652120" y="3848348"/>
+            <a:ext cx="3038475" cy="1343025"/>
+          </a:xfrm>
+          <a:prstGeom prst="rect">
+            <a:avLst/>
+          </a:prstGeom>
+          <a:noFill/>
+          <a:ln w="9525">
+            <a:solidFill>
+              <a:schemeClr val="tx1"/>
+            </a:solidFill>
+            <a:miter lim="800000"/>
+            <a:headEnd/>
+            <a:tailEnd/>
+          </a:ln>
+        </p:spPr>
+      </p:pic>
+      <p:pic>
+        <p:nvPicPr>
+          <p:cNvPr id="1029" name="Picture 5"/>
+          <p:cNvPicPr>
+            <a:picLocks noChangeAspect="1" noChangeArrowheads="1"/>
+          </p:cNvPicPr>
+          <p:nvPr/>
+        </p:nvPicPr>
+        <p:blipFill>
+          <a:blip r:embed="rId5" cstate="print"/>
+          <a:srcRect/>
+          <a:stretch>
+            <a:fillRect/>
+          </a:stretch>
+        </p:blipFill>
+        <p:spPr bwMode="auto">
+          <a:xfrm>
+            <a:off x="1257766" y="3848348"/>
+            <a:ext cx="3992400" cy="2486286"/>
+          </a:xfrm>
+          <a:prstGeom prst="rect">
+            <a:avLst/>
+          </a:prstGeom>
+          <a:noFill/>
+          <a:ln w="9525">
+            <a:solidFill>
+              <a:schemeClr val="tx1"/>
+            </a:solidFill>
+            <a:miter lim="800000"/>
+            <a:headEnd/>
+            <a:tailEnd/>
+          </a:ln>
+        </p:spPr>
+      </p:pic>
+      <p:pic>
+        <p:nvPicPr>
+          <p:cNvPr id="1030" name="Picture 6"/>
+          <p:cNvPicPr>
+            <a:picLocks noChangeAspect="1" noChangeArrowheads="1"/>
+          </p:cNvPicPr>
+          <p:nvPr/>
+        </p:nvPicPr>
+        <p:blipFill>
+          <a:blip r:embed="rId6" cstate="print"/>
+          <a:srcRect/>
+          <a:stretch>
+            <a:fillRect/>
+          </a:stretch>
+        </p:blipFill>
+        <p:spPr bwMode="auto">
+          <a:xfrm>
+            <a:off x="1259633" y="1269040"/>
+            <a:ext cx="3991409" cy="2520000"/>
+          </a:xfrm>
+          <a:prstGeom prst="rect">
+            <a:avLst/>
+          </a:prstGeom>
+          <a:noFill/>
+          <a:ln w="9525">
+            <a:solidFill>
+              <a:schemeClr val="tx1"/>
+            </a:solidFill>
+            <a:miter lim="800000"/>
+            <a:headEnd/>
+            <a:tailEnd/>
+          </a:ln>
+        </p:spPr>
+      </p:pic>
+    </p:spTree>
+  </p:cSld>
+  <p:clrMapOvr>
+    <a:masterClrMapping/>
+  </p:clrMapOvr>
+  <p:timing>
+    <p:tnLst>
+      <p:par>
+        <p:cTn id="1" dur="indefinite" restart="never" nodeType="tmRoot"/>
+      </p:par>
+    </p:tnLst>
+  </p:timing>
+</p:sld>
+</file>
+
+<file path=ppt/slides/slide22.xml><?xml version="1.0" encoding="utf-8"?>
+<p:sld xmlns:a="http://schemas.openxmlformats.org/drawingml/2006/main" xmlns:r="http://schemas.openxmlformats.org/officeDocument/2006/relationships" xmlns:p="http://schemas.openxmlformats.org/presentationml/2006/main">
+  <p:cSld>
+    <p:spTree>
+      <p:nvGrpSpPr>
+        <p:cNvPr id="1" name=""/>
+        <p:cNvGrpSpPr/>
+        <p:nvPr/>
+      </p:nvGrpSpPr>
+      <p:grpSpPr>
+        <a:xfrm>
+          <a:off x="0" y="0"/>
+          <a:ext cx="0" cy="0"/>
+          <a:chOff x="0" y="0"/>
+          <a:chExt cx="0" cy="0"/>
+        </a:xfrm>
+      </p:grpSpPr>
+      <p:sp>
+        <p:nvSpPr>
+          <p:cNvPr id="2" name="Titel 1"/>
+          <p:cNvSpPr>
+            <a:spLocks noGrp="1"/>
+          </p:cNvSpPr>
+          <p:nvPr>
+            <p:ph type="title"/>
+          </p:nvPr>
+        </p:nvSpPr>
+        <p:spPr/>
+        <p:txBody>
+          <a:bodyPr>
+            <a:normAutofit/>
+          </a:bodyPr>
+          <a:lstStyle/>
+          <a:p>
+            <a:r>
+              <a:rPr lang="de-DE" dirty="0" smtClean="0"/>
+              <a:t>Ausblick</a:t>
+            </a:r>
+            <a:endParaRPr lang="de-DE" dirty="0"/>
+          </a:p>
+        </p:txBody>
+      </p:sp>
+      <p:sp>
+        <p:nvSpPr>
+          <p:cNvPr id="3" name="Inhaltsplatzhalter 2"/>
+          <p:cNvSpPr>
+            <a:spLocks noGrp="1"/>
+          </p:cNvSpPr>
+          <p:nvPr>
+            <p:ph idx="1"/>
+          </p:nvPr>
+        </p:nvSpPr>
+        <p:spPr/>
+        <p:txBody>
+          <a:bodyPr>
+            <a:noAutofit/>
+          </a:bodyPr>
+          <a:lstStyle/>
+          <a:p>
+            <a:r>
+              <a:rPr lang="de-DE" dirty="0" smtClean="0"/>
+              <a:t>Software </a:t>
+            </a:r>
+            <a:r>
+              <a:rPr lang="de-DE" dirty="0" err="1" smtClean="0"/>
+              <a:t>Requirement</a:t>
+            </a:r>
+            <a:r>
+              <a:rPr lang="de-DE" dirty="0" smtClean="0"/>
+              <a:t> </a:t>
+            </a:r>
+            <a:r>
+              <a:rPr lang="de-DE" dirty="0" err="1" smtClean="0"/>
+              <a:t>Specification</a:t>
+            </a:r>
+            <a:r>
+              <a:rPr lang="de-DE" dirty="0" smtClean="0"/>
+              <a:t>  (Pflichtenheft)</a:t>
+            </a:r>
+          </a:p>
+          <a:p>
+            <a:r>
+              <a:rPr lang="de-DE" dirty="0" smtClean="0"/>
+              <a:t>Software </a:t>
+            </a:r>
+            <a:r>
+              <a:rPr lang="de-DE" dirty="0" err="1" smtClean="0"/>
+              <a:t>Architecture</a:t>
+            </a:r>
+            <a:r>
+              <a:rPr lang="de-DE" dirty="0" smtClean="0"/>
+              <a:t> </a:t>
+            </a:r>
+            <a:r>
+              <a:rPr lang="de-DE" dirty="0" err="1" smtClean="0"/>
+              <a:t>Document</a:t>
+            </a:r>
+            <a:r>
+              <a:rPr lang="de-DE" dirty="0" smtClean="0"/>
+              <a:t/>
+            </a:r>
+            <a:br>
+              <a:rPr lang="de-DE" dirty="0" smtClean="0"/>
+            </a:br>
+            <a:r>
+              <a:rPr lang="de-DE" dirty="0" smtClean="0"/>
+              <a:t>(Architekturkonzeption)</a:t>
+            </a:r>
+          </a:p>
+          <a:p>
+            <a:r>
+              <a:rPr lang="de-DE" dirty="0" smtClean="0"/>
+              <a:t>Design Modell</a:t>
+            </a:r>
+          </a:p>
+          <a:p>
+            <a:r>
+              <a:rPr lang="de-DE" dirty="0" smtClean="0"/>
+              <a:t>Prototypische Implementierung</a:t>
+            </a:r>
+          </a:p>
+          <a:p>
+            <a:endParaRPr lang="de-DE" dirty="0" smtClean="0"/>
+          </a:p>
+          <a:p>
+            <a:r>
+              <a:rPr lang="de-DE" dirty="0" smtClean="0"/>
+              <a:t>Peer-Review</a:t>
+            </a:r>
+          </a:p>
+          <a:p>
+            <a:pPr lvl="1"/>
+            <a:endParaRPr lang="de-DE" dirty="0"/>
+          </a:p>
+        </p:txBody>
+      </p:sp>
+      <p:sp>
+        <p:nvSpPr>
+          <p:cNvPr id="4" name="Datumsplatzhalter 3"/>
+          <p:cNvSpPr>
+            <a:spLocks noGrp="1"/>
+          </p:cNvSpPr>
+          <p:nvPr>
+            <p:ph type="dt" sz="half" idx="10"/>
+          </p:nvPr>
+        </p:nvSpPr>
+        <p:spPr/>
+        <p:txBody>
+          <a:bodyPr/>
+          <a:lstStyle/>
+          <a:p>
+            <a:r>
+              <a:rPr lang="de-DE" smtClean="0"/>
+              <a:t>21.04.2012</a:t>
+            </a:r>
+            <a:endParaRPr lang="de-DE" dirty="0"/>
+          </a:p>
+        </p:txBody>
+      </p:sp>
+      <p:sp>
+        <p:nvSpPr>
+          <p:cNvPr id="5" name="Fußzeilenplatzhalter 4"/>
+          <p:cNvSpPr>
+            <a:spLocks noGrp="1"/>
+          </p:cNvSpPr>
+          <p:nvPr>
+            <p:ph type="ftr" sz="quarter" idx="11"/>
+          </p:nvPr>
+        </p:nvSpPr>
+        <p:spPr/>
+        <p:txBody>
+          <a:bodyPr/>
+          <a:lstStyle/>
+          <a:p>
+            <a:r>
+              <a:rPr lang="de-DE" smtClean="0"/>
+              <a:t>FST Projekt "Eventalizer" (SS 2012) Team 5</a:t>
+            </a:r>
+            <a:endParaRPr lang="de-DE" dirty="0"/>
+          </a:p>
+        </p:txBody>
+      </p:sp>
+      <p:sp>
+        <p:nvSpPr>
+          <p:cNvPr id="6" name="Foliennummernplatzhalter 5"/>
+          <p:cNvSpPr>
+            <a:spLocks noGrp="1"/>
+          </p:cNvSpPr>
+          <p:nvPr>
+            <p:ph type="sldNum" sz="quarter" idx="12"/>
+          </p:nvPr>
+        </p:nvSpPr>
+        <p:spPr/>
+        <p:txBody>
+          <a:bodyPr/>
+          <a:lstStyle/>
+          <a:p>
+            <a:fld id="{6C6AE60A-B69C-4790-82F7-3882EDF23186}" type="slidenum">
+              <a:rPr lang="de-DE" smtClean="0"/>
+              <a:pPr/>
               <a:t>22</a:t>
             </a:fld>
             <a:endParaRPr lang="de-DE" dirty="0"/>
           </a:p>
         </p:txBody>
       </p:sp>
+      <p:pic>
+        <p:nvPicPr>
+          <p:cNvPr id="2050" name="Picture 2"/>
+          <p:cNvPicPr>
+            <a:picLocks noChangeAspect="1" noChangeArrowheads="1"/>
+          </p:cNvPicPr>
+          <p:nvPr/>
+        </p:nvPicPr>
+        <p:blipFill>
+          <a:blip r:embed="rId3">
+            <a:extLst>
+              <a:ext uri="{28A0092B-C50C-407E-A947-70E740481C1C}">
+                <a14:useLocalDpi xmlns:a14="http://schemas.microsoft.com/office/drawing/2010/main" val="0"/>
+              </a:ext>
+            </a:extLst>
+          </a:blip>
+          <a:srcRect/>
+          <a:stretch>
+            <a:fillRect/>
+          </a:stretch>
+        </p:blipFill>
+        <p:spPr bwMode="auto">
+          <a:xfrm>
+            <a:off x="5436096" y="4653136"/>
+            <a:ext cx="2450604" cy="1323890"/>
+          </a:xfrm>
+          <a:prstGeom prst="roundRect">
+            <a:avLst>
+              <a:gd name="adj" fmla="val 8594"/>
+            </a:avLst>
+          </a:prstGeom>
+          <a:solidFill>
+            <a:srgbClr val="FFFFFF">
+              <a:shade val="85000"/>
+            </a:srgbClr>
+          </a:solidFill>
+          <a:ln>
+            <a:noFill/>
+          </a:ln>
+          <a:effectLst>
+            <a:reflection blurRad="12700" stA="38000" endPos="28000" dist="5000" dir="5400000" sy="-100000" algn="bl" rotWithShape="0"/>
+          </a:effectLst>
+          <a:extLst>
+            <a:ext uri="{909E8E84-426E-40DD-AFC4-6F175D3DCCD1}">
+              <a14:hiddenFill xmlns:a14="http://schemas.microsoft.com/office/drawing/2010/main">
+                <a:solidFill>
+                  <a:schemeClr val="accent1"/>
+                </a:solidFill>
+              </a14:hiddenFill>
+            </a:ext>
+            <a:ext uri="{91240B29-F687-4F45-9708-019B960494DF}">
+              <a14:hiddenLine xmlns:a14="http://schemas.microsoft.com/office/drawing/2010/main" w="9525">
+                <a:solidFill>
+                  <a:schemeClr val="tx1"/>
+                </a:solidFill>
+                <a:miter lim="800000"/>
+                <a:headEnd/>
+                <a:tailEnd/>
+              </a14:hiddenLine>
+            </a:ext>
+          </a:extLst>
+        </p:spPr>
+      </p:pic>
     </p:spTree>
     <p:extLst>
       <p:ext uri="{BB962C8B-B14F-4D97-AF65-F5344CB8AC3E}">
-        <p14:creationId xmlns:p14="http://schemas.microsoft.com/office/powerpoint/2010/main" xmlns="" val="3445806666"/>
+        <p14:creationId xmlns:p14="http://schemas.microsoft.com/office/powerpoint/2010/main" val="3552390406"/>
       </p:ext>
     </p:extLst>
   </p:cSld>
@@ -14264,370 +14909,113 @@
         </p:nvSpPr>
         <p:spPr/>
         <p:txBody>
+          <a:bodyPr>
+            <a:normAutofit/>
+          </a:bodyPr>
+          <a:lstStyle/>
+          <a:p>
+            <a:r>
+              <a:rPr lang="de-DE" dirty="0" smtClean="0"/>
+              <a:t>Projekt: „</a:t>
+            </a:r>
+            <a:r>
+              <a:rPr lang="de-DE" dirty="0" err="1" smtClean="0"/>
+              <a:t>Eventalizer</a:t>
+            </a:r>
+            <a:r>
+              <a:rPr lang="de-DE" dirty="0" smtClean="0"/>
+              <a:t>“</a:t>
+            </a:r>
+          </a:p>
+        </p:txBody>
+      </p:sp>
+      <p:sp>
+        <p:nvSpPr>
+          <p:cNvPr id="3" name="Untertitel 2"/>
+          <p:cNvSpPr>
+            <a:spLocks noGrp="1"/>
+          </p:cNvSpPr>
+          <p:nvPr>
+            <p:ph type="body" idx="1"/>
+          </p:nvPr>
+        </p:nvSpPr>
+        <p:spPr/>
+        <p:txBody>
           <a:bodyPr/>
           <a:lstStyle/>
           <a:p>
             <a:r>
               <a:rPr lang="de-DE" dirty="0" smtClean="0"/>
-              <a:t>Mock-</a:t>
-            </a:r>
-            <a:r>
-              <a:rPr lang="de-DE" dirty="0" err="1" smtClean="0"/>
-              <a:t>Ups</a:t>
+              <a:t>Vielen Dank für Ihre Aufmerksamkeit</a:t>
             </a:r>
             <a:endParaRPr lang="de-DE" dirty="0"/>
-          </a:p>
-        </p:txBody>
-      </p:sp>
-      <p:sp>
-        <p:nvSpPr>
-          <p:cNvPr id="3" name="Inhaltsplatzhalter 2"/>
-          <p:cNvSpPr>
-            <a:spLocks noGrp="1"/>
-          </p:cNvSpPr>
-          <p:nvPr>
-            <p:ph idx="1"/>
-          </p:nvPr>
-        </p:nvSpPr>
-        <p:spPr/>
-        <p:txBody>
-          <a:bodyPr/>
-          <a:lstStyle/>
-          <a:p>
-            <a:endParaRPr lang="de-DE" dirty="0"/>
-          </a:p>
-        </p:txBody>
-      </p:sp>
-      <p:sp>
-        <p:nvSpPr>
-          <p:cNvPr id="4" name="Datumsplatzhalter 3"/>
-          <p:cNvSpPr>
-            <a:spLocks noGrp="1"/>
-          </p:cNvSpPr>
-          <p:nvPr>
-            <p:ph type="dt" sz="half" idx="10"/>
-          </p:nvPr>
-        </p:nvSpPr>
-        <p:spPr/>
-        <p:txBody>
-          <a:bodyPr/>
-          <a:lstStyle/>
-          <a:p>
-            <a:r>
-              <a:rPr lang="de-DE" smtClean="0"/>
-              <a:t>21.04.2012</a:t>
-            </a:r>
-            <a:endParaRPr lang="en-US"/>
-          </a:p>
-        </p:txBody>
-      </p:sp>
-      <p:sp>
-        <p:nvSpPr>
-          <p:cNvPr id="5" name="Fußzeilenplatzhalter 4"/>
-          <p:cNvSpPr>
-            <a:spLocks noGrp="1"/>
-          </p:cNvSpPr>
-          <p:nvPr>
-            <p:ph type="ftr" sz="quarter" idx="11"/>
-          </p:nvPr>
-        </p:nvSpPr>
-        <p:spPr/>
-        <p:txBody>
-          <a:bodyPr/>
-          <a:lstStyle/>
-          <a:p>
-            <a:r>
-              <a:rPr lang="de-DE" smtClean="0"/>
-              <a:t>FST Projekt "Eventalizer" (SS 2012) Team 5</a:t>
-            </a:r>
-            <a:endParaRPr lang="de-DE" dirty="0"/>
-          </a:p>
-        </p:txBody>
-      </p:sp>
-      <p:sp>
-        <p:nvSpPr>
-          <p:cNvPr id="6" name="Foliennummernplatzhalter 5"/>
-          <p:cNvSpPr>
-            <a:spLocks noGrp="1"/>
-          </p:cNvSpPr>
-          <p:nvPr>
-            <p:ph type="sldNum" sz="quarter" idx="12"/>
-          </p:nvPr>
-        </p:nvSpPr>
-        <p:spPr/>
-        <p:txBody>
-          <a:bodyPr/>
-          <a:lstStyle/>
-          <a:p>
-            <a:fld id="{990B41CA-569D-40E7-8E58-026C0338B2C8}" type="slidenum">
-              <a:rPr lang="en-US" smtClean="0"/>
-              <a:pPr/>
-              <a:t>23</a:t>
-            </a:fld>
-            <a:endParaRPr lang="en-US"/>
           </a:p>
         </p:txBody>
       </p:sp>
       <p:pic>
         <p:nvPicPr>
-          <p:cNvPr id="4098" name="Picture 2" descr="C:\Users\Alexander\Desktop\Neuer Ordner\IMAG0169.jpg"/>
+          <p:cNvPr id="4" name="Grafik 3"/>
           <p:cNvPicPr>
-            <a:picLocks noChangeAspect="1" noChangeArrowheads="1"/>
+            <a:picLocks noChangeAspect="1"/>
           </p:cNvPicPr>
           <p:nvPr/>
         </p:nvPicPr>
         <p:blipFill>
-          <a:blip r:embed="rId2" cstate="print"/>
-          <a:srcRect/>
+          <a:blip r:embed="rId3" cstate="print">
+            <a:extLst>
+              <a:ext uri="{28A0092B-C50C-407E-A947-70E740481C1C}">
+                <a14:useLocalDpi xmlns:a14="http://schemas.microsoft.com/office/drawing/2010/main" val="0"/>
+              </a:ext>
+            </a:extLst>
+          </a:blip>
           <a:stretch>
             <a:fillRect/>
           </a:stretch>
         </p:blipFill>
-        <p:spPr bwMode="auto">
+        <p:spPr>
           <a:xfrm>
-            <a:off x="1547664" y="1196752"/>
-            <a:ext cx="3168000" cy="5290892"/>
+            <a:off x="4899616" y="6220356"/>
+            <a:ext cx="4199228" cy="593020"/>
           </a:xfrm>
           <a:prstGeom prst="rect">
             <a:avLst/>
           </a:prstGeom>
-          <a:noFill/>
+        </p:spPr>
+      </p:pic>
+      <p:pic>
+        <p:nvPicPr>
+          <p:cNvPr id="5" name="Grafik 4"/>
+          <p:cNvPicPr>
+            <a:picLocks noChangeAspect="1"/>
+          </p:cNvPicPr>
+          <p:nvPr/>
+        </p:nvPicPr>
+        <p:blipFill>
+          <a:blip r:embed="rId4" cstate="print">
+            <a:extLst>
+              <a:ext uri="{28A0092B-C50C-407E-A947-70E740481C1C}">
+                <a14:useLocalDpi xmlns:a14="http://schemas.microsoft.com/office/drawing/2010/main" val="0"/>
+              </a:ext>
+            </a:extLst>
+          </a:blip>
+          <a:stretch>
+            <a:fillRect/>
+          </a:stretch>
+        </p:blipFill>
+        <p:spPr>
+          <a:xfrm>
+            <a:off x="2418775" y="5772287"/>
+            <a:ext cx="1236003" cy="1000125"/>
+          </a:xfrm>
+          <a:prstGeom prst="rect">
+            <a:avLst/>
+          </a:prstGeom>
         </p:spPr>
       </p:pic>
     </p:spTree>
-  </p:cSld>
-  <p:clrMapOvr>
-    <a:masterClrMapping/>
-  </p:clrMapOvr>
-  <p:timing>
-    <p:tnLst>
-      <p:par>
-        <p:cTn id="1" dur="indefinite" restart="never" nodeType="tmRoot"/>
-      </p:par>
-    </p:tnLst>
-  </p:timing>
-</p:sld>
-</file>
-
-<file path=ppt/slides/slide24.xml><?xml version="1.0" encoding="utf-8"?>
-<p:sld xmlns:a="http://schemas.openxmlformats.org/drawingml/2006/main" xmlns:r="http://schemas.openxmlformats.org/officeDocument/2006/relationships" xmlns:p="http://schemas.openxmlformats.org/presentationml/2006/main">
-  <p:cSld>
-    <p:spTree>
-      <p:nvGrpSpPr>
-        <p:cNvPr id="1" name=""/>
-        <p:cNvGrpSpPr/>
-        <p:nvPr/>
-      </p:nvGrpSpPr>
-      <p:grpSpPr>
-        <a:xfrm>
-          <a:off x="0" y="0"/>
-          <a:ext cx="0" cy="0"/>
-          <a:chOff x="0" y="0"/>
-          <a:chExt cx="0" cy="0"/>
-        </a:xfrm>
-      </p:grpSpPr>
-      <p:sp>
-        <p:nvSpPr>
-          <p:cNvPr id="2" name="Titel 1"/>
-          <p:cNvSpPr>
-            <a:spLocks noGrp="1"/>
-          </p:cNvSpPr>
-          <p:nvPr>
-            <p:ph type="title"/>
-          </p:nvPr>
-        </p:nvSpPr>
-        <p:spPr/>
-        <p:txBody>
-          <a:bodyPr>
-            <a:normAutofit/>
-          </a:bodyPr>
-          <a:lstStyle/>
-          <a:p>
-            <a:r>
-              <a:rPr lang="de-DE" dirty="0" smtClean="0"/>
-              <a:t>Ausblick</a:t>
-            </a:r>
-            <a:endParaRPr lang="de-DE" dirty="0"/>
-          </a:p>
-        </p:txBody>
-      </p:sp>
-      <p:sp>
-        <p:nvSpPr>
-          <p:cNvPr id="3" name="Inhaltsplatzhalter 2"/>
-          <p:cNvSpPr>
-            <a:spLocks noGrp="1"/>
-          </p:cNvSpPr>
-          <p:nvPr>
-            <p:ph idx="1"/>
-          </p:nvPr>
-        </p:nvSpPr>
-        <p:spPr/>
-        <p:txBody>
-          <a:bodyPr>
-            <a:noAutofit/>
-          </a:bodyPr>
-          <a:lstStyle/>
-          <a:p>
-            <a:r>
-              <a:rPr lang="de-DE" dirty="0" smtClean="0"/>
-              <a:t>Software </a:t>
-            </a:r>
-            <a:r>
-              <a:rPr lang="de-DE" dirty="0" err="1" smtClean="0"/>
-              <a:t>Requirement</a:t>
-            </a:r>
-            <a:r>
-              <a:rPr lang="de-DE" dirty="0" smtClean="0"/>
-              <a:t> </a:t>
-            </a:r>
-            <a:r>
-              <a:rPr lang="de-DE" dirty="0" err="1" smtClean="0"/>
-              <a:t>Specification</a:t>
-            </a:r>
-            <a:r>
-              <a:rPr lang="de-DE" dirty="0" smtClean="0"/>
-              <a:t> </a:t>
-            </a:r>
-            <a:r>
-              <a:rPr lang="de-DE" dirty="0" smtClean="0"/>
-              <a:t> (Pflichtenheft)</a:t>
-            </a:r>
-          </a:p>
-          <a:p>
-            <a:r>
-              <a:rPr lang="de-DE" dirty="0" smtClean="0"/>
-              <a:t>Software </a:t>
-            </a:r>
-            <a:r>
-              <a:rPr lang="de-DE" dirty="0" err="1" smtClean="0"/>
-              <a:t>Architecture</a:t>
-            </a:r>
-            <a:r>
-              <a:rPr lang="de-DE" dirty="0" smtClean="0"/>
-              <a:t> </a:t>
-            </a:r>
-            <a:r>
-              <a:rPr lang="de-DE" dirty="0" err="1" smtClean="0"/>
-              <a:t>Document</a:t>
-            </a:r>
-            <a:r>
-              <a:rPr lang="de-DE" dirty="0" smtClean="0"/>
-              <a:t/>
-            </a:r>
-            <a:br>
-              <a:rPr lang="de-DE" dirty="0" smtClean="0"/>
-            </a:br>
-            <a:r>
-              <a:rPr lang="de-DE" dirty="0" smtClean="0"/>
-              <a:t>(</a:t>
-            </a:r>
-            <a:r>
-              <a:rPr lang="de-DE" dirty="0" smtClean="0"/>
-              <a:t>Architekturkonzeption)</a:t>
-            </a:r>
-          </a:p>
-          <a:p>
-            <a:r>
-              <a:rPr lang="de-DE" dirty="0" smtClean="0"/>
-              <a:t>Design Modell</a:t>
-            </a:r>
-          </a:p>
-          <a:p>
-            <a:r>
-              <a:rPr lang="de-DE" dirty="0" smtClean="0"/>
-              <a:t>Prototypische Implementierung</a:t>
-            </a:r>
-          </a:p>
-          <a:p>
-            <a:endParaRPr lang="de-DE" dirty="0" smtClean="0"/>
-          </a:p>
-          <a:p>
-            <a:r>
-              <a:rPr lang="de-DE" dirty="0" smtClean="0"/>
-              <a:t>Peer-Review</a:t>
-            </a:r>
-            <a:endParaRPr lang="de-DE" dirty="0" smtClean="0"/>
-          </a:p>
-          <a:p>
-            <a:pPr lvl="1"/>
-            <a:endParaRPr lang="de-DE" dirty="0"/>
-          </a:p>
-        </p:txBody>
-      </p:sp>
-      <p:sp>
-        <p:nvSpPr>
-          <p:cNvPr id="4" name="Datumsplatzhalter 3"/>
-          <p:cNvSpPr>
-            <a:spLocks noGrp="1"/>
-          </p:cNvSpPr>
-          <p:nvPr>
-            <p:ph type="dt" sz="half" idx="10"/>
-          </p:nvPr>
-        </p:nvSpPr>
-        <p:spPr/>
-        <p:txBody>
-          <a:bodyPr/>
-          <a:lstStyle/>
-          <a:p>
-            <a:r>
-              <a:rPr lang="de-DE" smtClean="0"/>
-              <a:t>21.04.2012</a:t>
-            </a:r>
-            <a:endParaRPr lang="de-DE" dirty="0"/>
-          </a:p>
-        </p:txBody>
-      </p:sp>
-      <p:sp>
-        <p:nvSpPr>
-          <p:cNvPr id="5" name="Fußzeilenplatzhalter 4"/>
-          <p:cNvSpPr>
-            <a:spLocks noGrp="1"/>
-          </p:cNvSpPr>
-          <p:nvPr>
-            <p:ph type="ftr" sz="quarter" idx="11"/>
-          </p:nvPr>
-        </p:nvSpPr>
-        <p:spPr/>
-        <p:txBody>
-          <a:bodyPr/>
-          <a:lstStyle/>
-          <a:p>
-            <a:r>
-              <a:rPr lang="de-DE" smtClean="0"/>
-              <a:t>FST Projekt "Eventalizer" (SS 2012) Team 5</a:t>
-            </a:r>
-            <a:endParaRPr lang="de-DE" dirty="0"/>
-          </a:p>
-        </p:txBody>
-      </p:sp>
-      <p:sp>
-        <p:nvSpPr>
-          <p:cNvPr id="6" name="Foliennummernplatzhalter 5"/>
-          <p:cNvSpPr>
-            <a:spLocks noGrp="1"/>
-          </p:cNvSpPr>
-          <p:nvPr>
-            <p:ph type="sldNum" sz="quarter" idx="12"/>
-          </p:nvPr>
-        </p:nvSpPr>
-        <p:spPr/>
-        <p:txBody>
-          <a:bodyPr/>
-          <a:lstStyle/>
-          <a:p>
-            <a:fld id="{6C6AE60A-B69C-4790-82F7-3882EDF23186}" type="slidenum">
-              <a:rPr lang="de-DE" smtClean="0"/>
-              <a:pPr/>
-              <a:t>24</a:t>
-            </a:fld>
-            <a:endParaRPr lang="de-DE" dirty="0"/>
-          </a:p>
-        </p:txBody>
-      </p:sp>
-    </p:spTree>
     <p:extLst>
       <p:ext uri="{BB962C8B-B14F-4D97-AF65-F5344CB8AC3E}">
-        <p14:creationId xmlns:p14="http://schemas.microsoft.com/office/powerpoint/2010/main" xmlns="" val="3552390406"/>
+        <p14:creationId xmlns:p14="http://schemas.microsoft.com/office/powerpoint/2010/main" val="2565098391"/>
       </p:ext>
     </p:extLst>
   </p:cSld>
@@ -14740,27 +15128,28 @@
           <a:p>
             <a:r>
               <a:rPr lang="de-DE" dirty="0" smtClean="0"/>
-              <a:t>Aktivitäten</a:t>
-            </a:r>
+              <a:t>Events</a:t>
+            </a:r>
+          </a:p>
+          <a:p>
+            <a:r>
+              <a:rPr lang="de-DE" dirty="0" smtClean="0"/>
+              <a:t>Mehrwerte</a:t>
+            </a:r>
+            <a:endParaRPr lang="de-DE" dirty="0" smtClean="0"/>
           </a:p>
           <a:p>
             <a:pPr lvl="1"/>
             <a:r>
               <a:rPr lang="de-DE" dirty="0" smtClean="0"/>
-              <a:t>Eigenschaften</a:t>
-            </a:r>
-          </a:p>
-          <a:p>
-            <a:r>
-              <a:rPr lang="de-DE" dirty="0" smtClean="0"/>
-              <a:t>Mehrwerte</a:t>
+              <a:t>Vernetzung</a:t>
             </a:r>
           </a:p>
           <a:p>
             <a:pPr lvl="1"/>
             <a:r>
-              <a:rPr lang="de-DE" dirty="0" smtClean="0"/>
-              <a:t>u.a. Social-Login</a:t>
+              <a:rPr lang="de-DE" dirty="0" err="1" smtClean="0"/>
+              <a:t>oAuth</a:t>
             </a:r>
             <a:endParaRPr lang="de-DE" dirty="0"/>
           </a:p>
@@ -14882,7 +15271,7 @@
     </p:spTree>
     <p:extLst>
       <p:ext uri="{BB962C8B-B14F-4D97-AF65-F5344CB8AC3E}">
-        <p14:creationId xmlns:p14="http://schemas.microsoft.com/office/powerpoint/2010/main" xmlns="" val="2857272158"/>
+        <p14:creationId xmlns:p14="http://schemas.microsoft.com/office/powerpoint/2010/main" val="2857272158"/>
       </p:ext>
     </p:extLst>
   </p:cSld>
@@ -15007,7 +15396,7 @@
           <p:nvPr>
             <p:extLst>
               <p:ext uri="{D42A27DB-BD31-4B8C-83A1-F6EECF244321}">
-                <p14:modId xmlns:p14="http://schemas.microsoft.com/office/powerpoint/2010/main" xmlns="" val="3006520327"/>
+                <p14:modId xmlns:p14="http://schemas.microsoft.com/office/powerpoint/2010/main" val="3006520327"/>
               </p:ext>
             </p:extLst>
           </p:nvPr>
@@ -15095,7 +15484,7 @@
     </p:spTree>
     <p:extLst>
       <p:ext uri="{BB962C8B-B14F-4D97-AF65-F5344CB8AC3E}">
-        <p14:creationId xmlns:p14="http://schemas.microsoft.com/office/powerpoint/2010/main" xmlns="" val="3976929176"/>
+        <p14:creationId xmlns:p14="http://schemas.microsoft.com/office/powerpoint/2010/main" val="3976929176"/>
       </p:ext>
     </p:extLst>
   </p:cSld>
@@ -15294,7 +15683,7 @@
     </p:spTree>
     <p:extLst>
       <p:ext uri="{BB962C8B-B14F-4D97-AF65-F5344CB8AC3E}">
-        <p14:creationId xmlns:p14="http://schemas.microsoft.com/office/powerpoint/2010/main" xmlns="" val="1690052742"/>
+        <p14:creationId xmlns:p14="http://schemas.microsoft.com/office/powerpoint/2010/main" val="1690052742"/>
       </p:ext>
     </p:extLst>
   </p:cSld>
@@ -15368,45 +15757,84 @@
           </a:bodyPr>
           <a:lstStyle/>
           <a:p>
+            <a:r>
+              <a:rPr lang="de-DE" dirty="0" smtClean="0"/>
+              <a:t>Wöchentliche </a:t>
+            </a:r>
+            <a:r>
+              <a:rPr lang="de-DE" dirty="0" smtClean="0"/>
+              <a:t>Jour </a:t>
+            </a:r>
+            <a:r>
+              <a:rPr lang="de-DE" dirty="0" smtClean="0"/>
+              <a:t>fixe</a:t>
+            </a:r>
             <a:endParaRPr lang="de-DE" dirty="0" smtClean="0"/>
           </a:p>
           <a:p>
             <a:r>
               <a:rPr lang="de-DE" dirty="0" smtClean="0"/>
-              <a:t>Wöchentliche Jour fixe</a:t>
-            </a:r>
-          </a:p>
-          <a:p>
+              <a:t>Auf- und Verteilung der Aufgaben/-</a:t>
+            </a:r>
+            <a:r>
+              <a:rPr lang="de-DE" dirty="0" smtClean="0"/>
+              <a:t>pakete</a:t>
+            </a:r>
             <a:endParaRPr lang="de-DE" dirty="0" smtClean="0"/>
           </a:p>
           <a:p>
             <a:r>
               <a:rPr lang="de-DE" dirty="0" smtClean="0"/>
-              <a:t>Auf- und Verteilung der Aufgaben/-pakete</a:t>
-            </a:r>
-          </a:p>
-          <a:p>
+              <a:t>Transparenz und Nachverfolgung</a:t>
+            </a:r>
+          </a:p>
+          <a:p>
+            <a:pPr lvl="1"/>
+            <a:r>
+              <a:rPr lang="de-DE" dirty="0" smtClean="0"/>
+              <a:t>Aufgabenliste</a:t>
+            </a:r>
+          </a:p>
+          <a:p>
+            <a:pPr lvl="1"/>
+            <a:r>
+              <a:rPr lang="de-DE" dirty="0" smtClean="0"/>
+              <a:t>Protokolle</a:t>
+            </a:r>
+          </a:p>
+          <a:p>
+            <a:pPr lvl="1"/>
             <a:endParaRPr lang="de-DE" dirty="0" smtClean="0"/>
           </a:p>
           <a:p>
             <a:r>
               <a:rPr lang="de-DE" dirty="0" smtClean="0"/>
-              <a:t>Transparenz und Nachverfolgung</a:t>
+              <a:t>Dokumentenmanagement &amp; Dateiaustausch</a:t>
             </a:r>
           </a:p>
           <a:p>
             <a:pPr lvl="1"/>
             <a:r>
               <a:rPr lang="de-DE" dirty="0" smtClean="0"/>
-              <a:t>Aufgabenliste</a:t>
-            </a:r>
+              <a:t>Google </a:t>
+            </a:r>
+            <a:r>
+              <a:rPr lang="de-DE" dirty="0" err="1" smtClean="0"/>
+              <a:t>Docs</a:t>
+            </a:r>
+            <a:endParaRPr lang="de-DE" dirty="0" smtClean="0"/>
           </a:p>
           <a:p>
             <a:pPr lvl="1"/>
             <a:r>
-              <a:rPr lang="de-DE" dirty="0" smtClean="0"/>
-              <a:t>Protokolle</a:t>
-            </a:r>
+              <a:rPr lang="de-DE" dirty="0" err="1"/>
+              <a:t>G</a:t>
+            </a:r>
+            <a:r>
+              <a:rPr lang="de-DE" dirty="0" err="1" smtClean="0"/>
+              <a:t>itHub</a:t>
+            </a:r>
+            <a:endParaRPr lang="de-DE" dirty="0" smtClean="0"/>
           </a:p>
         </p:txBody>
       </p:sp>
@@ -15497,7 +15925,7 @@
         </p:blipFill>
         <p:spPr bwMode="auto">
           <a:xfrm rot="16200000">
-            <a:off x="5345943" y="4626838"/>
+            <a:off x="6470506" y="4698845"/>
             <a:ext cx="1190650" cy="1819312"/>
           </a:xfrm>
           <a:prstGeom prst="roundRect">
@@ -15521,7 +15949,7 @@
     </p:spTree>
     <p:extLst>
       <p:ext uri="{BB962C8B-B14F-4D97-AF65-F5344CB8AC3E}">
-        <p14:creationId xmlns:p14="http://schemas.microsoft.com/office/powerpoint/2010/main" xmlns="" val="3138296042"/>
+        <p14:creationId xmlns:p14="http://schemas.microsoft.com/office/powerpoint/2010/main" val="3138296042"/>
       </p:ext>
     </p:extLst>
   </p:cSld>
@@ -15557,50 +15985,105 @@
       </p:grpSpPr>
       <p:sp>
         <p:nvSpPr>
-          <p:cNvPr id="7" name="Inhaltsplatzhalter 2"/>
-          <p:cNvSpPr txBox="1">
-            <a:spLocks/>
-          </p:cNvSpPr>
-          <p:nvPr/>
-        </p:nvSpPr>
-        <p:spPr>
-          <a:xfrm>
-            <a:off x="457200" y="1600200"/>
-            <a:ext cx="8219256" cy="4525963"/>
-          </a:xfrm>
-          <a:prstGeom prst="rect">
-            <a:avLst/>
-          </a:prstGeom>
-        </p:spPr>
-        <p:txBody>
-          <a:bodyPr vert="horz" lIns="91440" tIns="45720" rIns="91440" bIns="45720" rtlCol="0">
+          <p:cNvPr id="2" name="Titel 1"/>
+          <p:cNvSpPr>
+            <a:spLocks noGrp="1"/>
+          </p:cNvSpPr>
+          <p:nvPr>
+            <p:ph type="title"/>
+          </p:nvPr>
+        </p:nvSpPr>
+        <p:spPr/>
+        <p:txBody>
+          <a:bodyPr/>
+          <a:lstStyle/>
+          <a:p>
+            <a:r>
+              <a:rPr lang="de-DE" dirty="0" smtClean="0"/>
+              <a:t>Architekturentscheidungen</a:t>
+            </a:r>
+            <a:endParaRPr lang="de-DE" dirty="0"/>
+          </a:p>
+        </p:txBody>
+      </p:sp>
+      <p:sp>
+        <p:nvSpPr>
+          <p:cNvPr id="3" name="Inhaltsplatzhalter 2"/>
+          <p:cNvSpPr>
+            <a:spLocks noGrp="1"/>
+          </p:cNvSpPr>
+          <p:nvPr>
+            <p:ph idx="1"/>
+          </p:nvPr>
+        </p:nvSpPr>
+        <p:spPr/>
+        <p:txBody>
+          <a:bodyPr>
             <a:noAutofit/>
           </a:bodyPr>
           <a:lstStyle/>
           <a:p>
-            <a:pPr marL="342900" lvl="0" indent="-342900">
-              <a:spcBef>
-                <a:spcPct val="20000"/>
-              </a:spcBef>
-              <a:buFont typeface="Arial" pitchFamily="34" charset="0"/>
-              <a:buChar char="•"/>
-            </a:pPr>
-            <a:endParaRPr lang="de-DE" sz="2400" dirty="0" smtClean="0">
-              <a:solidFill>
-                <a:prstClr val="black"/>
-              </a:solidFill>
-            </a:endParaRPr>
-          </a:p>
-        </p:txBody>
-      </p:sp>
-      <p:sp>
-        <p:nvSpPr>
-          <p:cNvPr id="2" name="Titel 1"/>
-          <p:cNvSpPr>
-            <a:spLocks noGrp="1"/>
-          </p:cNvSpPr>
-          <p:nvPr>
-            <p:ph type="title"/>
+            <a:r>
+              <a:rPr lang="de-DE" dirty="0" smtClean="0"/>
+              <a:t>Framework: </a:t>
+            </a:r>
+            <a:r>
+              <a:rPr lang="de-DE" dirty="0" smtClean="0"/>
+              <a:t>Spring </a:t>
+            </a:r>
+            <a:r>
+              <a:rPr lang="de-DE" dirty="0" err="1" smtClean="0"/>
+              <a:t>Roo</a:t>
+            </a:r>
+            <a:endParaRPr lang="de-DE" dirty="0" smtClean="0"/>
+          </a:p>
+          <a:p>
+            <a:pPr lvl="1"/>
+            <a:r>
+              <a:rPr lang="de-DE" dirty="0" smtClean="0"/>
+              <a:t>Open Source Software</a:t>
+            </a:r>
+          </a:p>
+          <a:p>
+            <a:pPr lvl="1"/>
+            <a:r>
+              <a:rPr lang="de-DE" dirty="0" smtClean="0"/>
+              <a:t>Java-Techniken</a:t>
+            </a:r>
+          </a:p>
+          <a:p>
+            <a:pPr lvl="1"/>
+            <a:endParaRPr lang="de-DE" dirty="0" smtClean="0"/>
+          </a:p>
+          <a:p>
+            <a:r>
+              <a:rPr lang="de-DE" dirty="0" err="1" smtClean="0"/>
+              <a:t>Two</a:t>
+            </a:r>
+            <a:r>
+              <a:rPr lang="de-DE" dirty="0" smtClean="0"/>
+              <a:t>-Tier Architektur</a:t>
+            </a:r>
+            <a:endParaRPr lang="de-DE" dirty="0" smtClean="0"/>
+          </a:p>
+          <a:p>
+            <a:pPr lvl="1"/>
+            <a:endParaRPr lang="de-DE" dirty="0" smtClean="0"/>
+          </a:p>
+          <a:p>
+            <a:pPr lvl="1"/>
+            <a:endParaRPr lang="de-DE" dirty="0" smtClean="0"/>
+          </a:p>
+        </p:txBody>
+      </p:sp>
+      <p:sp>
+        <p:nvSpPr>
+          <p:cNvPr id="4" name="Datumsplatzhalter 3"/>
+          <p:cNvSpPr>
+            <a:spLocks noGrp="1"/>
+          </p:cNvSpPr>
+          <p:nvPr>
+            <p:ph type="dt" sz="half" idx="10"/>
           </p:nvPr>
         </p:nvSpPr>
         <p:spPr/>
@@ -15609,8 +16092,8 @@
           <a:lstStyle/>
           <a:p>
             <a:r>
-              <a:rPr lang="de-DE" dirty="0" smtClean="0"/>
-              <a:t>Projektorganisation</a:t>
+              <a:rPr lang="de-DE" smtClean="0"/>
+              <a:t>21.04.2012</a:t>
             </a:r>
             <a:endParaRPr lang="de-DE" dirty="0"/>
           </a:p>
@@ -15618,12 +16101,12 @@
       </p:sp>
       <p:sp>
         <p:nvSpPr>
-          <p:cNvPr id="4" name="Datumsplatzhalter 3"/>
-          <p:cNvSpPr>
-            <a:spLocks noGrp="1"/>
-          </p:cNvSpPr>
-          <p:nvPr>
-            <p:ph type="dt" sz="half" idx="10"/>
+          <p:cNvPr id="5" name="Fußzeilenplatzhalter 4"/>
+          <p:cNvSpPr>
+            <a:spLocks noGrp="1"/>
+          </p:cNvSpPr>
+          <p:nvPr>
+            <p:ph type="ftr" sz="quarter" idx="11"/>
           </p:nvPr>
         </p:nvSpPr>
         <p:spPr/>
@@ -15632,31 +16115,16 @@
           <a:lstStyle/>
           <a:p>
             <a:r>
-              <a:rPr lang="de-DE" smtClean="0"/>
-              <a:t>21.04.2012</a:t>
-            </a:r>
-            <a:endParaRPr lang="de-DE" dirty="0"/>
-          </a:p>
-        </p:txBody>
-      </p:sp>
-      <p:sp>
-        <p:nvSpPr>
-          <p:cNvPr id="5" name="Fußzeilenplatzhalter 4"/>
-          <p:cNvSpPr>
-            <a:spLocks noGrp="1"/>
-          </p:cNvSpPr>
-          <p:nvPr>
-            <p:ph type="ftr" sz="quarter" idx="11"/>
-          </p:nvPr>
-        </p:nvSpPr>
-        <p:spPr/>
-        <p:txBody>
-          <a:bodyPr/>
-          <a:lstStyle/>
-          <a:p>
-            <a:r>
-              <a:rPr lang="de-DE" smtClean="0"/>
-              <a:t>FST Projekt "Eventalizer" (SS 2012) Team 5</a:t>
+              <a:rPr lang="de-DE" dirty="0" smtClean="0"/>
+              <a:t>FST Projekt "</a:t>
+            </a:r>
+            <a:r>
+              <a:rPr lang="de-DE" dirty="0" err="1" smtClean="0"/>
+              <a:t>Eventalizer</a:t>
+            </a:r>
+            <a:r>
+              <a:rPr lang="de-DE" dirty="0" smtClean="0"/>
+              <a:t>" (SS 2012) Team 5</a:t>
             </a:r>
             <a:endParaRPr lang="de-DE" dirty="0"/>
           </a:p>
@@ -15688,269 +16156,202 @@
       </p:sp>
       <p:sp>
         <p:nvSpPr>
-          <p:cNvPr id="8" name="Inhaltsplatzhalter 2"/>
-          <p:cNvSpPr txBox="1">
-            <a:spLocks/>
-          </p:cNvSpPr>
+          <p:cNvPr id="8" name="Flussdiagramm: Prozess 7"/>
+          <p:cNvSpPr/>
           <p:nvPr/>
         </p:nvSpPr>
         <p:spPr>
           <a:xfrm>
-            <a:off x="1588008" y="1600200"/>
-            <a:ext cx="7498080" cy="4800600"/>
+            <a:off x="1763688" y="4221088"/>
+            <a:ext cx="2376264" cy="1584176"/>
           </a:xfrm>
-          <a:prstGeom prst="rect">
+          <a:prstGeom prst="flowChartProcess">
             <a:avLst/>
           </a:prstGeom>
         </p:spPr>
-        <p:txBody>
-          <a:bodyPr>
-            <a:noAutofit/>
-          </a:bodyPr>
-          <a:lstStyle>
-            <a:lvl1pPr marL="365760" indent="-283464" algn="l" rtl="0" eaLnBrk="1" latinLnBrk="0" hangingPunct="1">
-              <a:lnSpc>
-                <a:spcPts val="3000"/>
-              </a:lnSpc>
-              <a:spcBef>
-                <a:spcPts val="600"/>
-              </a:spcBef>
-              <a:buClr>
-                <a:schemeClr val="accent1"/>
-              </a:buClr>
-              <a:buSzPct val="80000"/>
-              <a:buFont typeface="Wingdings 2"/>
-              <a:buChar char=""/>
-              <a:defRPr sz="3200" kern="1200">
-                <a:solidFill>
-                  <a:schemeClr val="tx1"/>
-                </a:solidFill>
-                <a:latin typeface="+mn-lt"/>
-                <a:ea typeface="+mn-ea"/>
-                <a:cs typeface="+mn-cs"/>
-              </a:defRPr>
-            </a:lvl1pPr>
-            <a:lvl2pPr marL="640080" indent="-237744" algn="l" rtl="0" eaLnBrk="1" latinLnBrk="0" hangingPunct="1">
-              <a:lnSpc>
-                <a:spcPts val="3000"/>
-              </a:lnSpc>
-              <a:spcBef>
-                <a:spcPts val="550"/>
-              </a:spcBef>
-              <a:buClr>
-                <a:schemeClr val="accent1"/>
-              </a:buClr>
-              <a:buFont typeface="Verdana"/>
-              <a:buChar char="◦"/>
-              <a:defRPr sz="2800" kern="1200">
-                <a:solidFill>
-                  <a:schemeClr val="tx1"/>
-                </a:solidFill>
-                <a:latin typeface="+mn-lt"/>
-                <a:ea typeface="+mn-ea"/>
-                <a:cs typeface="+mn-cs"/>
-              </a:defRPr>
-            </a:lvl2pPr>
-            <a:lvl3pPr marL="886968" indent="-228600" algn="l" rtl="0" eaLnBrk="1" latinLnBrk="0" hangingPunct="1">
-              <a:lnSpc>
-                <a:spcPts val="2800"/>
-              </a:lnSpc>
-              <a:spcBef>
-                <a:spcPct val="20000"/>
-              </a:spcBef>
-              <a:buClr>
-                <a:schemeClr val="accent2"/>
-              </a:buClr>
-              <a:buFont typeface="Wingdings 2"/>
-              <a:buChar char=""/>
-              <a:defRPr sz="2400" kern="1200">
-                <a:solidFill>
-                  <a:schemeClr val="tx1"/>
-                </a:solidFill>
-                <a:latin typeface="+mn-lt"/>
-                <a:ea typeface="+mn-ea"/>
-                <a:cs typeface="+mn-cs"/>
-              </a:defRPr>
-            </a:lvl3pPr>
-            <a:lvl4pPr marL="1097280" indent="-173736" algn="l" rtl="0" eaLnBrk="1" latinLnBrk="0" hangingPunct="1">
-              <a:spcBef>
-                <a:spcPct val="20000"/>
-              </a:spcBef>
-              <a:buClr>
-                <a:schemeClr val="accent3"/>
-              </a:buClr>
-              <a:buFont typeface="Wingdings 2"/>
-              <a:buChar char=""/>
-              <a:defRPr sz="2000" kern="1200">
-                <a:solidFill>
-                  <a:schemeClr val="tx1"/>
-                </a:solidFill>
-                <a:latin typeface="+mn-lt"/>
-                <a:ea typeface="+mn-ea"/>
-                <a:cs typeface="+mn-cs"/>
-              </a:defRPr>
-            </a:lvl4pPr>
-            <a:lvl5pPr marL="1298448" indent="-182880" algn="l" rtl="0" eaLnBrk="1" latinLnBrk="0" hangingPunct="1">
-              <a:spcBef>
-                <a:spcPct val="20000"/>
-              </a:spcBef>
-              <a:buClr>
-                <a:schemeClr val="accent4"/>
-              </a:buClr>
-              <a:buFont typeface="Wingdings 2"/>
-              <a:buChar char=""/>
-              <a:defRPr sz="2000" kern="1200">
-                <a:solidFill>
-                  <a:schemeClr val="tx1"/>
-                </a:solidFill>
-                <a:latin typeface="+mn-lt"/>
-                <a:ea typeface="+mn-ea"/>
-                <a:cs typeface="+mn-cs"/>
-              </a:defRPr>
-            </a:lvl5pPr>
-            <a:lvl6pPr marL="1508760" indent="-182880" algn="l" rtl="0" eaLnBrk="1" latinLnBrk="0" hangingPunct="1">
-              <a:spcBef>
-                <a:spcPct val="20000"/>
-              </a:spcBef>
-              <a:buClr>
-                <a:schemeClr val="accent5"/>
-              </a:buClr>
-              <a:buFont typeface="Wingdings 2"/>
-              <a:buChar char=""/>
-              <a:defRPr sz="2000" kern="1200">
-                <a:solidFill>
-                  <a:schemeClr val="tx1"/>
-                </a:solidFill>
-                <a:latin typeface="+mn-lt"/>
-                <a:ea typeface="+mn-ea"/>
-                <a:cs typeface="+mn-cs"/>
-              </a:defRPr>
-            </a:lvl6pPr>
-            <a:lvl7pPr marL="1719072" indent="-182880" algn="l" rtl="0" eaLnBrk="1" latinLnBrk="0" hangingPunct="1">
-              <a:spcBef>
-                <a:spcPct val="20000"/>
-              </a:spcBef>
-              <a:buClr>
-                <a:schemeClr val="accent6"/>
-              </a:buClr>
-              <a:buFont typeface="Wingdings 2"/>
-              <a:buChar char=""/>
-              <a:defRPr sz="2000" kern="1200">
-                <a:solidFill>
-                  <a:schemeClr val="tx1"/>
-                </a:solidFill>
-                <a:latin typeface="+mn-lt"/>
-                <a:ea typeface="+mn-ea"/>
-                <a:cs typeface="+mn-cs"/>
-              </a:defRPr>
-            </a:lvl7pPr>
-            <a:lvl8pPr marL="1920240" indent="-182880" algn="l" rtl="0" eaLnBrk="1" latinLnBrk="0" hangingPunct="1">
-              <a:spcBef>
-                <a:spcPct val="20000"/>
-              </a:spcBef>
-              <a:buClr>
-                <a:schemeClr val="accent6"/>
-              </a:buClr>
-              <a:buFont typeface="Wingdings 2"/>
-              <a:buChar char=""/>
-              <a:defRPr sz="2000" kern="1200">
-                <a:solidFill>
-                  <a:schemeClr val="tx1"/>
-                </a:solidFill>
-                <a:latin typeface="+mn-lt"/>
-                <a:ea typeface="+mn-ea"/>
-                <a:cs typeface="+mn-cs"/>
-              </a:defRPr>
-            </a:lvl8pPr>
-            <a:lvl9pPr marL="2130552" indent="-182880" algn="l" rtl="0" eaLnBrk="1" latinLnBrk="0" hangingPunct="1">
-              <a:spcBef>
-                <a:spcPct val="20000"/>
-              </a:spcBef>
-              <a:buClr>
-                <a:schemeClr val="accent6"/>
-              </a:buClr>
-              <a:buFont typeface="Wingdings 2"/>
-              <a:buChar char=""/>
-              <a:defRPr sz="2000" kern="1200">
-                <a:solidFill>
-                  <a:schemeClr val="tx1"/>
-                </a:solidFill>
-                <a:latin typeface="+mn-lt"/>
-                <a:ea typeface="+mn-ea"/>
-                <a:cs typeface="+mn-cs"/>
-              </a:defRPr>
-            </a:lvl9pPr>
-            <a:extLst/>
-          </a:lstStyle>
-          <a:p>
+        <p:style>
+          <a:lnRef idx="2">
+            <a:schemeClr val="accent1">
+              <a:shade val="50000"/>
+            </a:schemeClr>
+          </a:lnRef>
+          <a:fillRef idx="1">
+            <a:schemeClr val="accent1"/>
+          </a:fillRef>
+          <a:effectRef idx="0">
+            <a:schemeClr val="accent1"/>
+          </a:effectRef>
+          <a:fontRef idx="minor">
+            <a:schemeClr val="lt1"/>
+          </a:fontRef>
+        </p:style>
+        <p:txBody>
+          <a:bodyPr rtlCol="0" anchor="ctr"/>
+          <a:lstStyle/>
+          <a:p>
+            <a:pPr lvl="0"/>
+            <a:r>
+              <a:rPr lang="de-DE" b="1" dirty="0" err="1" smtClean="0"/>
+              <a:t>Application</a:t>
+            </a:r>
+            <a:r>
+              <a:rPr lang="de-DE" b="1" dirty="0" smtClean="0"/>
+              <a:t>/ </a:t>
+            </a:r>
+            <a:r>
+              <a:rPr lang="de-DE" b="1" dirty="0" err="1" smtClean="0"/>
+              <a:t>Presentation</a:t>
+            </a:r>
+            <a:r>
+              <a:rPr lang="de-DE" b="1" dirty="0" smtClean="0"/>
+              <a:t>  </a:t>
+            </a:r>
+            <a:r>
+              <a:rPr lang="de-DE" b="1" dirty="0"/>
+              <a:t>Tier</a:t>
+            </a:r>
+          </a:p>
+          <a:p>
+            <a:pPr marL="742950" lvl="1" indent="-285750">
+              <a:buFont typeface="Arial" pitchFamily="34" charset="0"/>
+              <a:buChar char="•"/>
+            </a:pPr>
             <a:r>
               <a:rPr lang="de-DE" dirty="0"/>
-              <a:t>Versionierung der Dokumente &amp; des </a:t>
-            </a:r>
-            <a:r>
-              <a:rPr lang="de-DE" dirty="0" smtClean="0"/>
-              <a:t>Quellcodes</a:t>
-            </a:r>
-          </a:p>
-          <a:p>
+              <a:t>Spring </a:t>
+            </a:r>
+            <a:r>
+              <a:rPr lang="de-DE" dirty="0" err="1"/>
+              <a:t>Roo</a:t>
+            </a:r>
             <a:endParaRPr lang="de-DE" dirty="0"/>
           </a:p>
           <a:p>
+            <a:pPr marL="742950" lvl="1" indent="-285750">
+              <a:buFont typeface="Arial" pitchFamily="34" charset="0"/>
+              <a:buChar char="•"/>
+            </a:pPr>
             <a:r>
               <a:rPr lang="de-DE" dirty="0"/>
-              <a:t>Erste Dokumente über Google </a:t>
-            </a:r>
+              <a:t>Apache </a:t>
+            </a:r>
+            <a:r>
+              <a:rPr lang="de-DE" dirty="0" err="1"/>
+              <a:t>Tomcat</a:t>
+            </a:r>
+            <a:endParaRPr lang="de-DE" dirty="0"/>
+          </a:p>
+          <a:p>
+            <a:pPr algn="ctr"/>
+            <a:endParaRPr lang="de-DE" dirty="0"/>
+          </a:p>
+        </p:txBody>
+      </p:sp>
+      <p:sp>
+        <p:nvSpPr>
+          <p:cNvPr id="10" name="Flussdiagramm: Prozess 9"/>
+          <p:cNvSpPr/>
+          <p:nvPr/>
+        </p:nvSpPr>
+        <p:spPr>
+          <a:xfrm>
+            <a:off x="5940152" y="4221088"/>
+            <a:ext cx="2376264" cy="1584176"/>
+          </a:xfrm>
+          <a:prstGeom prst="flowChartProcess">
+            <a:avLst/>
+          </a:prstGeom>
+        </p:spPr>
+        <p:style>
+          <a:lnRef idx="2">
+            <a:schemeClr val="accent1">
+              <a:shade val="50000"/>
+            </a:schemeClr>
+          </a:lnRef>
+          <a:fillRef idx="1">
+            <a:schemeClr val="accent1"/>
+          </a:fillRef>
+          <a:effectRef idx="0">
+            <a:schemeClr val="accent1"/>
+          </a:effectRef>
+          <a:fontRef idx="minor">
+            <a:schemeClr val="lt1"/>
+          </a:fontRef>
+        </p:style>
+        <p:txBody>
+          <a:bodyPr rtlCol="0" anchor="ctr"/>
+          <a:lstStyle/>
+          <a:p>
+            <a:pPr lvl="0"/>
+            <a:r>
+              <a:rPr lang="de-DE" b="1" dirty="0" smtClean="0"/>
+              <a:t>Data Tier</a:t>
+            </a:r>
+            <a:br>
+              <a:rPr lang="de-DE" b="1" dirty="0" smtClean="0"/>
+            </a:br>
+            <a:endParaRPr lang="de-DE" sz="1100" b="1" dirty="0"/>
+          </a:p>
+          <a:p>
+            <a:pPr marL="742950" lvl="1" indent="-285750">
+              <a:buFont typeface="Arial" pitchFamily="34" charset="0"/>
+              <a:buChar char="•"/>
+            </a:pPr>
+            <a:r>
+              <a:rPr lang="de-DE" dirty="0" smtClean="0"/>
+              <a:t>MySQL</a:t>
+            </a:r>
+          </a:p>
+          <a:p>
+            <a:pPr lvl="1"/>
+            <a:endParaRPr lang="de-DE" dirty="0"/>
+          </a:p>
+          <a:p>
+            <a:pPr algn="ctr"/>
+            <a:endParaRPr lang="de-DE" dirty="0"/>
+          </a:p>
+        </p:txBody>
+      </p:sp>
+      <p:sp>
+        <p:nvSpPr>
+          <p:cNvPr id="9" name="Pfeil nach links und rechts 8"/>
+          <p:cNvSpPr/>
+          <p:nvPr/>
+        </p:nvSpPr>
+        <p:spPr>
+          <a:xfrm>
+            <a:off x="4283968" y="4509120"/>
+            <a:ext cx="1512168" cy="576064"/>
+          </a:xfrm>
+          <a:prstGeom prst="leftRightArrow">
+            <a:avLst/>
+          </a:prstGeom>
+        </p:spPr>
+        <p:style>
+          <a:lnRef idx="2">
+            <a:schemeClr val="accent1">
+              <a:shade val="50000"/>
+            </a:schemeClr>
+          </a:lnRef>
+          <a:fillRef idx="1">
+            <a:schemeClr val="accent1"/>
+          </a:fillRef>
+          <a:effectRef idx="0">
+            <a:schemeClr val="accent1"/>
+          </a:effectRef>
+          <a:fontRef idx="minor">
+            <a:schemeClr val="lt1"/>
+          </a:fontRef>
+        </p:style>
+        <p:txBody>
+          <a:bodyPr rtlCol="0" anchor="ctr"/>
+          <a:lstStyle/>
+          <a:p>
+            <a:pPr algn="ctr"/>
             <a:r>
               <a:rPr lang="de-DE" dirty="0" err="1" smtClean="0"/>
-              <a:t>Docs</a:t>
-            </a:r>
-            <a:endParaRPr lang="de-DE" dirty="0" smtClean="0"/>
-          </a:p>
-          <a:p>
-            <a:endParaRPr lang="de-DE" dirty="0"/>
-          </a:p>
-          <a:p>
-            <a:r>
-              <a:rPr lang="de-DE" dirty="0"/>
-              <a:t>Spätere Entscheidung für </a:t>
-            </a:r>
-            <a:r>
-              <a:rPr lang="de-DE" dirty="0" smtClean="0"/>
-              <a:t>Repository </a:t>
-            </a:r>
-            <a:r>
-              <a:rPr lang="de-DE" dirty="0" err="1" smtClean="0"/>
-              <a:t>gitHub</a:t>
-            </a:r>
-            <a:endParaRPr lang="de-DE" dirty="0"/>
-          </a:p>
-          <a:p>
-            <a:pPr lvl="1"/>
-            <a:r>
-              <a:rPr lang="de-DE" dirty="0"/>
-              <a:t>webbasierter Hosting-Dienst für Open-Source-Software-Entwicklungsprojekte</a:t>
-            </a:r>
-          </a:p>
-          <a:p>
-            <a:pPr lvl="1"/>
-            <a:r>
-              <a:rPr lang="de-DE" dirty="0"/>
-              <a:t>Verwendet das Versionsverwaltungssystem </a:t>
-            </a:r>
-            <a:r>
-              <a:rPr lang="de-DE" dirty="0" err="1"/>
-              <a:t>Git</a:t>
-            </a:r>
-            <a:r>
-              <a:rPr lang="de-DE" dirty="0"/>
-              <a:t/>
-            </a:r>
-            <a:br>
-              <a:rPr lang="de-DE" dirty="0"/>
-            </a:br>
-            <a:endParaRPr lang="de-DE" dirty="0"/>
-          </a:p>
-          <a:p>
+              <a:t>Hibernate</a:t>
+            </a:r>
             <a:endParaRPr lang="de-DE" dirty="0"/>
           </a:p>
         </p:txBody>
@@ -15958,7 +16359,7 @@
     </p:spTree>
     <p:extLst>
       <p:ext uri="{BB962C8B-B14F-4D97-AF65-F5344CB8AC3E}">
-        <p14:creationId xmlns:p14="http://schemas.microsoft.com/office/powerpoint/2010/main" xmlns="" val="732863636"/>
+        <p14:creationId xmlns:p14="http://schemas.microsoft.com/office/powerpoint/2010/main" val="2071276895"/>
       </p:ext>
     </p:extLst>
   </p:cSld>
@@ -16009,7 +16410,7 @@
           <a:p>
             <a:r>
               <a:rPr lang="de-DE" dirty="0" smtClean="0"/>
-              <a:t>Architekturentscheidungen</a:t>
+              <a:t>Aktuelle Ergebnisse</a:t>
             </a:r>
             <a:endParaRPr lang="de-DE" dirty="0"/>
           </a:p>
@@ -16034,101 +16435,74 @@
           <a:p>
             <a:r>
               <a:rPr lang="de-DE" dirty="0" smtClean="0"/>
-              <a:t>Spring </a:t>
+              <a:t>Dokumente</a:t>
+            </a:r>
+          </a:p>
+          <a:p>
+            <a:pPr lvl="1"/>
+            <a:r>
+              <a:rPr lang="de-DE" dirty="0" smtClean="0"/>
+              <a:t>Projekt-Exposé</a:t>
+            </a:r>
+          </a:p>
+          <a:p>
+            <a:pPr lvl="1"/>
+            <a:r>
+              <a:rPr lang="de-DE" dirty="0" smtClean="0"/>
+              <a:t>Projektplan</a:t>
+            </a:r>
+          </a:p>
+          <a:p>
+            <a:pPr lvl="1"/>
+            <a:r>
+              <a:rPr lang="de-DE" dirty="0" smtClean="0"/>
+              <a:t>Lastenheft</a:t>
+            </a:r>
+          </a:p>
+          <a:p>
+            <a:pPr lvl="1"/>
+            <a:r>
+              <a:rPr lang="de-DE" dirty="0" smtClean="0"/>
+              <a:t>Glossar (Begriffsdefinitionen)</a:t>
+            </a:r>
+          </a:p>
+          <a:p>
+            <a:pPr lvl="1"/>
+            <a:r>
+              <a:rPr lang="de-DE" dirty="0" smtClean="0"/>
+              <a:t>Risikoanalyse</a:t>
+            </a:r>
+          </a:p>
+          <a:p>
+            <a:pPr lvl="1"/>
+            <a:r>
+              <a:rPr lang="de-DE" dirty="0" smtClean="0"/>
+              <a:t>Wirtschaftslichkeitsbetrachtung</a:t>
+            </a:r>
+          </a:p>
+          <a:p>
+            <a:pPr lvl="1"/>
+            <a:r>
+              <a:rPr lang="de-DE" dirty="0" smtClean="0"/>
+              <a:t>Szenarien</a:t>
+            </a:r>
+          </a:p>
+          <a:p>
+            <a:pPr lvl="1"/>
+            <a:r>
+              <a:rPr lang="de-DE" dirty="0" smtClean="0"/>
+              <a:t>Anwendungsfalldiagramm</a:t>
+            </a:r>
+          </a:p>
+          <a:p>
+            <a:pPr lvl="1"/>
+            <a:r>
+              <a:rPr lang="de-DE" dirty="0" smtClean="0"/>
+              <a:t>Mock-</a:t>
             </a:r>
             <a:r>
               <a:rPr lang="de-DE" dirty="0" err="1" smtClean="0"/>
-              <a:t>Roo</a:t>
-            </a:r>
-            <a:endParaRPr lang="de-DE" dirty="0" smtClean="0"/>
-          </a:p>
-          <a:p>
-            <a:pPr lvl="1"/>
-            <a:r>
-              <a:rPr lang="de-DE" dirty="0" smtClean="0"/>
-              <a:t>Werkzeug zur einfachen und effizienten Realisierung von </a:t>
-            </a:r>
-            <a:r>
-              <a:rPr lang="de-DE" dirty="0" smtClean="0"/>
-              <a:t>Java-Anwendungen</a:t>
-            </a:r>
-          </a:p>
-          <a:p>
-            <a:pPr lvl="1"/>
-            <a:endParaRPr lang="de-DE" dirty="0" smtClean="0"/>
-          </a:p>
-          <a:p>
-            <a:pPr lvl="1"/>
-            <a:r>
-              <a:rPr lang="de-DE" dirty="0" smtClean="0"/>
-              <a:t>Verwendung von bekannten und verbreiteten Java-Techniken wie Spring, </a:t>
-            </a:r>
-            <a:r>
-              <a:rPr lang="de-DE" dirty="0" smtClean="0"/>
-              <a:t> dem </a:t>
-            </a:r>
-            <a:r>
-              <a:rPr lang="de-DE" dirty="0" smtClean="0"/>
-              <a:t>Java </a:t>
-            </a:r>
-            <a:r>
-              <a:rPr lang="de-DE" dirty="0" err="1" smtClean="0"/>
-              <a:t>Persistence</a:t>
-            </a:r>
-            <a:r>
-              <a:rPr lang="de-DE" dirty="0" smtClean="0"/>
-              <a:t> API (JPA), </a:t>
-            </a:r>
-            <a:r>
-              <a:rPr lang="de-DE" dirty="0" smtClean="0"/>
-              <a:t> </a:t>
-            </a:r>
-            <a:r>
-              <a:rPr lang="de-DE" dirty="0" err="1" smtClean="0"/>
-              <a:t>JUnit</a:t>
-            </a:r>
-            <a:r>
-              <a:rPr lang="de-DE" dirty="0" smtClean="0"/>
-              <a:t> </a:t>
-            </a:r>
-            <a:r>
-              <a:rPr lang="de-DE" dirty="0" smtClean="0"/>
-              <a:t>oder Googles Web </a:t>
-            </a:r>
-            <a:r>
-              <a:rPr lang="de-DE" dirty="0" err="1" smtClean="0"/>
-              <a:t>Toolkit</a:t>
-            </a:r>
-            <a:r>
-              <a:rPr lang="de-DE" dirty="0" smtClean="0"/>
-              <a:t> (GWT</a:t>
-            </a:r>
-            <a:r>
-              <a:rPr lang="de-DE" dirty="0" smtClean="0"/>
-              <a:t>)</a:t>
-            </a:r>
-          </a:p>
-          <a:p>
-            <a:pPr lvl="1"/>
-            <a:endParaRPr lang="de-DE" dirty="0" smtClean="0"/>
-          </a:p>
-          <a:p>
-            <a:pPr lvl="1"/>
-            <a:r>
-              <a:rPr lang="de-DE" dirty="0" smtClean="0"/>
-              <a:t>Konzentration auf </a:t>
-            </a:r>
-            <a:r>
-              <a:rPr lang="de-DE" dirty="0" smtClean="0"/>
-              <a:t>Entwicklungsprozess </a:t>
-            </a:r>
-            <a:r>
-              <a:rPr lang="de-DE" dirty="0" smtClean="0"/>
-              <a:t>und nicht auf </a:t>
-            </a:r>
-            <a:r>
-              <a:rPr lang="de-DE" dirty="0" smtClean="0"/>
-              <a:t>Implementierung</a:t>
+              <a:t>Ups</a:t>
             </a:r>
             <a:endParaRPr lang="de-DE" dirty="0" smtClean="0"/>
           </a:p>
@@ -16159,7 +16533,7 @@
       </p:sp>
       <p:sp>
         <p:nvSpPr>
-          <p:cNvPr id="5" name="Fußzeilenplatzhalter 4"/>
+          <p:cNvPr id="6" name="Fußzeilenplatzhalter 5"/>
           <p:cNvSpPr>
             <a:spLocks noGrp="1"/>
           </p:cNvSpPr>
@@ -16182,7 +16556,7 @@
       </p:sp>
       <p:sp>
         <p:nvSpPr>
-          <p:cNvPr id="6" name="Foliennummernplatzhalter 5"/>
+          <p:cNvPr id="5" name="Foliennummernplatzhalter 4"/>
           <p:cNvSpPr>
             <a:spLocks noGrp="1"/>
           </p:cNvSpPr>
@@ -16207,7 +16581,7 @@
     </p:spTree>
     <p:extLst>
       <p:ext uri="{BB962C8B-B14F-4D97-AF65-F5344CB8AC3E}">
-        <p14:creationId xmlns:p14="http://schemas.microsoft.com/office/powerpoint/2010/main" xmlns="" val="898376716"/>
+        <p14:creationId xmlns:p14="http://schemas.microsoft.com/office/powerpoint/2010/main" val="3738851768"/>
       </p:ext>
     </p:extLst>
   </p:cSld>
@@ -16243,6 +16617,60 @@
       </p:grpSpPr>
       <p:sp>
         <p:nvSpPr>
+          <p:cNvPr id="7" name="Abgerundetes Rechteck 6"/>
+          <p:cNvSpPr/>
+          <p:nvPr/>
+        </p:nvSpPr>
+        <p:spPr>
+          <a:xfrm>
+            <a:off x="1835696" y="2348880"/>
+            <a:ext cx="5256584" cy="432048"/>
+          </a:xfrm>
+          <a:prstGeom prst="roundRect">
+            <a:avLst/>
+          </a:prstGeom>
+          <a:solidFill>
+            <a:schemeClr val="accent1">
+              <a:lumMod val="20000"/>
+              <a:lumOff val="80000"/>
+            </a:schemeClr>
+          </a:solidFill>
+          <a:ln>
+            <a:solidFill>
+              <a:schemeClr val="accent1">
+                <a:lumMod val="20000"/>
+                <a:lumOff val="80000"/>
+              </a:schemeClr>
+            </a:solidFill>
+          </a:ln>
+        </p:spPr>
+        <p:style>
+          <a:lnRef idx="2">
+            <a:schemeClr val="accent1">
+              <a:shade val="50000"/>
+            </a:schemeClr>
+          </a:lnRef>
+          <a:fillRef idx="1">
+            <a:schemeClr val="accent1"/>
+          </a:fillRef>
+          <a:effectRef idx="0">
+            <a:schemeClr val="accent1"/>
+          </a:effectRef>
+          <a:fontRef idx="minor">
+            <a:schemeClr val="lt1"/>
+          </a:fontRef>
+        </p:style>
+        <p:txBody>
+          <a:bodyPr rtlCol="0" anchor="ctr"/>
+          <a:lstStyle/>
+          <a:p>
+            <a:pPr algn="ctr"/>
+            <a:endParaRPr lang="de-DE"/>
+          </a:p>
+        </p:txBody>
+      </p:sp>
+      <p:sp>
+        <p:nvSpPr>
           <p:cNvPr id="2" name="Titel 1"/>
           <p:cNvSpPr>
             <a:spLocks noGrp="1"/>
@@ -16258,7 +16686,7 @@
           <a:p>
             <a:r>
               <a:rPr lang="de-DE" dirty="0" smtClean="0"/>
-              <a:t>Architekturentscheidungen</a:t>
+              <a:t>Aktuelle Ergebnisse</a:t>
             </a:r>
             <a:endParaRPr lang="de-DE" dirty="0"/>
           </a:p>
@@ -16282,68 +16710,77 @@
           <a:lstStyle/>
           <a:p>
             <a:r>
+              <a:rPr lang="de-DE" dirty="0" smtClean="0"/>
+              <a:t>Dokumente</a:t>
+            </a:r>
+          </a:p>
+          <a:p>
+            <a:pPr lvl="1"/>
+            <a:r>
+              <a:rPr lang="de-DE" dirty="0" smtClean="0"/>
+              <a:t>Projekt-Exposé</a:t>
+            </a:r>
+          </a:p>
+          <a:p>
+            <a:pPr lvl="1"/>
+            <a:r>
+              <a:rPr lang="de-DE" dirty="0" smtClean="0"/>
+              <a:t>Projektplan</a:t>
+            </a:r>
+          </a:p>
+          <a:p>
+            <a:pPr lvl="1"/>
+            <a:r>
+              <a:rPr lang="de-DE" dirty="0" smtClean="0"/>
+              <a:t>Lastenheft</a:t>
+            </a:r>
+          </a:p>
+          <a:p>
+            <a:pPr lvl="1"/>
+            <a:r>
+              <a:rPr lang="de-DE" dirty="0" smtClean="0"/>
+              <a:t>Glossar (Begriffsdefinitionen)</a:t>
+            </a:r>
+          </a:p>
+          <a:p>
+            <a:pPr lvl="1"/>
+            <a:r>
+              <a:rPr lang="de-DE" dirty="0" smtClean="0"/>
+              <a:t>Risikoanalyse</a:t>
+            </a:r>
+          </a:p>
+          <a:p>
+            <a:pPr lvl="1"/>
+            <a:r>
+              <a:rPr lang="de-DE" dirty="0" smtClean="0"/>
+              <a:t>Wirtschaftslichkeitsbetrachtung</a:t>
+            </a:r>
+          </a:p>
+          <a:p>
+            <a:pPr lvl="1"/>
+            <a:r>
+              <a:rPr lang="de-DE" dirty="0" smtClean="0"/>
+              <a:t>Szenarien</a:t>
+            </a:r>
+          </a:p>
+          <a:p>
+            <a:pPr lvl="1"/>
+            <a:r>
+              <a:rPr lang="de-DE" dirty="0" smtClean="0"/>
+              <a:t>Anwendungsfalldiagramm</a:t>
+            </a:r>
+          </a:p>
+          <a:p>
+            <a:pPr lvl="1"/>
+            <a:r>
+              <a:rPr lang="de-DE" dirty="0" smtClean="0"/>
+              <a:t>Mock-</a:t>
+            </a:r>
+            <a:r>
               <a:rPr lang="de-DE" dirty="0" err="1" smtClean="0"/>
-              <a:t>Hibernate</a:t>
+              <a:t>Ups</a:t>
             </a:r>
             <a:endParaRPr lang="de-DE" dirty="0" smtClean="0"/>
-          </a:p>
-          <a:p>
-            <a:pPr lvl="1"/>
-            <a:r>
-              <a:rPr lang="de-DE" dirty="0" err="1" smtClean="0"/>
-              <a:t>Object</a:t>
-            </a:r>
-            <a:r>
-              <a:rPr lang="de-DE" dirty="0" smtClean="0"/>
-              <a:t>-Relational </a:t>
-            </a:r>
-            <a:r>
-              <a:rPr lang="de-DE" dirty="0" smtClean="0"/>
-              <a:t>Mapping (ORM)</a:t>
-            </a:r>
-          </a:p>
-          <a:p>
-            <a:pPr lvl="1"/>
-            <a:r>
-              <a:rPr lang="de-DE" dirty="0" smtClean="0"/>
-              <a:t>Weite </a:t>
-            </a:r>
-            <a:r>
-              <a:rPr lang="de-DE" dirty="0" smtClean="0"/>
-              <a:t>Verbreitung</a:t>
-            </a:r>
-          </a:p>
-          <a:p>
-            <a:pPr lvl="1"/>
-            <a:endParaRPr lang="de-DE" dirty="0" smtClean="0"/>
-          </a:p>
-          <a:p>
-            <a:r>
-              <a:rPr lang="de-DE" dirty="0" smtClean="0"/>
-              <a:t>Apache</a:t>
-            </a:r>
-          </a:p>
-          <a:p>
-            <a:pPr lvl="1"/>
-            <a:r>
-              <a:rPr lang="de-DE" dirty="0" smtClean="0"/>
-              <a:t>Weit verbreitetester Web Server</a:t>
-            </a:r>
-          </a:p>
-          <a:p>
-            <a:pPr lvl="1"/>
-            <a:r>
-              <a:rPr lang="de-DE" dirty="0" smtClean="0"/>
-              <a:t>Open-Source</a:t>
-            </a:r>
-          </a:p>
-          <a:p>
-            <a:pPr lvl="1"/>
-            <a:r>
-              <a:rPr lang="de-DE" dirty="0" smtClean="0"/>
-              <a:t>Einfache Installation und Konfiguration</a:t>
-            </a:r>
-            <a:endParaRPr lang="de-DE" dirty="0"/>
           </a:p>
         </p:txBody>
       </p:sp>
@@ -16372,7 +16809,7 @@
       </p:sp>
       <p:sp>
         <p:nvSpPr>
-          <p:cNvPr id="5" name="Fußzeilenplatzhalter 4"/>
+          <p:cNvPr id="6" name="Fußzeilenplatzhalter 5"/>
           <p:cNvSpPr>
             <a:spLocks noGrp="1"/>
           </p:cNvSpPr>
@@ -16395,7 +16832,7 @@
       </p:sp>
       <p:sp>
         <p:nvSpPr>
-          <p:cNvPr id="6" name="Foliennummernplatzhalter 5"/>
+          <p:cNvPr id="5" name="Foliennummernplatzhalter 4"/>
           <p:cNvSpPr>
             <a:spLocks noGrp="1"/>
           </p:cNvSpPr>
@@ -16420,7 +16857,7 @@
     </p:spTree>
     <p:extLst>
       <p:ext uri="{BB962C8B-B14F-4D97-AF65-F5344CB8AC3E}">
-        <p14:creationId xmlns:p14="http://schemas.microsoft.com/office/powerpoint/2010/main" xmlns="" val="1483896642"/>
+        <p14:creationId xmlns:p14="http://schemas.microsoft.com/office/powerpoint/2010/main" val="2298652147"/>
       </p:ext>
     </p:extLst>
   </p:cSld>

--- a/Dokumente/Zwischenstand zum 2012-04-21_v2.pptx
+++ b/Dokumente/Zwischenstand zum 2012-04-21_v2.pptx
@@ -5552,11 +5552,7 @@
             </a:r>
             <a:r>
               <a:rPr lang="de-DE" baseline="0" dirty="0" smtClean="0"/>
-              <a:t> zusammengefasst</a:t>
-            </a:r>
-            <a:r>
-              <a:rPr lang="de-DE" baseline="0" dirty="0" smtClean="0"/>
-              <a:t>.</a:t>
+              <a:t> zusammengefasst.</a:t>
             </a:r>
           </a:p>
           <a:p>
@@ -5730,11 +5726,7 @@
             </a:r>
             <a:r>
               <a:rPr lang="de-DE" baseline="0" dirty="0" smtClean="0"/>
-              <a:t> </a:t>
-            </a:r>
-            <a:r>
-              <a:rPr lang="de-DE" baseline="0" dirty="0" smtClean="0"/>
-              <a:t>für Spring = </a:t>
+              <a:t> für Spring = </a:t>
             </a:r>
             <a:r>
               <a:rPr lang="de-DE" baseline="0" dirty="0" err="1" smtClean="0"/>
@@ -5742,11 +5734,7 @@
             </a:r>
             <a:r>
               <a:rPr lang="de-DE" baseline="0" dirty="0" smtClean="0"/>
-              <a:t> für </a:t>
-            </a:r>
-            <a:r>
-              <a:rPr lang="de-DE" baseline="0" dirty="0" smtClean="0"/>
-              <a:t>Ruby</a:t>
+              <a:t> für Ruby</a:t>
             </a:r>
           </a:p>
           <a:p>
@@ -10896,7 +10884,7 @@
               <a:t>, Felix Wessel, Patrick </a:t>
             </a:r>
             <a:r>
-              <a:rPr lang="de-DE" dirty="0" err="1"/>
+              <a:rPr lang="de-DE" smtClean="0"/>
               <a:t>Wiebeler</a:t>
             </a:r>
             <a:endParaRPr lang="de-DE" dirty="0"/>
@@ -14840,13 +14828,6 @@
             <a:reflection blurRad="12700" stA="38000" endPos="28000" dist="5000" dir="5400000" sy="-100000" algn="bl" rotWithShape="0"/>
           </a:effectLst>
           <a:extLst>
-            <a:ext uri="{909E8E84-426E-40DD-AFC4-6F175D3DCCD1}">
-              <a14:hiddenFill xmlns:a14="http://schemas.microsoft.com/office/drawing/2010/main">
-                <a:solidFill>
-                  <a:schemeClr val="accent1"/>
-                </a:solidFill>
-              </a14:hiddenFill>
-            </a:ext>
             <a:ext uri="{91240B29-F687-4F45-9708-019B960494DF}">
               <a14:hiddenLine xmlns:a14="http://schemas.microsoft.com/office/drawing/2010/main" w="9525">
                 <a:solidFill>
@@ -15136,7 +15117,6 @@
               <a:rPr lang="de-DE" dirty="0" smtClean="0"/>
               <a:t>Mehrwerte</a:t>
             </a:r>
-            <a:endParaRPr lang="de-DE" dirty="0" smtClean="0"/>
           </a:p>
           <a:p>
             <a:pPr lvl="1"/>
@@ -15759,28 +15739,14 @@
           <a:p>
             <a:r>
               <a:rPr lang="de-DE" dirty="0" smtClean="0"/>
-              <a:t>Wöchentliche </a:t>
-            </a:r>
-            <a:r>
-              <a:rPr lang="de-DE" dirty="0" smtClean="0"/>
-              <a:t>Jour </a:t>
-            </a:r>
-            <a:r>
-              <a:rPr lang="de-DE" dirty="0" smtClean="0"/>
-              <a:t>fixe</a:t>
-            </a:r>
-            <a:endParaRPr lang="de-DE" dirty="0" smtClean="0"/>
-          </a:p>
-          <a:p>
-            <a:r>
-              <a:rPr lang="de-DE" dirty="0" smtClean="0"/>
-              <a:t>Auf- und Verteilung der Aufgaben/-</a:t>
-            </a:r>
-            <a:r>
-              <a:rPr lang="de-DE" dirty="0" smtClean="0"/>
-              <a:t>pakete</a:t>
-            </a:r>
-            <a:endParaRPr lang="de-DE" dirty="0" smtClean="0"/>
+              <a:t>Wöchentliche Jour fixe</a:t>
+            </a:r>
+          </a:p>
+          <a:p>
+            <a:r>
+              <a:rPr lang="de-DE" dirty="0" smtClean="0"/>
+              <a:t>Auf- und Verteilung der Aufgaben/-pakete</a:t>
+            </a:r>
           </a:p>
           <a:p>
             <a:r>
@@ -16025,11 +15991,7 @@
           <a:p>
             <a:r>
               <a:rPr lang="de-DE" dirty="0" smtClean="0"/>
-              <a:t>Framework: </a:t>
-            </a:r>
-            <a:r>
-              <a:rPr lang="de-DE" dirty="0" smtClean="0"/>
-              <a:t>Spring </a:t>
+              <a:t>Framework: Spring </a:t>
             </a:r>
             <a:r>
               <a:rPr lang="de-DE" dirty="0" err="1" smtClean="0"/>
@@ -16064,7 +16026,6 @@
               <a:rPr lang="de-DE" dirty="0" smtClean="0"/>
               <a:t>-Tier Architektur</a:t>
             </a:r>
-            <a:endParaRPr lang="de-DE" dirty="0" smtClean="0"/>
           </a:p>
           <a:p>
             <a:pPr lvl="1"/>

--- a/Dokumente/Zwischenstand zum 2012-04-21_v2.pptx
+++ b/Dokumente/Zwischenstand zum 2012-04-21_v2.pptx
@@ -13758,7 +13758,18 @@
           <p:nvPr/>
         </p:nvPicPr>
         <p:blipFill>
-          <a:blip r:embed="rId2" cstate="print"/>
+          <a:blip r:embed="rId2" cstate="print">
+            <a:clrChange>
+              <a:clrFrom>
+                <a:srgbClr val="FFFFF0"/>
+              </a:clrFrom>
+              <a:clrTo>
+                <a:srgbClr val="FFFFF0">
+                  <a:alpha val="0"/>
+                </a:srgbClr>
+              </a:clrTo>
+            </a:clrChange>
+          </a:blip>
           <a:srcRect/>
           <a:stretch>
             <a:fillRect/>

--- a/Dokumente/Zwischenstand zum 2012-04-21_v2.pptx
+++ b/Dokumente/Zwischenstand zum 2012-04-21_v2.pptx
@@ -20,9 +20,9 @@
     <p:sldId id="269" r:id="rId11"/>
     <p:sldId id="270" r:id="rId12"/>
     <p:sldId id="272" r:id="rId13"/>
-    <p:sldId id="274" r:id="rId14"/>
-    <p:sldId id="275" r:id="rId15"/>
-    <p:sldId id="287" r:id="rId16"/>
+    <p:sldId id="291" r:id="rId14"/>
+    <p:sldId id="292" r:id="rId15"/>
+    <p:sldId id="274" r:id="rId16"/>
     <p:sldId id="277" r:id="rId17"/>
     <p:sldId id="280" r:id="rId18"/>
     <p:sldId id="285" r:id="rId19"/>
@@ -3098,7 +3098,7 @@
             <a:fld id="{5FA7A704-9F1C-4FD3-85D1-57AF2D7FD0E8}" type="datetimeFigureOut">
               <a:rPr lang="en-US" smtClean="0"/>
               <a:pPr/>
-              <a:t>4/20/2012</a:t>
+              <a:t>4/21/2012</a:t>
             </a:fld>
             <a:endParaRPr lang="en-US" dirty="0"/>
           </a:p>
@@ -3498,6 +3498,82 @@
           <a:bodyPr/>
           <a:lstStyle/>
           <a:p>
+            <a:r>
+              <a:rPr lang="de-DE" dirty="0" smtClean="0"/>
+              <a:t>Business Case für</a:t>
+            </a:r>
+            <a:r>
+              <a:rPr lang="de-DE" baseline="0" dirty="0" smtClean="0"/>
+              <a:t> das Projekt wurde erstellt</a:t>
+            </a:r>
+          </a:p>
+          <a:p>
+            <a:r>
+              <a:rPr lang="de-DE" baseline="0" dirty="0" smtClean="0"/>
+              <a:t> - Finanzierung kurzfristig:</a:t>
+            </a:r>
+          </a:p>
+          <a:p>
+            <a:r>
+              <a:rPr lang="de-DE" baseline="0" dirty="0" smtClean="0"/>
+              <a:t>	- Risikokapitalgeber</a:t>
+            </a:r>
+          </a:p>
+          <a:p>
+            <a:r>
+              <a:rPr lang="de-DE" baseline="0" dirty="0" smtClean="0"/>
+              <a:t>	- Spenden</a:t>
+            </a:r>
+          </a:p>
+          <a:p>
+            <a:r>
+              <a:rPr lang="de-DE" baseline="0" dirty="0" smtClean="0"/>
+              <a:t> - mittelfristig zusätzlich:</a:t>
+            </a:r>
+          </a:p>
+          <a:p>
+            <a:r>
+              <a:rPr lang="de-DE" baseline="0" dirty="0" smtClean="0"/>
+              <a:t>	- werbeeinnahmen</a:t>
+            </a:r>
+          </a:p>
+          <a:p>
+            <a:r>
+              <a:rPr lang="de-DE" baseline="0" dirty="0" smtClean="0"/>
+              <a:t> - </a:t>
+            </a:r>
+            <a:r>
+              <a:rPr lang="de-DE" baseline="0" dirty="0" err="1" smtClean="0"/>
+              <a:t>langfrisitig</a:t>
+            </a:r>
+            <a:endParaRPr lang="de-DE" baseline="0" dirty="0" smtClean="0"/>
+          </a:p>
+          <a:p>
+            <a:r>
+              <a:rPr lang="de-DE" baseline="0" dirty="0" smtClean="0"/>
+              <a:t>	- werbeeinnahmen</a:t>
+            </a:r>
+          </a:p>
+          <a:p>
+            <a:r>
+              <a:rPr lang="de-DE" baseline="0" dirty="0" smtClean="0"/>
+              <a:t>	- </a:t>
+            </a:r>
+            <a:r>
+              <a:rPr lang="de-DE" baseline="0" dirty="0" err="1" smtClean="0"/>
+              <a:t>kostenplfichtige</a:t>
+            </a:r>
+            <a:r>
+              <a:rPr lang="de-DE" baseline="0" dirty="0" smtClean="0"/>
+              <a:t> </a:t>
+            </a:r>
+            <a:r>
+              <a:rPr lang="de-DE" baseline="0" dirty="0" err="1" smtClean="0"/>
+              <a:t>Addons</a:t>
+            </a:r>
+            <a:endParaRPr lang="de-DE" dirty="0" smtClean="0"/>
+          </a:p>
+          <a:p>
             <a:endParaRPr lang="de-DE" dirty="0"/>
           </a:p>
         </p:txBody>
@@ -3520,7 +3596,7 @@
             <a:fld id="{F7EBFB8C-BBFF-4397-A51C-1E92596422A9}" type="slidenum">
               <a:rPr lang="en-US" smtClean="0"/>
               <a:pPr/>
-              <a:t>13</a:t>
+              <a:t>12</a:t>
             </a:fld>
             <a:endParaRPr lang="en-US" dirty="0"/>
           </a:p>
@@ -3529,7 +3605,7 @@
     </p:spTree>
     <p:extLst>
       <p:ext uri="{BB962C8B-B14F-4D97-AF65-F5344CB8AC3E}">
-        <p14:creationId xmlns:p14="http://schemas.microsoft.com/office/powerpoint/2010/main" val="1627391822"/>
+        <p14:creationId xmlns:p14="http://schemas.microsoft.com/office/powerpoint/2010/main" val="962530638"/>
       </p:ext>
     </p:extLst>
   </p:cSld>
@@ -3580,114 +3656,43 @@
         </p:nvSpPr>
         <p:spPr/>
         <p:txBody>
-          <a:bodyPr>
-            <a:normAutofit/>
-          </a:bodyPr>
-          <a:lstStyle/>
-          <a:p>
-            <a:r>
-              <a:rPr lang="de-DE" dirty="0" smtClean="0"/>
-              <a:t>Grundlegende </a:t>
-            </a:r>
-            <a:r>
-              <a:rPr lang="de-DE" dirty="0" err="1" smtClean="0"/>
-              <a:t>Risikoanlayse</a:t>
-            </a:r>
-            <a:r>
-              <a:rPr lang="de-DE" baseline="0" dirty="0" smtClean="0"/>
-              <a:t> durchgeführt</a:t>
-            </a:r>
-          </a:p>
-          <a:p>
-            <a:r>
-              <a:rPr lang="de-DE" baseline="0" dirty="0" smtClean="0"/>
-              <a:t> - Risiken Identifiziert </a:t>
-            </a:r>
-          </a:p>
-          <a:p>
-            <a:r>
-              <a:rPr lang="de-DE" baseline="0" dirty="0" smtClean="0"/>
-              <a:t> - klassifiziert nach Eintrittswahrscheinlichkeit (hoch, mittel, gering)</a:t>
-            </a:r>
-          </a:p>
-          <a:p>
-            <a:r>
-              <a:rPr lang="de-DE" baseline="0" dirty="0" smtClean="0"/>
-              <a:t> und Auswirkungen bewertet hinsichtlich des </a:t>
-            </a:r>
-            <a:r>
-              <a:rPr lang="de-DE" baseline="0" dirty="0" err="1" smtClean="0"/>
-              <a:t>Projektsverlauf</a:t>
-            </a:r>
-            <a:r>
-              <a:rPr lang="de-DE" baseline="0" dirty="0" smtClean="0"/>
-              <a:t> im Bezug auf</a:t>
-            </a:r>
-          </a:p>
-          <a:p>
-            <a:r>
-              <a:rPr lang="de-DE" baseline="0" dirty="0" smtClean="0"/>
-              <a:t>	magische Dreieck: Termin, Kosten (MA Ressourcen), Inhalt/Umfang (Qualität)</a:t>
-            </a:r>
-          </a:p>
-          <a:p>
-            <a:r>
-              <a:rPr lang="de-DE" baseline="0" dirty="0" smtClean="0"/>
-              <a:t>	dort jeweils wieder nach (hoch, mittel, gering)</a:t>
-            </a:r>
-          </a:p>
-          <a:p>
-            <a:endParaRPr lang="de-DE" baseline="0" dirty="0" smtClean="0"/>
-          </a:p>
-          <a:p>
-            <a:r>
-              <a:rPr lang="de-DE" dirty="0" smtClean="0"/>
-              <a:t> - Fokussierung der</a:t>
-            </a:r>
-            <a:r>
-              <a:rPr lang="de-DE" baseline="0" dirty="0" smtClean="0"/>
-              <a:t> Veranstaltung auf </a:t>
-            </a:r>
-            <a:r>
-              <a:rPr lang="de-DE" baseline="0" dirty="0" err="1" smtClean="0"/>
-              <a:t>SoftwareEntwicklungsProzess</a:t>
-            </a:r>
-            <a:r>
-              <a:rPr lang="de-DE" baseline="0" dirty="0" smtClean="0"/>
-              <a:t>, daher nicht weiter vertieft.</a:t>
-            </a:r>
-            <a:endParaRPr lang="de-DE" dirty="0" smtClean="0"/>
-          </a:p>
-          <a:p>
-            <a:endParaRPr lang="de-DE" dirty="0"/>
-          </a:p>
-        </p:txBody>
-      </p:sp>
-      <p:sp>
-        <p:nvSpPr>
-          <p:cNvPr id="4" name="Foliennummernplatzhalter 3"/>
-          <p:cNvSpPr>
-            <a:spLocks noGrp="1"/>
-          </p:cNvSpPr>
-          <p:nvPr>
-            <p:ph type="sldNum" sz="quarter" idx="10"/>
-          </p:nvPr>
-        </p:nvSpPr>
-        <p:spPr/>
-        <p:txBody>
           <a:bodyPr/>
           <a:lstStyle/>
           <a:p>
-            <a:fld id="{1EBFF01C-F984-4A51-AF10-254043F7C542}" type="slidenum">
-              <a:rPr lang="de-DE" smtClean="0"/>
+            <a:endParaRPr lang="de-DE" dirty="0"/>
+          </a:p>
+        </p:txBody>
+      </p:sp>
+      <p:sp>
+        <p:nvSpPr>
+          <p:cNvPr id="4" name="Foliennummernplatzhalter 3"/>
+          <p:cNvSpPr>
+            <a:spLocks noGrp="1"/>
+          </p:cNvSpPr>
+          <p:nvPr>
+            <p:ph type="sldNum" sz="quarter" idx="10"/>
+          </p:nvPr>
+        </p:nvSpPr>
+        <p:spPr/>
+        <p:txBody>
+          <a:bodyPr/>
+          <a:lstStyle/>
+          <a:p>
+            <a:fld id="{F7EBFB8C-BBFF-4397-A51C-1E92596422A9}" type="slidenum">
+              <a:rPr lang="en-US" smtClean="0"/>
               <a:pPr/>
-              <a:t>14</a:t>
+              <a:t>15</a:t>
             </a:fld>
-            <a:endParaRPr lang="de-DE"/>
+            <a:endParaRPr lang="en-US" dirty="0"/>
           </a:p>
         </p:txBody>
       </p:sp>
     </p:spTree>
+    <p:extLst>
+      <p:ext uri="{BB962C8B-B14F-4D97-AF65-F5344CB8AC3E}">
+        <p14:creationId xmlns:p14="http://schemas.microsoft.com/office/powerpoint/2010/main" val="1627391822"/>
+      </p:ext>
+    </p:extLst>
   </p:cSld>
   <p:clrMapOvr>
     <a:masterClrMapping/>
@@ -3736,116 +3741,171 @@
         </p:nvSpPr>
         <p:spPr/>
         <p:txBody>
+          <a:bodyPr>
+            <a:normAutofit/>
+          </a:bodyPr>
+          <a:lstStyle/>
+          <a:p>
+            <a:r>
+              <a:rPr lang="de-DE" dirty="0" smtClean="0"/>
+              <a:t>Definieren</a:t>
+            </a:r>
+            <a:r>
+              <a:rPr lang="de-DE" baseline="0" dirty="0" smtClean="0"/>
+              <a:t> von zwei Szenarien mit Hilfe von </a:t>
+            </a:r>
+            <a:r>
+              <a:rPr lang="de-DE" baseline="0" dirty="0" err="1" smtClean="0"/>
+              <a:t>Personae</a:t>
+            </a:r>
+            <a:endParaRPr lang="de-DE" baseline="0" dirty="0" smtClean="0"/>
+          </a:p>
+          <a:p>
+            <a:r>
+              <a:rPr lang="de-DE" baseline="0" dirty="0" smtClean="0"/>
+              <a:t>Im Prinzip wird die gleiche Geschichte einmal aus Sicht des Event-Organisators</a:t>
+            </a:r>
+          </a:p>
+          <a:p>
+            <a:r>
+              <a:rPr lang="de-DE" baseline="0" dirty="0" smtClean="0"/>
+              <a:t>„Martin erstellt einen Event zum Go-Kart-Fahren“</a:t>
+            </a:r>
+          </a:p>
+          <a:p>
+            <a:r>
+              <a:rPr lang="de-DE" baseline="0" dirty="0" smtClean="0"/>
+              <a:t>Einmal aus Sicht des Event-Teilnehmers „Patrick nimmt an diesem Event teil“</a:t>
+            </a:r>
+          </a:p>
+          <a:p>
+            <a:endParaRPr lang="de-DE" baseline="0" dirty="0" smtClean="0"/>
+          </a:p>
+          <a:p>
+            <a:r>
+              <a:rPr lang="de-DE" baseline="0" dirty="0" smtClean="0"/>
+              <a:t>Charaktere „Martin“ und „Patrick“ Prototypen von Nutzern</a:t>
+            </a:r>
+          </a:p>
+          <a:p>
+            <a:r>
+              <a:rPr lang="de-DE" baseline="0" dirty="0" smtClean="0"/>
+              <a:t>Go-Kart-Fahren als ein Prototyp für Gruppenevents</a:t>
+            </a:r>
+          </a:p>
+          <a:p>
+            <a:endParaRPr lang="de-DE" baseline="0" dirty="0" smtClean="0"/>
+          </a:p>
+          <a:p>
+            <a:r>
+              <a:rPr lang="de-DE" baseline="0" dirty="0" err="1" smtClean="0"/>
+              <a:t>Erkenntnise</a:t>
+            </a:r>
+            <a:r>
+              <a:rPr lang="de-DE" baseline="0" dirty="0" smtClean="0"/>
+              <a:t>:</a:t>
+            </a:r>
+          </a:p>
+          <a:p>
+            <a:r>
+              <a:rPr lang="de-DE" baseline="0" dirty="0" smtClean="0"/>
+              <a:t>Neue Fragenstellungen zu Funktionen, Anforderungen, Unterstützung bei der Lastenheft- und </a:t>
+            </a:r>
+            <a:r>
+              <a:rPr lang="de-DE" baseline="0" dirty="0" err="1" smtClean="0"/>
+              <a:t>Use</a:t>
+            </a:r>
+            <a:r>
+              <a:rPr lang="de-DE" baseline="0" smtClean="0"/>
+              <a:t>-Case-Erstellung</a:t>
+            </a:r>
+            <a:endParaRPr lang="de-DE" baseline="0" dirty="0" smtClean="0"/>
+          </a:p>
+          <a:p>
+            <a:endParaRPr lang="de-DE" baseline="0" dirty="0" smtClean="0"/>
+          </a:p>
+          <a:p>
+            <a:pPr>
+              <a:buFont typeface="Symbol"/>
+              <a:buChar char="Þ"/>
+            </a:pPr>
+            <a:r>
+              <a:rPr lang="de-DE" baseline="0" dirty="0" smtClean="0"/>
+              <a:t>Aktionen / Operationen</a:t>
+            </a:r>
+          </a:p>
+          <a:p>
+            <a:pPr>
+              <a:buFont typeface="Symbol"/>
+              <a:buChar char="Þ"/>
+            </a:pPr>
+            <a:endParaRPr lang="de-DE" baseline="0" dirty="0" smtClean="0"/>
+          </a:p>
+          <a:p>
+            <a:pPr>
+              <a:buFont typeface="Symbol"/>
+              <a:buNone/>
+            </a:pPr>
+            <a:r>
+              <a:rPr lang="de-DE" baseline="0" dirty="0" smtClean="0"/>
+              <a:t>Entspricht bei UML</a:t>
+            </a:r>
+          </a:p>
+          <a:p>
+            <a:pPr>
+              <a:buFont typeface="Symbol"/>
+              <a:buChar char="Þ"/>
+            </a:pPr>
+            <a:r>
+              <a:rPr lang="de-DE" baseline="0" dirty="0" smtClean="0"/>
+              <a:t>Akteur </a:t>
+            </a:r>
+          </a:p>
+          <a:p>
+            <a:pPr>
+              <a:buFont typeface="Symbol"/>
+              <a:buChar char="Þ"/>
+            </a:pPr>
+            <a:r>
+              <a:rPr lang="de-DE" baseline="0" dirty="0" err="1" smtClean="0"/>
+              <a:t>UseCase</a:t>
+            </a:r>
+            <a:endParaRPr lang="de-DE" baseline="0" dirty="0" smtClean="0"/>
+          </a:p>
+          <a:p>
+            <a:pPr>
+              <a:buFont typeface="Symbol"/>
+              <a:buNone/>
+            </a:pPr>
+            <a:endParaRPr lang="de-DE" dirty="0"/>
+          </a:p>
+        </p:txBody>
+      </p:sp>
+      <p:sp>
+        <p:nvSpPr>
+          <p:cNvPr id="4" name="Foliennummernplatzhalter 3"/>
+          <p:cNvSpPr>
+            <a:spLocks noGrp="1"/>
+          </p:cNvSpPr>
+          <p:nvPr>
+            <p:ph type="sldNum" sz="quarter" idx="10"/>
+          </p:nvPr>
+        </p:nvSpPr>
+        <p:spPr/>
+        <p:txBody>
           <a:bodyPr/>
           <a:lstStyle/>
           <a:p>
-            <a:r>
-              <a:rPr lang="de-DE" dirty="0" smtClean="0"/>
-              <a:t>Business Case für</a:t>
-            </a:r>
-            <a:r>
-              <a:rPr lang="de-DE" baseline="0" dirty="0" smtClean="0"/>
-              <a:t> das Projekt wurde erstellt</a:t>
-            </a:r>
-          </a:p>
-          <a:p>
-            <a:r>
-              <a:rPr lang="de-DE" baseline="0" dirty="0" smtClean="0"/>
-              <a:t> - Finanzierung kurzfristig:</a:t>
-            </a:r>
-          </a:p>
-          <a:p>
-            <a:r>
-              <a:rPr lang="de-DE" baseline="0" dirty="0" smtClean="0"/>
-              <a:t>	- Risikokapitalgeber</a:t>
-            </a:r>
-          </a:p>
-          <a:p>
-            <a:r>
-              <a:rPr lang="de-DE" baseline="0" dirty="0" smtClean="0"/>
-              <a:t>	- Spenden</a:t>
-            </a:r>
-          </a:p>
-          <a:p>
-            <a:r>
-              <a:rPr lang="de-DE" baseline="0" dirty="0" smtClean="0"/>
-              <a:t> - mittelfristig zusätzlich:</a:t>
-            </a:r>
-          </a:p>
-          <a:p>
-            <a:r>
-              <a:rPr lang="de-DE" baseline="0" dirty="0" smtClean="0"/>
-              <a:t>	- werbeeinnahmen</a:t>
-            </a:r>
-          </a:p>
-          <a:p>
-            <a:r>
-              <a:rPr lang="de-DE" baseline="0" dirty="0" smtClean="0"/>
-              <a:t> - </a:t>
-            </a:r>
-            <a:r>
-              <a:rPr lang="de-DE" baseline="0" dirty="0" err="1" smtClean="0"/>
-              <a:t>langfrisitig</a:t>
-            </a:r>
-            <a:endParaRPr lang="de-DE" baseline="0" dirty="0" smtClean="0"/>
-          </a:p>
-          <a:p>
-            <a:r>
-              <a:rPr lang="de-DE" baseline="0" dirty="0" smtClean="0"/>
-              <a:t>	- werbeeinnahmen</a:t>
-            </a:r>
-          </a:p>
-          <a:p>
-            <a:r>
-              <a:rPr lang="de-DE" baseline="0" dirty="0" smtClean="0"/>
-              <a:t>	- </a:t>
-            </a:r>
-            <a:r>
-              <a:rPr lang="de-DE" baseline="0" dirty="0" err="1" smtClean="0"/>
-              <a:t>kostenplfichtige</a:t>
-            </a:r>
-            <a:r>
-              <a:rPr lang="de-DE" baseline="0" dirty="0" smtClean="0"/>
-              <a:t> </a:t>
-            </a:r>
-            <a:r>
-              <a:rPr lang="de-DE" baseline="0" dirty="0" err="1" smtClean="0"/>
-              <a:t>Addons</a:t>
-            </a:r>
-            <a:endParaRPr lang="de-DE" dirty="0"/>
-          </a:p>
-        </p:txBody>
-      </p:sp>
-      <p:sp>
-        <p:nvSpPr>
-          <p:cNvPr id="4" name="Foliennummernplatzhalter 3"/>
-          <p:cNvSpPr>
-            <a:spLocks noGrp="1"/>
-          </p:cNvSpPr>
-          <p:nvPr>
-            <p:ph type="sldNum" sz="quarter" idx="10"/>
-          </p:nvPr>
-        </p:nvSpPr>
-        <p:spPr/>
-        <p:txBody>
-          <a:bodyPr/>
-          <a:lstStyle/>
-          <a:p>
-            <a:fld id="{F7EBFB8C-BBFF-4397-A51C-1E92596422A9}" type="slidenum">
-              <a:rPr lang="en-US" smtClean="0"/>
+            <a:fld id="{1EBFF01C-F984-4A51-AF10-254043F7C542}" type="slidenum">
+              <a:rPr lang="de-DE" smtClean="0"/>
               <a:pPr/>
-              <a:t>15</a:t>
+              <a:t>17</a:t>
             </a:fld>
-            <a:endParaRPr lang="en-US" dirty="0"/>
+            <a:endParaRPr lang="de-DE"/>
           </a:p>
         </p:txBody>
       </p:sp>
     </p:spTree>
-    <p:extLst>
-      <p:ext uri="{BB962C8B-B14F-4D97-AF65-F5344CB8AC3E}">
-        <p14:creationId xmlns:p14="http://schemas.microsoft.com/office/powerpoint/2010/main" val="1648692254"/>
-      </p:ext>
-    </p:extLst>
   </p:cSld>
   <p:clrMapOvr>
     <a:masterClrMapping/>
@@ -3894,171 +3954,43 @@
         </p:nvSpPr>
         <p:spPr/>
         <p:txBody>
-          <a:bodyPr>
-            <a:normAutofit/>
-          </a:bodyPr>
-          <a:lstStyle/>
-          <a:p>
-            <a:r>
-              <a:rPr lang="de-DE" dirty="0" smtClean="0"/>
-              <a:t>Definieren</a:t>
-            </a:r>
-            <a:r>
-              <a:rPr lang="de-DE" baseline="0" dirty="0" smtClean="0"/>
-              <a:t> von zwei Szenarien mit Hilfe von </a:t>
-            </a:r>
-            <a:r>
-              <a:rPr lang="de-DE" baseline="0" dirty="0" err="1" smtClean="0"/>
-              <a:t>Personae</a:t>
-            </a:r>
-            <a:endParaRPr lang="de-DE" baseline="0" dirty="0" smtClean="0"/>
-          </a:p>
-          <a:p>
-            <a:r>
-              <a:rPr lang="de-DE" baseline="0" dirty="0" smtClean="0"/>
-              <a:t>Im Prinzip wird die gleiche Geschichte einmal aus Sicht des Event-Organisators</a:t>
-            </a:r>
-          </a:p>
-          <a:p>
-            <a:r>
-              <a:rPr lang="de-DE" baseline="0" dirty="0" smtClean="0"/>
-              <a:t>„Martin erstellt einen Event zum Go-Kart-Fahren“</a:t>
-            </a:r>
-          </a:p>
-          <a:p>
-            <a:r>
-              <a:rPr lang="de-DE" baseline="0" dirty="0" smtClean="0"/>
-              <a:t>Einmal aus Sicht des Event-Teilnehmers „Patrick nimmt an diesem Event teil“</a:t>
-            </a:r>
-          </a:p>
-          <a:p>
-            <a:endParaRPr lang="de-DE" baseline="0" dirty="0" smtClean="0"/>
-          </a:p>
-          <a:p>
-            <a:r>
-              <a:rPr lang="de-DE" baseline="0" dirty="0" smtClean="0"/>
-              <a:t>Charaktere „Martin“ und „Patrick“ Prototypen von Nutzern</a:t>
-            </a:r>
-          </a:p>
-          <a:p>
-            <a:r>
-              <a:rPr lang="de-DE" baseline="0" dirty="0" smtClean="0"/>
-              <a:t>Go-Kart-Fahren als ein Prototyp für Gruppenevents</a:t>
-            </a:r>
-          </a:p>
-          <a:p>
-            <a:endParaRPr lang="de-DE" baseline="0" dirty="0" smtClean="0"/>
-          </a:p>
-          <a:p>
-            <a:r>
-              <a:rPr lang="de-DE" baseline="0" dirty="0" err="1" smtClean="0"/>
-              <a:t>Erkenntnise</a:t>
-            </a:r>
-            <a:r>
-              <a:rPr lang="de-DE" baseline="0" dirty="0" smtClean="0"/>
-              <a:t>:</a:t>
-            </a:r>
-          </a:p>
-          <a:p>
-            <a:r>
-              <a:rPr lang="de-DE" baseline="0" dirty="0" smtClean="0"/>
-              <a:t>Neue Fragenstellungen zu Funktionen, Anforderungen, Unterstützung bei der Lastenheft- und </a:t>
-            </a:r>
-            <a:r>
-              <a:rPr lang="de-DE" baseline="0" dirty="0" err="1" smtClean="0"/>
-              <a:t>Use</a:t>
-            </a:r>
-            <a:r>
-              <a:rPr lang="de-DE" baseline="0" smtClean="0"/>
-              <a:t>-Case-Erstellung</a:t>
-            </a:r>
-            <a:endParaRPr lang="de-DE" baseline="0" dirty="0" smtClean="0"/>
-          </a:p>
-          <a:p>
-            <a:endParaRPr lang="de-DE" baseline="0" dirty="0" smtClean="0"/>
-          </a:p>
-          <a:p>
-            <a:pPr>
-              <a:buFont typeface="Symbol"/>
-              <a:buChar char="Þ"/>
-            </a:pPr>
-            <a:r>
-              <a:rPr lang="de-DE" baseline="0" dirty="0" smtClean="0"/>
-              <a:t>Aktionen / Operationen</a:t>
-            </a:r>
-          </a:p>
-          <a:p>
-            <a:pPr>
-              <a:buFont typeface="Symbol"/>
-              <a:buChar char="Þ"/>
-            </a:pPr>
-            <a:endParaRPr lang="de-DE" baseline="0" dirty="0" smtClean="0"/>
-          </a:p>
-          <a:p>
-            <a:pPr>
-              <a:buFont typeface="Symbol"/>
-              <a:buNone/>
-            </a:pPr>
-            <a:r>
-              <a:rPr lang="de-DE" baseline="0" dirty="0" smtClean="0"/>
-              <a:t>Entspricht bei UML</a:t>
-            </a:r>
-          </a:p>
-          <a:p>
-            <a:pPr>
-              <a:buFont typeface="Symbol"/>
-              <a:buChar char="Þ"/>
-            </a:pPr>
-            <a:r>
-              <a:rPr lang="de-DE" baseline="0" dirty="0" smtClean="0"/>
-              <a:t>Akteur </a:t>
-            </a:r>
-          </a:p>
-          <a:p>
-            <a:pPr>
-              <a:buFont typeface="Symbol"/>
-              <a:buChar char="Þ"/>
-            </a:pPr>
-            <a:r>
-              <a:rPr lang="de-DE" baseline="0" dirty="0" err="1" smtClean="0"/>
-              <a:t>UseCase</a:t>
-            </a:r>
-            <a:endParaRPr lang="de-DE" baseline="0" dirty="0" smtClean="0"/>
-          </a:p>
-          <a:p>
-            <a:pPr>
-              <a:buFont typeface="Symbol"/>
-              <a:buNone/>
-            </a:pPr>
-            <a:endParaRPr lang="de-DE" dirty="0"/>
-          </a:p>
-        </p:txBody>
-      </p:sp>
-      <p:sp>
-        <p:nvSpPr>
-          <p:cNvPr id="4" name="Foliennummernplatzhalter 3"/>
-          <p:cNvSpPr>
-            <a:spLocks noGrp="1"/>
-          </p:cNvSpPr>
-          <p:nvPr>
-            <p:ph type="sldNum" sz="quarter" idx="10"/>
-          </p:nvPr>
-        </p:nvSpPr>
-        <p:spPr/>
-        <p:txBody>
           <a:bodyPr/>
           <a:lstStyle/>
           <a:p>
-            <a:fld id="{1EBFF01C-F984-4A51-AF10-254043F7C542}" type="slidenum">
-              <a:rPr lang="de-DE" smtClean="0"/>
+            <a:endParaRPr lang="de-DE" dirty="0"/>
+          </a:p>
+        </p:txBody>
+      </p:sp>
+      <p:sp>
+        <p:nvSpPr>
+          <p:cNvPr id="4" name="Foliennummernplatzhalter 3"/>
+          <p:cNvSpPr>
+            <a:spLocks noGrp="1"/>
+          </p:cNvSpPr>
+          <p:nvPr>
+            <p:ph type="sldNum" sz="quarter" idx="10"/>
+          </p:nvPr>
+        </p:nvSpPr>
+        <p:spPr/>
+        <p:txBody>
+          <a:bodyPr/>
+          <a:lstStyle/>
+          <a:p>
+            <a:fld id="{F7EBFB8C-BBFF-4397-A51C-1E92596422A9}" type="slidenum">
+              <a:rPr lang="en-US" smtClean="0"/>
               <a:pPr/>
-              <a:t>17</a:t>
+              <a:t>21</a:t>
             </a:fld>
-            <a:endParaRPr lang="de-DE"/>
+            <a:endParaRPr lang="en-US" dirty="0"/>
           </a:p>
         </p:txBody>
       </p:sp>
     </p:spTree>
+    <p:extLst>
+      <p:ext uri="{BB962C8B-B14F-4D97-AF65-F5344CB8AC3E}">
+        <p14:creationId xmlns:p14="http://schemas.microsoft.com/office/powerpoint/2010/main" val="3608486779"/>
+      </p:ext>
+    </p:extLst>
   </p:cSld>
   <p:clrMapOvr>
     <a:masterClrMapping/>
@@ -4107,91 +4039,6 @@
         </p:nvSpPr>
         <p:spPr/>
         <p:txBody>
-          <a:bodyPr/>
-          <a:lstStyle/>
-          <a:p>
-            <a:endParaRPr lang="de-DE" dirty="0"/>
-          </a:p>
-        </p:txBody>
-      </p:sp>
-      <p:sp>
-        <p:nvSpPr>
-          <p:cNvPr id="4" name="Foliennummernplatzhalter 3"/>
-          <p:cNvSpPr>
-            <a:spLocks noGrp="1"/>
-          </p:cNvSpPr>
-          <p:nvPr>
-            <p:ph type="sldNum" sz="quarter" idx="10"/>
-          </p:nvPr>
-        </p:nvSpPr>
-        <p:spPr/>
-        <p:txBody>
-          <a:bodyPr/>
-          <a:lstStyle/>
-          <a:p>
-            <a:fld id="{F7EBFB8C-BBFF-4397-A51C-1E92596422A9}" type="slidenum">
-              <a:rPr lang="en-US" smtClean="0"/>
-              <a:pPr/>
-              <a:t>21</a:t>
-            </a:fld>
-            <a:endParaRPr lang="en-US" dirty="0"/>
-          </a:p>
-        </p:txBody>
-      </p:sp>
-    </p:spTree>
-    <p:extLst>
-      <p:ext uri="{BB962C8B-B14F-4D97-AF65-F5344CB8AC3E}">
-        <p14:creationId xmlns:p14="http://schemas.microsoft.com/office/powerpoint/2010/main" val="3608486779"/>
-      </p:ext>
-    </p:extLst>
-  </p:cSld>
-  <p:clrMapOvr>
-    <a:masterClrMapping/>
-  </p:clrMapOvr>
-</p:notes>
-</file>
-
-<file path=ppt/notesSlides/notesSlide15.xml><?xml version="1.0" encoding="utf-8"?>
-<p:notes xmlns:a="http://schemas.openxmlformats.org/drawingml/2006/main" xmlns:r="http://schemas.openxmlformats.org/officeDocument/2006/relationships" xmlns:p="http://schemas.openxmlformats.org/presentationml/2006/main">
-  <p:cSld>
-    <p:spTree>
-      <p:nvGrpSpPr>
-        <p:cNvPr id="1" name=""/>
-        <p:cNvGrpSpPr/>
-        <p:nvPr/>
-      </p:nvGrpSpPr>
-      <p:grpSpPr>
-        <a:xfrm>
-          <a:off x="0" y="0"/>
-          <a:ext cx="0" cy="0"/>
-          <a:chOff x="0" y="0"/>
-          <a:chExt cx="0" cy="0"/>
-        </a:xfrm>
-      </p:grpSpPr>
-      <p:sp>
-        <p:nvSpPr>
-          <p:cNvPr id="2" name="Folienbildplatzhalter 1"/>
-          <p:cNvSpPr>
-            <a:spLocks noGrp="1" noRot="1" noChangeAspect="1"/>
-          </p:cNvSpPr>
-          <p:nvPr>
-            <p:ph type="sldImg"/>
-          </p:nvPr>
-        </p:nvSpPr>
-        <p:spPr/>
-      </p:sp>
-      <p:sp>
-        <p:nvSpPr>
-          <p:cNvPr id="3" name="Notizenplatzhalter 2"/>
-          <p:cNvSpPr>
-            <a:spLocks noGrp="1"/>
-          </p:cNvSpPr>
-          <p:nvPr>
-            <p:ph type="body" idx="1"/>
-          </p:nvPr>
-        </p:nvSpPr>
-        <p:spPr/>
-        <p:txBody>
           <a:bodyPr>
             <a:normAutofit/>
           </a:bodyPr>
@@ -4317,6 +4164,20 @@
             </a:r>
           </a:p>
           <a:p>
+            <a:endParaRPr lang="de-DE" dirty="0" smtClean="0"/>
+          </a:p>
+          <a:p>
+            <a:r>
+              <a:rPr lang="de-DE" dirty="0" smtClean="0"/>
+              <a:t>Aufbauend auf den Feinentwurf erfolgt die prot. Implementierung ausgewählter</a:t>
+            </a:r>
+            <a:r>
+              <a:rPr lang="de-DE" baseline="0" dirty="0" smtClean="0"/>
+              <a:t> Funktionen</a:t>
+            </a:r>
+            <a:endParaRPr lang="de-DE" dirty="0" smtClean="0"/>
+          </a:p>
+          <a:p>
             <a:endParaRPr lang="de-DE" dirty="0"/>
           </a:p>
         </p:txBody>
@@ -4353,7 +4214,7 @@
 </p:notes>
 </file>
 
-<file path=ppt/notesSlides/notesSlide16.xml><?xml version="1.0" encoding="utf-8"?>
+<file path=ppt/notesSlides/notesSlide15.xml><?xml version="1.0" encoding="utf-8"?>
 <p:notes xmlns:a="http://schemas.openxmlformats.org/drawingml/2006/main" xmlns:r="http://schemas.openxmlformats.org/officeDocument/2006/relationships" xmlns:p="http://schemas.openxmlformats.org/presentationml/2006/main">
   <p:cSld>
     <p:spTree>
@@ -5344,7 +5205,41 @@
           <a:p>
             <a:r>
               <a:rPr lang="de-DE" baseline="0" dirty="0" smtClean="0"/>
-              <a:t>Ziel: 11.06. eine prototypische Implementierung der Plattform fertigstellen</a:t>
+              <a:t>Ziel: 11.06. eine prototypische Implementierung der Plattform </a:t>
+            </a:r>
+            <a:r>
+              <a:rPr lang="de-DE" baseline="0" dirty="0" smtClean="0"/>
+              <a:t>fertigstellen</a:t>
+            </a:r>
+          </a:p>
+          <a:p>
+            <a:endParaRPr lang="de-DE" baseline="0" dirty="0" smtClean="0"/>
+          </a:p>
+          <a:p>
+            <a:endParaRPr lang="de-DE" baseline="0" dirty="0" smtClean="0"/>
+          </a:p>
+          <a:p>
+            <a:pPr marL="171450" indent="-171450">
+              <a:buFontTx/>
+              <a:buChar char="-"/>
+            </a:pPr>
+            <a:r>
+              <a:rPr lang="de-DE" baseline="0" dirty="0" err="1" smtClean="0"/>
+              <a:t>PeerReview</a:t>
+            </a:r>
+            <a:r>
+              <a:rPr lang="de-DE" baseline="0" dirty="0" smtClean="0"/>
+              <a:t>, Abschlusspräsentation, Reflexionsbericht (FST-Themen) eingeplant</a:t>
+            </a:r>
+          </a:p>
+          <a:p>
+            <a:pPr marL="171450" indent="-171450">
+              <a:buFontTx/>
+              <a:buChar char="-"/>
+            </a:pPr>
+            <a:r>
+              <a:rPr lang="de-DE" baseline="0" dirty="0" smtClean="0"/>
+              <a:t>Entsprechende Auslastung der MA berücksichtigt</a:t>
             </a:r>
             <a:endParaRPr lang="de-DE" dirty="0"/>
           </a:p>
@@ -6159,8 +6054,78 @@
           <a:p>
             <a:r>
               <a:rPr lang="de-DE" dirty="0" smtClean="0"/>
-              <a:t>Lastenheft: wird nicht gezeigt, wurde fertiggestellt</a:t>
-            </a:r>
+              <a:t>Grundlegende </a:t>
+            </a:r>
+            <a:r>
+              <a:rPr lang="de-DE" dirty="0" err="1" smtClean="0"/>
+              <a:t>Risikoanlayse</a:t>
+            </a:r>
+            <a:r>
+              <a:rPr lang="de-DE" baseline="0" dirty="0" smtClean="0"/>
+              <a:t> durchgeführt</a:t>
+            </a:r>
+          </a:p>
+          <a:p>
+            <a:r>
+              <a:rPr lang="de-DE" baseline="0" dirty="0" smtClean="0"/>
+              <a:t> - Risiken Identifiziert </a:t>
+            </a:r>
+          </a:p>
+          <a:p>
+            <a:r>
+              <a:rPr lang="de-DE" baseline="0" dirty="0" smtClean="0"/>
+              <a:t> - klassifiziert nach Eintrittswahrscheinlichkeit (hoch, mittel, gering)</a:t>
+            </a:r>
+          </a:p>
+          <a:p>
+            <a:r>
+              <a:rPr lang="de-DE" baseline="0" dirty="0" smtClean="0"/>
+              <a:t> und Auswirkungen bewertet hinsichtlich des </a:t>
+            </a:r>
+            <a:r>
+              <a:rPr lang="de-DE" baseline="0" dirty="0" err="1" smtClean="0"/>
+              <a:t>Projektsverlauf</a:t>
+            </a:r>
+            <a:r>
+              <a:rPr lang="de-DE" baseline="0" dirty="0" smtClean="0"/>
+              <a:t> im Bezug auf</a:t>
+            </a:r>
+          </a:p>
+          <a:p>
+            <a:r>
+              <a:rPr lang="de-DE" baseline="0" dirty="0" smtClean="0"/>
+              <a:t>	magische Dreieck: Termin, Kosten (MA Ressourcen), Inhalt/Umfang (Qualität)</a:t>
+            </a:r>
+          </a:p>
+          <a:p>
+            <a:r>
+              <a:rPr lang="de-DE" baseline="0" dirty="0" smtClean="0"/>
+              <a:t>	dort jeweils wieder nach (hoch, mittel, gering)</a:t>
+            </a:r>
+          </a:p>
+          <a:p>
+            <a:endParaRPr lang="de-DE" baseline="0" dirty="0" smtClean="0"/>
+          </a:p>
+          <a:p>
+            <a:r>
+              <a:rPr lang="de-DE" dirty="0" smtClean="0"/>
+              <a:t> - Fokussierung der</a:t>
+            </a:r>
+            <a:r>
+              <a:rPr lang="de-DE" baseline="0" dirty="0" smtClean="0"/>
+              <a:t> Veranstaltung auf </a:t>
+            </a:r>
+            <a:r>
+              <a:rPr lang="de-DE" baseline="0" dirty="0" err="1" smtClean="0"/>
+              <a:t>SoftwareEntwicklungsProzess</a:t>
+            </a:r>
+            <a:r>
+              <a:rPr lang="de-DE" baseline="0" dirty="0" smtClean="0"/>
+              <a:t>, daher nicht weiter vertieft.</a:t>
+            </a:r>
+            <a:endParaRPr lang="de-DE" dirty="0" smtClean="0"/>
+          </a:p>
+          <a:p>
             <a:endParaRPr lang="de-DE" dirty="0"/>
           </a:p>
         </p:txBody>
@@ -11102,7 +11067,15 @@
           <a:p>
             <a:r>
               <a:rPr lang="de-DE" dirty="0" smtClean="0"/>
-              <a:t>Hauptplanung in Microsoft Projekt 2010</a:t>
+              <a:t>Hauptplanung in Microsoft </a:t>
+            </a:r>
+            <a:r>
+              <a:rPr lang="de-DE" dirty="0" smtClean="0"/>
+              <a:t>Project </a:t>
+            </a:r>
+            <a:r>
+              <a:rPr lang="de-DE" dirty="0" smtClean="0"/>
+              <a:t>2010</a:t>
             </a:r>
             <a:endParaRPr lang="de-DE" dirty="0"/>
           </a:p>
@@ -11530,77 +11503,77 @@
           <a:lstStyle/>
           <a:p>
             <a:r>
-              <a:rPr lang="de-DE" dirty="0" smtClean="0"/>
+              <a:rPr lang="de-DE" dirty="0"/>
               <a:t>Dokumente</a:t>
             </a:r>
           </a:p>
           <a:p>
             <a:pPr lvl="1"/>
             <a:r>
-              <a:rPr lang="de-DE" dirty="0" smtClean="0"/>
+              <a:rPr lang="de-DE" dirty="0"/>
               <a:t>Projekt-Exposé</a:t>
             </a:r>
           </a:p>
           <a:p>
             <a:pPr lvl="1"/>
             <a:r>
-              <a:rPr lang="de-DE" dirty="0" smtClean="0"/>
+              <a:rPr lang="de-DE" dirty="0"/>
               <a:t>Projektplan</a:t>
             </a:r>
           </a:p>
           <a:p>
             <a:pPr lvl="1"/>
             <a:r>
-              <a:rPr lang="de-DE" dirty="0" smtClean="0"/>
+              <a:rPr lang="de-DE" dirty="0"/>
+              <a:t>Risikoanalyse</a:t>
+            </a:r>
+          </a:p>
+          <a:p>
+            <a:pPr lvl="1"/>
+            <a:r>
+              <a:rPr lang="de-DE" dirty="0"/>
+              <a:t>Wirtschaftlichkeitsbetrachtung</a:t>
+            </a:r>
+          </a:p>
+          <a:p>
+            <a:pPr lvl="1"/>
+            <a:r>
+              <a:rPr lang="de-DE" dirty="0"/>
               <a:t>Lastenheft</a:t>
             </a:r>
           </a:p>
           <a:p>
-            <a:pPr lvl="1"/>
-            <a:r>
-              <a:rPr lang="de-DE" dirty="0" smtClean="0"/>
+            <a:pPr lvl="2"/>
+            <a:r>
+              <a:rPr lang="de-DE" dirty="0"/>
               <a:t>Glossar (Begriffsdefinitionen)</a:t>
             </a:r>
           </a:p>
           <a:p>
-            <a:pPr lvl="1"/>
-            <a:r>
-              <a:rPr lang="de-DE" dirty="0" smtClean="0"/>
-              <a:t>Risikoanalyse</a:t>
-            </a:r>
-          </a:p>
-          <a:p>
-            <a:pPr lvl="1"/>
-            <a:r>
-              <a:rPr lang="de-DE" dirty="0" smtClean="0"/>
-              <a:t>Wirtschaftslichkeitsbetrachtung</a:t>
-            </a:r>
-          </a:p>
-          <a:p>
-            <a:pPr lvl="1"/>
-            <a:r>
-              <a:rPr lang="de-DE" dirty="0" smtClean="0"/>
+            <a:pPr lvl="2"/>
+            <a:r>
+              <a:rPr lang="de-DE" dirty="0"/>
               <a:t>Szenarien</a:t>
             </a:r>
           </a:p>
           <a:p>
-            <a:pPr lvl="1"/>
-            <a:r>
-              <a:rPr lang="de-DE" dirty="0" smtClean="0"/>
+            <a:pPr lvl="2"/>
+            <a:r>
+              <a:rPr lang="de-DE" dirty="0"/>
               <a:t>Anwendungsfalldiagramm</a:t>
             </a:r>
           </a:p>
           <a:p>
-            <a:pPr lvl="1"/>
-            <a:r>
-              <a:rPr lang="de-DE" dirty="0" smtClean="0"/>
+            <a:pPr lvl="2"/>
+            <a:r>
+              <a:rPr lang="de-DE" dirty="0"/>
               <a:t>Mock-</a:t>
             </a:r>
             <a:r>
-              <a:rPr lang="de-DE" dirty="0" err="1" smtClean="0"/>
+              <a:rPr lang="de-DE" dirty="0" err="1"/>
               <a:t>Ups</a:t>
             </a:r>
-            <a:endParaRPr lang="de-DE" dirty="0" smtClean="0"/>
+            <a:endParaRPr lang="de-DE" dirty="0"/>
           </a:p>
         </p:txBody>
       </p:sp>
@@ -11870,77 +11843,77 @@
           <a:lstStyle/>
           <a:p>
             <a:r>
-              <a:rPr lang="de-DE" dirty="0" smtClean="0"/>
+              <a:rPr lang="de-DE" dirty="0"/>
               <a:t>Dokumente</a:t>
             </a:r>
           </a:p>
           <a:p>
             <a:pPr lvl="1"/>
             <a:r>
-              <a:rPr lang="de-DE" dirty="0" smtClean="0"/>
+              <a:rPr lang="de-DE" dirty="0"/>
               <a:t>Projekt-Exposé</a:t>
             </a:r>
           </a:p>
           <a:p>
             <a:pPr lvl="1"/>
             <a:r>
-              <a:rPr lang="de-DE" dirty="0" smtClean="0"/>
+              <a:rPr lang="de-DE" dirty="0"/>
               <a:t>Projektplan</a:t>
             </a:r>
           </a:p>
           <a:p>
             <a:pPr lvl="1"/>
             <a:r>
-              <a:rPr lang="de-DE" dirty="0" smtClean="0"/>
+              <a:rPr lang="de-DE" dirty="0"/>
+              <a:t>Risikoanalyse</a:t>
+            </a:r>
+          </a:p>
+          <a:p>
+            <a:pPr lvl="1"/>
+            <a:r>
+              <a:rPr lang="de-DE" dirty="0"/>
+              <a:t>Wirtschaftlichkeitsbetrachtung</a:t>
+            </a:r>
+          </a:p>
+          <a:p>
+            <a:pPr lvl="1"/>
+            <a:r>
+              <a:rPr lang="de-DE" dirty="0"/>
               <a:t>Lastenheft</a:t>
             </a:r>
           </a:p>
           <a:p>
-            <a:pPr lvl="1"/>
-            <a:r>
-              <a:rPr lang="de-DE" dirty="0" smtClean="0"/>
+            <a:pPr lvl="2"/>
+            <a:r>
+              <a:rPr lang="de-DE" dirty="0"/>
               <a:t>Glossar (Begriffsdefinitionen)</a:t>
             </a:r>
           </a:p>
           <a:p>
-            <a:pPr lvl="1"/>
-            <a:r>
-              <a:rPr lang="de-DE" dirty="0" smtClean="0"/>
-              <a:t>Risikoanalyse</a:t>
-            </a:r>
-          </a:p>
-          <a:p>
-            <a:pPr lvl="1"/>
-            <a:r>
-              <a:rPr lang="de-DE" dirty="0" smtClean="0"/>
-              <a:t>Wirtschaftslichkeitsbetrachtung</a:t>
-            </a:r>
-          </a:p>
-          <a:p>
-            <a:pPr lvl="1"/>
-            <a:r>
-              <a:rPr lang="de-DE" dirty="0" smtClean="0"/>
+            <a:pPr lvl="2"/>
+            <a:r>
+              <a:rPr lang="de-DE" dirty="0"/>
               <a:t>Szenarien</a:t>
             </a:r>
           </a:p>
           <a:p>
-            <a:pPr lvl="1"/>
-            <a:r>
-              <a:rPr lang="de-DE" dirty="0" smtClean="0"/>
+            <a:pPr lvl="2"/>
+            <a:r>
+              <a:rPr lang="de-DE" dirty="0"/>
               <a:t>Anwendungsfalldiagramm</a:t>
             </a:r>
           </a:p>
           <a:p>
-            <a:pPr lvl="1"/>
-            <a:r>
-              <a:rPr lang="de-DE" dirty="0" smtClean="0"/>
+            <a:pPr lvl="2"/>
+            <a:r>
+              <a:rPr lang="de-DE" dirty="0"/>
               <a:t>Mock-</a:t>
             </a:r>
             <a:r>
-              <a:rPr lang="de-DE" dirty="0" err="1" smtClean="0"/>
+              <a:rPr lang="de-DE" dirty="0" err="1"/>
               <a:t>Ups</a:t>
             </a:r>
-            <a:endParaRPr lang="de-DE" dirty="0" smtClean="0"/>
+            <a:endParaRPr lang="de-DE" dirty="0"/>
           </a:p>
         </p:txBody>
       </p:sp>
@@ -12053,6 +12026,558 @@
       </p:grpSpPr>
       <p:sp>
         <p:nvSpPr>
+          <p:cNvPr id="7" name="Abgerundetes Rechteck 6"/>
+          <p:cNvSpPr/>
+          <p:nvPr/>
+        </p:nvSpPr>
+        <p:spPr>
+          <a:xfrm>
+            <a:off x="1835696" y="3672320"/>
+            <a:ext cx="4752528" cy="504056"/>
+          </a:xfrm>
+          <a:prstGeom prst="roundRect">
+            <a:avLst/>
+          </a:prstGeom>
+          <a:solidFill>
+            <a:schemeClr val="accent1">
+              <a:lumMod val="20000"/>
+              <a:lumOff val="80000"/>
+            </a:schemeClr>
+          </a:solidFill>
+          <a:ln>
+            <a:solidFill>
+              <a:schemeClr val="accent1">
+                <a:lumMod val="20000"/>
+                <a:lumOff val="80000"/>
+              </a:schemeClr>
+            </a:solidFill>
+          </a:ln>
+        </p:spPr>
+        <p:style>
+          <a:lnRef idx="2">
+            <a:schemeClr val="accent1">
+              <a:shade val="50000"/>
+            </a:schemeClr>
+          </a:lnRef>
+          <a:fillRef idx="1">
+            <a:schemeClr val="accent1"/>
+          </a:fillRef>
+          <a:effectRef idx="0">
+            <a:schemeClr val="accent1"/>
+          </a:effectRef>
+          <a:fontRef idx="minor">
+            <a:schemeClr val="lt1"/>
+          </a:fontRef>
+        </p:style>
+        <p:txBody>
+          <a:bodyPr rtlCol="0" anchor="ctr"/>
+          <a:lstStyle/>
+          <a:p>
+            <a:pPr algn="ctr"/>
+            <a:endParaRPr lang="de-DE"/>
+          </a:p>
+        </p:txBody>
+      </p:sp>
+      <p:sp>
+        <p:nvSpPr>
+          <p:cNvPr id="2" name="Titel 1"/>
+          <p:cNvSpPr>
+            <a:spLocks noGrp="1"/>
+          </p:cNvSpPr>
+          <p:nvPr>
+            <p:ph type="title"/>
+          </p:nvPr>
+        </p:nvSpPr>
+        <p:spPr/>
+        <p:txBody>
+          <a:bodyPr/>
+          <a:lstStyle/>
+          <a:p>
+            <a:r>
+              <a:rPr lang="de-DE" dirty="0" smtClean="0"/>
+              <a:t>Aktuelle Ergebnisse</a:t>
+            </a:r>
+            <a:endParaRPr lang="de-DE" dirty="0"/>
+          </a:p>
+        </p:txBody>
+      </p:sp>
+      <p:sp>
+        <p:nvSpPr>
+          <p:cNvPr id="4" name="Datumsplatzhalter 3"/>
+          <p:cNvSpPr>
+            <a:spLocks noGrp="1"/>
+          </p:cNvSpPr>
+          <p:nvPr>
+            <p:ph type="dt" sz="half" idx="10"/>
+          </p:nvPr>
+        </p:nvSpPr>
+        <p:spPr/>
+        <p:txBody>
+          <a:bodyPr/>
+          <a:lstStyle/>
+          <a:p>
+            <a:r>
+              <a:rPr lang="de-DE" smtClean="0"/>
+              <a:t>21.04.2012</a:t>
+            </a:r>
+            <a:endParaRPr lang="de-DE" dirty="0"/>
+          </a:p>
+        </p:txBody>
+      </p:sp>
+      <p:sp>
+        <p:nvSpPr>
+          <p:cNvPr id="6" name="Fußzeilenplatzhalter 5"/>
+          <p:cNvSpPr>
+            <a:spLocks noGrp="1"/>
+          </p:cNvSpPr>
+          <p:nvPr>
+            <p:ph type="ftr" sz="quarter" idx="11"/>
+          </p:nvPr>
+        </p:nvSpPr>
+        <p:spPr/>
+        <p:txBody>
+          <a:bodyPr/>
+          <a:lstStyle/>
+          <a:p>
+            <a:r>
+              <a:rPr lang="de-DE" smtClean="0"/>
+              <a:t>FST Projekt "Eventalizer" (SS 2012) Team 5</a:t>
+            </a:r>
+            <a:endParaRPr lang="de-DE" dirty="0"/>
+          </a:p>
+        </p:txBody>
+      </p:sp>
+      <p:sp>
+        <p:nvSpPr>
+          <p:cNvPr id="5" name="Foliennummernplatzhalter 4"/>
+          <p:cNvSpPr>
+            <a:spLocks noGrp="1"/>
+          </p:cNvSpPr>
+          <p:nvPr>
+            <p:ph type="sldNum" sz="quarter" idx="12"/>
+          </p:nvPr>
+        </p:nvSpPr>
+        <p:spPr/>
+        <p:txBody>
+          <a:bodyPr/>
+          <a:lstStyle/>
+          <a:p>
+            <a:fld id="{6C6AE60A-B69C-4790-82F7-3882EDF23186}" type="slidenum">
+              <a:rPr lang="de-DE" smtClean="0"/>
+              <a:pPr/>
+              <a:t>13</a:t>
+            </a:fld>
+            <a:endParaRPr lang="de-DE" dirty="0"/>
+          </a:p>
+        </p:txBody>
+      </p:sp>
+      <p:sp>
+        <p:nvSpPr>
+          <p:cNvPr id="3" name="Inhaltsplatzhalter 2"/>
+          <p:cNvSpPr>
+            <a:spLocks noGrp="1"/>
+          </p:cNvSpPr>
+          <p:nvPr>
+            <p:ph idx="1"/>
+          </p:nvPr>
+        </p:nvSpPr>
+        <p:spPr/>
+        <p:txBody>
+          <a:bodyPr>
+            <a:noAutofit/>
+          </a:bodyPr>
+          <a:lstStyle/>
+          <a:p>
+            <a:r>
+              <a:rPr lang="de-DE" dirty="0"/>
+              <a:t>Dokumente</a:t>
+            </a:r>
+          </a:p>
+          <a:p>
+            <a:pPr lvl="1"/>
+            <a:r>
+              <a:rPr lang="de-DE" dirty="0"/>
+              <a:t>Projekt-Exposé</a:t>
+            </a:r>
+          </a:p>
+          <a:p>
+            <a:pPr lvl="1"/>
+            <a:r>
+              <a:rPr lang="de-DE" dirty="0"/>
+              <a:t>Projektplan</a:t>
+            </a:r>
+          </a:p>
+          <a:p>
+            <a:pPr lvl="1"/>
+            <a:r>
+              <a:rPr lang="de-DE" dirty="0"/>
+              <a:t>Risikoanalyse</a:t>
+            </a:r>
+          </a:p>
+          <a:p>
+            <a:pPr lvl="1"/>
+            <a:r>
+              <a:rPr lang="de-DE" dirty="0"/>
+              <a:t>Wirtschaftlichkeitsbetrachtung</a:t>
+            </a:r>
+          </a:p>
+          <a:p>
+            <a:pPr lvl="1"/>
+            <a:r>
+              <a:rPr lang="de-DE" dirty="0"/>
+              <a:t>Lastenheft</a:t>
+            </a:r>
+          </a:p>
+          <a:p>
+            <a:pPr lvl="2"/>
+            <a:r>
+              <a:rPr lang="de-DE" dirty="0"/>
+              <a:t>Glossar (Begriffsdefinitionen)</a:t>
+            </a:r>
+          </a:p>
+          <a:p>
+            <a:pPr lvl="2"/>
+            <a:r>
+              <a:rPr lang="de-DE" dirty="0"/>
+              <a:t>Szenarien</a:t>
+            </a:r>
+          </a:p>
+          <a:p>
+            <a:pPr lvl="2"/>
+            <a:r>
+              <a:rPr lang="de-DE" dirty="0"/>
+              <a:t>Anwendungsfalldiagramm</a:t>
+            </a:r>
+          </a:p>
+          <a:p>
+            <a:pPr lvl="2"/>
+            <a:r>
+              <a:rPr lang="de-DE" dirty="0"/>
+              <a:t>Mock-</a:t>
+            </a:r>
+            <a:r>
+              <a:rPr lang="de-DE" dirty="0" err="1"/>
+              <a:t>Ups</a:t>
+            </a:r>
+            <a:endParaRPr lang="de-DE" dirty="0"/>
+          </a:p>
+        </p:txBody>
+      </p:sp>
+    </p:spTree>
+    <p:extLst>
+      <p:ext uri="{BB962C8B-B14F-4D97-AF65-F5344CB8AC3E}">
+        <p14:creationId xmlns:p14="http://schemas.microsoft.com/office/powerpoint/2010/main" val="4163548483"/>
+      </p:ext>
+    </p:extLst>
+  </p:cSld>
+  <p:clrMapOvr>
+    <a:masterClrMapping/>
+  </p:clrMapOvr>
+  <p:timing>
+    <p:tnLst>
+      <p:par>
+        <p:cTn id="1" dur="indefinite" restart="never" nodeType="tmRoot"/>
+      </p:par>
+    </p:tnLst>
+  </p:timing>
+</p:sld>
+</file>
+
+<file path=ppt/slides/slide14.xml><?xml version="1.0" encoding="utf-8"?>
+<p:sld xmlns:a="http://schemas.openxmlformats.org/drawingml/2006/main" xmlns:r="http://schemas.openxmlformats.org/officeDocument/2006/relationships" xmlns:p="http://schemas.openxmlformats.org/presentationml/2006/main">
+  <p:cSld>
+    <p:spTree>
+      <p:nvGrpSpPr>
+        <p:cNvPr id="1" name=""/>
+        <p:cNvGrpSpPr/>
+        <p:nvPr/>
+      </p:nvGrpSpPr>
+      <p:grpSpPr>
+        <a:xfrm>
+          <a:off x="0" y="0"/>
+          <a:ext cx="0" cy="0"/>
+          <a:chOff x="0" y="0"/>
+          <a:chExt cx="0" cy="0"/>
+        </a:xfrm>
+      </p:grpSpPr>
+      <p:sp>
+        <p:nvSpPr>
+          <p:cNvPr id="7" name="Abgerundetes Rechteck 6"/>
+          <p:cNvSpPr/>
+          <p:nvPr/>
+        </p:nvSpPr>
+        <p:spPr>
+          <a:xfrm>
+            <a:off x="1835696" y="4136352"/>
+            <a:ext cx="4752528" cy="504056"/>
+          </a:xfrm>
+          <a:prstGeom prst="roundRect">
+            <a:avLst/>
+          </a:prstGeom>
+          <a:solidFill>
+            <a:schemeClr val="accent1">
+              <a:lumMod val="20000"/>
+              <a:lumOff val="80000"/>
+            </a:schemeClr>
+          </a:solidFill>
+          <a:ln>
+            <a:solidFill>
+              <a:schemeClr val="accent1">
+                <a:lumMod val="20000"/>
+                <a:lumOff val="80000"/>
+              </a:schemeClr>
+            </a:solidFill>
+          </a:ln>
+        </p:spPr>
+        <p:style>
+          <a:lnRef idx="2">
+            <a:schemeClr val="accent1">
+              <a:shade val="50000"/>
+            </a:schemeClr>
+          </a:lnRef>
+          <a:fillRef idx="1">
+            <a:schemeClr val="accent1"/>
+          </a:fillRef>
+          <a:effectRef idx="0">
+            <a:schemeClr val="accent1"/>
+          </a:effectRef>
+          <a:fontRef idx="minor">
+            <a:schemeClr val="lt1"/>
+          </a:fontRef>
+        </p:style>
+        <p:txBody>
+          <a:bodyPr rtlCol="0" anchor="ctr"/>
+          <a:lstStyle/>
+          <a:p>
+            <a:pPr algn="ctr"/>
+            <a:endParaRPr lang="de-DE"/>
+          </a:p>
+        </p:txBody>
+      </p:sp>
+      <p:sp>
+        <p:nvSpPr>
+          <p:cNvPr id="2" name="Titel 1"/>
+          <p:cNvSpPr>
+            <a:spLocks noGrp="1"/>
+          </p:cNvSpPr>
+          <p:nvPr>
+            <p:ph type="title"/>
+          </p:nvPr>
+        </p:nvSpPr>
+        <p:spPr/>
+        <p:txBody>
+          <a:bodyPr/>
+          <a:lstStyle/>
+          <a:p>
+            <a:r>
+              <a:rPr lang="de-DE" dirty="0" smtClean="0"/>
+              <a:t>Aktuelle Ergebnisse</a:t>
+            </a:r>
+            <a:endParaRPr lang="de-DE" dirty="0"/>
+          </a:p>
+        </p:txBody>
+      </p:sp>
+      <p:sp>
+        <p:nvSpPr>
+          <p:cNvPr id="4" name="Datumsplatzhalter 3"/>
+          <p:cNvSpPr>
+            <a:spLocks noGrp="1"/>
+          </p:cNvSpPr>
+          <p:nvPr>
+            <p:ph type="dt" sz="half" idx="10"/>
+          </p:nvPr>
+        </p:nvSpPr>
+        <p:spPr/>
+        <p:txBody>
+          <a:bodyPr/>
+          <a:lstStyle/>
+          <a:p>
+            <a:r>
+              <a:rPr lang="de-DE" smtClean="0"/>
+              <a:t>21.04.2012</a:t>
+            </a:r>
+            <a:endParaRPr lang="de-DE" dirty="0"/>
+          </a:p>
+        </p:txBody>
+      </p:sp>
+      <p:sp>
+        <p:nvSpPr>
+          <p:cNvPr id="6" name="Fußzeilenplatzhalter 5"/>
+          <p:cNvSpPr>
+            <a:spLocks noGrp="1"/>
+          </p:cNvSpPr>
+          <p:nvPr>
+            <p:ph type="ftr" sz="quarter" idx="11"/>
+          </p:nvPr>
+        </p:nvSpPr>
+        <p:spPr/>
+        <p:txBody>
+          <a:bodyPr/>
+          <a:lstStyle/>
+          <a:p>
+            <a:r>
+              <a:rPr lang="de-DE" smtClean="0"/>
+              <a:t>FST Projekt "Eventalizer" (SS 2012) Team 5</a:t>
+            </a:r>
+            <a:endParaRPr lang="de-DE" dirty="0"/>
+          </a:p>
+        </p:txBody>
+      </p:sp>
+      <p:sp>
+        <p:nvSpPr>
+          <p:cNvPr id="5" name="Foliennummernplatzhalter 4"/>
+          <p:cNvSpPr>
+            <a:spLocks noGrp="1"/>
+          </p:cNvSpPr>
+          <p:nvPr>
+            <p:ph type="sldNum" sz="quarter" idx="12"/>
+          </p:nvPr>
+        </p:nvSpPr>
+        <p:spPr/>
+        <p:txBody>
+          <a:bodyPr/>
+          <a:lstStyle/>
+          <a:p>
+            <a:fld id="{6C6AE60A-B69C-4790-82F7-3882EDF23186}" type="slidenum">
+              <a:rPr lang="de-DE" smtClean="0"/>
+              <a:pPr/>
+              <a:t>14</a:t>
+            </a:fld>
+            <a:endParaRPr lang="de-DE" dirty="0"/>
+          </a:p>
+        </p:txBody>
+      </p:sp>
+      <p:sp>
+        <p:nvSpPr>
+          <p:cNvPr id="3" name="Inhaltsplatzhalter 2"/>
+          <p:cNvSpPr>
+            <a:spLocks noGrp="1"/>
+          </p:cNvSpPr>
+          <p:nvPr>
+            <p:ph idx="1"/>
+          </p:nvPr>
+        </p:nvSpPr>
+        <p:spPr/>
+        <p:txBody>
+          <a:bodyPr>
+            <a:noAutofit/>
+          </a:bodyPr>
+          <a:lstStyle/>
+          <a:p>
+            <a:r>
+              <a:rPr lang="de-DE" dirty="0"/>
+              <a:t>Dokumente</a:t>
+            </a:r>
+          </a:p>
+          <a:p>
+            <a:pPr lvl="1"/>
+            <a:r>
+              <a:rPr lang="de-DE" dirty="0"/>
+              <a:t>Projekt-Exposé</a:t>
+            </a:r>
+          </a:p>
+          <a:p>
+            <a:pPr lvl="1"/>
+            <a:r>
+              <a:rPr lang="de-DE" dirty="0"/>
+              <a:t>Projektplan</a:t>
+            </a:r>
+          </a:p>
+          <a:p>
+            <a:pPr lvl="1"/>
+            <a:r>
+              <a:rPr lang="de-DE" dirty="0"/>
+              <a:t>Risikoanalyse</a:t>
+            </a:r>
+          </a:p>
+          <a:p>
+            <a:pPr lvl="1"/>
+            <a:r>
+              <a:rPr lang="de-DE" dirty="0"/>
+              <a:t>Wirtschaftlichkeitsbetrachtung</a:t>
+            </a:r>
+          </a:p>
+          <a:p>
+            <a:pPr lvl="1"/>
+            <a:r>
+              <a:rPr lang="de-DE" dirty="0"/>
+              <a:t>Lastenheft</a:t>
+            </a:r>
+          </a:p>
+          <a:p>
+            <a:pPr lvl="2"/>
+            <a:r>
+              <a:rPr lang="de-DE" dirty="0"/>
+              <a:t>Glossar (Begriffsdefinitionen)</a:t>
+            </a:r>
+          </a:p>
+          <a:p>
+            <a:pPr lvl="2"/>
+            <a:r>
+              <a:rPr lang="de-DE" dirty="0"/>
+              <a:t>Szenarien</a:t>
+            </a:r>
+          </a:p>
+          <a:p>
+            <a:pPr lvl="2"/>
+            <a:r>
+              <a:rPr lang="de-DE" dirty="0"/>
+              <a:t>Anwendungsfalldiagramm</a:t>
+            </a:r>
+          </a:p>
+          <a:p>
+            <a:pPr lvl="2"/>
+            <a:r>
+              <a:rPr lang="de-DE" dirty="0"/>
+              <a:t>Mock-</a:t>
+            </a:r>
+            <a:r>
+              <a:rPr lang="de-DE" dirty="0" err="1"/>
+              <a:t>Ups</a:t>
+            </a:r>
+            <a:endParaRPr lang="de-DE" dirty="0"/>
+          </a:p>
+        </p:txBody>
+      </p:sp>
+    </p:spTree>
+    <p:extLst>
+      <p:ext uri="{BB962C8B-B14F-4D97-AF65-F5344CB8AC3E}">
+        <p14:creationId xmlns:p14="http://schemas.microsoft.com/office/powerpoint/2010/main" val="3177214482"/>
+      </p:ext>
+    </p:extLst>
+  </p:cSld>
+  <p:clrMapOvr>
+    <a:masterClrMapping/>
+  </p:clrMapOvr>
+  <p:timing>
+    <p:tnLst>
+      <p:par>
+        <p:cTn id="1" dur="indefinite" restart="never" nodeType="tmRoot"/>
+      </p:par>
+    </p:tnLst>
+  </p:timing>
+</p:sld>
+</file>
+
+<file path=ppt/slides/slide15.xml><?xml version="1.0" encoding="utf-8"?>
+<p:sld xmlns:a="http://schemas.openxmlformats.org/drawingml/2006/main" xmlns:r="http://schemas.openxmlformats.org/officeDocument/2006/relationships" xmlns:p="http://schemas.openxmlformats.org/presentationml/2006/main">
+  <p:cSld>
+    <p:spTree>
+      <p:nvGrpSpPr>
+        <p:cNvPr id="1" name=""/>
+        <p:cNvGrpSpPr/>
+        <p:nvPr/>
+      </p:nvGrpSpPr>
+      <p:grpSpPr>
+        <a:xfrm>
+          <a:off x="0" y="0"/>
+          <a:ext cx="0" cy="0"/>
+          <a:chOff x="0" y="0"/>
+          <a:chExt cx="0" cy="0"/>
+        </a:xfrm>
+      </p:grpSpPr>
+      <p:sp>
+        <p:nvSpPr>
           <p:cNvPr id="2" name="Titel 1"/>
           <p:cNvSpPr>
             <a:spLocks noGrp="1"/>
@@ -12208,7 +12733,7 @@
             <a:fld id="{6C6AE60A-B69C-4790-82F7-3882EDF23186}" type="slidenum">
               <a:rPr lang="de-DE" smtClean="0"/>
               <a:pPr/>
-              <a:t>13</a:t>
+              <a:t>15</a:t>
             </a:fld>
             <a:endParaRPr lang="de-DE" dirty="0"/>
           </a:p>
@@ -12266,7 +12791,7 @@
 </p:sld>
 </file>
 
-<file path=ppt/slides/slide14.xml><?xml version="1.0" encoding="utf-8"?>
+<file path=ppt/slides/slide16.xml><?xml version="1.0" encoding="utf-8"?>
 <p:sld xmlns:a="http://schemas.openxmlformats.org/drawingml/2006/main" xmlns:r="http://schemas.openxmlformats.org/officeDocument/2006/relationships" xmlns:p="http://schemas.openxmlformats.org/presentationml/2006/main">
   <p:cSld>
     <p:spTree>
@@ -12285,289 +12810,13 @@
       </p:grpSpPr>
       <p:sp>
         <p:nvSpPr>
-          <p:cNvPr id="9" name="Abgerundetes Rechteck 8"/>
-          <p:cNvSpPr/>
-          <p:nvPr/>
-        </p:nvSpPr>
-        <p:spPr>
-          <a:xfrm>
-            <a:off x="1835696" y="3717032"/>
-            <a:ext cx="4752528" cy="432048"/>
-          </a:xfrm>
-          <a:prstGeom prst="roundRect">
-            <a:avLst/>
-          </a:prstGeom>
-          <a:solidFill>
-            <a:schemeClr val="accent1">
-              <a:lumMod val="20000"/>
-              <a:lumOff val="80000"/>
-            </a:schemeClr>
-          </a:solidFill>
-          <a:ln>
-            <a:solidFill>
-              <a:schemeClr val="accent1">
-                <a:lumMod val="20000"/>
-                <a:lumOff val="80000"/>
-              </a:schemeClr>
-            </a:solidFill>
-          </a:ln>
-        </p:spPr>
-        <p:style>
-          <a:lnRef idx="2">
-            <a:schemeClr val="accent1">
-              <a:shade val="50000"/>
-            </a:schemeClr>
-          </a:lnRef>
-          <a:fillRef idx="1">
-            <a:schemeClr val="accent1"/>
-          </a:fillRef>
-          <a:effectRef idx="0">
-            <a:schemeClr val="accent1"/>
-          </a:effectRef>
-          <a:fontRef idx="minor">
-            <a:schemeClr val="lt1"/>
-          </a:fontRef>
-        </p:style>
-        <p:txBody>
-          <a:bodyPr rtlCol="0" anchor="ctr"/>
-          <a:lstStyle/>
-          <a:p>
-            <a:pPr algn="ctr"/>
-            <a:endParaRPr lang="de-DE"/>
-          </a:p>
-        </p:txBody>
-      </p:sp>
-      <p:sp>
-        <p:nvSpPr>
-          <p:cNvPr id="2" name="Titel 1"/>
-          <p:cNvSpPr>
-            <a:spLocks noGrp="1"/>
-          </p:cNvSpPr>
-          <p:nvPr>
-            <p:ph type="title"/>
-          </p:nvPr>
-        </p:nvSpPr>
-        <p:spPr/>
-        <p:txBody>
-          <a:bodyPr/>
-          <a:lstStyle/>
-          <a:p>
-            <a:r>
-              <a:rPr lang="de-DE" dirty="0" smtClean="0"/>
-              <a:t>Aktuelle Ergebnisse</a:t>
-            </a:r>
-            <a:endParaRPr lang="de-DE" dirty="0"/>
-          </a:p>
-        </p:txBody>
-      </p:sp>
-      <p:sp>
-        <p:nvSpPr>
-          <p:cNvPr id="3" name="Inhaltsplatzhalter 2"/>
-          <p:cNvSpPr>
-            <a:spLocks noGrp="1"/>
-          </p:cNvSpPr>
-          <p:nvPr>
-            <p:ph idx="1"/>
-          </p:nvPr>
-        </p:nvSpPr>
-        <p:spPr/>
-        <p:txBody>
-          <a:bodyPr>
-            <a:noAutofit/>
-          </a:bodyPr>
-          <a:lstStyle/>
-          <a:p>
-            <a:r>
-              <a:rPr lang="de-DE" dirty="0" smtClean="0"/>
-              <a:t>Dokumente</a:t>
-            </a:r>
-          </a:p>
-          <a:p>
-            <a:pPr lvl="1"/>
-            <a:r>
-              <a:rPr lang="de-DE" dirty="0" smtClean="0"/>
-              <a:t>Projekt-Exposé</a:t>
-            </a:r>
-          </a:p>
-          <a:p>
-            <a:pPr lvl="1"/>
-            <a:r>
-              <a:rPr lang="de-DE" dirty="0" smtClean="0"/>
-              <a:t>Projektplan</a:t>
-            </a:r>
-          </a:p>
-          <a:p>
-            <a:pPr lvl="1"/>
-            <a:r>
-              <a:rPr lang="de-DE" dirty="0" smtClean="0"/>
-              <a:t>Lastenheft</a:t>
-            </a:r>
-          </a:p>
-          <a:p>
-            <a:pPr lvl="1"/>
-            <a:r>
-              <a:rPr lang="de-DE" dirty="0" smtClean="0"/>
-              <a:t>Glossar (Begriffsdefinitionen)</a:t>
-            </a:r>
-          </a:p>
-          <a:p>
-            <a:pPr lvl="1"/>
-            <a:r>
-              <a:rPr lang="de-DE" dirty="0" smtClean="0"/>
-              <a:t>Risikoanalyse</a:t>
-            </a:r>
-          </a:p>
-          <a:p>
-            <a:pPr lvl="1"/>
-            <a:r>
-              <a:rPr lang="de-DE" dirty="0" smtClean="0"/>
-              <a:t>Wirtschaftslichkeitsbetrachtung</a:t>
-            </a:r>
-          </a:p>
-          <a:p>
-            <a:pPr lvl="1"/>
-            <a:r>
-              <a:rPr lang="de-DE" dirty="0" smtClean="0"/>
-              <a:t>Szenarien</a:t>
-            </a:r>
-          </a:p>
-          <a:p>
-            <a:pPr lvl="1"/>
-            <a:r>
-              <a:rPr lang="de-DE" dirty="0" smtClean="0"/>
-              <a:t>Anwendungsfalldiagramm</a:t>
-            </a:r>
-          </a:p>
-          <a:p>
-            <a:pPr lvl="1"/>
-            <a:r>
-              <a:rPr lang="de-DE" dirty="0" smtClean="0"/>
-              <a:t>Mock-</a:t>
-            </a:r>
-            <a:r>
-              <a:rPr lang="de-DE" dirty="0" err="1" smtClean="0"/>
-              <a:t>Ups</a:t>
-            </a:r>
-            <a:endParaRPr lang="de-DE" dirty="0" smtClean="0"/>
-          </a:p>
-        </p:txBody>
-      </p:sp>
-      <p:sp>
-        <p:nvSpPr>
-          <p:cNvPr id="4" name="Datumsplatzhalter 3"/>
-          <p:cNvSpPr>
-            <a:spLocks noGrp="1"/>
-          </p:cNvSpPr>
-          <p:nvPr>
-            <p:ph type="dt" sz="half" idx="10"/>
-          </p:nvPr>
-        </p:nvSpPr>
-        <p:spPr/>
-        <p:txBody>
-          <a:bodyPr/>
-          <a:lstStyle/>
-          <a:p>
-            <a:r>
-              <a:rPr lang="de-DE" smtClean="0"/>
-              <a:t>21.04.2012</a:t>
-            </a:r>
-            <a:endParaRPr lang="de-DE" dirty="0"/>
-          </a:p>
-        </p:txBody>
-      </p:sp>
-      <p:sp>
-        <p:nvSpPr>
-          <p:cNvPr id="6" name="Fußzeilenplatzhalter 5"/>
-          <p:cNvSpPr>
-            <a:spLocks noGrp="1"/>
-          </p:cNvSpPr>
-          <p:nvPr>
-            <p:ph type="ftr" sz="quarter" idx="11"/>
-          </p:nvPr>
-        </p:nvSpPr>
-        <p:spPr/>
-        <p:txBody>
-          <a:bodyPr/>
-          <a:lstStyle/>
-          <a:p>
-            <a:r>
-              <a:rPr lang="de-DE" smtClean="0"/>
-              <a:t>FST Projekt "Eventalizer" (SS 2012) Team 5</a:t>
-            </a:r>
-            <a:endParaRPr lang="de-DE" dirty="0"/>
-          </a:p>
-        </p:txBody>
-      </p:sp>
-      <p:sp>
-        <p:nvSpPr>
-          <p:cNvPr id="5" name="Foliennummernplatzhalter 4"/>
-          <p:cNvSpPr>
-            <a:spLocks noGrp="1"/>
-          </p:cNvSpPr>
-          <p:nvPr>
-            <p:ph type="sldNum" sz="quarter" idx="12"/>
-          </p:nvPr>
-        </p:nvSpPr>
-        <p:spPr/>
-        <p:txBody>
-          <a:bodyPr/>
-          <a:lstStyle/>
-          <a:p>
-            <a:fld id="{6C6AE60A-B69C-4790-82F7-3882EDF23186}" type="slidenum">
-              <a:rPr lang="de-DE" smtClean="0"/>
-              <a:pPr/>
-              <a:t>14</a:t>
-            </a:fld>
-            <a:endParaRPr lang="de-DE" dirty="0"/>
-          </a:p>
-        </p:txBody>
-      </p:sp>
-    </p:spTree>
-    <p:extLst>
-      <p:ext uri="{BB962C8B-B14F-4D97-AF65-F5344CB8AC3E}">
-        <p14:creationId xmlns:p14="http://schemas.microsoft.com/office/powerpoint/2010/main" val="2116476924"/>
-      </p:ext>
-    </p:extLst>
-  </p:cSld>
-  <p:clrMapOvr>
-    <a:masterClrMapping/>
-  </p:clrMapOvr>
-  <p:timing>
-    <p:tnLst>
-      <p:par>
-        <p:cTn id="1" dur="indefinite" restart="never" nodeType="tmRoot"/>
-      </p:par>
-    </p:tnLst>
-  </p:timing>
-</p:sld>
-</file>
-
-<file path=ppt/slides/slide15.xml><?xml version="1.0" encoding="utf-8"?>
-<p:sld xmlns:a="http://schemas.openxmlformats.org/drawingml/2006/main" xmlns:r="http://schemas.openxmlformats.org/officeDocument/2006/relationships" xmlns:p="http://schemas.openxmlformats.org/presentationml/2006/main">
-  <p:cSld>
-    <p:spTree>
-      <p:nvGrpSpPr>
-        <p:cNvPr id="1" name=""/>
-        <p:cNvGrpSpPr/>
-        <p:nvPr/>
-      </p:nvGrpSpPr>
-      <p:grpSpPr>
-        <a:xfrm>
-          <a:off x="0" y="0"/>
-          <a:ext cx="0" cy="0"/>
-          <a:chOff x="0" y="0"/>
-          <a:chExt cx="0" cy="0"/>
-        </a:xfrm>
-      </p:grpSpPr>
-      <p:sp>
-        <p:nvSpPr>
           <p:cNvPr id="7" name="Abgerundetes Rechteck 6"/>
           <p:cNvSpPr/>
           <p:nvPr/>
         </p:nvSpPr>
         <p:spPr>
           <a:xfrm>
-            <a:off x="1835696" y="4149080"/>
+            <a:off x="1835696" y="4598544"/>
             <a:ext cx="5040560" cy="504056"/>
           </a:xfrm>
           <a:prstGeom prst="roundRect">
@@ -12615,374 +12864,6 @@
       </p:sp>
       <p:sp>
         <p:nvSpPr>
-          <p:cNvPr id="3" name="Inhaltsplatzhalter 2"/>
-          <p:cNvSpPr>
-            <a:spLocks noGrp="1"/>
-          </p:cNvSpPr>
-          <p:nvPr>
-            <p:ph idx="1"/>
-          </p:nvPr>
-        </p:nvSpPr>
-        <p:spPr/>
-        <p:txBody>
-          <a:bodyPr>
-            <a:noAutofit/>
-          </a:bodyPr>
-          <a:lstStyle/>
-          <a:p>
-            <a:r>
-              <a:rPr lang="de-DE" dirty="0" smtClean="0"/>
-              <a:t>Dokumente</a:t>
-            </a:r>
-          </a:p>
-          <a:p>
-            <a:pPr lvl="1"/>
-            <a:r>
-              <a:rPr lang="de-DE" dirty="0" smtClean="0"/>
-              <a:t>Projekt-Exposé</a:t>
-            </a:r>
-          </a:p>
-          <a:p>
-            <a:pPr lvl="1"/>
-            <a:r>
-              <a:rPr lang="de-DE" dirty="0" smtClean="0"/>
-              <a:t>Projektplan</a:t>
-            </a:r>
-          </a:p>
-          <a:p>
-            <a:pPr lvl="1"/>
-            <a:r>
-              <a:rPr lang="de-DE" dirty="0" smtClean="0"/>
-              <a:t>Lastenheft</a:t>
-            </a:r>
-          </a:p>
-          <a:p>
-            <a:pPr lvl="1"/>
-            <a:r>
-              <a:rPr lang="de-DE" dirty="0" smtClean="0"/>
-              <a:t>Glossar (Begriffsdefinitionen)</a:t>
-            </a:r>
-          </a:p>
-          <a:p>
-            <a:pPr lvl="1"/>
-            <a:r>
-              <a:rPr lang="de-DE" dirty="0" smtClean="0"/>
-              <a:t>Risikoanalyse</a:t>
-            </a:r>
-          </a:p>
-          <a:p>
-            <a:pPr lvl="1"/>
-            <a:r>
-              <a:rPr lang="de-DE" dirty="0" smtClean="0"/>
-              <a:t>Wirtschaftslichkeitsbetrachtung</a:t>
-            </a:r>
-          </a:p>
-          <a:p>
-            <a:pPr lvl="1"/>
-            <a:r>
-              <a:rPr lang="de-DE" dirty="0" smtClean="0"/>
-              <a:t>Szenarien</a:t>
-            </a:r>
-          </a:p>
-          <a:p>
-            <a:pPr lvl="1"/>
-            <a:r>
-              <a:rPr lang="de-DE" dirty="0" smtClean="0"/>
-              <a:t>Anwendungsfalldiagramm</a:t>
-            </a:r>
-          </a:p>
-          <a:p>
-            <a:pPr lvl="1"/>
-            <a:r>
-              <a:rPr lang="de-DE" dirty="0" smtClean="0"/>
-              <a:t>Mock-</a:t>
-            </a:r>
-            <a:r>
-              <a:rPr lang="de-DE" dirty="0" err="1" smtClean="0"/>
-              <a:t>Ups</a:t>
-            </a:r>
-            <a:endParaRPr lang="de-DE" dirty="0" smtClean="0"/>
-          </a:p>
-        </p:txBody>
-      </p:sp>
-      <p:sp>
-        <p:nvSpPr>
-          <p:cNvPr id="2" name="Titel 1"/>
-          <p:cNvSpPr>
-            <a:spLocks noGrp="1"/>
-          </p:cNvSpPr>
-          <p:nvPr>
-            <p:ph type="title"/>
-          </p:nvPr>
-        </p:nvSpPr>
-        <p:spPr/>
-        <p:txBody>
-          <a:bodyPr/>
-          <a:lstStyle/>
-          <a:p>
-            <a:r>
-              <a:rPr lang="de-DE" dirty="0" smtClean="0"/>
-              <a:t>Aktuelle Ergebnisse</a:t>
-            </a:r>
-            <a:endParaRPr lang="de-DE" dirty="0"/>
-          </a:p>
-        </p:txBody>
-      </p:sp>
-      <p:sp>
-        <p:nvSpPr>
-          <p:cNvPr id="4" name="Datumsplatzhalter 3"/>
-          <p:cNvSpPr>
-            <a:spLocks noGrp="1"/>
-          </p:cNvSpPr>
-          <p:nvPr>
-            <p:ph type="dt" sz="half" idx="10"/>
-          </p:nvPr>
-        </p:nvSpPr>
-        <p:spPr/>
-        <p:txBody>
-          <a:bodyPr/>
-          <a:lstStyle/>
-          <a:p>
-            <a:r>
-              <a:rPr lang="de-DE" smtClean="0"/>
-              <a:t>21.04.2012</a:t>
-            </a:r>
-            <a:endParaRPr lang="de-DE" dirty="0"/>
-          </a:p>
-        </p:txBody>
-      </p:sp>
-      <p:sp>
-        <p:nvSpPr>
-          <p:cNvPr id="6" name="Fußzeilenplatzhalter 5"/>
-          <p:cNvSpPr>
-            <a:spLocks noGrp="1"/>
-          </p:cNvSpPr>
-          <p:nvPr>
-            <p:ph type="ftr" sz="quarter" idx="11"/>
-          </p:nvPr>
-        </p:nvSpPr>
-        <p:spPr/>
-        <p:txBody>
-          <a:bodyPr/>
-          <a:lstStyle/>
-          <a:p>
-            <a:r>
-              <a:rPr lang="de-DE" smtClean="0"/>
-              <a:t>FST Projekt "Eventalizer" (SS 2012) Team 5</a:t>
-            </a:r>
-            <a:endParaRPr lang="de-DE" dirty="0"/>
-          </a:p>
-        </p:txBody>
-      </p:sp>
-      <p:sp>
-        <p:nvSpPr>
-          <p:cNvPr id="5" name="Foliennummernplatzhalter 4"/>
-          <p:cNvSpPr>
-            <a:spLocks noGrp="1"/>
-          </p:cNvSpPr>
-          <p:nvPr>
-            <p:ph type="sldNum" sz="quarter" idx="12"/>
-          </p:nvPr>
-        </p:nvSpPr>
-        <p:spPr/>
-        <p:txBody>
-          <a:bodyPr/>
-          <a:lstStyle/>
-          <a:p>
-            <a:fld id="{6C6AE60A-B69C-4790-82F7-3882EDF23186}" type="slidenum">
-              <a:rPr lang="de-DE" smtClean="0"/>
-              <a:pPr/>
-              <a:t>15</a:t>
-            </a:fld>
-            <a:endParaRPr lang="de-DE" dirty="0"/>
-          </a:p>
-        </p:txBody>
-      </p:sp>
-    </p:spTree>
-    <p:extLst>
-      <p:ext uri="{BB962C8B-B14F-4D97-AF65-F5344CB8AC3E}">
-        <p14:creationId xmlns:p14="http://schemas.microsoft.com/office/powerpoint/2010/main" val="3445806666"/>
-      </p:ext>
-    </p:extLst>
-  </p:cSld>
-  <p:clrMapOvr>
-    <a:masterClrMapping/>
-  </p:clrMapOvr>
-  <p:timing>
-    <p:tnLst>
-      <p:par>
-        <p:cTn id="1" dur="indefinite" restart="never" nodeType="tmRoot"/>
-      </p:par>
-    </p:tnLst>
-  </p:timing>
-</p:sld>
-</file>
-
-<file path=ppt/slides/slide16.xml><?xml version="1.0" encoding="utf-8"?>
-<p:sld xmlns:a="http://schemas.openxmlformats.org/drawingml/2006/main" xmlns:r="http://schemas.openxmlformats.org/officeDocument/2006/relationships" xmlns:p="http://schemas.openxmlformats.org/presentationml/2006/main">
-  <p:cSld>
-    <p:spTree>
-      <p:nvGrpSpPr>
-        <p:cNvPr id="1" name=""/>
-        <p:cNvGrpSpPr/>
-        <p:nvPr/>
-      </p:nvGrpSpPr>
-      <p:grpSpPr>
-        <a:xfrm>
-          <a:off x="0" y="0"/>
-          <a:ext cx="0" cy="0"/>
-          <a:chOff x="0" y="0"/>
-          <a:chExt cx="0" cy="0"/>
-        </a:xfrm>
-      </p:grpSpPr>
-      <p:sp>
-        <p:nvSpPr>
-          <p:cNvPr id="7" name="Abgerundetes Rechteck 6"/>
-          <p:cNvSpPr/>
-          <p:nvPr/>
-        </p:nvSpPr>
-        <p:spPr>
-          <a:xfrm>
-            <a:off x="1835696" y="4653136"/>
-            <a:ext cx="5040560" cy="504056"/>
-          </a:xfrm>
-          <a:prstGeom prst="roundRect">
-            <a:avLst/>
-          </a:prstGeom>
-          <a:solidFill>
-            <a:schemeClr val="accent1">
-              <a:lumMod val="20000"/>
-              <a:lumOff val="80000"/>
-            </a:schemeClr>
-          </a:solidFill>
-          <a:ln>
-            <a:solidFill>
-              <a:schemeClr val="accent1">
-                <a:lumMod val="20000"/>
-                <a:lumOff val="80000"/>
-              </a:schemeClr>
-            </a:solidFill>
-          </a:ln>
-        </p:spPr>
-        <p:style>
-          <a:lnRef idx="2">
-            <a:schemeClr val="accent1">
-              <a:shade val="50000"/>
-            </a:schemeClr>
-          </a:lnRef>
-          <a:fillRef idx="1">
-            <a:schemeClr val="accent1"/>
-          </a:fillRef>
-          <a:effectRef idx="0">
-            <a:schemeClr val="accent1"/>
-          </a:effectRef>
-          <a:fontRef idx="minor">
-            <a:schemeClr val="lt1"/>
-          </a:fontRef>
-        </p:style>
-        <p:txBody>
-          <a:bodyPr rtlCol="0" anchor="ctr"/>
-          <a:lstStyle/>
-          <a:p>
-            <a:pPr algn="ctr"/>
-            <a:endParaRPr lang="de-DE"/>
-          </a:p>
-        </p:txBody>
-      </p:sp>
-      <p:sp>
-        <p:nvSpPr>
-          <p:cNvPr id="3" name="Inhaltsplatzhalter 2"/>
-          <p:cNvSpPr>
-            <a:spLocks noGrp="1"/>
-          </p:cNvSpPr>
-          <p:nvPr>
-            <p:ph idx="1"/>
-          </p:nvPr>
-        </p:nvSpPr>
-        <p:spPr/>
-        <p:txBody>
-          <a:bodyPr>
-            <a:noAutofit/>
-          </a:bodyPr>
-          <a:lstStyle/>
-          <a:p>
-            <a:r>
-              <a:rPr lang="de-DE" dirty="0" smtClean="0"/>
-              <a:t>Dokumente</a:t>
-            </a:r>
-          </a:p>
-          <a:p>
-            <a:pPr lvl="1"/>
-            <a:r>
-              <a:rPr lang="de-DE" dirty="0" smtClean="0"/>
-              <a:t>Projekt-Exposé</a:t>
-            </a:r>
-          </a:p>
-          <a:p>
-            <a:pPr lvl="1"/>
-            <a:r>
-              <a:rPr lang="de-DE" dirty="0" smtClean="0"/>
-              <a:t>Projektplan</a:t>
-            </a:r>
-          </a:p>
-          <a:p>
-            <a:pPr lvl="1"/>
-            <a:r>
-              <a:rPr lang="de-DE" dirty="0" smtClean="0"/>
-              <a:t>Lastenheft</a:t>
-            </a:r>
-          </a:p>
-          <a:p>
-            <a:pPr lvl="1"/>
-            <a:r>
-              <a:rPr lang="de-DE" dirty="0" smtClean="0"/>
-              <a:t>Glossar (Begriffsdefinitionen)</a:t>
-            </a:r>
-          </a:p>
-          <a:p>
-            <a:pPr lvl="1"/>
-            <a:r>
-              <a:rPr lang="de-DE" dirty="0" smtClean="0"/>
-              <a:t>Risikoanalyse</a:t>
-            </a:r>
-          </a:p>
-          <a:p>
-            <a:pPr lvl="1"/>
-            <a:r>
-              <a:rPr lang="de-DE" dirty="0" smtClean="0"/>
-              <a:t>Wirtschaftslichkeitsbetrachtung</a:t>
-            </a:r>
-          </a:p>
-          <a:p>
-            <a:pPr lvl="1"/>
-            <a:r>
-              <a:rPr lang="de-DE" dirty="0" smtClean="0"/>
-              <a:t>Szenarien</a:t>
-            </a:r>
-          </a:p>
-          <a:p>
-            <a:pPr lvl="1"/>
-            <a:r>
-              <a:rPr lang="de-DE" dirty="0" smtClean="0"/>
-              <a:t>Anwendungsfalldiagramm</a:t>
-            </a:r>
-          </a:p>
-          <a:p>
-            <a:pPr lvl="1"/>
-            <a:r>
-              <a:rPr lang="de-DE" dirty="0" smtClean="0"/>
-              <a:t>Mock-</a:t>
-            </a:r>
-            <a:r>
-              <a:rPr lang="de-DE" dirty="0" err="1" smtClean="0"/>
-              <a:t>Ups</a:t>
-            </a:r>
-            <a:endParaRPr lang="de-DE" dirty="0" smtClean="0"/>
-          </a:p>
-        </p:txBody>
-      </p:sp>
-      <p:sp>
-        <p:nvSpPr>
           <p:cNvPr id="2" name="Titel 1"/>
           <p:cNvSpPr>
             <a:spLocks noGrp="1"/>
@@ -13070,6 +12951,98 @@
               <a:pPr/>
               <a:t>16</a:t>
             </a:fld>
+            <a:endParaRPr lang="de-DE" dirty="0"/>
+          </a:p>
+        </p:txBody>
+      </p:sp>
+      <p:sp>
+        <p:nvSpPr>
+          <p:cNvPr id="3" name="Inhaltsplatzhalter 2"/>
+          <p:cNvSpPr>
+            <a:spLocks noGrp="1"/>
+          </p:cNvSpPr>
+          <p:nvPr>
+            <p:ph idx="1"/>
+          </p:nvPr>
+        </p:nvSpPr>
+        <p:spPr/>
+        <p:txBody>
+          <a:bodyPr>
+            <a:noAutofit/>
+          </a:bodyPr>
+          <a:lstStyle/>
+          <a:p>
+            <a:r>
+              <a:rPr lang="de-DE" dirty="0"/>
+              <a:t>Dokumente</a:t>
+            </a:r>
+          </a:p>
+          <a:p>
+            <a:pPr lvl="1"/>
+            <a:r>
+              <a:rPr lang="de-DE" dirty="0"/>
+              <a:t>Projekt-Exposé</a:t>
+            </a:r>
+          </a:p>
+          <a:p>
+            <a:pPr lvl="1"/>
+            <a:r>
+              <a:rPr lang="de-DE" dirty="0"/>
+              <a:t>Projektplan</a:t>
+            </a:r>
+          </a:p>
+          <a:p>
+            <a:pPr lvl="1"/>
+            <a:r>
+              <a:rPr lang="de-DE" dirty="0"/>
+              <a:t>Risikoanalyse</a:t>
+            </a:r>
+          </a:p>
+          <a:p>
+            <a:pPr lvl="1"/>
+            <a:r>
+              <a:rPr lang="de-DE" dirty="0"/>
+              <a:t>Wirtschaftlichkeitsbetrachtung</a:t>
+            </a:r>
+          </a:p>
+          <a:p>
+            <a:pPr lvl="1"/>
+            <a:r>
+              <a:rPr lang="de-DE" dirty="0"/>
+              <a:t>Lastenheft</a:t>
+            </a:r>
+          </a:p>
+          <a:p>
+            <a:pPr lvl="2"/>
+            <a:r>
+              <a:rPr lang="de-DE" dirty="0"/>
+              <a:t>Glossar (Begriffsdefinitionen)</a:t>
+            </a:r>
+          </a:p>
+          <a:p>
+            <a:pPr lvl="2"/>
+            <a:r>
+              <a:rPr lang="de-DE" dirty="0"/>
+              <a:t>Szenarien</a:t>
+            </a:r>
+          </a:p>
+          <a:p>
+            <a:pPr lvl="2"/>
+            <a:r>
+              <a:rPr lang="de-DE" dirty="0"/>
+              <a:t>Anwendungsfalldiagramm</a:t>
+            </a:r>
+          </a:p>
+          <a:p>
+            <a:pPr lvl="2"/>
+            <a:r>
+              <a:rPr lang="de-DE" dirty="0"/>
+              <a:t>Mock-</a:t>
+            </a:r>
+            <a:r>
+              <a:rPr lang="de-DE" dirty="0" err="1"/>
+              <a:t>Ups</a:t>
+            </a:r>
             <a:endParaRPr lang="de-DE" dirty="0"/>
           </a:p>
         </p:txBody>
@@ -13388,7 +13361,7 @@
         </p:nvSpPr>
         <p:spPr>
           <a:xfrm>
-            <a:off x="1835696" y="5085184"/>
+            <a:off x="1835696" y="5016944"/>
             <a:ext cx="5040560" cy="504056"/>
           </a:xfrm>
           <a:prstGeom prst="roundRect">
@@ -13436,98 +13409,6 @@
       </p:sp>
       <p:sp>
         <p:nvSpPr>
-          <p:cNvPr id="3" name="Inhaltsplatzhalter 2"/>
-          <p:cNvSpPr>
-            <a:spLocks noGrp="1"/>
-          </p:cNvSpPr>
-          <p:nvPr>
-            <p:ph idx="1"/>
-          </p:nvPr>
-        </p:nvSpPr>
-        <p:spPr/>
-        <p:txBody>
-          <a:bodyPr>
-            <a:noAutofit/>
-          </a:bodyPr>
-          <a:lstStyle/>
-          <a:p>
-            <a:r>
-              <a:rPr lang="de-DE" dirty="0" smtClean="0"/>
-              <a:t>Dokumente</a:t>
-            </a:r>
-          </a:p>
-          <a:p>
-            <a:pPr lvl="1"/>
-            <a:r>
-              <a:rPr lang="de-DE" dirty="0" smtClean="0"/>
-              <a:t>Projekt-Exposé</a:t>
-            </a:r>
-          </a:p>
-          <a:p>
-            <a:pPr lvl="1"/>
-            <a:r>
-              <a:rPr lang="de-DE" dirty="0" smtClean="0"/>
-              <a:t>Projektplan</a:t>
-            </a:r>
-          </a:p>
-          <a:p>
-            <a:pPr lvl="1"/>
-            <a:r>
-              <a:rPr lang="de-DE" dirty="0" smtClean="0"/>
-              <a:t>Lastenheft</a:t>
-            </a:r>
-          </a:p>
-          <a:p>
-            <a:pPr lvl="1"/>
-            <a:r>
-              <a:rPr lang="de-DE" dirty="0" smtClean="0"/>
-              <a:t>Glossar (Begriffsdefinitionen)</a:t>
-            </a:r>
-          </a:p>
-          <a:p>
-            <a:pPr lvl="1"/>
-            <a:r>
-              <a:rPr lang="de-DE" dirty="0" smtClean="0"/>
-              <a:t>Risikoanalyse</a:t>
-            </a:r>
-          </a:p>
-          <a:p>
-            <a:pPr lvl="1"/>
-            <a:r>
-              <a:rPr lang="de-DE" dirty="0" smtClean="0"/>
-              <a:t>Wirtschaftslichkeitsbetrachtung</a:t>
-            </a:r>
-          </a:p>
-          <a:p>
-            <a:pPr lvl="1"/>
-            <a:r>
-              <a:rPr lang="de-DE" dirty="0" smtClean="0"/>
-              <a:t>Szenarien</a:t>
-            </a:r>
-          </a:p>
-          <a:p>
-            <a:pPr lvl="1"/>
-            <a:r>
-              <a:rPr lang="de-DE" dirty="0" smtClean="0"/>
-              <a:t>Anwendungsfalldiagramm</a:t>
-            </a:r>
-          </a:p>
-          <a:p>
-            <a:pPr lvl="1"/>
-            <a:r>
-              <a:rPr lang="de-DE" dirty="0" smtClean="0"/>
-              <a:t>Mock-</a:t>
-            </a:r>
-            <a:r>
-              <a:rPr lang="de-DE" dirty="0" err="1" smtClean="0"/>
-              <a:t>Ups</a:t>
-            </a:r>
-            <a:endParaRPr lang="de-DE" dirty="0" smtClean="0"/>
-          </a:p>
-        </p:txBody>
-      </p:sp>
-      <p:sp>
-        <p:nvSpPr>
           <p:cNvPr id="2" name="Titel 1"/>
           <p:cNvSpPr>
             <a:spLocks noGrp="1"/>
@@ -13615,6 +13496,98 @@
               <a:pPr/>
               <a:t>18</a:t>
             </a:fld>
+            <a:endParaRPr lang="de-DE" dirty="0"/>
+          </a:p>
+        </p:txBody>
+      </p:sp>
+      <p:sp>
+        <p:nvSpPr>
+          <p:cNvPr id="3" name="Inhaltsplatzhalter 2"/>
+          <p:cNvSpPr>
+            <a:spLocks noGrp="1"/>
+          </p:cNvSpPr>
+          <p:nvPr>
+            <p:ph idx="1"/>
+          </p:nvPr>
+        </p:nvSpPr>
+        <p:spPr/>
+        <p:txBody>
+          <a:bodyPr>
+            <a:noAutofit/>
+          </a:bodyPr>
+          <a:lstStyle/>
+          <a:p>
+            <a:r>
+              <a:rPr lang="de-DE" dirty="0"/>
+              <a:t>Dokumente</a:t>
+            </a:r>
+          </a:p>
+          <a:p>
+            <a:pPr lvl="1"/>
+            <a:r>
+              <a:rPr lang="de-DE" dirty="0"/>
+              <a:t>Projekt-Exposé</a:t>
+            </a:r>
+          </a:p>
+          <a:p>
+            <a:pPr lvl="1"/>
+            <a:r>
+              <a:rPr lang="de-DE" dirty="0"/>
+              <a:t>Projektplan</a:t>
+            </a:r>
+          </a:p>
+          <a:p>
+            <a:pPr lvl="1"/>
+            <a:r>
+              <a:rPr lang="de-DE" dirty="0"/>
+              <a:t>Risikoanalyse</a:t>
+            </a:r>
+          </a:p>
+          <a:p>
+            <a:pPr lvl="1"/>
+            <a:r>
+              <a:rPr lang="de-DE" dirty="0"/>
+              <a:t>Wirtschaftlichkeitsbetrachtung</a:t>
+            </a:r>
+          </a:p>
+          <a:p>
+            <a:pPr lvl="1"/>
+            <a:r>
+              <a:rPr lang="de-DE" dirty="0"/>
+              <a:t>Lastenheft</a:t>
+            </a:r>
+          </a:p>
+          <a:p>
+            <a:pPr lvl="2"/>
+            <a:r>
+              <a:rPr lang="de-DE" dirty="0"/>
+              <a:t>Glossar (Begriffsdefinitionen)</a:t>
+            </a:r>
+          </a:p>
+          <a:p>
+            <a:pPr lvl="2"/>
+            <a:r>
+              <a:rPr lang="de-DE" dirty="0"/>
+              <a:t>Szenarien</a:t>
+            </a:r>
+          </a:p>
+          <a:p>
+            <a:pPr lvl="2"/>
+            <a:r>
+              <a:rPr lang="de-DE" dirty="0"/>
+              <a:t>Anwendungsfalldiagramm</a:t>
+            </a:r>
+          </a:p>
+          <a:p>
+            <a:pPr lvl="2"/>
+            <a:r>
+              <a:rPr lang="de-DE" dirty="0"/>
+              <a:t>Mock-</a:t>
+            </a:r>
+            <a:r>
+              <a:rPr lang="de-DE" dirty="0" err="1"/>
+              <a:t>Ups</a:t>
+            </a:r>
             <a:endParaRPr lang="de-DE" dirty="0"/>
           </a:p>
         </p:txBody>
@@ -14161,77 +14134,77 @@
           <a:lstStyle/>
           <a:p>
             <a:r>
-              <a:rPr lang="de-DE" dirty="0" smtClean="0"/>
+              <a:rPr lang="de-DE" dirty="0"/>
               <a:t>Dokumente</a:t>
             </a:r>
           </a:p>
           <a:p>
             <a:pPr lvl="1"/>
             <a:r>
-              <a:rPr lang="de-DE" dirty="0" smtClean="0"/>
+              <a:rPr lang="de-DE" dirty="0"/>
               <a:t>Projekt-Exposé</a:t>
             </a:r>
           </a:p>
           <a:p>
             <a:pPr lvl="1"/>
             <a:r>
-              <a:rPr lang="de-DE" dirty="0" smtClean="0"/>
+              <a:rPr lang="de-DE" dirty="0"/>
               <a:t>Projektplan</a:t>
             </a:r>
           </a:p>
           <a:p>
             <a:pPr lvl="1"/>
             <a:r>
-              <a:rPr lang="de-DE" dirty="0" smtClean="0"/>
+              <a:rPr lang="de-DE" dirty="0"/>
+              <a:t>Risikoanalyse</a:t>
+            </a:r>
+          </a:p>
+          <a:p>
+            <a:pPr lvl="1"/>
+            <a:r>
+              <a:rPr lang="de-DE" dirty="0"/>
+              <a:t>Wirtschaftlichkeitsbetrachtung</a:t>
+            </a:r>
+          </a:p>
+          <a:p>
+            <a:pPr lvl="1"/>
+            <a:r>
+              <a:rPr lang="de-DE" dirty="0"/>
               <a:t>Lastenheft</a:t>
             </a:r>
           </a:p>
           <a:p>
-            <a:pPr lvl="1"/>
-            <a:r>
-              <a:rPr lang="de-DE" dirty="0" smtClean="0"/>
+            <a:pPr lvl="2"/>
+            <a:r>
+              <a:rPr lang="de-DE" dirty="0"/>
               <a:t>Glossar (Begriffsdefinitionen)</a:t>
             </a:r>
           </a:p>
           <a:p>
-            <a:pPr lvl="1"/>
-            <a:r>
-              <a:rPr lang="de-DE" dirty="0" smtClean="0"/>
-              <a:t>Risikoanalyse</a:t>
-            </a:r>
-          </a:p>
-          <a:p>
-            <a:pPr lvl="1"/>
-            <a:r>
-              <a:rPr lang="de-DE" dirty="0" smtClean="0"/>
-              <a:t>Wirtschaftslichkeitsbetrachtung</a:t>
-            </a:r>
-          </a:p>
-          <a:p>
-            <a:pPr lvl="1"/>
-            <a:r>
-              <a:rPr lang="de-DE" dirty="0" smtClean="0"/>
+            <a:pPr lvl="2"/>
+            <a:r>
+              <a:rPr lang="de-DE" dirty="0"/>
               <a:t>Szenarien</a:t>
             </a:r>
           </a:p>
           <a:p>
-            <a:pPr lvl="1"/>
-            <a:r>
-              <a:rPr lang="de-DE" dirty="0" smtClean="0"/>
+            <a:pPr lvl="2"/>
+            <a:r>
+              <a:rPr lang="de-DE" dirty="0"/>
               <a:t>Anwendungsfalldiagramm</a:t>
             </a:r>
           </a:p>
           <a:p>
-            <a:pPr lvl="1"/>
-            <a:r>
-              <a:rPr lang="de-DE" dirty="0" smtClean="0"/>
+            <a:pPr lvl="2"/>
+            <a:r>
+              <a:rPr lang="de-DE" dirty="0"/>
               <a:t>Mock-</a:t>
             </a:r>
             <a:r>
-              <a:rPr lang="de-DE" dirty="0" err="1" smtClean="0"/>
+              <a:rPr lang="de-DE" dirty="0" err="1"/>
               <a:t>Ups</a:t>
             </a:r>
-            <a:endParaRPr lang="de-DE" dirty="0" smtClean="0"/>
+            <a:endParaRPr lang="de-DE" dirty="0"/>
           </a:p>
         </p:txBody>
       </p:sp>
@@ -14702,8 +14675,19 @@
           <a:p>
             <a:r>
               <a:rPr lang="de-DE" dirty="0" smtClean="0"/>
-              <a:t>Design Modell</a:t>
-            </a:r>
+              <a:t>Design </a:t>
+            </a:r>
+            <a:r>
+              <a:rPr lang="de-DE" dirty="0" smtClean="0"/>
+              <a:t>Modell</a:t>
+            </a:r>
+          </a:p>
+          <a:p>
+            <a:r>
+              <a:rPr lang="de-DE" dirty="0" smtClean="0"/>
+              <a:t>Feinentwurf</a:t>
+            </a:r>
+            <a:endParaRPr lang="de-DE" dirty="0" smtClean="0"/>
           </a:p>
           <a:p>
             <a:r>
@@ -14717,8 +14701,23 @@
           <a:p>
             <a:r>
               <a:rPr lang="de-DE" dirty="0" smtClean="0"/>
-              <a:t>Peer-Review</a:t>
-            </a:r>
+              <a:t>Peer-Review,</a:t>
+            </a:r>
+            <a:br>
+              <a:rPr lang="de-DE" dirty="0" smtClean="0"/>
+            </a:br>
+            <a:r>
+              <a:rPr lang="de-DE" dirty="0" smtClean="0"/>
+              <a:t>Abschlusspräsentation,</a:t>
+            </a:r>
+            <a:br>
+              <a:rPr lang="de-DE" dirty="0" smtClean="0"/>
+            </a:br>
+            <a:r>
+              <a:rPr lang="de-DE" dirty="0" smtClean="0"/>
+              <a:t>Reflexionsbericht</a:t>
+            </a:r>
+            <a:endParaRPr lang="de-DE" dirty="0" smtClean="0"/>
           </a:p>
           <a:p>
             <a:pPr lvl="1"/>
@@ -14805,7 +14804,7 @@
           <p:nvPr/>
         </p:nvPicPr>
         <p:blipFill>
-          <a:blip r:embed="rId3">
+          <a:blip r:embed="rId3" cstate="print">
             <a:extLst>
               <a:ext uri="{28A0092B-C50C-407E-A947-70E740481C1C}">
                 <a14:useLocalDpi xmlns:a14="http://schemas.microsoft.com/office/drawing/2010/main" val="0"/>
@@ -14819,7 +14818,7 @@
         </p:blipFill>
         <p:spPr bwMode="auto">
           <a:xfrm>
-            <a:off x="5436096" y="4653136"/>
+            <a:off x="5940152" y="4697398"/>
             <a:ext cx="2450604" cy="1323890"/>
           </a:xfrm>
           <a:prstGeom prst="roundRect">
@@ -15140,7 +15139,7 @@
             <a:pPr lvl="1"/>
             <a:r>
               <a:rPr lang="de-DE" dirty="0" err="1" smtClean="0"/>
-              <a:t>oAuth</a:t>
+              <a:t>OAuth</a:t>
             </a:r>
             <a:endParaRPr lang="de-DE" dirty="0"/>
           </a:p>
@@ -15638,7 +15637,7 @@
       </p:sp>
       <p:pic>
         <p:nvPicPr>
-          <p:cNvPr id="1029" name="Picture 5"/>
+          <p:cNvPr id="1026" name="Picture 2"/>
           <p:cNvPicPr>
             <a:picLocks noChangeAspect="1" noChangeArrowheads="1"/>
           </p:cNvPicPr>
@@ -15646,15 +15645,15 @@
         </p:nvPicPr>
         <p:blipFill>
           <a:blip r:embed="rId3" cstate="print"/>
-          <a:srcRect l="10164" r="51639" b="336"/>
+          <a:srcRect l="10095" r="51663"/>
           <a:stretch>
             <a:fillRect/>
           </a:stretch>
         </p:blipFill>
         <p:spPr bwMode="auto">
           <a:xfrm>
-            <a:off x="1682824" y="2708920"/>
-            <a:ext cx="6705600" cy="2231896"/>
+            <a:off x="1692480" y="2636912"/>
+            <a:ext cx="7200000" cy="2401690"/>
           </a:xfrm>
           <a:prstGeom prst="rect">
             <a:avLst/>
@@ -16427,47 +16426,50 @@
           <a:p>
             <a:pPr lvl="1"/>
             <a:r>
+              <a:rPr lang="de-DE" dirty="0"/>
+              <a:t>Risikoanalyse</a:t>
+            </a:r>
+          </a:p>
+          <a:p>
+            <a:pPr lvl="1"/>
+            <a:r>
+              <a:rPr lang="de-DE" dirty="0" smtClean="0"/>
+              <a:t>Wirtschaftlichkeitsbetrachtung</a:t>
+            </a:r>
+            <a:endParaRPr lang="de-DE" dirty="0"/>
+          </a:p>
+          <a:p>
+            <a:pPr lvl="1"/>
+            <a:r>
               <a:rPr lang="de-DE" dirty="0" smtClean="0"/>
               <a:t>Lastenheft</a:t>
             </a:r>
-          </a:p>
-          <a:p>
-            <a:pPr lvl="1"/>
+            <a:endParaRPr lang="de-DE" dirty="0" smtClean="0"/>
+          </a:p>
+          <a:p>
+            <a:pPr lvl="2"/>
             <a:r>
               <a:rPr lang="de-DE" dirty="0" smtClean="0"/>
               <a:t>Glossar (Begriffsdefinitionen)</a:t>
             </a:r>
           </a:p>
           <a:p>
-            <a:pPr lvl="1"/>
-            <a:r>
-              <a:rPr lang="de-DE" dirty="0" smtClean="0"/>
-              <a:t>Risikoanalyse</a:t>
-            </a:r>
-          </a:p>
-          <a:p>
-            <a:pPr lvl="1"/>
-            <a:r>
-              <a:rPr lang="de-DE" dirty="0" smtClean="0"/>
-              <a:t>Wirtschaftslichkeitsbetrachtung</a:t>
-            </a:r>
-          </a:p>
-          <a:p>
-            <a:pPr lvl="1"/>
+            <a:pPr lvl="2"/>
             <a:r>
               <a:rPr lang="de-DE" dirty="0" smtClean="0"/>
               <a:t>Szenarien</a:t>
             </a:r>
-          </a:p>
-          <a:p>
-            <a:pPr lvl="1"/>
+            <a:endParaRPr lang="de-DE" dirty="0" smtClean="0"/>
+          </a:p>
+          <a:p>
+            <a:pPr lvl="2"/>
             <a:r>
               <a:rPr lang="de-DE" dirty="0" smtClean="0"/>
               <a:t>Anwendungsfalldiagramm</a:t>
             </a:r>
           </a:p>
           <a:p>
-            <a:pPr lvl="1"/>
+            <a:pPr lvl="2"/>
             <a:r>
               <a:rPr lang="de-DE" dirty="0" smtClean="0"/>
               <a:t>Mock-</a:t>
@@ -16682,77 +16684,77 @@
           <a:lstStyle/>
           <a:p>
             <a:r>
-              <a:rPr lang="de-DE" dirty="0" smtClean="0"/>
+              <a:rPr lang="de-DE" dirty="0"/>
               <a:t>Dokumente</a:t>
             </a:r>
           </a:p>
           <a:p>
             <a:pPr lvl="1"/>
             <a:r>
-              <a:rPr lang="de-DE" dirty="0" smtClean="0"/>
+              <a:rPr lang="de-DE" dirty="0"/>
               <a:t>Projekt-Exposé</a:t>
             </a:r>
           </a:p>
           <a:p>
             <a:pPr lvl="1"/>
             <a:r>
-              <a:rPr lang="de-DE" dirty="0" smtClean="0"/>
+              <a:rPr lang="de-DE" dirty="0"/>
               <a:t>Projektplan</a:t>
             </a:r>
           </a:p>
           <a:p>
             <a:pPr lvl="1"/>
             <a:r>
-              <a:rPr lang="de-DE" dirty="0" smtClean="0"/>
+              <a:rPr lang="de-DE" dirty="0"/>
+              <a:t>Risikoanalyse</a:t>
+            </a:r>
+          </a:p>
+          <a:p>
+            <a:pPr lvl="1"/>
+            <a:r>
+              <a:rPr lang="de-DE" dirty="0"/>
+              <a:t>Wirtschaftlichkeitsbetrachtung</a:t>
+            </a:r>
+          </a:p>
+          <a:p>
+            <a:pPr lvl="1"/>
+            <a:r>
+              <a:rPr lang="de-DE" dirty="0"/>
               <a:t>Lastenheft</a:t>
             </a:r>
           </a:p>
           <a:p>
-            <a:pPr lvl="1"/>
-            <a:r>
-              <a:rPr lang="de-DE" dirty="0" smtClean="0"/>
+            <a:pPr lvl="2"/>
+            <a:r>
+              <a:rPr lang="de-DE" dirty="0"/>
               <a:t>Glossar (Begriffsdefinitionen)</a:t>
             </a:r>
           </a:p>
           <a:p>
-            <a:pPr lvl="1"/>
-            <a:r>
-              <a:rPr lang="de-DE" dirty="0" smtClean="0"/>
-              <a:t>Risikoanalyse</a:t>
-            </a:r>
-          </a:p>
-          <a:p>
-            <a:pPr lvl="1"/>
-            <a:r>
-              <a:rPr lang="de-DE" dirty="0" smtClean="0"/>
-              <a:t>Wirtschaftslichkeitsbetrachtung</a:t>
-            </a:r>
-          </a:p>
-          <a:p>
-            <a:pPr lvl="1"/>
-            <a:r>
-              <a:rPr lang="de-DE" dirty="0" smtClean="0"/>
+            <a:pPr lvl="2"/>
+            <a:r>
+              <a:rPr lang="de-DE" dirty="0"/>
               <a:t>Szenarien</a:t>
             </a:r>
           </a:p>
           <a:p>
-            <a:pPr lvl="1"/>
-            <a:r>
-              <a:rPr lang="de-DE" dirty="0" smtClean="0"/>
+            <a:pPr lvl="2"/>
+            <a:r>
+              <a:rPr lang="de-DE" dirty="0"/>
               <a:t>Anwendungsfalldiagramm</a:t>
             </a:r>
           </a:p>
           <a:p>
-            <a:pPr lvl="1"/>
-            <a:r>
-              <a:rPr lang="de-DE" dirty="0" smtClean="0"/>
+            <a:pPr lvl="2"/>
+            <a:r>
+              <a:rPr lang="de-DE" dirty="0"/>
               <a:t>Mock-</a:t>
             </a:r>
             <a:r>
-              <a:rPr lang="de-DE" dirty="0" err="1" smtClean="0"/>
+              <a:rPr lang="de-DE" dirty="0" err="1"/>
               <a:t>Ups</a:t>
             </a:r>
-            <a:endParaRPr lang="de-DE" dirty="0" smtClean="0"/>
+            <a:endParaRPr lang="de-DE" dirty="0"/>
           </a:p>
         </p:txBody>
       </p:sp>

--- a/Dokumente/Zwischenstand zum 2012-04-21_v2.pptx
+++ b/Dokumente/Zwischenstand zum 2012-04-21_v2.pptx
@@ -1204,18 +1204,18 @@
     </dgm:pt>
   </dgm:ptLst>
   <dgm:cxnLst>
+    <dgm:cxn modelId="{8ACFE37D-5C85-4909-9759-7CC7AB616FCB}" type="presOf" srcId="{A2E957D4-B9A8-41E8-9B88-7B884721F996}" destId="{9AE0D100-B11F-4B8E-A83C-80C9BB67997D}" srcOrd="0" destOrd="0" presId="urn:microsoft.com/office/officeart/2005/8/layout/bProcess2"/>
+    <dgm:cxn modelId="{4D2D03B2-4767-452A-A48D-FF809EF37E3B}" srcId="{2076FC96-6453-4C6E-A8B1-022AF85EFBBD}" destId="{3A8DBD30-33F4-4BF2-A3E8-CE2DB89DAAF3}" srcOrd="1" destOrd="0" parTransId="{CEAC2244-9C24-451F-BB9E-136E8D8A7A0B}" sibTransId="{63BBCC2C-BF04-4F97-9FC9-0D509448B1C6}"/>
+    <dgm:cxn modelId="{4C86A151-9FA8-45B0-9501-F584F4EFF944}" type="presOf" srcId="{944B7687-9390-4A1A-858A-D031F080161B}" destId="{756AB1AC-5B51-4BBE-B2B1-6ABFB74C10C9}" srcOrd="0" destOrd="0" presId="urn:microsoft.com/office/officeart/2005/8/layout/bProcess2"/>
+    <dgm:cxn modelId="{E10C5AF5-8470-4875-B217-C5D2EC0BEE27}" srcId="{2076FC96-6453-4C6E-A8B1-022AF85EFBBD}" destId="{9FFECB61-C811-496D-9F12-F63AD9A2D9EE}" srcOrd="2" destOrd="0" parTransId="{0267A443-BEBA-47C3-B13F-1D20BE53CED2}" sibTransId="{81593B52-C0C7-4699-A542-14EF6A552710}"/>
+    <dgm:cxn modelId="{A212D928-0F90-4F12-A693-3F945F6E7078}" type="presOf" srcId="{63BBCC2C-BF04-4F97-9FC9-0D509448B1C6}" destId="{6E2E45EE-058C-4AFF-8701-838DE3D5016A}" srcOrd="0" destOrd="0" presId="urn:microsoft.com/office/officeart/2005/8/layout/bProcess2"/>
+    <dgm:cxn modelId="{F002DD15-70D4-4459-99EC-06E12C0BB70A}" type="presOf" srcId="{9FFECB61-C811-496D-9F12-F63AD9A2D9EE}" destId="{EFBF5D05-10BD-4B08-8E78-F6A085231E0E}" srcOrd="0" destOrd="0" presId="urn:microsoft.com/office/officeart/2005/8/layout/bProcess2"/>
+    <dgm:cxn modelId="{849DBC22-5687-459A-ABFD-5D5DD1793B84}" type="presOf" srcId="{2076FC96-6453-4C6E-A8B1-022AF85EFBBD}" destId="{4CB13BFB-EE5C-4952-BAC5-5317E8C7FD8A}" srcOrd="0" destOrd="0" presId="urn:microsoft.com/office/officeart/2005/8/layout/bProcess2"/>
+    <dgm:cxn modelId="{9A2D8CF7-8EB6-4A03-BC35-C2AFD8327B94}" type="presOf" srcId="{3A8DBD30-33F4-4BF2-A3E8-CE2DB89DAAF3}" destId="{AE9493EE-4C7D-46D0-A28C-7598159ACE40}" srcOrd="0" destOrd="0" presId="urn:microsoft.com/office/officeart/2005/8/layout/bProcess2"/>
+    <dgm:cxn modelId="{C0F0325B-5D94-4F8F-A19C-E342385C7A0C}" srcId="{2076FC96-6453-4C6E-A8B1-022AF85EFBBD}" destId="{D676ACFF-D864-4A74-BC08-FFF521911366}" srcOrd="3" destOrd="0" parTransId="{BC2BCB5C-0572-4291-A81A-4826CA359DAE}" sibTransId="{1C262E3B-E95B-4C81-A044-204E3F83EF9F}"/>
     <dgm:cxn modelId="{39710712-6FE3-476F-A0BC-24F557686F14}" srcId="{2076FC96-6453-4C6E-A8B1-022AF85EFBBD}" destId="{944B7687-9390-4A1A-858A-D031F080161B}" srcOrd="0" destOrd="0" parTransId="{388F90D2-8549-4567-8828-34D75B5A1121}" sibTransId="{A2E957D4-B9A8-41E8-9B88-7B884721F996}"/>
     <dgm:cxn modelId="{6083559D-1737-4D85-ADCE-67AAF989120F}" type="presOf" srcId="{D676ACFF-D864-4A74-BC08-FFF521911366}" destId="{FD93DD51-6B10-48A2-80F7-E1B001E1F8E7}" srcOrd="0" destOrd="0" presId="urn:microsoft.com/office/officeart/2005/8/layout/bProcess2"/>
-    <dgm:cxn modelId="{849DBC22-5687-459A-ABFD-5D5DD1793B84}" type="presOf" srcId="{2076FC96-6453-4C6E-A8B1-022AF85EFBBD}" destId="{4CB13BFB-EE5C-4952-BAC5-5317E8C7FD8A}" srcOrd="0" destOrd="0" presId="urn:microsoft.com/office/officeart/2005/8/layout/bProcess2"/>
     <dgm:cxn modelId="{7C756F47-C83B-414A-BA22-15AF6D2D8F5F}" type="presOf" srcId="{81593B52-C0C7-4699-A542-14EF6A552710}" destId="{4B16C956-3F43-4F0C-851B-7BEF2A858E05}" srcOrd="0" destOrd="0" presId="urn:microsoft.com/office/officeart/2005/8/layout/bProcess2"/>
-    <dgm:cxn modelId="{A212D928-0F90-4F12-A693-3F945F6E7078}" type="presOf" srcId="{63BBCC2C-BF04-4F97-9FC9-0D509448B1C6}" destId="{6E2E45EE-058C-4AFF-8701-838DE3D5016A}" srcOrd="0" destOrd="0" presId="urn:microsoft.com/office/officeart/2005/8/layout/bProcess2"/>
-    <dgm:cxn modelId="{C0F0325B-5D94-4F8F-A19C-E342385C7A0C}" srcId="{2076FC96-6453-4C6E-A8B1-022AF85EFBBD}" destId="{D676ACFF-D864-4A74-BC08-FFF521911366}" srcOrd="3" destOrd="0" parTransId="{BC2BCB5C-0572-4291-A81A-4826CA359DAE}" sibTransId="{1C262E3B-E95B-4C81-A044-204E3F83EF9F}"/>
-    <dgm:cxn modelId="{4C86A151-9FA8-45B0-9501-F584F4EFF944}" type="presOf" srcId="{944B7687-9390-4A1A-858A-D031F080161B}" destId="{756AB1AC-5B51-4BBE-B2B1-6ABFB74C10C9}" srcOrd="0" destOrd="0" presId="urn:microsoft.com/office/officeart/2005/8/layout/bProcess2"/>
-    <dgm:cxn modelId="{F002DD15-70D4-4459-99EC-06E12C0BB70A}" type="presOf" srcId="{9FFECB61-C811-496D-9F12-F63AD9A2D9EE}" destId="{EFBF5D05-10BD-4B08-8E78-F6A085231E0E}" srcOrd="0" destOrd="0" presId="urn:microsoft.com/office/officeart/2005/8/layout/bProcess2"/>
-    <dgm:cxn modelId="{9A2D8CF7-8EB6-4A03-BC35-C2AFD8327B94}" type="presOf" srcId="{3A8DBD30-33F4-4BF2-A3E8-CE2DB89DAAF3}" destId="{AE9493EE-4C7D-46D0-A28C-7598159ACE40}" srcOrd="0" destOrd="0" presId="urn:microsoft.com/office/officeart/2005/8/layout/bProcess2"/>
-    <dgm:cxn modelId="{E10C5AF5-8470-4875-B217-C5D2EC0BEE27}" srcId="{2076FC96-6453-4C6E-A8B1-022AF85EFBBD}" destId="{9FFECB61-C811-496D-9F12-F63AD9A2D9EE}" srcOrd="2" destOrd="0" parTransId="{0267A443-BEBA-47C3-B13F-1D20BE53CED2}" sibTransId="{81593B52-C0C7-4699-A542-14EF6A552710}"/>
-    <dgm:cxn modelId="{4D2D03B2-4767-452A-A48D-FF809EF37E3B}" srcId="{2076FC96-6453-4C6E-A8B1-022AF85EFBBD}" destId="{3A8DBD30-33F4-4BF2-A3E8-CE2DB89DAAF3}" srcOrd="1" destOrd="0" parTransId="{CEAC2244-9C24-451F-BB9E-136E8D8A7A0B}" sibTransId="{63BBCC2C-BF04-4F97-9FC9-0D509448B1C6}"/>
-    <dgm:cxn modelId="{8ACFE37D-5C85-4909-9759-7CC7AB616FCB}" type="presOf" srcId="{A2E957D4-B9A8-41E8-9B88-7B884721F996}" destId="{9AE0D100-B11F-4B8E-A83C-80C9BB67997D}" srcOrd="0" destOrd="0" presId="urn:microsoft.com/office/officeart/2005/8/layout/bProcess2"/>
     <dgm:cxn modelId="{2EF05FD6-D187-4F3D-A3CA-B345BBA7F54B}" type="presParOf" srcId="{4CB13BFB-EE5C-4952-BAC5-5317E8C7FD8A}" destId="{756AB1AC-5B51-4BBE-B2B1-6ABFB74C10C9}" srcOrd="0" destOrd="0" presId="urn:microsoft.com/office/officeart/2005/8/layout/bProcess2"/>
     <dgm:cxn modelId="{2FAB408C-15FB-47B5-8602-046936BBA666}" type="presParOf" srcId="{4CB13BFB-EE5C-4952-BAC5-5317E8C7FD8A}" destId="{9AE0D100-B11F-4B8E-A83C-80C9BB67997D}" srcOrd="1" destOrd="0" presId="urn:microsoft.com/office/officeart/2005/8/layout/bProcess2"/>
     <dgm:cxn modelId="{547DC9B5-B90D-413B-B96C-566FED317855}" type="presParOf" srcId="{4CB13BFB-EE5C-4952-BAC5-5317E8C7FD8A}" destId="{A25C0F81-5BB3-4973-8F78-DEA3ED62347C}" srcOrd="2" destOrd="0" presId="urn:microsoft.com/office/officeart/2005/8/layout/bProcess2"/>
@@ -1232,14 +1232,14 @@
   <dgm:whole/>
   <dgm:extLst>
     <a:ext uri="http://schemas.microsoft.com/office/drawing/2008/diagram">
-      <dsp:dataModelExt xmlns:dsp="http://schemas.microsoft.com/office/drawing/2008/diagram" relId="rId7" minVer="http://schemas.openxmlformats.org/drawingml/2006/diagram"/>
+      <dsp:dataModelExt xmlns:dsp="http://schemas.microsoft.com/office/drawing/2008/diagram" xmlns="" relId="rId7" minVer="http://schemas.openxmlformats.org/drawingml/2006/diagram"/>
     </a:ext>
   </dgm:extLst>
 </dgm:dataModel>
 </file>
 
 <file path=ppt/diagrams/drawing1.xml><?xml version="1.0" encoding="utf-8"?>
-<dsp:drawing xmlns:dgm="http://schemas.openxmlformats.org/drawingml/2006/diagram" xmlns:dsp="http://schemas.microsoft.com/office/drawing/2008/diagram" xmlns:a="http://schemas.openxmlformats.org/drawingml/2006/main">
+<dsp:drawing xmlns:dgm="http://schemas.openxmlformats.org/drawingml/2006/diagram" xmlns:a="http://schemas.openxmlformats.org/drawingml/2006/main" xmlns:dsp="http://schemas.microsoft.com/office/drawing/2008/diagram">
   <dsp:spTree>
     <dsp:nvGrpSpPr>
       <dsp:cNvPr id="0" name=""/>
@@ -3098,7 +3098,7 @@
             <a:fld id="{5FA7A704-9F1C-4FD3-85D1-57AF2D7FD0E8}" type="datetimeFigureOut">
               <a:rPr lang="en-US" smtClean="0"/>
               <a:pPr/>
-              <a:t>4/20/2012</a:t>
+              <a:t>4/21/2012</a:t>
             </a:fld>
             <a:endParaRPr lang="en-US" dirty="0"/>
           </a:p>
@@ -3269,7 +3269,7 @@
     </p:spTree>
     <p:extLst>
       <p:ext uri="{BB962C8B-B14F-4D97-AF65-F5344CB8AC3E}">
-        <p14:creationId xmlns:p14="http://schemas.microsoft.com/office/powerpoint/2010/main" val="2610097957"/>
+        <p14:creationId xmlns:p14="http://schemas.microsoft.com/office/powerpoint/2010/main" xmlns="" val="2610097957"/>
       </p:ext>
     </p:extLst>
   </p:cSld>
@@ -3444,7 +3444,7 @@
     </p:spTree>
     <p:extLst>
       <p:ext uri="{BB962C8B-B14F-4D97-AF65-F5344CB8AC3E}">
-        <p14:creationId xmlns:p14="http://schemas.microsoft.com/office/powerpoint/2010/main" val="2116472317"/>
+        <p14:creationId xmlns:p14="http://schemas.microsoft.com/office/powerpoint/2010/main" xmlns="" val="2116472317"/>
       </p:ext>
     </p:extLst>
   </p:cSld>
@@ -3529,7 +3529,7 @@
     </p:spTree>
     <p:extLst>
       <p:ext uri="{BB962C8B-B14F-4D97-AF65-F5344CB8AC3E}">
-        <p14:creationId xmlns:p14="http://schemas.microsoft.com/office/powerpoint/2010/main" val="1627391822"/>
+        <p14:creationId xmlns:p14="http://schemas.microsoft.com/office/powerpoint/2010/main" xmlns="" val="1627391822"/>
       </p:ext>
     </p:extLst>
   </p:cSld>
@@ -3843,7 +3843,7 @@
     </p:spTree>
     <p:extLst>
       <p:ext uri="{BB962C8B-B14F-4D97-AF65-F5344CB8AC3E}">
-        <p14:creationId xmlns:p14="http://schemas.microsoft.com/office/powerpoint/2010/main" val="1648692254"/>
+        <p14:creationId xmlns:p14="http://schemas.microsoft.com/office/powerpoint/2010/main" xmlns="" val="1648692254"/>
       </p:ext>
     </p:extLst>
   </p:cSld>
@@ -4141,7 +4141,7 @@
     </p:spTree>
     <p:extLst>
       <p:ext uri="{BB962C8B-B14F-4D97-AF65-F5344CB8AC3E}">
-        <p14:creationId xmlns:p14="http://schemas.microsoft.com/office/powerpoint/2010/main" val="3608486779"/>
+        <p14:creationId xmlns:p14="http://schemas.microsoft.com/office/powerpoint/2010/main" xmlns="" val="3608486779"/>
       </p:ext>
     </p:extLst>
   </p:cSld>
@@ -4428,7 +4428,7 @@
     </p:spTree>
     <p:extLst>
       <p:ext uri="{BB962C8B-B14F-4D97-AF65-F5344CB8AC3E}">
-        <p14:creationId xmlns:p14="http://schemas.microsoft.com/office/powerpoint/2010/main" val="2116472317"/>
+        <p14:creationId xmlns:p14="http://schemas.microsoft.com/office/powerpoint/2010/main" xmlns="" val="2116472317"/>
       </p:ext>
     </p:extLst>
   </p:cSld>
@@ -4513,7 +4513,7 @@
     </p:spTree>
     <p:extLst>
       <p:ext uri="{BB962C8B-B14F-4D97-AF65-F5344CB8AC3E}">
-        <p14:creationId xmlns:p14="http://schemas.microsoft.com/office/powerpoint/2010/main" val="517533983"/>
+        <p14:creationId xmlns:p14="http://schemas.microsoft.com/office/powerpoint/2010/main" xmlns="" val="517533983"/>
       </p:ext>
     </p:extLst>
   </p:cSld>
@@ -5007,7 +5007,7 @@
     </p:spTree>
     <p:extLst>
       <p:ext uri="{BB962C8B-B14F-4D97-AF65-F5344CB8AC3E}">
-        <p14:creationId xmlns:p14="http://schemas.microsoft.com/office/powerpoint/2010/main" val="3860513045"/>
+        <p14:creationId xmlns:p14="http://schemas.microsoft.com/office/powerpoint/2010/main" xmlns="" val="3860513045"/>
       </p:ext>
     </p:extLst>
   </p:cSld>
@@ -5377,7 +5377,7 @@
     </p:spTree>
     <p:extLst>
       <p:ext uri="{BB962C8B-B14F-4D97-AF65-F5344CB8AC3E}">
-        <p14:creationId xmlns:p14="http://schemas.microsoft.com/office/powerpoint/2010/main" val="3931682397"/>
+        <p14:creationId xmlns:p14="http://schemas.microsoft.com/office/powerpoint/2010/main" xmlns="" val="3931682397"/>
       </p:ext>
     </p:extLst>
   </p:cSld>
@@ -5644,7 +5644,7 @@
     </p:spTree>
     <p:extLst>
       <p:ext uri="{BB962C8B-B14F-4D97-AF65-F5344CB8AC3E}">
-        <p14:creationId xmlns:p14="http://schemas.microsoft.com/office/powerpoint/2010/main" val="1332097542"/>
+        <p14:creationId xmlns:p14="http://schemas.microsoft.com/office/powerpoint/2010/main" xmlns="" val="1332097542"/>
       </p:ext>
     </p:extLst>
   </p:cSld>
@@ -6103,7 +6103,7 @@
     </p:spTree>
     <p:extLst>
       <p:ext uri="{BB962C8B-B14F-4D97-AF65-F5344CB8AC3E}">
-        <p14:creationId xmlns:p14="http://schemas.microsoft.com/office/powerpoint/2010/main" val="4015341966"/>
+        <p14:creationId xmlns:p14="http://schemas.microsoft.com/office/powerpoint/2010/main" xmlns="" val="4015341966"/>
       </p:ext>
     </p:extLst>
   </p:cSld>
@@ -6192,7 +6192,7 @@
     </p:spTree>
     <p:extLst>
       <p:ext uri="{BB962C8B-B14F-4D97-AF65-F5344CB8AC3E}">
-        <p14:creationId xmlns:p14="http://schemas.microsoft.com/office/powerpoint/2010/main" val="1781943433"/>
+        <p14:creationId xmlns:p14="http://schemas.microsoft.com/office/powerpoint/2010/main" xmlns="" val="1781943433"/>
       </p:ext>
     </p:extLst>
   </p:cSld>
@@ -10432,7 +10432,7 @@
           <a:blip r:embed="rId13" cstate="print">
             <a:extLst>
               <a:ext uri="{28A0092B-C50C-407E-A947-70E740481C1C}">
-                <a14:useLocalDpi xmlns:a14="http://schemas.microsoft.com/office/drawing/2010/main" val="0"/>
+                <a14:useLocalDpi xmlns:a14="http://schemas.microsoft.com/office/drawing/2010/main" xmlns="" val="0"/>
               </a:ext>
             </a:extLst>
           </a:blip>
@@ -10903,7 +10903,7 @@
           <a:blip r:embed="rId3" cstate="print">
             <a:extLst>
               <a:ext uri="{28A0092B-C50C-407E-A947-70E740481C1C}">
-                <a14:useLocalDpi xmlns:a14="http://schemas.microsoft.com/office/drawing/2010/main" val="0"/>
+                <a14:useLocalDpi xmlns:a14="http://schemas.microsoft.com/office/drawing/2010/main" xmlns="" val="0"/>
               </a:ext>
             </a:extLst>
           </a:blip>
@@ -10933,7 +10933,7 @@
           <a:blip r:embed="rId4" cstate="print">
             <a:extLst>
               <a:ext uri="{28A0092B-C50C-407E-A947-70E740481C1C}">
-                <a14:useLocalDpi xmlns:a14="http://schemas.microsoft.com/office/drawing/2010/main" val="0"/>
+                <a14:useLocalDpi xmlns:a14="http://schemas.microsoft.com/office/drawing/2010/main" xmlns="" val="0"/>
               </a:ext>
             </a:extLst>
           </a:blip>
@@ -11401,7 +11401,7 @@
     </p:spTree>
     <p:extLst>
       <p:ext uri="{BB962C8B-B14F-4D97-AF65-F5344CB8AC3E}">
-        <p14:creationId xmlns:p14="http://schemas.microsoft.com/office/powerpoint/2010/main" val="2896549988"/>
+        <p14:creationId xmlns:p14="http://schemas.microsoft.com/office/powerpoint/2010/main" xmlns="" val="2896549988"/>
       </p:ext>
     </p:extLst>
   </p:cSld>
@@ -11686,7 +11686,7 @@
           <a:blip r:embed="rId3" cstate="print">
             <a:extLst>
               <a:ext uri="{28A0092B-C50C-407E-A947-70E740481C1C}">
-                <a14:useLocalDpi xmlns:a14="http://schemas.microsoft.com/office/drawing/2010/main" val="0"/>
+                <a14:useLocalDpi xmlns:a14="http://schemas.microsoft.com/office/drawing/2010/main" xmlns="" val="0"/>
               </a:ext>
             </a:extLst>
           </a:blip>
@@ -11710,14 +11710,14 @@
           <a:effectLst/>
           <a:extLst>
             <a:ext uri="{909E8E84-426E-40DD-AFC4-6F175D3DCCD1}">
-              <a14:hiddenFill xmlns:a14="http://schemas.microsoft.com/office/drawing/2010/main">
+              <a14:hiddenFill xmlns:a14="http://schemas.microsoft.com/office/drawing/2010/main" xmlns="">
                 <a:solidFill>
                   <a:schemeClr val="accent1"/>
                 </a:solidFill>
               </a14:hiddenFill>
             </a:ext>
             <a:ext uri="{91240B29-F687-4F45-9708-019B960494DF}">
-              <a14:hiddenLine xmlns:a14="http://schemas.microsoft.com/office/drawing/2010/main" w="9525">
+              <a14:hiddenLine xmlns:a14="http://schemas.microsoft.com/office/drawing/2010/main" xmlns="" w="9525">
                 <a:solidFill>
                   <a:schemeClr val="tx1"/>
                 </a:solidFill>
@@ -11727,7 +11727,7 @@
               </a14:hiddenLine>
             </a:ext>
             <a:ext uri="{AF507438-7753-43E0-B8FC-AC1667EBCBE1}">
-              <a14:hiddenEffects xmlns:a14="http://schemas.microsoft.com/office/drawing/2010/main">
+              <a14:hiddenEffects xmlns:a14="http://schemas.microsoft.com/office/drawing/2010/main" xmlns="">
                 <a:effectLst>
                   <a:outerShdw dist="35921" dir="2700000" algn="ctr" rotWithShape="0">
                     <a:schemeClr val="bg2"/>
@@ -11741,7 +11741,7 @@
     </p:spTree>
     <p:extLst>
       <p:ext uri="{BB962C8B-B14F-4D97-AF65-F5344CB8AC3E}">
-        <p14:creationId xmlns:p14="http://schemas.microsoft.com/office/powerpoint/2010/main" val="1245381784"/>
+        <p14:creationId xmlns:p14="http://schemas.microsoft.com/office/powerpoint/2010/main" xmlns="" val="1245381784"/>
       </p:ext>
     </p:extLst>
   </p:cSld>
@@ -12017,7 +12017,7 @@
     </p:spTree>
     <p:extLst>
       <p:ext uri="{BB962C8B-B14F-4D97-AF65-F5344CB8AC3E}">
-        <p14:creationId xmlns:p14="http://schemas.microsoft.com/office/powerpoint/2010/main" val="1985017572"/>
+        <p14:creationId xmlns:p14="http://schemas.microsoft.com/office/powerpoint/2010/main" xmlns="" val="1985017572"/>
       </p:ext>
     </p:extLst>
   </p:cSld>
@@ -12249,7 +12249,7 @@
     </p:spTree>
     <p:extLst>
       <p:ext uri="{BB962C8B-B14F-4D97-AF65-F5344CB8AC3E}">
-        <p14:creationId xmlns:p14="http://schemas.microsoft.com/office/powerpoint/2010/main" val="937201037"/>
+        <p14:creationId xmlns:p14="http://schemas.microsoft.com/office/powerpoint/2010/main" xmlns="" val="937201037"/>
       </p:ext>
     </p:extLst>
   </p:cSld>
@@ -12525,7 +12525,7 @@
     </p:spTree>
     <p:extLst>
       <p:ext uri="{BB962C8B-B14F-4D97-AF65-F5344CB8AC3E}">
-        <p14:creationId xmlns:p14="http://schemas.microsoft.com/office/powerpoint/2010/main" val="2116476924"/>
+        <p14:creationId xmlns:p14="http://schemas.microsoft.com/office/powerpoint/2010/main" xmlns="" val="2116476924"/>
       </p:ext>
     </p:extLst>
   </p:cSld>
@@ -12801,7 +12801,7 @@
     </p:spTree>
     <p:extLst>
       <p:ext uri="{BB962C8B-B14F-4D97-AF65-F5344CB8AC3E}">
-        <p14:creationId xmlns:p14="http://schemas.microsoft.com/office/powerpoint/2010/main" val="3445806666"/>
+        <p14:creationId xmlns:p14="http://schemas.microsoft.com/office/powerpoint/2010/main" xmlns="" val="3445806666"/>
       </p:ext>
     </p:extLst>
   </p:cSld>
@@ -13077,7 +13077,7 @@
     </p:spTree>
     <p:extLst>
       <p:ext uri="{BB962C8B-B14F-4D97-AF65-F5344CB8AC3E}">
-        <p14:creationId xmlns:p14="http://schemas.microsoft.com/office/powerpoint/2010/main" val="3445806666"/>
+        <p14:creationId xmlns:p14="http://schemas.microsoft.com/office/powerpoint/2010/main" xmlns="" val="3445806666"/>
       </p:ext>
     </p:extLst>
   </p:cSld>
@@ -13346,7 +13346,7 @@
     </p:spTree>
     <p:extLst>
       <p:ext uri="{BB962C8B-B14F-4D97-AF65-F5344CB8AC3E}">
-        <p14:creationId xmlns:p14="http://schemas.microsoft.com/office/powerpoint/2010/main" val="1623903760"/>
+        <p14:creationId xmlns:p14="http://schemas.microsoft.com/office/powerpoint/2010/main" xmlns="" val="1623903760"/>
       </p:ext>
     </p:extLst>
   </p:cSld>
@@ -13622,7 +13622,7 @@
     </p:spTree>
     <p:extLst>
       <p:ext uri="{BB962C8B-B14F-4D97-AF65-F5344CB8AC3E}">
-        <p14:creationId xmlns:p14="http://schemas.microsoft.com/office/powerpoint/2010/main" val="3445806666"/>
+        <p14:creationId xmlns:p14="http://schemas.microsoft.com/office/powerpoint/2010/main" xmlns="" val="3445806666"/>
       </p:ext>
     </p:extLst>
   </p:cSld>
@@ -13789,7 +13789,7 @@
     </p:spTree>
     <p:extLst>
       <p:ext uri="{BB962C8B-B14F-4D97-AF65-F5344CB8AC3E}">
-        <p14:creationId xmlns:p14="http://schemas.microsoft.com/office/powerpoint/2010/main" val="3437731525"/>
+        <p14:creationId xmlns:p14="http://schemas.microsoft.com/office/powerpoint/2010/main" xmlns="" val="3437731525"/>
       </p:ext>
     </p:extLst>
   </p:cSld>
@@ -14032,7 +14032,7 @@
     </p:spTree>
     <p:extLst>
       <p:ext uri="{BB962C8B-B14F-4D97-AF65-F5344CB8AC3E}">
-        <p14:creationId xmlns:p14="http://schemas.microsoft.com/office/powerpoint/2010/main" val="3616670450"/>
+        <p14:creationId xmlns:p14="http://schemas.microsoft.com/office/powerpoint/2010/main" xmlns="" val="3616670450"/>
       </p:ext>
     </p:extLst>
   </p:cSld>
@@ -14308,7 +14308,7 @@
     </p:spTree>
     <p:extLst>
       <p:ext uri="{BB962C8B-B14F-4D97-AF65-F5344CB8AC3E}">
-        <p14:creationId xmlns:p14="http://schemas.microsoft.com/office/powerpoint/2010/main" val="3445806666"/>
+        <p14:creationId xmlns:p14="http://schemas.microsoft.com/office/powerpoint/2010/main" xmlns="" val="3445806666"/>
       </p:ext>
     </p:extLst>
   </p:cSld>
@@ -14805,10 +14805,10 @@
           <p:nvPr/>
         </p:nvPicPr>
         <p:blipFill>
-          <a:blip r:embed="rId3">
+          <a:blip r:embed="rId3" cstate="print">
             <a:extLst>
               <a:ext uri="{28A0092B-C50C-407E-A947-70E740481C1C}">
-                <a14:useLocalDpi xmlns:a14="http://schemas.microsoft.com/office/drawing/2010/main" val="0"/>
+                <a14:useLocalDpi xmlns:a14="http://schemas.microsoft.com/office/drawing/2010/main" xmlns="" val="0"/>
               </a:ext>
             </a:extLst>
           </a:blip>
@@ -14840,7 +14840,7 @@
           </a:effectLst>
           <a:extLst>
             <a:ext uri="{91240B29-F687-4F45-9708-019B960494DF}">
-              <a14:hiddenLine xmlns:a14="http://schemas.microsoft.com/office/drawing/2010/main" w="9525">
+              <a14:hiddenLine xmlns:a14="http://schemas.microsoft.com/office/drawing/2010/main" xmlns="" w="9525">
                 <a:solidFill>
                   <a:schemeClr val="tx1"/>
                 </a:solidFill>
@@ -14855,7 +14855,7 @@
     </p:spTree>
     <p:extLst>
       <p:ext uri="{BB962C8B-B14F-4D97-AF65-F5344CB8AC3E}">
-        <p14:creationId xmlns:p14="http://schemas.microsoft.com/office/powerpoint/2010/main" val="3552390406"/>
+        <p14:creationId xmlns:p14="http://schemas.microsoft.com/office/powerpoint/2010/main" xmlns="" val="3552390406"/>
       </p:ext>
     </p:extLst>
   </p:cSld>
@@ -14956,7 +14956,7 @@
           <a:blip r:embed="rId3" cstate="print">
             <a:extLst>
               <a:ext uri="{28A0092B-C50C-407E-A947-70E740481C1C}">
-                <a14:useLocalDpi xmlns:a14="http://schemas.microsoft.com/office/drawing/2010/main" val="0"/>
+                <a14:useLocalDpi xmlns:a14="http://schemas.microsoft.com/office/drawing/2010/main" xmlns="" val="0"/>
               </a:ext>
             </a:extLst>
           </a:blip>
@@ -14986,7 +14986,7 @@
           <a:blip r:embed="rId4" cstate="print">
             <a:extLst>
               <a:ext uri="{28A0092B-C50C-407E-A947-70E740481C1C}">
-                <a14:useLocalDpi xmlns:a14="http://schemas.microsoft.com/office/drawing/2010/main" val="0"/>
+                <a14:useLocalDpi xmlns:a14="http://schemas.microsoft.com/office/drawing/2010/main" xmlns="" val="0"/>
               </a:ext>
             </a:extLst>
           </a:blip>
@@ -15007,7 +15007,7 @@
     </p:spTree>
     <p:extLst>
       <p:ext uri="{BB962C8B-B14F-4D97-AF65-F5344CB8AC3E}">
-        <p14:creationId xmlns:p14="http://schemas.microsoft.com/office/powerpoint/2010/main" val="2565098391"/>
+        <p14:creationId xmlns:p14="http://schemas.microsoft.com/office/powerpoint/2010/main" xmlns="" val="2565098391"/>
       </p:ext>
     </p:extLst>
   </p:cSld>
@@ -15262,7 +15262,7 @@
     </p:spTree>
     <p:extLst>
       <p:ext uri="{BB962C8B-B14F-4D97-AF65-F5344CB8AC3E}">
-        <p14:creationId xmlns:p14="http://schemas.microsoft.com/office/powerpoint/2010/main" val="2857272158"/>
+        <p14:creationId xmlns:p14="http://schemas.microsoft.com/office/powerpoint/2010/main" xmlns="" val="2857272158"/>
       </p:ext>
     </p:extLst>
   </p:cSld>
@@ -15387,7 +15387,7 @@
           <p:nvPr>
             <p:extLst>
               <p:ext uri="{D42A27DB-BD31-4B8C-83A1-F6EECF244321}">
-                <p14:modId xmlns:p14="http://schemas.microsoft.com/office/powerpoint/2010/main" val="3006520327"/>
+                <p14:modId xmlns:p14="http://schemas.microsoft.com/office/powerpoint/2010/main" xmlns="" val="3006520327"/>
               </p:ext>
             </p:extLst>
           </p:nvPr>
@@ -15475,7 +15475,7 @@
     </p:spTree>
     <p:extLst>
       <p:ext uri="{BB962C8B-B14F-4D97-AF65-F5344CB8AC3E}">
-        <p14:creationId xmlns:p14="http://schemas.microsoft.com/office/powerpoint/2010/main" val="3976929176"/>
+        <p14:creationId xmlns:p14="http://schemas.microsoft.com/office/powerpoint/2010/main" xmlns="" val="3976929176"/>
       </p:ext>
     </p:extLst>
   </p:cSld>
@@ -15638,7 +15638,7 @@
       </p:sp>
       <p:pic>
         <p:nvPicPr>
-          <p:cNvPr id="1029" name="Picture 5"/>
+          <p:cNvPr id="1026" name="Picture 2"/>
           <p:cNvPicPr>
             <a:picLocks noChangeAspect="1" noChangeArrowheads="1"/>
           </p:cNvPicPr>
@@ -15646,15 +15646,15 @@
         </p:nvPicPr>
         <p:blipFill>
           <a:blip r:embed="rId3" cstate="print"/>
-          <a:srcRect l="10164" r="51639" b="336"/>
+          <a:srcRect l="10095" r="51663"/>
           <a:stretch>
             <a:fillRect/>
           </a:stretch>
         </p:blipFill>
         <p:spPr bwMode="auto">
           <a:xfrm>
-            <a:off x="1682824" y="2708920"/>
-            <a:ext cx="6705600" cy="2231896"/>
+            <a:off x="1692480" y="2636912"/>
+            <a:ext cx="7200000" cy="2401690"/>
           </a:xfrm>
           <a:prstGeom prst="rect">
             <a:avLst/>
@@ -15674,7 +15674,7 @@
     </p:spTree>
     <p:extLst>
       <p:ext uri="{BB962C8B-B14F-4D97-AF65-F5344CB8AC3E}">
-        <p14:creationId xmlns:p14="http://schemas.microsoft.com/office/powerpoint/2010/main" val="1690052742"/>
+        <p14:creationId xmlns:p14="http://schemas.microsoft.com/office/powerpoint/2010/main" xmlns="" val="1690052742"/>
       </p:ext>
     </p:extLst>
   </p:cSld>
@@ -15926,7 +15926,7 @@
     </p:spTree>
     <p:extLst>
       <p:ext uri="{BB962C8B-B14F-4D97-AF65-F5344CB8AC3E}">
-        <p14:creationId xmlns:p14="http://schemas.microsoft.com/office/powerpoint/2010/main" val="3138296042"/>
+        <p14:creationId xmlns:p14="http://schemas.microsoft.com/office/powerpoint/2010/main" xmlns="" val="3138296042"/>
       </p:ext>
     </p:extLst>
   </p:cSld>
@@ -16331,7 +16331,7 @@
     </p:spTree>
     <p:extLst>
       <p:ext uri="{BB962C8B-B14F-4D97-AF65-F5344CB8AC3E}">
-        <p14:creationId xmlns:p14="http://schemas.microsoft.com/office/powerpoint/2010/main" val="2071276895"/>
+        <p14:creationId xmlns:p14="http://schemas.microsoft.com/office/powerpoint/2010/main" xmlns="" val="2071276895"/>
       </p:ext>
     </p:extLst>
   </p:cSld>
@@ -16553,7 +16553,7 @@
     </p:spTree>
     <p:extLst>
       <p:ext uri="{BB962C8B-B14F-4D97-AF65-F5344CB8AC3E}">
-        <p14:creationId xmlns:p14="http://schemas.microsoft.com/office/powerpoint/2010/main" val="3738851768"/>
+        <p14:creationId xmlns:p14="http://schemas.microsoft.com/office/powerpoint/2010/main" xmlns="" val="3738851768"/>
       </p:ext>
     </p:extLst>
   </p:cSld>
@@ -16829,7 +16829,7 @@
     </p:spTree>
     <p:extLst>
       <p:ext uri="{BB962C8B-B14F-4D97-AF65-F5344CB8AC3E}">
-        <p14:creationId xmlns:p14="http://schemas.microsoft.com/office/powerpoint/2010/main" val="2298652147"/>
+        <p14:creationId xmlns:p14="http://schemas.microsoft.com/office/powerpoint/2010/main" xmlns="" val="2298652147"/>
       </p:ext>
     </p:extLst>
   </p:cSld>

--- a/Dokumente/Zwischenstand zum 2012-04-21_v2.pptx
+++ b/Dokumente/Zwischenstand zum 2012-04-21_v2.pptx
@@ -1204,18 +1204,18 @@
     </dgm:pt>
   </dgm:ptLst>
   <dgm:cxnLst>
-    <dgm:cxn modelId="{8ACFE37D-5C85-4909-9759-7CC7AB616FCB}" type="presOf" srcId="{A2E957D4-B9A8-41E8-9B88-7B884721F996}" destId="{9AE0D100-B11F-4B8E-A83C-80C9BB67997D}" srcOrd="0" destOrd="0" presId="urn:microsoft.com/office/officeart/2005/8/layout/bProcess2"/>
-    <dgm:cxn modelId="{4D2D03B2-4767-452A-A48D-FF809EF37E3B}" srcId="{2076FC96-6453-4C6E-A8B1-022AF85EFBBD}" destId="{3A8DBD30-33F4-4BF2-A3E8-CE2DB89DAAF3}" srcOrd="1" destOrd="0" parTransId="{CEAC2244-9C24-451F-BB9E-136E8D8A7A0B}" sibTransId="{63BBCC2C-BF04-4F97-9FC9-0D509448B1C6}"/>
-    <dgm:cxn modelId="{4C86A151-9FA8-45B0-9501-F584F4EFF944}" type="presOf" srcId="{944B7687-9390-4A1A-858A-D031F080161B}" destId="{756AB1AC-5B51-4BBE-B2B1-6ABFB74C10C9}" srcOrd="0" destOrd="0" presId="urn:microsoft.com/office/officeart/2005/8/layout/bProcess2"/>
-    <dgm:cxn modelId="{E10C5AF5-8470-4875-B217-C5D2EC0BEE27}" srcId="{2076FC96-6453-4C6E-A8B1-022AF85EFBBD}" destId="{9FFECB61-C811-496D-9F12-F63AD9A2D9EE}" srcOrd="2" destOrd="0" parTransId="{0267A443-BEBA-47C3-B13F-1D20BE53CED2}" sibTransId="{81593B52-C0C7-4699-A542-14EF6A552710}"/>
-    <dgm:cxn modelId="{A212D928-0F90-4F12-A693-3F945F6E7078}" type="presOf" srcId="{63BBCC2C-BF04-4F97-9FC9-0D509448B1C6}" destId="{6E2E45EE-058C-4AFF-8701-838DE3D5016A}" srcOrd="0" destOrd="0" presId="urn:microsoft.com/office/officeart/2005/8/layout/bProcess2"/>
-    <dgm:cxn modelId="{F002DD15-70D4-4459-99EC-06E12C0BB70A}" type="presOf" srcId="{9FFECB61-C811-496D-9F12-F63AD9A2D9EE}" destId="{EFBF5D05-10BD-4B08-8E78-F6A085231E0E}" srcOrd="0" destOrd="0" presId="urn:microsoft.com/office/officeart/2005/8/layout/bProcess2"/>
-    <dgm:cxn modelId="{849DBC22-5687-459A-ABFD-5D5DD1793B84}" type="presOf" srcId="{2076FC96-6453-4C6E-A8B1-022AF85EFBBD}" destId="{4CB13BFB-EE5C-4952-BAC5-5317E8C7FD8A}" srcOrd="0" destOrd="0" presId="urn:microsoft.com/office/officeart/2005/8/layout/bProcess2"/>
-    <dgm:cxn modelId="{9A2D8CF7-8EB6-4A03-BC35-C2AFD8327B94}" type="presOf" srcId="{3A8DBD30-33F4-4BF2-A3E8-CE2DB89DAAF3}" destId="{AE9493EE-4C7D-46D0-A28C-7598159ACE40}" srcOrd="0" destOrd="0" presId="urn:microsoft.com/office/officeart/2005/8/layout/bProcess2"/>
-    <dgm:cxn modelId="{C0F0325B-5D94-4F8F-A19C-E342385C7A0C}" srcId="{2076FC96-6453-4C6E-A8B1-022AF85EFBBD}" destId="{D676ACFF-D864-4A74-BC08-FFF521911366}" srcOrd="3" destOrd="0" parTransId="{BC2BCB5C-0572-4291-A81A-4826CA359DAE}" sibTransId="{1C262E3B-E95B-4C81-A044-204E3F83EF9F}"/>
     <dgm:cxn modelId="{39710712-6FE3-476F-A0BC-24F557686F14}" srcId="{2076FC96-6453-4C6E-A8B1-022AF85EFBBD}" destId="{944B7687-9390-4A1A-858A-D031F080161B}" srcOrd="0" destOrd="0" parTransId="{388F90D2-8549-4567-8828-34D75B5A1121}" sibTransId="{A2E957D4-B9A8-41E8-9B88-7B884721F996}"/>
     <dgm:cxn modelId="{6083559D-1737-4D85-ADCE-67AAF989120F}" type="presOf" srcId="{D676ACFF-D864-4A74-BC08-FFF521911366}" destId="{FD93DD51-6B10-48A2-80F7-E1B001E1F8E7}" srcOrd="0" destOrd="0" presId="urn:microsoft.com/office/officeart/2005/8/layout/bProcess2"/>
+    <dgm:cxn modelId="{849DBC22-5687-459A-ABFD-5D5DD1793B84}" type="presOf" srcId="{2076FC96-6453-4C6E-A8B1-022AF85EFBBD}" destId="{4CB13BFB-EE5C-4952-BAC5-5317E8C7FD8A}" srcOrd="0" destOrd="0" presId="urn:microsoft.com/office/officeart/2005/8/layout/bProcess2"/>
     <dgm:cxn modelId="{7C756F47-C83B-414A-BA22-15AF6D2D8F5F}" type="presOf" srcId="{81593B52-C0C7-4699-A542-14EF6A552710}" destId="{4B16C956-3F43-4F0C-851B-7BEF2A858E05}" srcOrd="0" destOrd="0" presId="urn:microsoft.com/office/officeart/2005/8/layout/bProcess2"/>
+    <dgm:cxn modelId="{A212D928-0F90-4F12-A693-3F945F6E7078}" type="presOf" srcId="{63BBCC2C-BF04-4F97-9FC9-0D509448B1C6}" destId="{6E2E45EE-058C-4AFF-8701-838DE3D5016A}" srcOrd="0" destOrd="0" presId="urn:microsoft.com/office/officeart/2005/8/layout/bProcess2"/>
+    <dgm:cxn modelId="{C0F0325B-5D94-4F8F-A19C-E342385C7A0C}" srcId="{2076FC96-6453-4C6E-A8B1-022AF85EFBBD}" destId="{D676ACFF-D864-4A74-BC08-FFF521911366}" srcOrd="3" destOrd="0" parTransId="{BC2BCB5C-0572-4291-A81A-4826CA359DAE}" sibTransId="{1C262E3B-E95B-4C81-A044-204E3F83EF9F}"/>
+    <dgm:cxn modelId="{4C86A151-9FA8-45B0-9501-F584F4EFF944}" type="presOf" srcId="{944B7687-9390-4A1A-858A-D031F080161B}" destId="{756AB1AC-5B51-4BBE-B2B1-6ABFB74C10C9}" srcOrd="0" destOrd="0" presId="urn:microsoft.com/office/officeart/2005/8/layout/bProcess2"/>
+    <dgm:cxn modelId="{F002DD15-70D4-4459-99EC-06E12C0BB70A}" type="presOf" srcId="{9FFECB61-C811-496D-9F12-F63AD9A2D9EE}" destId="{EFBF5D05-10BD-4B08-8E78-F6A085231E0E}" srcOrd="0" destOrd="0" presId="urn:microsoft.com/office/officeart/2005/8/layout/bProcess2"/>
+    <dgm:cxn modelId="{9A2D8CF7-8EB6-4A03-BC35-C2AFD8327B94}" type="presOf" srcId="{3A8DBD30-33F4-4BF2-A3E8-CE2DB89DAAF3}" destId="{AE9493EE-4C7D-46D0-A28C-7598159ACE40}" srcOrd="0" destOrd="0" presId="urn:microsoft.com/office/officeart/2005/8/layout/bProcess2"/>
+    <dgm:cxn modelId="{E10C5AF5-8470-4875-B217-C5D2EC0BEE27}" srcId="{2076FC96-6453-4C6E-A8B1-022AF85EFBBD}" destId="{9FFECB61-C811-496D-9F12-F63AD9A2D9EE}" srcOrd="2" destOrd="0" parTransId="{0267A443-BEBA-47C3-B13F-1D20BE53CED2}" sibTransId="{81593B52-C0C7-4699-A542-14EF6A552710}"/>
+    <dgm:cxn modelId="{4D2D03B2-4767-452A-A48D-FF809EF37E3B}" srcId="{2076FC96-6453-4C6E-A8B1-022AF85EFBBD}" destId="{3A8DBD30-33F4-4BF2-A3E8-CE2DB89DAAF3}" srcOrd="1" destOrd="0" parTransId="{CEAC2244-9C24-451F-BB9E-136E8D8A7A0B}" sibTransId="{63BBCC2C-BF04-4F97-9FC9-0D509448B1C6}"/>
+    <dgm:cxn modelId="{8ACFE37D-5C85-4909-9759-7CC7AB616FCB}" type="presOf" srcId="{A2E957D4-B9A8-41E8-9B88-7B884721F996}" destId="{9AE0D100-B11F-4B8E-A83C-80C9BB67997D}" srcOrd="0" destOrd="0" presId="urn:microsoft.com/office/officeart/2005/8/layout/bProcess2"/>
     <dgm:cxn modelId="{2EF05FD6-D187-4F3D-A3CA-B345BBA7F54B}" type="presParOf" srcId="{4CB13BFB-EE5C-4952-BAC5-5317E8C7FD8A}" destId="{756AB1AC-5B51-4BBE-B2B1-6ABFB74C10C9}" srcOrd="0" destOrd="0" presId="urn:microsoft.com/office/officeart/2005/8/layout/bProcess2"/>
     <dgm:cxn modelId="{2FAB408C-15FB-47B5-8602-046936BBA666}" type="presParOf" srcId="{4CB13BFB-EE5C-4952-BAC5-5317E8C7FD8A}" destId="{9AE0D100-B11F-4B8E-A83C-80C9BB67997D}" srcOrd="1" destOrd="0" presId="urn:microsoft.com/office/officeart/2005/8/layout/bProcess2"/>
     <dgm:cxn modelId="{547DC9B5-B90D-413B-B96C-566FED317855}" type="presParOf" srcId="{4CB13BFB-EE5C-4952-BAC5-5317E8C7FD8A}" destId="{A25C0F81-5BB3-4973-8F78-DEA3ED62347C}" srcOrd="2" destOrd="0" presId="urn:microsoft.com/office/officeart/2005/8/layout/bProcess2"/>
@@ -1232,14 +1232,14 @@
   <dgm:whole/>
   <dgm:extLst>
     <a:ext uri="http://schemas.microsoft.com/office/drawing/2008/diagram">
-      <dsp:dataModelExt xmlns:dsp="http://schemas.microsoft.com/office/drawing/2008/diagram" xmlns="" relId="rId7" minVer="http://schemas.openxmlformats.org/drawingml/2006/diagram"/>
+      <dsp:dataModelExt xmlns:dsp="http://schemas.microsoft.com/office/drawing/2008/diagram" relId="rId7" minVer="http://schemas.openxmlformats.org/drawingml/2006/diagram"/>
     </a:ext>
   </dgm:extLst>
 </dgm:dataModel>
 </file>
 
 <file path=ppt/diagrams/drawing1.xml><?xml version="1.0" encoding="utf-8"?>
-<dsp:drawing xmlns:dgm="http://schemas.openxmlformats.org/drawingml/2006/diagram" xmlns:a="http://schemas.openxmlformats.org/drawingml/2006/main" xmlns:dsp="http://schemas.microsoft.com/office/drawing/2008/diagram">
+<dsp:drawing xmlns:dgm="http://schemas.openxmlformats.org/drawingml/2006/diagram" xmlns:dsp="http://schemas.microsoft.com/office/drawing/2008/diagram" xmlns:a="http://schemas.openxmlformats.org/drawingml/2006/main">
   <dsp:spTree>
     <dsp:nvGrpSpPr>
       <dsp:cNvPr id="0" name=""/>
@@ -3269,7 +3269,7 @@
     </p:spTree>
     <p:extLst>
       <p:ext uri="{BB962C8B-B14F-4D97-AF65-F5344CB8AC3E}">
-        <p14:creationId xmlns:p14="http://schemas.microsoft.com/office/powerpoint/2010/main" xmlns="" val="2610097957"/>
+        <p14:creationId xmlns:p14="http://schemas.microsoft.com/office/powerpoint/2010/main" val="2610097957"/>
       </p:ext>
     </p:extLst>
   </p:cSld>
@@ -3444,7 +3444,7 @@
     </p:spTree>
     <p:extLst>
       <p:ext uri="{BB962C8B-B14F-4D97-AF65-F5344CB8AC3E}">
-        <p14:creationId xmlns:p14="http://schemas.microsoft.com/office/powerpoint/2010/main" xmlns="" val="2116472317"/>
+        <p14:creationId xmlns:p14="http://schemas.microsoft.com/office/powerpoint/2010/main" val="2116472317"/>
       </p:ext>
     </p:extLst>
   </p:cSld>
@@ -3529,7 +3529,7 @@
     </p:spTree>
     <p:extLst>
       <p:ext uri="{BB962C8B-B14F-4D97-AF65-F5344CB8AC3E}">
-        <p14:creationId xmlns:p14="http://schemas.microsoft.com/office/powerpoint/2010/main" xmlns="" val="1627391822"/>
+        <p14:creationId xmlns:p14="http://schemas.microsoft.com/office/powerpoint/2010/main" val="1627391822"/>
       </p:ext>
     </p:extLst>
   </p:cSld>
@@ -3843,7 +3843,7 @@
     </p:spTree>
     <p:extLst>
       <p:ext uri="{BB962C8B-B14F-4D97-AF65-F5344CB8AC3E}">
-        <p14:creationId xmlns:p14="http://schemas.microsoft.com/office/powerpoint/2010/main" xmlns="" val="1648692254"/>
+        <p14:creationId xmlns:p14="http://schemas.microsoft.com/office/powerpoint/2010/main" val="1648692254"/>
       </p:ext>
     </p:extLst>
   </p:cSld>
@@ -4141,7 +4141,7 @@
     </p:spTree>
     <p:extLst>
       <p:ext uri="{BB962C8B-B14F-4D97-AF65-F5344CB8AC3E}">
-        <p14:creationId xmlns:p14="http://schemas.microsoft.com/office/powerpoint/2010/main" xmlns="" val="3608486779"/>
+        <p14:creationId xmlns:p14="http://schemas.microsoft.com/office/powerpoint/2010/main" val="3608486779"/>
       </p:ext>
     </p:extLst>
   </p:cSld>
@@ -4428,7 +4428,7 @@
     </p:spTree>
     <p:extLst>
       <p:ext uri="{BB962C8B-B14F-4D97-AF65-F5344CB8AC3E}">
-        <p14:creationId xmlns:p14="http://schemas.microsoft.com/office/powerpoint/2010/main" xmlns="" val="2116472317"/>
+        <p14:creationId xmlns:p14="http://schemas.microsoft.com/office/powerpoint/2010/main" val="2116472317"/>
       </p:ext>
     </p:extLst>
   </p:cSld>
@@ -4513,7 +4513,7 @@
     </p:spTree>
     <p:extLst>
       <p:ext uri="{BB962C8B-B14F-4D97-AF65-F5344CB8AC3E}">
-        <p14:creationId xmlns:p14="http://schemas.microsoft.com/office/powerpoint/2010/main" xmlns="" val="517533983"/>
+        <p14:creationId xmlns:p14="http://schemas.microsoft.com/office/powerpoint/2010/main" val="517533983"/>
       </p:ext>
     </p:extLst>
   </p:cSld>
@@ -5007,7 +5007,7 @@
     </p:spTree>
     <p:extLst>
       <p:ext uri="{BB962C8B-B14F-4D97-AF65-F5344CB8AC3E}">
-        <p14:creationId xmlns:p14="http://schemas.microsoft.com/office/powerpoint/2010/main" xmlns="" val="3860513045"/>
+        <p14:creationId xmlns:p14="http://schemas.microsoft.com/office/powerpoint/2010/main" val="3860513045"/>
       </p:ext>
     </p:extLst>
   </p:cSld>
@@ -5377,7 +5377,7 @@
     </p:spTree>
     <p:extLst>
       <p:ext uri="{BB962C8B-B14F-4D97-AF65-F5344CB8AC3E}">
-        <p14:creationId xmlns:p14="http://schemas.microsoft.com/office/powerpoint/2010/main" xmlns="" val="3931682397"/>
+        <p14:creationId xmlns:p14="http://schemas.microsoft.com/office/powerpoint/2010/main" val="3931682397"/>
       </p:ext>
     </p:extLst>
   </p:cSld>
@@ -5644,7 +5644,7 @@
     </p:spTree>
     <p:extLst>
       <p:ext uri="{BB962C8B-B14F-4D97-AF65-F5344CB8AC3E}">
-        <p14:creationId xmlns:p14="http://schemas.microsoft.com/office/powerpoint/2010/main" xmlns="" val="1332097542"/>
+        <p14:creationId xmlns:p14="http://schemas.microsoft.com/office/powerpoint/2010/main" val="1332097542"/>
       </p:ext>
     </p:extLst>
   </p:cSld>
@@ -6103,7 +6103,7 @@
     </p:spTree>
     <p:extLst>
       <p:ext uri="{BB962C8B-B14F-4D97-AF65-F5344CB8AC3E}">
-        <p14:creationId xmlns:p14="http://schemas.microsoft.com/office/powerpoint/2010/main" xmlns="" val="4015341966"/>
+        <p14:creationId xmlns:p14="http://schemas.microsoft.com/office/powerpoint/2010/main" val="4015341966"/>
       </p:ext>
     </p:extLst>
   </p:cSld>
@@ -6192,7 +6192,7 @@
     </p:spTree>
     <p:extLst>
       <p:ext uri="{BB962C8B-B14F-4D97-AF65-F5344CB8AC3E}">
-        <p14:creationId xmlns:p14="http://schemas.microsoft.com/office/powerpoint/2010/main" xmlns="" val="1781943433"/>
+        <p14:creationId xmlns:p14="http://schemas.microsoft.com/office/powerpoint/2010/main" val="1781943433"/>
       </p:ext>
     </p:extLst>
   </p:cSld>
@@ -10432,7 +10432,7 @@
           <a:blip r:embed="rId13" cstate="print">
             <a:extLst>
               <a:ext uri="{28A0092B-C50C-407E-A947-70E740481C1C}">
-                <a14:useLocalDpi xmlns:a14="http://schemas.microsoft.com/office/drawing/2010/main" xmlns="" val="0"/>
+                <a14:useLocalDpi xmlns:a14="http://schemas.microsoft.com/office/drawing/2010/main" val="0"/>
               </a:ext>
             </a:extLst>
           </a:blip>
@@ -10903,7 +10903,7 @@
           <a:blip r:embed="rId3" cstate="print">
             <a:extLst>
               <a:ext uri="{28A0092B-C50C-407E-A947-70E740481C1C}">
-                <a14:useLocalDpi xmlns:a14="http://schemas.microsoft.com/office/drawing/2010/main" xmlns="" val="0"/>
+                <a14:useLocalDpi xmlns:a14="http://schemas.microsoft.com/office/drawing/2010/main" val="0"/>
               </a:ext>
             </a:extLst>
           </a:blip>
@@ -10933,7 +10933,7 @@
           <a:blip r:embed="rId4" cstate="print">
             <a:extLst>
               <a:ext uri="{28A0092B-C50C-407E-A947-70E740481C1C}">
-                <a14:useLocalDpi xmlns:a14="http://schemas.microsoft.com/office/drawing/2010/main" xmlns="" val="0"/>
+                <a14:useLocalDpi xmlns:a14="http://schemas.microsoft.com/office/drawing/2010/main" val="0"/>
               </a:ext>
             </a:extLst>
           </a:blip>
@@ -11102,7 +11102,19 @@
           <a:p>
             <a:r>
               <a:rPr lang="de-DE" dirty="0" smtClean="0"/>
-              <a:t>Hauptplanung in Microsoft Projekt 2010</a:t>
+              <a:t>Hauptplanung in </a:t>
+            </a:r>
+            <a:r>
+              <a:rPr lang="de-DE" smtClean="0"/>
+              <a:t>Microsoft </a:t>
+            </a:r>
+            <a:r>
+              <a:rPr lang="de-DE" smtClean="0"/>
+              <a:t>Project </a:t>
+            </a:r>
+            <a:r>
+              <a:rPr lang="de-DE" dirty="0" smtClean="0"/>
+              <a:t>2010</a:t>
             </a:r>
             <a:endParaRPr lang="de-DE" dirty="0"/>
           </a:p>
@@ -11401,7 +11413,7 @@
     </p:spTree>
     <p:extLst>
       <p:ext uri="{BB962C8B-B14F-4D97-AF65-F5344CB8AC3E}">
-        <p14:creationId xmlns:p14="http://schemas.microsoft.com/office/powerpoint/2010/main" xmlns="" val="2896549988"/>
+        <p14:creationId xmlns:p14="http://schemas.microsoft.com/office/powerpoint/2010/main" val="2896549988"/>
       </p:ext>
     </p:extLst>
   </p:cSld>
@@ -11686,7 +11698,7 @@
           <a:blip r:embed="rId3" cstate="print">
             <a:extLst>
               <a:ext uri="{28A0092B-C50C-407E-A947-70E740481C1C}">
-                <a14:useLocalDpi xmlns:a14="http://schemas.microsoft.com/office/drawing/2010/main" xmlns="" val="0"/>
+                <a14:useLocalDpi xmlns:a14="http://schemas.microsoft.com/office/drawing/2010/main" val="0"/>
               </a:ext>
             </a:extLst>
           </a:blip>
@@ -11710,14 +11722,14 @@
           <a:effectLst/>
           <a:extLst>
             <a:ext uri="{909E8E84-426E-40DD-AFC4-6F175D3DCCD1}">
-              <a14:hiddenFill xmlns:a14="http://schemas.microsoft.com/office/drawing/2010/main" xmlns="">
+              <a14:hiddenFill xmlns:a14="http://schemas.microsoft.com/office/drawing/2010/main">
                 <a:solidFill>
                   <a:schemeClr val="accent1"/>
                 </a:solidFill>
               </a14:hiddenFill>
             </a:ext>
             <a:ext uri="{91240B29-F687-4F45-9708-019B960494DF}">
-              <a14:hiddenLine xmlns:a14="http://schemas.microsoft.com/office/drawing/2010/main" xmlns="" w="9525">
+              <a14:hiddenLine xmlns:a14="http://schemas.microsoft.com/office/drawing/2010/main" w="9525">
                 <a:solidFill>
                   <a:schemeClr val="tx1"/>
                 </a:solidFill>
@@ -11727,7 +11739,7 @@
               </a14:hiddenLine>
             </a:ext>
             <a:ext uri="{AF507438-7753-43E0-B8FC-AC1667EBCBE1}">
-              <a14:hiddenEffects xmlns:a14="http://schemas.microsoft.com/office/drawing/2010/main" xmlns="">
+              <a14:hiddenEffects xmlns:a14="http://schemas.microsoft.com/office/drawing/2010/main">
                 <a:effectLst>
                   <a:outerShdw dist="35921" dir="2700000" algn="ctr" rotWithShape="0">
                     <a:schemeClr val="bg2"/>
@@ -11741,7 +11753,7 @@
     </p:spTree>
     <p:extLst>
       <p:ext uri="{BB962C8B-B14F-4D97-AF65-F5344CB8AC3E}">
-        <p14:creationId xmlns:p14="http://schemas.microsoft.com/office/powerpoint/2010/main" xmlns="" val="1245381784"/>
+        <p14:creationId xmlns:p14="http://schemas.microsoft.com/office/powerpoint/2010/main" val="1245381784"/>
       </p:ext>
     </p:extLst>
   </p:cSld>
@@ -12017,7 +12029,7 @@
     </p:spTree>
     <p:extLst>
       <p:ext uri="{BB962C8B-B14F-4D97-AF65-F5344CB8AC3E}">
-        <p14:creationId xmlns:p14="http://schemas.microsoft.com/office/powerpoint/2010/main" xmlns="" val="1985017572"/>
+        <p14:creationId xmlns:p14="http://schemas.microsoft.com/office/powerpoint/2010/main" val="1985017572"/>
       </p:ext>
     </p:extLst>
   </p:cSld>
@@ -12249,7 +12261,7 @@
     </p:spTree>
     <p:extLst>
       <p:ext uri="{BB962C8B-B14F-4D97-AF65-F5344CB8AC3E}">
-        <p14:creationId xmlns:p14="http://schemas.microsoft.com/office/powerpoint/2010/main" xmlns="" val="937201037"/>
+        <p14:creationId xmlns:p14="http://schemas.microsoft.com/office/powerpoint/2010/main" val="937201037"/>
       </p:ext>
     </p:extLst>
   </p:cSld>
@@ -12525,7 +12537,7 @@
     </p:spTree>
     <p:extLst>
       <p:ext uri="{BB962C8B-B14F-4D97-AF65-F5344CB8AC3E}">
-        <p14:creationId xmlns:p14="http://schemas.microsoft.com/office/powerpoint/2010/main" xmlns="" val="2116476924"/>
+        <p14:creationId xmlns:p14="http://schemas.microsoft.com/office/powerpoint/2010/main" val="2116476924"/>
       </p:ext>
     </p:extLst>
   </p:cSld>
@@ -12801,7 +12813,7 @@
     </p:spTree>
     <p:extLst>
       <p:ext uri="{BB962C8B-B14F-4D97-AF65-F5344CB8AC3E}">
-        <p14:creationId xmlns:p14="http://schemas.microsoft.com/office/powerpoint/2010/main" xmlns="" val="3445806666"/>
+        <p14:creationId xmlns:p14="http://schemas.microsoft.com/office/powerpoint/2010/main" val="3445806666"/>
       </p:ext>
     </p:extLst>
   </p:cSld>
@@ -13077,7 +13089,7 @@
     </p:spTree>
     <p:extLst>
       <p:ext uri="{BB962C8B-B14F-4D97-AF65-F5344CB8AC3E}">
-        <p14:creationId xmlns:p14="http://schemas.microsoft.com/office/powerpoint/2010/main" xmlns="" val="3445806666"/>
+        <p14:creationId xmlns:p14="http://schemas.microsoft.com/office/powerpoint/2010/main" val="3445806666"/>
       </p:ext>
     </p:extLst>
   </p:cSld>
@@ -13346,7 +13358,7 @@
     </p:spTree>
     <p:extLst>
       <p:ext uri="{BB962C8B-B14F-4D97-AF65-F5344CB8AC3E}">
-        <p14:creationId xmlns:p14="http://schemas.microsoft.com/office/powerpoint/2010/main" xmlns="" val="1623903760"/>
+        <p14:creationId xmlns:p14="http://schemas.microsoft.com/office/powerpoint/2010/main" val="1623903760"/>
       </p:ext>
     </p:extLst>
   </p:cSld>
@@ -13622,7 +13634,7 @@
     </p:spTree>
     <p:extLst>
       <p:ext uri="{BB962C8B-B14F-4D97-AF65-F5344CB8AC3E}">
-        <p14:creationId xmlns:p14="http://schemas.microsoft.com/office/powerpoint/2010/main" xmlns="" val="3445806666"/>
+        <p14:creationId xmlns:p14="http://schemas.microsoft.com/office/powerpoint/2010/main" val="3445806666"/>
       </p:ext>
     </p:extLst>
   </p:cSld>
@@ -13789,7 +13801,7 @@
     </p:spTree>
     <p:extLst>
       <p:ext uri="{BB962C8B-B14F-4D97-AF65-F5344CB8AC3E}">
-        <p14:creationId xmlns:p14="http://schemas.microsoft.com/office/powerpoint/2010/main" xmlns="" val="3437731525"/>
+        <p14:creationId xmlns:p14="http://schemas.microsoft.com/office/powerpoint/2010/main" val="3437731525"/>
       </p:ext>
     </p:extLst>
   </p:cSld>
@@ -14032,7 +14044,7 @@
     </p:spTree>
     <p:extLst>
       <p:ext uri="{BB962C8B-B14F-4D97-AF65-F5344CB8AC3E}">
-        <p14:creationId xmlns:p14="http://schemas.microsoft.com/office/powerpoint/2010/main" xmlns="" val="3616670450"/>
+        <p14:creationId xmlns:p14="http://schemas.microsoft.com/office/powerpoint/2010/main" val="3616670450"/>
       </p:ext>
     </p:extLst>
   </p:cSld>
@@ -14308,7 +14320,7 @@
     </p:spTree>
     <p:extLst>
       <p:ext uri="{BB962C8B-B14F-4D97-AF65-F5344CB8AC3E}">
-        <p14:creationId xmlns:p14="http://schemas.microsoft.com/office/powerpoint/2010/main" xmlns="" val="3445806666"/>
+        <p14:creationId xmlns:p14="http://schemas.microsoft.com/office/powerpoint/2010/main" val="3445806666"/>
       </p:ext>
     </p:extLst>
   </p:cSld>
@@ -14808,7 +14820,7 @@
           <a:blip r:embed="rId3" cstate="print">
             <a:extLst>
               <a:ext uri="{28A0092B-C50C-407E-A947-70E740481C1C}">
-                <a14:useLocalDpi xmlns:a14="http://schemas.microsoft.com/office/drawing/2010/main" xmlns="" val="0"/>
+                <a14:useLocalDpi xmlns:a14="http://schemas.microsoft.com/office/drawing/2010/main" val="0"/>
               </a:ext>
             </a:extLst>
           </a:blip>
@@ -14840,7 +14852,7 @@
           </a:effectLst>
           <a:extLst>
             <a:ext uri="{91240B29-F687-4F45-9708-019B960494DF}">
-              <a14:hiddenLine xmlns:a14="http://schemas.microsoft.com/office/drawing/2010/main" xmlns="" w="9525">
+              <a14:hiddenLine xmlns:a14="http://schemas.microsoft.com/office/drawing/2010/main" w="9525">
                 <a:solidFill>
                   <a:schemeClr val="tx1"/>
                 </a:solidFill>
@@ -14855,7 +14867,7 @@
     </p:spTree>
     <p:extLst>
       <p:ext uri="{BB962C8B-B14F-4D97-AF65-F5344CB8AC3E}">
-        <p14:creationId xmlns:p14="http://schemas.microsoft.com/office/powerpoint/2010/main" xmlns="" val="3552390406"/>
+        <p14:creationId xmlns:p14="http://schemas.microsoft.com/office/powerpoint/2010/main" val="3552390406"/>
       </p:ext>
     </p:extLst>
   </p:cSld>
@@ -14956,7 +14968,7 @@
           <a:blip r:embed="rId3" cstate="print">
             <a:extLst>
               <a:ext uri="{28A0092B-C50C-407E-A947-70E740481C1C}">
-                <a14:useLocalDpi xmlns:a14="http://schemas.microsoft.com/office/drawing/2010/main" xmlns="" val="0"/>
+                <a14:useLocalDpi xmlns:a14="http://schemas.microsoft.com/office/drawing/2010/main" val="0"/>
               </a:ext>
             </a:extLst>
           </a:blip>
@@ -14986,7 +14998,7 @@
           <a:blip r:embed="rId4" cstate="print">
             <a:extLst>
               <a:ext uri="{28A0092B-C50C-407E-A947-70E740481C1C}">
-                <a14:useLocalDpi xmlns:a14="http://schemas.microsoft.com/office/drawing/2010/main" xmlns="" val="0"/>
+                <a14:useLocalDpi xmlns:a14="http://schemas.microsoft.com/office/drawing/2010/main" val="0"/>
               </a:ext>
             </a:extLst>
           </a:blip>
@@ -15007,7 +15019,7 @@
     </p:spTree>
     <p:extLst>
       <p:ext uri="{BB962C8B-B14F-4D97-AF65-F5344CB8AC3E}">
-        <p14:creationId xmlns:p14="http://schemas.microsoft.com/office/powerpoint/2010/main" xmlns="" val="2565098391"/>
+        <p14:creationId xmlns:p14="http://schemas.microsoft.com/office/powerpoint/2010/main" val="2565098391"/>
       </p:ext>
     </p:extLst>
   </p:cSld>
@@ -15262,7 +15274,7 @@
     </p:spTree>
     <p:extLst>
       <p:ext uri="{BB962C8B-B14F-4D97-AF65-F5344CB8AC3E}">
-        <p14:creationId xmlns:p14="http://schemas.microsoft.com/office/powerpoint/2010/main" xmlns="" val="2857272158"/>
+        <p14:creationId xmlns:p14="http://schemas.microsoft.com/office/powerpoint/2010/main" val="2857272158"/>
       </p:ext>
     </p:extLst>
   </p:cSld>
@@ -15387,7 +15399,7 @@
           <p:nvPr>
             <p:extLst>
               <p:ext uri="{D42A27DB-BD31-4B8C-83A1-F6EECF244321}">
-                <p14:modId xmlns:p14="http://schemas.microsoft.com/office/powerpoint/2010/main" xmlns="" val="3006520327"/>
+                <p14:modId xmlns:p14="http://schemas.microsoft.com/office/powerpoint/2010/main" val="3006520327"/>
               </p:ext>
             </p:extLst>
           </p:nvPr>
@@ -15475,7 +15487,7 @@
     </p:spTree>
     <p:extLst>
       <p:ext uri="{BB962C8B-B14F-4D97-AF65-F5344CB8AC3E}">
-        <p14:creationId xmlns:p14="http://schemas.microsoft.com/office/powerpoint/2010/main" xmlns="" val="3976929176"/>
+        <p14:creationId xmlns:p14="http://schemas.microsoft.com/office/powerpoint/2010/main" val="3976929176"/>
       </p:ext>
     </p:extLst>
   </p:cSld>
@@ -15674,7 +15686,7 @@
     </p:spTree>
     <p:extLst>
       <p:ext uri="{BB962C8B-B14F-4D97-AF65-F5344CB8AC3E}">
-        <p14:creationId xmlns:p14="http://schemas.microsoft.com/office/powerpoint/2010/main" xmlns="" val="1690052742"/>
+        <p14:creationId xmlns:p14="http://schemas.microsoft.com/office/powerpoint/2010/main" val="1690052742"/>
       </p:ext>
     </p:extLst>
   </p:cSld>
@@ -15926,7 +15938,7 @@
     </p:spTree>
     <p:extLst>
       <p:ext uri="{BB962C8B-B14F-4D97-AF65-F5344CB8AC3E}">
-        <p14:creationId xmlns:p14="http://schemas.microsoft.com/office/powerpoint/2010/main" xmlns="" val="3138296042"/>
+        <p14:creationId xmlns:p14="http://schemas.microsoft.com/office/powerpoint/2010/main" val="3138296042"/>
       </p:ext>
     </p:extLst>
   </p:cSld>
@@ -16331,7 +16343,7 @@
     </p:spTree>
     <p:extLst>
       <p:ext uri="{BB962C8B-B14F-4D97-AF65-F5344CB8AC3E}">
-        <p14:creationId xmlns:p14="http://schemas.microsoft.com/office/powerpoint/2010/main" xmlns="" val="2071276895"/>
+        <p14:creationId xmlns:p14="http://schemas.microsoft.com/office/powerpoint/2010/main" val="2071276895"/>
       </p:ext>
     </p:extLst>
   </p:cSld>
@@ -16553,7 +16565,7 @@
     </p:spTree>
     <p:extLst>
       <p:ext uri="{BB962C8B-B14F-4D97-AF65-F5344CB8AC3E}">
-        <p14:creationId xmlns:p14="http://schemas.microsoft.com/office/powerpoint/2010/main" xmlns="" val="3738851768"/>
+        <p14:creationId xmlns:p14="http://schemas.microsoft.com/office/powerpoint/2010/main" val="3738851768"/>
       </p:ext>
     </p:extLst>
   </p:cSld>
@@ -16829,7 +16841,7 @@
     </p:spTree>
     <p:extLst>
       <p:ext uri="{BB962C8B-B14F-4D97-AF65-F5344CB8AC3E}">
-        <p14:creationId xmlns:p14="http://schemas.microsoft.com/office/powerpoint/2010/main" xmlns="" val="2298652147"/>
+        <p14:creationId xmlns:p14="http://schemas.microsoft.com/office/powerpoint/2010/main" val="2298652147"/>
       </p:ext>
     </p:extLst>
   </p:cSld>

--- a/Dokumente/Zwischenstand zum 2012-04-21_v2.pptx
+++ b/Dokumente/Zwischenstand zum 2012-04-21_v2.pptx
@@ -5205,11 +5205,7 @@
           <a:p>
             <a:r>
               <a:rPr lang="de-DE" baseline="0" dirty="0" smtClean="0"/>
-              <a:t>Ziel: 11.06. eine prototypische Implementierung der Plattform </a:t>
-            </a:r>
-            <a:r>
-              <a:rPr lang="de-DE" baseline="0" dirty="0" smtClean="0"/>
-              <a:t>fertigstellen</a:t>
+              <a:t>Ziel: 11.06. eine prototypische Implementierung der Plattform fertigstellen</a:t>
             </a:r>
           </a:p>
           <a:p>
@@ -5683,46 +5679,12 @@
           <a:p>
             <a:r>
               <a:rPr lang="de-DE" dirty="0" smtClean="0"/>
-              <a:t>Prototypische</a:t>
-            </a:r>
-            <a:r>
-              <a:rPr lang="de-DE" baseline="0" dirty="0" smtClean="0"/>
-              <a:t> Implementierung </a:t>
-            </a:r>
-            <a:r>
-              <a:rPr lang="de-DE" dirty="0" err="1" smtClean="0"/>
-              <a:t>Two</a:t>
-            </a:r>
-            <a:r>
-              <a:rPr lang="de-DE" dirty="0" smtClean="0"/>
-              <a:t> Tier</a:t>
-            </a:r>
-          </a:p>
-          <a:p>
-            <a:r>
-              <a:rPr lang="de-DE" dirty="0" smtClean="0"/>
-              <a:t>(</a:t>
-            </a:r>
-            <a:r>
-              <a:rPr lang="de-DE" dirty="0" err="1" smtClean="0"/>
-              <a:t>Application</a:t>
-            </a:r>
-            <a:r>
-              <a:rPr lang="de-DE" dirty="0" smtClean="0"/>
-              <a:t>/</a:t>
-            </a:r>
-            <a:r>
-              <a:rPr lang="de-DE" dirty="0" err="1" smtClean="0"/>
-              <a:t>Presentation</a:t>
-            </a:r>
-            <a:r>
-              <a:rPr lang="de-DE" dirty="0" smtClean="0"/>
-              <a:t>)</a:t>
-            </a:r>
-            <a:r>
-              <a:rPr lang="de-DE" baseline="0" dirty="0" smtClean="0"/>
-              <a:t> können theoretisch durch Apache Webserver getrennt werden</a:t>
-            </a:r>
+              <a:t>Typische wie in Vorlesung</a:t>
+            </a:r>
+            <a:endParaRPr lang="de-DE" dirty="0" smtClean="0"/>
+          </a:p>
+          <a:p>
+            <a:endParaRPr lang="de-DE" dirty="0" smtClean="0"/>
           </a:p>
           <a:p>
             <a:endParaRPr lang="de-DE" dirty="0" smtClean="0"/>
@@ -5808,44 +5770,6 @@
           </a:p>
           <a:p>
             <a:endParaRPr lang="de-DE" dirty="0" smtClean="0"/>
-          </a:p>
-          <a:p>
-            <a:r>
-              <a:rPr lang="de-DE" dirty="0" smtClean="0"/>
-              <a:t>Apache</a:t>
-            </a:r>
-          </a:p>
-          <a:p>
-            <a:pPr lvl="1"/>
-            <a:r>
-              <a:rPr lang="de-DE" dirty="0" smtClean="0"/>
-              <a:t>Weit </a:t>
-            </a:r>
-            <a:r>
-              <a:rPr lang="de-DE" dirty="0" err="1" smtClean="0"/>
-              <a:t>verbreitetester</a:t>
-            </a:r>
-            <a:r>
-              <a:rPr lang="de-DE" dirty="0" smtClean="0"/>
-              <a:t> Web Server</a:t>
-            </a:r>
-          </a:p>
-          <a:p>
-            <a:pPr lvl="1"/>
-            <a:r>
-              <a:rPr lang="de-DE" dirty="0" smtClean="0"/>
-              <a:t>Open-Source</a:t>
-            </a:r>
-          </a:p>
-          <a:p>
-            <a:pPr lvl="1"/>
-            <a:r>
-              <a:rPr lang="de-DE" dirty="0" smtClean="0"/>
-              <a:t>Einfache Installation und Konfiguration</a:t>
-            </a:r>
-          </a:p>
-          <a:p>
-            <a:endParaRPr lang="de-DE" dirty="0"/>
           </a:p>
         </p:txBody>
       </p:sp>
@@ -11067,15 +10991,7 @@
           <a:p>
             <a:r>
               <a:rPr lang="de-DE" dirty="0" smtClean="0"/>
-              <a:t>Hauptplanung in Microsoft </a:t>
-            </a:r>
-            <a:r>
-              <a:rPr lang="de-DE" dirty="0" smtClean="0"/>
-              <a:t>Project </a:t>
-            </a:r>
-            <a:r>
-              <a:rPr lang="de-DE" dirty="0" smtClean="0"/>
-              <a:t>2010</a:t>
+              <a:t>Hauptplanung in Microsoft Project 2010</a:t>
             </a:r>
             <a:endParaRPr lang="de-DE" dirty="0"/>
           </a:p>
@@ -14516,14 +14432,20 @@
       </p:pic>
       <p:pic>
         <p:nvPicPr>
-          <p:cNvPr id="1030" name="Picture 6"/>
+          <p:cNvPr id="3" name="Picture 2"/>
           <p:cNvPicPr>
             <a:picLocks noChangeAspect="1" noChangeArrowheads="1"/>
           </p:cNvPicPr>
           <p:nvPr/>
         </p:nvPicPr>
         <p:blipFill>
-          <a:blip r:embed="rId6" cstate="print"/>
+          <a:blip r:embed="rId6">
+            <a:extLst>
+              <a:ext uri="{28A0092B-C50C-407E-A947-70E740481C1C}">
+                <a14:useLocalDpi xmlns:a14="http://schemas.microsoft.com/office/drawing/2010/main" val="0"/>
+              </a:ext>
+            </a:extLst>
+          </a:blip>
           <a:srcRect/>
           <a:stretch>
             <a:fillRect/>
@@ -14531,8 +14453,8 @@
         </p:blipFill>
         <p:spPr bwMode="auto">
           <a:xfrm>
-            <a:off x="1259633" y="1269040"/>
-            <a:ext cx="3991409" cy="2520000"/>
+            <a:off x="1243627" y="1269040"/>
+            <a:ext cx="4004592" cy="2520000"/>
           </a:xfrm>
           <a:prstGeom prst="rect">
             <a:avLst/>
@@ -14546,6 +14468,24 @@
             <a:headEnd/>
             <a:tailEnd/>
           </a:ln>
+          <a:extLst>
+            <a:ext uri="{909E8E84-426E-40DD-AFC4-6F175D3DCCD1}">
+              <a14:hiddenFill xmlns:a14="http://schemas.microsoft.com/office/drawing/2010/main">
+                <a:solidFill>
+                  <a:schemeClr val="accent1"/>
+                </a:solidFill>
+              </a14:hiddenFill>
+            </a:ext>
+            <a:ext uri="{AF507438-7753-43E0-B8FC-AC1667EBCBE1}">
+              <a14:hiddenEffects xmlns:a14="http://schemas.microsoft.com/office/drawing/2010/main">
+                <a:effectLst>
+                  <a:outerShdw dist="35921" dir="2700000" algn="ctr" rotWithShape="0">
+                    <a:schemeClr val="bg2"/>
+                  </a:outerShdw>
+                </a:effectLst>
+              </a14:hiddenEffects>
+            </a:ext>
+          </a:extLst>
         </p:spPr>
       </p:pic>
     </p:spTree>
@@ -14675,11 +14615,7 @@
           <a:p>
             <a:r>
               <a:rPr lang="de-DE" dirty="0" smtClean="0"/>
-              <a:t>Design </a:t>
-            </a:r>
-            <a:r>
-              <a:rPr lang="de-DE" dirty="0" smtClean="0"/>
-              <a:t>Modell</a:t>
+              <a:t>Design Modell</a:t>
             </a:r>
           </a:p>
           <a:p>
@@ -14687,20 +14623,19 @@
               <a:rPr lang="de-DE" dirty="0" smtClean="0"/>
               <a:t>Feinentwurf</a:t>
             </a:r>
+          </a:p>
+          <a:p>
+            <a:r>
+              <a:rPr lang="de-DE" dirty="0" smtClean="0"/>
+              <a:t>Prototypische Implementierung</a:t>
+            </a:r>
+          </a:p>
+          <a:p>
             <a:endParaRPr lang="de-DE" dirty="0" smtClean="0"/>
           </a:p>
           <a:p>
             <a:r>
               <a:rPr lang="de-DE" dirty="0" smtClean="0"/>
-              <a:t>Prototypische Implementierung</a:t>
-            </a:r>
-          </a:p>
-          <a:p>
-            <a:endParaRPr lang="de-DE" dirty="0" smtClean="0"/>
-          </a:p>
-          <a:p>
-            <a:r>
-              <a:rPr lang="de-DE" dirty="0" smtClean="0"/>
               <a:t>Peer-Review,</a:t>
             </a:r>
             <a:br>
@@ -14717,7 +14652,6 @@
               <a:rPr lang="de-DE" dirty="0" smtClean="0"/>
               <a:t>Reflexionsbericht</a:t>
             </a:r>
-            <a:endParaRPr lang="de-DE" dirty="0" smtClean="0"/>
           </a:p>
           <a:p>
             <a:pPr lvl="1"/>
@@ -16030,11 +15964,15 @@
           <a:p>
             <a:r>
               <a:rPr lang="de-DE" dirty="0" err="1" smtClean="0"/>
-              <a:t>Two</a:t>
-            </a:r>
-            <a:r>
-              <a:rPr lang="de-DE" dirty="0" smtClean="0"/>
-              <a:t>-Tier Architektur</a:t>
+              <a:t>Three</a:t>
+            </a:r>
+            <a:r>
+              <a:rPr lang="de-DE" dirty="0" smtClean="0"/>
+              <a:t>-Tier </a:t>
+            </a:r>
+            <a:r>
+              <a:rPr lang="de-DE" dirty="0" smtClean="0"/>
+              <a:t>Architektur</a:t>
             </a:r>
           </a:p>
           <a:p>
@@ -16133,8 +16071,8 @@
         </p:nvSpPr>
         <p:spPr>
           <a:xfrm>
-            <a:off x="1763688" y="4221088"/>
-            <a:ext cx="2376264" cy="1584176"/>
+            <a:off x="3550240" y="4238666"/>
+            <a:ext cx="1944216" cy="1584176"/>
           </a:xfrm>
           <a:prstGeom prst="flowChartProcess">
             <a:avLst/>
@@ -16163,27 +16101,12 @@
             <a:pPr lvl="0"/>
             <a:r>
               <a:rPr lang="de-DE" b="1" dirty="0" err="1" smtClean="0"/>
-              <a:t>Application</a:t>
-            </a:r>
-            <a:r>
-              <a:rPr lang="de-DE" b="1" dirty="0" smtClean="0"/>
-              <a:t>/ </a:t>
-            </a:r>
-            <a:r>
-              <a:rPr lang="de-DE" b="1" dirty="0" err="1" smtClean="0"/>
-              <a:t>Presentation</a:t>
-            </a:r>
-            <a:r>
-              <a:rPr lang="de-DE" b="1" dirty="0" smtClean="0"/>
-              <a:t>  </a:t>
-            </a:r>
-            <a:r>
-              <a:rPr lang="de-DE" b="1" dirty="0"/>
-              <a:t>Tier</a:t>
-            </a:r>
-          </a:p>
-          <a:p>
-            <a:pPr marL="742950" lvl="1" indent="-285750">
+              <a:t>ApplicationTier</a:t>
+            </a:r>
+            <a:endParaRPr lang="de-DE" b="1" dirty="0"/>
+          </a:p>
+          <a:p>
+            <a:pPr marL="381600" lvl="1" indent="-285750">
               <a:buFont typeface="Arial" pitchFamily="34" charset="0"/>
               <a:buChar char="•"/>
             </a:pPr>
@@ -16198,7 +16121,7 @@
             <a:endParaRPr lang="de-DE" dirty="0"/>
           </a:p>
           <a:p>
-            <a:pPr marL="742950" lvl="1" indent="-285750">
+            <a:pPr marL="381600" lvl="1" indent="-285750">
               <a:buFont typeface="Arial" pitchFamily="34" charset="0"/>
               <a:buChar char="•"/>
             </a:pPr>
@@ -16226,8 +16149,8 @@
         </p:nvSpPr>
         <p:spPr>
           <a:xfrm>
-            <a:off x="5940152" y="4221088"/>
-            <a:ext cx="2376264" cy="1584176"/>
+            <a:off x="7150640" y="4242596"/>
+            <a:ext cx="1944216" cy="1584176"/>
           </a:xfrm>
           <a:prstGeom prst="flowChartProcess">
             <a:avLst/>
@@ -16264,7 +16187,7 @@
             <a:endParaRPr lang="de-DE" sz="1100" b="1" dirty="0"/>
           </a:p>
           <a:p>
-            <a:pPr marL="742950" lvl="1" indent="-285750">
+            <a:pPr marL="381600" lvl="1" indent="-285750">
               <a:buFont typeface="Arial" pitchFamily="34" charset="0"/>
               <a:buChar char="•"/>
             </a:pPr>
@@ -16291,7 +16214,7 @@
         </p:nvSpPr>
         <p:spPr>
           <a:xfrm>
-            <a:off x="4283968" y="4509120"/>
+            <a:off x="5566464" y="4509120"/>
             <a:ext cx="1512168" cy="576064"/>
           </a:xfrm>
           <a:prstGeom prst="leftRightArrow">
@@ -16323,6 +16246,116 @@
               <a:rPr lang="de-DE" dirty="0" err="1" smtClean="0"/>
               <a:t>Hibernate</a:t>
             </a:r>
+            <a:endParaRPr lang="de-DE" dirty="0"/>
+          </a:p>
+        </p:txBody>
+      </p:sp>
+      <p:sp>
+        <p:nvSpPr>
+          <p:cNvPr id="11" name="Pfeil nach links und rechts 10"/>
+          <p:cNvSpPr/>
+          <p:nvPr/>
+        </p:nvSpPr>
+        <p:spPr>
+          <a:xfrm>
+            <a:off x="2110080" y="4509120"/>
+            <a:ext cx="1368152" cy="576064"/>
+          </a:xfrm>
+          <a:prstGeom prst="leftRightArrow">
+            <a:avLst/>
+          </a:prstGeom>
+        </p:spPr>
+        <p:style>
+          <a:lnRef idx="2">
+            <a:schemeClr val="accent1">
+              <a:shade val="50000"/>
+            </a:schemeClr>
+          </a:lnRef>
+          <a:fillRef idx="1">
+            <a:schemeClr val="accent1"/>
+          </a:fillRef>
+          <a:effectRef idx="0">
+            <a:schemeClr val="accent1"/>
+          </a:effectRef>
+          <a:fontRef idx="minor">
+            <a:schemeClr val="lt1"/>
+          </a:fontRef>
+        </p:style>
+        <p:txBody>
+          <a:bodyPr rtlCol="0" anchor="ctr"/>
+          <a:lstStyle/>
+          <a:p>
+            <a:pPr algn="ctr"/>
+            <a:r>
+              <a:rPr lang="de-DE" dirty="0" smtClean="0"/>
+              <a:t>HTTP(s)</a:t>
+            </a:r>
+            <a:endParaRPr lang="de-DE" dirty="0"/>
+          </a:p>
+        </p:txBody>
+      </p:sp>
+      <p:sp>
+        <p:nvSpPr>
+          <p:cNvPr id="12" name="Flussdiagramm: Prozess 11"/>
+          <p:cNvSpPr/>
+          <p:nvPr/>
+        </p:nvSpPr>
+        <p:spPr>
+          <a:xfrm>
+            <a:off x="93856" y="4242596"/>
+            <a:ext cx="1944216" cy="1584176"/>
+          </a:xfrm>
+          <a:prstGeom prst="flowChartProcess">
+            <a:avLst/>
+          </a:prstGeom>
+        </p:spPr>
+        <p:style>
+          <a:lnRef idx="2">
+            <a:schemeClr val="accent1">
+              <a:shade val="50000"/>
+            </a:schemeClr>
+          </a:lnRef>
+          <a:fillRef idx="1">
+            <a:schemeClr val="accent1"/>
+          </a:fillRef>
+          <a:effectRef idx="0">
+            <a:schemeClr val="accent1"/>
+          </a:effectRef>
+          <a:fontRef idx="minor">
+            <a:schemeClr val="lt1"/>
+          </a:fontRef>
+        </p:style>
+        <p:txBody>
+          <a:bodyPr rtlCol="0" anchor="ctr"/>
+          <a:lstStyle/>
+          <a:p>
+            <a:pPr lvl="0"/>
+            <a:r>
+              <a:rPr lang="de-DE" b="1" dirty="0" err="1" smtClean="0"/>
+              <a:t>Presentation</a:t>
+            </a:r>
+            <a:r>
+              <a:rPr lang="de-DE" b="1" dirty="0" smtClean="0"/>
+              <a:t> Tier</a:t>
+            </a:r>
+            <a:br>
+              <a:rPr lang="de-DE" b="1" dirty="0" smtClean="0"/>
+            </a:br>
+            <a:endParaRPr lang="de-DE" sz="1100" b="1" dirty="0" smtClean="0"/>
+          </a:p>
+          <a:p>
+            <a:pPr marL="381600" lvl="1" indent="-285750">
+              <a:buFont typeface="Arial" pitchFamily="34" charset="0"/>
+              <a:buChar char="•"/>
+            </a:pPr>
+            <a:r>
+              <a:rPr lang="de-DE" dirty="0" smtClean="0"/>
+              <a:t>Webbrowser</a:t>
+            </a:r>
+            <a:endParaRPr lang="de-DE" dirty="0"/>
+          </a:p>
+          <a:p>
+            <a:pPr algn="ctr"/>
             <a:endParaRPr lang="de-DE" dirty="0"/>
           </a:p>
         </p:txBody>
@@ -16444,7 +16477,6 @@
               <a:rPr lang="de-DE" dirty="0" smtClean="0"/>
               <a:t>Lastenheft</a:t>
             </a:r>
-            <a:endParaRPr lang="de-DE" dirty="0" smtClean="0"/>
           </a:p>
           <a:p>
             <a:pPr lvl="2"/>
@@ -16459,7 +16491,6 @@
               <a:rPr lang="de-DE" dirty="0" smtClean="0"/>
               <a:t>Szenarien</a:t>
             </a:r>
-            <a:endParaRPr lang="de-DE" dirty="0" smtClean="0"/>
           </a:p>
           <a:p>
             <a:pPr lvl="2"/>

--- a/Dokumente/Zwischenstand zum 2012-04-21_v2.pptx
+++ b/Dokumente/Zwischenstand zum 2012-04-21_v2.pptx
@@ -5205,11 +5205,7 @@
           <a:p>
             <a:r>
               <a:rPr lang="de-DE" baseline="0" dirty="0" smtClean="0"/>
-              <a:t>Ziel: 11.06. eine prototypische Implementierung der Plattform </a:t>
-            </a:r>
-            <a:r>
-              <a:rPr lang="de-DE" baseline="0" dirty="0" smtClean="0"/>
-              <a:t>fertigstellen</a:t>
+              <a:t>Ziel: 11.06. eine prototypische Implementierung der Plattform fertigstellen</a:t>
             </a:r>
           </a:p>
           <a:p>
@@ -11067,15 +11063,7 @@
           <a:p>
             <a:r>
               <a:rPr lang="de-DE" dirty="0" smtClean="0"/>
-              <a:t>Hauptplanung in Microsoft </a:t>
-            </a:r>
-            <a:r>
-              <a:rPr lang="de-DE" dirty="0" smtClean="0"/>
-              <a:t>Project </a:t>
-            </a:r>
-            <a:r>
-              <a:rPr lang="de-DE" dirty="0" smtClean="0"/>
-              <a:t>2010</a:t>
+              <a:t>Hauptplanung in Microsoft Project 2010</a:t>
             </a:r>
             <a:endParaRPr lang="de-DE" dirty="0"/>
           </a:p>
@@ -14516,14 +14504,20 @@
       </p:pic>
       <p:pic>
         <p:nvPicPr>
-          <p:cNvPr id="1030" name="Picture 6"/>
+          <p:cNvPr id="3" name="Picture 2"/>
           <p:cNvPicPr>
             <a:picLocks noChangeAspect="1" noChangeArrowheads="1"/>
           </p:cNvPicPr>
           <p:nvPr/>
         </p:nvPicPr>
         <p:blipFill>
-          <a:blip r:embed="rId6" cstate="print"/>
+          <a:blip r:embed="rId6">
+            <a:extLst>
+              <a:ext uri="{28A0092B-C50C-407E-A947-70E740481C1C}">
+                <a14:useLocalDpi xmlns:a14="http://schemas.microsoft.com/office/drawing/2010/main" val="0"/>
+              </a:ext>
+            </a:extLst>
+          </a:blip>
           <a:srcRect/>
           <a:stretch>
             <a:fillRect/>
@@ -14531,8 +14525,8 @@
         </p:blipFill>
         <p:spPr bwMode="auto">
           <a:xfrm>
-            <a:off x="1259633" y="1269040"/>
-            <a:ext cx="3991409" cy="2520000"/>
+            <a:off x="1243627" y="1269040"/>
+            <a:ext cx="4004592" cy="2520000"/>
           </a:xfrm>
           <a:prstGeom prst="rect">
             <a:avLst/>
@@ -14546,6 +14540,34 @@
             <a:headEnd/>
             <a:tailEnd/>
           </a:ln>
+          <a:extLst>
+            <a:ext uri="{909E8E84-426E-40DD-AFC4-6F175D3DCCD1}">
+              <a14:hiddenFill xmlns:a14="http://schemas.microsoft.com/office/drawing/2010/main">
+                <a:solidFill>
+                  <a:schemeClr val="accent1"/>
+                </a:solidFill>
+              </a14:hiddenFill>
+            </a:ext>
+            <a:ext uri="{91240B29-F687-4F45-9708-019B960494DF}">
+              <a14:hiddenLine xmlns:a14="http://schemas.microsoft.com/office/drawing/2010/main" w="9525">
+                <a:solidFill>
+                  <a:schemeClr val="tx1"/>
+                </a:solidFill>
+                <a:miter lim="800000"/>
+                <a:headEnd/>
+                <a:tailEnd/>
+              </a14:hiddenLine>
+            </a:ext>
+            <a:ext uri="{AF507438-7753-43E0-B8FC-AC1667EBCBE1}">
+              <a14:hiddenEffects xmlns:a14="http://schemas.microsoft.com/office/drawing/2010/main">
+                <a:effectLst>
+                  <a:outerShdw dist="35921" dir="2700000" algn="ctr" rotWithShape="0">
+                    <a:schemeClr val="bg2"/>
+                  </a:outerShdw>
+                </a:effectLst>
+              </a14:hiddenEffects>
+            </a:ext>
+          </a:extLst>
         </p:spPr>
       </p:pic>
     </p:spTree>
@@ -14675,11 +14697,7 @@
           <a:p>
             <a:r>
               <a:rPr lang="de-DE" dirty="0" smtClean="0"/>
-              <a:t>Design </a:t>
-            </a:r>
-            <a:r>
-              <a:rPr lang="de-DE" dirty="0" smtClean="0"/>
-              <a:t>Modell</a:t>
+              <a:t>Design Modell</a:t>
             </a:r>
           </a:p>
           <a:p>
@@ -14687,20 +14705,19 @@
               <a:rPr lang="de-DE" dirty="0" smtClean="0"/>
               <a:t>Feinentwurf</a:t>
             </a:r>
+          </a:p>
+          <a:p>
+            <a:r>
+              <a:rPr lang="de-DE" dirty="0" smtClean="0"/>
+              <a:t>Prototypische Implementierung</a:t>
+            </a:r>
+          </a:p>
+          <a:p>
             <a:endParaRPr lang="de-DE" dirty="0" smtClean="0"/>
           </a:p>
           <a:p>
             <a:r>
               <a:rPr lang="de-DE" dirty="0" smtClean="0"/>
-              <a:t>Prototypische Implementierung</a:t>
-            </a:r>
-          </a:p>
-          <a:p>
-            <a:endParaRPr lang="de-DE" dirty="0" smtClean="0"/>
-          </a:p>
-          <a:p>
-            <a:r>
-              <a:rPr lang="de-DE" dirty="0" smtClean="0"/>
               <a:t>Peer-Review,</a:t>
             </a:r>
             <a:br>
@@ -14717,7 +14734,6 @@
               <a:rPr lang="de-DE" dirty="0" smtClean="0"/>
               <a:t>Reflexionsbericht</a:t>
             </a:r>
-            <a:endParaRPr lang="de-DE" dirty="0" smtClean="0"/>
           </a:p>
           <a:p>
             <a:pPr lvl="1"/>
@@ -16444,7 +16460,6 @@
               <a:rPr lang="de-DE" dirty="0" smtClean="0"/>
               <a:t>Lastenheft</a:t>
             </a:r>
-            <a:endParaRPr lang="de-DE" dirty="0" smtClean="0"/>
           </a:p>
           <a:p>
             <a:pPr lvl="2"/>
@@ -16459,7 +16474,6 @@
               <a:rPr lang="de-DE" dirty="0" smtClean="0"/>
               <a:t>Szenarien</a:t>
             </a:r>
-            <a:endParaRPr lang="de-DE" dirty="0" smtClean="0"/>
           </a:p>
           <a:p>
             <a:pPr lvl="2"/>

--- a/Dokumente/Zwischenstand zum 2012-04-21_v2.pptx
+++ b/Dokumente/Zwischenstand zum 2012-04-21_v2.pptx
@@ -4450,31 +4450,7 @@
                 <a:ea typeface="+mn-ea"/>
                 <a:cs typeface="+mn-cs"/>
               </a:rPr>
-              <a:t>Erstellung einer webbasierten Plattform zur nutzerzentrierten</a:t>
-            </a:r>
-            <a:r>
-              <a:rPr lang="de-DE" sz="1200" i="1" kern="1200" baseline="0" dirty="0" smtClean="0">
-                <a:solidFill>
-                  <a:schemeClr val="tx1"/>
-                </a:solidFill>
-                <a:effectLst/>
-                <a:latin typeface="+mn-lt"/>
-                <a:ea typeface="+mn-ea"/>
-                <a:cs typeface="+mn-cs"/>
-              </a:rPr>
-              <a:t> </a:t>
-            </a:r>
-            <a:r>
-              <a:rPr lang="de-DE" sz="1200" i="1" kern="1200" dirty="0" smtClean="0">
-                <a:solidFill>
-                  <a:schemeClr val="tx1"/>
-                </a:solidFill>
-                <a:effectLst/>
-                <a:latin typeface="+mn-lt"/>
-                <a:ea typeface="+mn-ea"/>
-                <a:cs typeface="+mn-cs"/>
-              </a:rPr>
-              <a:t>Organisation von nicht kommerziellen gemeinschaftlichen Freizeitaktivitäten.</a:t>
+              <a:t>Erstellung einer webbasierten Plattform zur Organisation von nicht kommerziellen gemeinschaftlichen Freizeitaktivitäten.</a:t>
             </a:r>
           </a:p>
           <a:p>
@@ -5681,7 +5657,6 @@
               <a:rPr lang="de-DE" dirty="0" smtClean="0"/>
               <a:t>Typische wie in Vorlesung</a:t>
             </a:r>
-            <a:endParaRPr lang="de-DE" dirty="0" smtClean="0"/>
           </a:p>
           <a:p>
             <a:endParaRPr lang="de-DE" dirty="0" smtClean="0"/>
@@ -10746,7 +10721,11 @@
             </a:r>
             <a:r>
               <a:rPr lang="de-DE" dirty="0"/>
-              <a:t>Beer, Alexander </a:t>
+              <a:t>Beer, </a:t>
+            </a:r>
+            <a:r>
+              <a:rPr lang="de-DE" dirty="0" smtClean="0"/>
+              <a:t> Alexander </a:t>
             </a:r>
             <a:r>
               <a:rPr lang="de-DE" dirty="0" err="1"/>
@@ -10754,7 +10733,11 @@
             </a:r>
             <a:r>
               <a:rPr lang="de-DE" dirty="0"/>
-              <a:t>, Martin </a:t>
+              <a:t>, </a:t>
+            </a:r>
+            <a:r>
+              <a:rPr lang="de-DE" dirty="0" smtClean="0"/>
+              <a:t> Martin </a:t>
             </a:r>
             <a:r>
               <a:rPr lang="de-DE" dirty="0" err="1"/>
@@ -10762,7 +10745,18 @@
             </a:r>
             <a:r>
               <a:rPr lang="de-DE" dirty="0"/>
-              <a:t>, Felix Schulze </a:t>
+              <a:t>, </a:t>
+            </a:r>
+            <a:br>
+              <a:rPr lang="de-DE" dirty="0"/>
+            </a:br>
+            <a:r>
+              <a:rPr lang="de-DE" dirty="0" smtClean="0"/>
+              <a:t>Felix </a:t>
+            </a:r>
+            <a:r>
+              <a:rPr lang="de-DE" dirty="0"/>
+              <a:t>Schulze </a:t>
             </a:r>
             <a:r>
               <a:rPr lang="de-DE" dirty="0" err="1"/>
@@ -10770,10 +10764,18 @@
             </a:r>
             <a:r>
               <a:rPr lang="de-DE" dirty="0"/>
-              <a:t>, Felix Wessel, Patrick </a:t>
-            </a:r>
-            <a:r>
-              <a:rPr lang="de-DE" smtClean="0"/>
+              <a:t>, </a:t>
+            </a:r>
+            <a:r>
+              <a:rPr lang="de-DE" dirty="0" smtClean="0"/>
+              <a:t> Felix </a:t>
+            </a:r>
+            <a:r>
+              <a:rPr lang="de-DE" dirty="0"/>
+              <a:t>Wessel, Patrick </a:t>
+            </a:r>
+            <a:r>
+              <a:rPr lang="de-DE" dirty="0" err="1" smtClean="0"/>
               <a:t>Wiebeler</a:t>
             </a:r>
             <a:endParaRPr lang="de-DE" dirty="0"/>
@@ -11480,7 +11482,7 @@
             </a:r>
           </a:p>
           <a:p>
-            <a:pPr lvl="2"/>
+            <a:pPr lvl="1"/>
             <a:r>
               <a:rPr lang="de-DE" dirty="0"/>
               <a:t>Mock-</a:t>
@@ -11820,7 +11822,7 @@
             </a:r>
           </a:p>
           <a:p>
-            <a:pPr lvl="2"/>
+            <a:pPr lvl="1"/>
             <a:r>
               <a:rPr lang="de-DE" dirty="0"/>
               <a:t>Mock-</a:t>
@@ -12166,7 +12168,7 @@
             </a:r>
           </a:p>
           <a:p>
-            <a:pPr lvl="2"/>
+            <a:pPr lvl="1"/>
             <a:r>
               <a:rPr lang="de-DE" dirty="0"/>
               <a:t>Mock-</a:t>
@@ -12442,7 +12444,7 @@
             </a:r>
           </a:p>
           <a:p>
-            <a:pPr lvl="2"/>
+            <a:pPr lvl="1"/>
             <a:r>
               <a:rPr lang="de-DE" dirty="0"/>
               <a:t>Mock-</a:t>
@@ -12950,7 +12952,7 @@
             </a:r>
           </a:p>
           <a:p>
-            <a:pPr lvl="2"/>
+            <a:pPr lvl="1"/>
             <a:r>
               <a:rPr lang="de-DE" dirty="0"/>
               <a:t>Mock-</a:t>
@@ -13495,7 +13497,7 @@
             </a:r>
           </a:p>
           <a:p>
-            <a:pPr lvl="2"/>
+            <a:pPr lvl="1"/>
             <a:r>
               <a:rPr lang="de-DE" dirty="0"/>
               <a:t>Mock-</a:t>
@@ -13675,6 +13677,45 @@
           <a:noFill/>
         </p:spPr>
       </p:pic>
+      <p:pic>
+        <p:nvPicPr>
+          <p:cNvPr id="7" name="Picture 2" descr="C:\Users\Alexander\Desktop\eventalizer\eventalizer\dokumente\UML Diagramme\Anwendungsfalldiagramm.png"/>
+          <p:cNvPicPr>
+            <a:picLocks noChangeAspect="1" noChangeArrowheads="1"/>
+          </p:cNvPicPr>
+          <p:nvPr/>
+        </p:nvPicPr>
+        <p:blipFill>
+          <a:blip r:embed="rId2" cstate="print">
+            <a:clrChange>
+              <a:clrFrom>
+                <a:srgbClr val="FFFFF0"/>
+              </a:clrFrom>
+              <a:clrTo>
+                <a:srgbClr val="FFFFF0">
+                  <a:alpha val="0"/>
+                </a:srgbClr>
+              </a:clrTo>
+            </a:clrChange>
+          </a:blip>
+          <a:srcRect/>
+          <a:stretch>
+            <a:fillRect/>
+          </a:stretch>
+        </p:blipFill>
+        <p:spPr bwMode="auto">
+          <a:xfrm>
+            <a:off x="1290695" y="37201"/>
+            <a:ext cx="7730873" cy="6820799"/>
+          </a:xfrm>
+          <a:prstGeom prst="rect">
+            <a:avLst/>
+          </a:prstGeom>
+          <a:solidFill>
+            <a:schemeClr val="bg1"/>
+          </a:solidFill>
+        </p:spPr>
+      </p:pic>
     </p:spTree>
     <p:extLst>
       <p:ext uri="{BB962C8B-B14F-4D97-AF65-F5344CB8AC3E}">
@@ -13688,7 +13729,164 @@
   <p:timing>
     <p:tnLst>
       <p:par>
-        <p:cTn id="1" dur="indefinite" restart="never" nodeType="tmRoot"/>
+        <p:cTn id="1" dur="indefinite" restart="never" nodeType="tmRoot">
+          <p:childTnLst>
+            <p:seq concurrent="1" nextAc="seek">
+              <p:cTn id="2" dur="indefinite" nodeType="mainSeq">
+                <p:childTnLst>
+                  <p:par>
+                    <p:cTn id="3" fill="hold">
+                      <p:stCondLst>
+                        <p:cond delay="indefinite"/>
+                      </p:stCondLst>
+                      <p:childTnLst>
+                        <p:par>
+                          <p:cTn id="4" fill="hold">
+                            <p:stCondLst>
+                              <p:cond delay="0"/>
+                            </p:stCondLst>
+                            <p:childTnLst>
+                              <p:par>
+                                <p:cTn id="5" presetID="10" presetClass="exit" presetSubtype="0" fill="hold" nodeType="clickEffect">
+                                  <p:stCondLst>
+                                    <p:cond delay="0"/>
+                                  </p:stCondLst>
+                                  <p:childTnLst>
+                                    <p:animEffect transition="out" filter="fade">
+                                      <p:cBhvr>
+                                        <p:cTn id="6" dur="500"/>
+                                        <p:tgtEl>
+                                          <p:spTgt spid="43010"/>
+                                        </p:tgtEl>
+                                      </p:cBhvr>
+                                    </p:animEffect>
+                                    <p:set>
+                                      <p:cBhvr>
+                                        <p:cTn id="7" dur="1" fill="hold">
+                                          <p:stCondLst>
+                                            <p:cond delay="499"/>
+                                          </p:stCondLst>
+                                        </p:cTn>
+                                        <p:tgtEl>
+                                          <p:spTgt spid="43010"/>
+                                        </p:tgtEl>
+                                        <p:attrNameLst>
+                                          <p:attrName>style.visibility</p:attrName>
+                                        </p:attrNameLst>
+                                      </p:cBhvr>
+                                      <p:to>
+                                        <p:strVal val="hidden"/>
+                                      </p:to>
+                                    </p:set>
+                                  </p:childTnLst>
+                                </p:cTn>
+                              </p:par>
+                              <p:par>
+                                <p:cTn id="8" presetID="53" presetClass="entr" presetSubtype="16" fill="hold" nodeType="withEffect">
+                                  <p:stCondLst>
+                                    <p:cond delay="0"/>
+                                  </p:stCondLst>
+                                  <p:childTnLst>
+                                    <p:set>
+                                      <p:cBhvr>
+                                        <p:cTn id="9" dur="1" fill="hold">
+                                          <p:stCondLst>
+                                            <p:cond delay="0"/>
+                                          </p:stCondLst>
+                                        </p:cTn>
+                                        <p:tgtEl>
+                                          <p:spTgt spid="7"/>
+                                        </p:tgtEl>
+                                        <p:attrNameLst>
+                                          <p:attrName>style.visibility</p:attrName>
+                                        </p:attrNameLst>
+                                      </p:cBhvr>
+                                      <p:to>
+                                        <p:strVal val="visible"/>
+                                      </p:to>
+                                    </p:set>
+                                    <p:anim calcmode="lin" valueType="num">
+                                      <p:cBhvr>
+                                        <p:cTn id="10" dur="1000" fill="hold"/>
+                                        <p:tgtEl>
+                                          <p:spTgt spid="7"/>
+                                        </p:tgtEl>
+                                        <p:attrNameLst>
+                                          <p:attrName>ppt_w</p:attrName>
+                                        </p:attrNameLst>
+                                      </p:cBhvr>
+                                      <p:tavLst>
+                                        <p:tav tm="0">
+                                          <p:val>
+                                            <p:fltVal val="0"/>
+                                          </p:val>
+                                        </p:tav>
+                                        <p:tav tm="100000">
+                                          <p:val>
+                                            <p:strVal val="#ppt_w"/>
+                                          </p:val>
+                                        </p:tav>
+                                      </p:tavLst>
+                                    </p:anim>
+                                    <p:anim calcmode="lin" valueType="num">
+                                      <p:cBhvr>
+                                        <p:cTn id="11" dur="1000" fill="hold"/>
+                                        <p:tgtEl>
+                                          <p:spTgt spid="7"/>
+                                        </p:tgtEl>
+                                        <p:attrNameLst>
+                                          <p:attrName>ppt_h</p:attrName>
+                                        </p:attrNameLst>
+                                      </p:cBhvr>
+                                      <p:tavLst>
+                                        <p:tav tm="0">
+                                          <p:val>
+                                            <p:fltVal val="0"/>
+                                          </p:val>
+                                        </p:tav>
+                                        <p:tav tm="100000">
+                                          <p:val>
+                                            <p:strVal val="#ppt_h"/>
+                                          </p:val>
+                                        </p:tav>
+                                      </p:tavLst>
+                                    </p:anim>
+                                    <p:animEffect transition="in" filter="fade">
+                                      <p:cBhvr>
+                                        <p:cTn id="12" dur="1000"/>
+                                        <p:tgtEl>
+                                          <p:spTgt spid="7"/>
+                                        </p:tgtEl>
+                                      </p:cBhvr>
+                                    </p:animEffect>
+                                  </p:childTnLst>
+                                </p:cTn>
+                              </p:par>
+                            </p:childTnLst>
+                          </p:cTn>
+                        </p:par>
+                      </p:childTnLst>
+                    </p:cTn>
+                  </p:par>
+                </p:childTnLst>
+              </p:cTn>
+              <p:prevCondLst>
+                <p:cond evt="onPrev" delay="0">
+                  <p:tgtEl>
+                    <p:sldTgt/>
+                  </p:tgtEl>
+                </p:cond>
+              </p:prevCondLst>
+              <p:nextCondLst>
+                <p:cond evt="onNext" delay="0">
+                  <p:tgtEl>
+                    <p:sldTgt/>
+                  </p:tgtEl>
+                </p:cond>
+              </p:nextCondLst>
+            </p:seq>
+          </p:childTnLst>
+        </p:cTn>
       </p:par>
     </p:tnLst>
   </p:timing>
@@ -14111,7 +14309,7 @@
             </a:r>
           </a:p>
           <a:p>
-            <a:pPr lvl="2"/>
+            <a:pPr lvl="1"/>
             <a:r>
               <a:rPr lang="de-DE" dirty="0"/>
               <a:t>Mock-</a:t>
@@ -15267,10 +15465,16 @@
           <a:bodyPr/>
           <a:lstStyle/>
           <a:p>
-            <a:r>
-              <a:rPr lang="de-DE" dirty="0" smtClean="0"/>
-              <a:t>Rational Unified </a:t>
-            </a:r>
+            <a:endParaRPr lang="de-DE" dirty="0" smtClean="0"/>
+          </a:p>
+          <a:p>
+            <a:r>
+              <a:rPr lang="de-DE" dirty="0" smtClean="0"/>
+              <a:t>Rational Unified</a:t>
+            </a:r>
+            <a:br>
+              <a:rPr lang="de-DE" dirty="0" smtClean="0"/>
+            </a:br>
             <a:r>
               <a:rPr lang="de-DE" dirty="0" err="1" smtClean="0"/>
               <a:t>Process</a:t>
@@ -15320,13 +15524,13 @@
           <p:nvPr>
             <p:extLst>
               <p:ext uri="{D42A27DB-BD31-4B8C-83A1-F6EECF244321}">
-                <p14:modId xmlns:p14="http://schemas.microsoft.com/office/powerpoint/2010/main" val="3006520327"/>
+                <p14:modId xmlns:p14="http://schemas.microsoft.com/office/powerpoint/2010/main" val="85687480"/>
               </p:ext>
             </p:extLst>
           </p:nvPr>
         </p:nvGraphicFramePr>
         <p:xfrm>
-          <a:off x="6444208" y="1628800"/>
+          <a:off x="6444208" y="1412776"/>
           <a:ext cx="2016224" cy="5040560"/>
         </p:xfrm>
         <a:graphic>
@@ -15737,12 +15941,16 @@
           <a:p>
             <a:pPr lvl="1"/>
             <a:r>
-              <a:rPr lang="de-DE" dirty="0" err="1"/>
-              <a:t>G</a:t>
-            </a:r>
-            <a:r>
               <a:rPr lang="de-DE" dirty="0" err="1" smtClean="0"/>
-              <a:t>itHub</a:t>
+              <a:t>GitHub</a:t>
+            </a:r>
+            <a:r>
+              <a:rPr lang="de-DE" dirty="0" smtClean="0"/>
+              <a:t> / </a:t>
+            </a:r>
+            <a:r>
+              <a:rPr lang="de-DE" dirty="0" err="1" smtClean="0"/>
+              <a:t>Git</a:t>
             </a:r>
             <a:endParaRPr lang="de-DE" dirty="0" smtClean="0"/>
           </a:p>
@@ -15968,11 +16176,7 @@
             </a:r>
             <a:r>
               <a:rPr lang="de-DE" dirty="0" smtClean="0"/>
-              <a:t>-Tier </a:t>
-            </a:r>
-            <a:r>
-              <a:rPr lang="de-DE" dirty="0" smtClean="0"/>
-              <a:t>Architektur</a:t>
+              <a:t>-Tier Architektur</a:t>
             </a:r>
           </a:p>
           <a:p>
@@ -16101,7 +16305,11 @@
             <a:pPr lvl="0"/>
             <a:r>
               <a:rPr lang="de-DE" b="1" dirty="0" err="1" smtClean="0"/>
-              <a:t>ApplicationTier</a:t>
+              <a:t>Application</a:t>
+            </a:r>
+            <a:r>
+              <a:rPr lang="de-DE" b="1" dirty="0" smtClean="0"/>
+              <a:t> Tier</a:t>
             </a:r>
             <a:endParaRPr lang="de-DE" b="1" dirty="0"/>
           </a:p>
@@ -16500,7 +16708,7 @@
             </a:r>
           </a:p>
           <a:p>
-            <a:pPr lvl="2"/>
+            <a:pPr lvl="1"/>
             <a:r>
               <a:rPr lang="de-DE" dirty="0" smtClean="0"/>
               <a:t>Mock-</a:t>
@@ -16776,7 +16984,7 @@
             </a:r>
           </a:p>
           <a:p>
-            <a:pPr lvl="2"/>
+            <a:pPr lvl="1"/>
             <a:r>
               <a:rPr lang="de-DE" dirty="0"/>
               <a:t>Mock-</a:t>
